--- a/Lectures/Byte 2.pptx
+++ b/Lectures/Byte 2.pptx
@@ -5,15 +5,17 @@
     <p:sldMasterId id="2147483648" r:id="rId1"/>
   </p:sldMasterIdLst>
   <p:notesMasterIdLst>
-    <p:notesMasterId r:id="rId5"/>
+    <p:notesMasterId r:id="rId7"/>
   </p:notesMasterIdLst>
   <p:handoutMasterIdLst>
-    <p:handoutMasterId r:id="rId6"/>
+    <p:handoutMasterId r:id="rId8"/>
   </p:handoutMasterIdLst>
   <p:sldIdLst>
     <p:sldId id="256" r:id="rId2"/>
     <p:sldId id="412" r:id="rId3"/>
     <p:sldId id="413" r:id="rId4"/>
+    <p:sldId id="414" r:id="rId5"/>
+    <p:sldId id="415" r:id="rId6"/>
   </p:sldIdLst>
   <p:sldSz cx="9144000" cy="6858000" type="screen4x3"/>
   <p:notesSz cx="6858000" cy="9144000"/>
@@ -197,7 +199,7 @@
           <a:p>
             <a:fld id="{D3AAB66F-B1B7-D045-B4E8-4F60236F228D}" type="datetimeFigureOut">
               <a:rPr lang="en-US" smtClean="0"/>
-              <a:t>1/10/14</a:t>
+              <a:t>1/20/14</a:t>
             </a:fld>
             <a:endParaRPr lang="en-US"/>
           </a:p>
@@ -363,7 +365,7 @@
           <a:p>
             <a:fld id="{BCCF8E76-06A6-164E-A6FA-EC32C13EB232}" type="datetimeFigureOut">
               <a:rPr lang="en-US" smtClean="0"/>
-              <a:t>1/10/14</a:t>
+              <a:t>1/20/14</a:t>
             </a:fld>
             <a:endParaRPr lang="en-US"/>
           </a:p>
@@ -1149,7 +1151,7 @@
             <a:fld id="{FA3C144B-2939-9A49-B014-915EC3E81866}" type="datetime1">
               <a:rPr lang="en-US" smtClean="0"/>
               <a:pPr/>
-              <a:t>1/10/14</a:t>
+              <a:t>1/20/14</a:t>
             </a:fld>
             <a:endParaRPr lang="en-US" dirty="0"/>
           </a:p>
@@ -1578,7 +1580,7 @@
           <a:p>
             <a:fld id="{76838339-A875-5E45-AB3F-AAABD270346A}" type="datetime1">
               <a:rPr lang="en-US" smtClean="0"/>
-              <a:t>1/10/14</a:t>
+              <a:t>1/20/14</a:t>
             </a:fld>
             <a:endParaRPr lang="en-US"/>
           </a:p>
@@ -1864,7 +1866,7 @@
             <a:fld id="{FA3C144B-2939-9A49-B014-915EC3E81866}" type="datetime1">
               <a:rPr lang="en-US" smtClean="0"/>
               <a:pPr/>
-              <a:t>1/10/14</a:t>
+              <a:t>1/20/14</a:t>
             </a:fld>
             <a:endParaRPr lang="en-US" dirty="0"/>
           </a:p>
@@ -2346,7 +2348,7 @@
           <a:p>
             <a:fld id="{A73F672F-A5FB-5745-934A-1BF51CA5539C}" type="datetime1">
               <a:rPr lang="en-US" smtClean="0"/>
-              <a:t>1/10/14</a:t>
+              <a:t>1/20/14</a:t>
             </a:fld>
             <a:endParaRPr lang="en-US"/>
           </a:p>
@@ -2688,7 +2690,7 @@
             <a:fld id="{FA3C144B-2939-9A49-B014-915EC3E81866}" type="datetime1">
               <a:rPr lang="en-US" smtClean="0"/>
               <a:pPr/>
-              <a:t>1/10/14</a:t>
+              <a:t>1/20/14</a:t>
             </a:fld>
             <a:endParaRPr lang="en-US" dirty="0"/>
           </a:p>
@@ -3152,7 +3154,7 @@
           <a:p>
             <a:fld id="{6AFE6A63-5EBE-3E48-B0AE-DF655A1ECE76}" type="datetime1">
               <a:rPr lang="en-US" smtClean="0"/>
-              <a:t>1/10/14</a:t>
+              <a:t>1/20/14</a:t>
             </a:fld>
             <a:endParaRPr lang="en-US"/>
           </a:p>
@@ -3471,7 +3473,7 @@
           <a:p>
             <a:fld id="{4A019F0C-9D18-B54A-9AC9-18AA74EDB034}" type="datetime1">
               <a:rPr lang="en-US" smtClean="0"/>
-              <a:t>1/10/14</a:t>
+              <a:t>1/20/14</a:t>
             </a:fld>
             <a:endParaRPr lang="en-US"/>
           </a:p>
@@ -3781,7 +3783,7 @@
             <a:fld id="{FA3C144B-2939-9A49-B014-915EC3E81866}" type="datetime1">
               <a:rPr lang="en-US" smtClean="0"/>
               <a:pPr/>
-              <a:t>1/10/14</a:t>
+              <a:t>1/20/14</a:t>
             </a:fld>
             <a:endParaRPr lang="en-US" dirty="0"/>
           </a:p>
@@ -4044,7 +4046,7 @@
           <a:p>
             <a:fld id="{FA3C144B-2939-9A49-B014-915EC3E81866}" type="datetime1">
               <a:rPr lang="en-US" smtClean="0"/>
-              <a:t>1/10/14</a:t>
+              <a:t>1/20/14</a:t>
             </a:fld>
             <a:endParaRPr lang="en-US" dirty="0"/>
           </a:p>
@@ -4412,7 +4414,7 @@
           <a:p>
             <a:fld id="{7053BEFA-1175-F644-B249-7D41D72BD3FF}" type="datetime1">
               <a:rPr lang="en-US" smtClean="0"/>
-              <a:t>1/10/14</a:t>
+              <a:t>1/20/14</a:t>
             </a:fld>
             <a:endParaRPr lang="en-US"/>
           </a:p>
@@ -4531,7 +4533,7 @@
             <a:fld id="{FA3C144B-2939-9A49-B014-915EC3E81866}" type="datetime1">
               <a:rPr lang="en-US" smtClean="0"/>
               <a:pPr/>
-              <a:t>1/10/14</a:t>
+              <a:t>1/20/14</a:t>
             </a:fld>
             <a:endParaRPr lang="en-US" dirty="0"/>
           </a:p>
@@ -4748,7 +4750,7 @@
             <a:fld id="{FA3C144B-2939-9A49-B014-915EC3E81866}" type="datetime1">
               <a:rPr lang="en-US" smtClean="0"/>
               <a:pPr/>
-              <a:t>1/10/14</a:t>
+              <a:t>1/20/14</a:t>
             </a:fld>
             <a:endParaRPr lang="en-US" dirty="0"/>
           </a:p>
@@ -4993,7 +4995,7 @@
             <a:fld id="{FA3C144B-2939-9A49-B014-915EC3E81866}" type="datetime1">
               <a:rPr lang="en-US" smtClean="0"/>
               <a:pPr/>
-              <a:t>1/10/14</a:t>
+              <a:t>1/20/14</a:t>
             </a:fld>
             <a:endParaRPr lang="en-US" dirty="0"/>
           </a:p>
@@ -5371,7 +5373,7 @@
           <a:p>
             <a:fld id="{111EEF3B-ABF2-AA4E-9E24-0C6256942674}" type="datetime1">
               <a:rPr lang="en-US" smtClean="0"/>
-              <a:t>1/10/14</a:t>
+              <a:t>1/20/14</a:t>
             </a:fld>
             <a:endParaRPr lang="en-US"/>
           </a:p>
@@ -5535,7 +5537,7 @@
             <a:fld id="{FA3C144B-2939-9A49-B014-915EC3E81866}" type="datetime1">
               <a:rPr lang="en-US" smtClean="0"/>
               <a:pPr/>
-              <a:t>1/10/14</a:t>
+              <a:t>1/20/14</a:t>
             </a:fld>
             <a:endParaRPr lang="en-US" dirty="0"/>
           </a:p>
@@ -5952,7 +5954,7 @@
             <a:fld id="{FA3C144B-2939-9A49-B014-915EC3E81866}" type="datetime1">
               <a:rPr lang="en-US" smtClean="0"/>
               <a:pPr/>
-              <a:t>1/10/14</a:t>
+              <a:t>1/20/14</a:t>
             </a:fld>
             <a:endParaRPr lang="en-US" dirty="0"/>
           </a:p>
@@ -6268,7 +6270,7 @@
             <a:fld id="{FA3C144B-2939-9A49-B014-915EC3E81866}" type="datetime1">
               <a:rPr lang="en-US" smtClean="0"/>
               <a:pPr/>
-              <a:t>1/10/14</a:t>
+              <a:t>1/20/14</a:t>
             </a:fld>
             <a:endParaRPr lang="en-US" dirty="0"/>
           </a:p>
@@ -6934,7 +6936,7 @@
             <a:fld id="{FA3C144B-2939-9A49-B014-915EC3E81866}" type="datetime1">
               <a:rPr lang="en-US" smtClean="0"/>
               <a:pPr/>
-              <a:t>1/10/14</a:t>
+              <a:t>1/20/14</a:t>
             </a:fld>
             <a:endParaRPr lang="en-US" dirty="0"/>
           </a:p>
@@ -7660,7 +7662,7 @@
           <a:p>
             <a:r>
               <a:rPr lang="en-US" dirty="0" smtClean="0"/>
-              <a:t>Data Storage</a:t>
+              <a:t>Byte 2</a:t>
             </a:r>
             <a:endParaRPr lang="en-US" dirty="0"/>
           </a:p>
@@ -8132,7 +8134,7 @@
           <a:p>
             <a:fld id="{7053BEFA-1175-F644-B249-7D41D72BD3FF}" type="datetime1">
               <a:rPr lang="en-US" smtClean="0"/>
-              <a:t>1/10/14</a:t>
+              <a:t>1/20/14</a:t>
             </a:fld>
             <a:endParaRPr lang="en-US"/>
           </a:p>
@@ -8359,7 +8361,7 @@
           <a:p>
             <a:fld id="{7053BEFA-1175-F644-B249-7D41D72BD3FF}" type="datetime1">
               <a:rPr lang="en-US" smtClean="0"/>
-              <a:t>1/10/14</a:t>
+              <a:t>1/20/14</a:t>
             </a:fld>
             <a:endParaRPr lang="en-US"/>
           </a:p>
@@ -8411,6 +8413,350 @@
     <p:extLst>
       <p:ext uri="{BB962C8B-B14F-4D97-AF65-F5344CB8AC3E}">
         <p14:creationId xmlns:p14="http://schemas.microsoft.com/office/powerpoint/2010/main" val="3261230130"/>
+      </p:ext>
+    </p:extLst>
+  </p:cSld>
+  <p:clrMapOvr>
+    <a:masterClrMapping/>
+  </p:clrMapOvr>
+</p:sld>
+</file>
+
+<file path=ppt/slides/slide4.xml><?xml version="1.0" encoding="utf-8"?>
+<p:sld xmlns:a="http://schemas.openxmlformats.org/drawingml/2006/main" xmlns:r="http://schemas.openxmlformats.org/officeDocument/2006/relationships" xmlns:p="http://schemas.openxmlformats.org/presentationml/2006/main">
+  <p:cSld>
+    <p:spTree>
+      <p:nvGrpSpPr>
+        <p:cNvPr id="1" name=""/>
+        <p:cNvGrpSpPr/>
+        <p:nvPr/>
+      </p:nvGrpSpPr>
+      <p:grpSpPr>
+        <a:xfrm>
+          <a:off x="0" y="0"/>
+          <a:ext cx="0" cy="0"/>
+          <a:chOff x="0" y="0"/>
+          <a:chExt cx="0" cy="0"/>
+        </a:xfrm>
+      </p:grpSpPr>
+      <p:sp>
+        <p:nvSpPr>
+          <p:cNvPr id="2" name="Title 1"/>
+          <p:cNvSpPr>
+            <a:spLocks noGrp="1"/>
+          </p:cNvSpPr>
+          <p:nvPr>
+            <p:ph type="title"/>
+          </p:nvPr>
+        </p:nvSpPr>
+        <p:spPr/>
+        <p:txBody>
+          <a:bodyPr/>
+          <a:lstStyle/>
+          <a:p>
+            <a:r>
+              <a:rPr lang="en-US" dirty="0" smtClean="0"/>
+              <a:t>Debugging in Google </a:t>
+            </a:r>
+            <a:r>
+              <a:rPr lang="en-US" dirty="0" err="1" smtClean="0"/>
+              <a:t>AppSpot</a:t>
+            </a:r>
+            <a:endParaRPr lang="en-US" dirty="0"/>
+          </a:p>
+        </p:txBody>
+      </p:sp>
+      <p:sp>
+        <p:nvSpPr>
+          <p:cNvPr id="3" name="Content Placeholder 2"/>
+          <p:cNvSpPr>
+            <a:spLocks noGrp="1"/>
+          </p:cNvSpPr>
+          <p:nvPr>
+            <p:ph idx="1"/>
+          </p:nvPr>
+        </p:nvSpPr>
+        <p:spPr/>
+        <p:txBody>
+          <a:bodyPr/>
+          <a:lstStyle/>
+          <a:p>
+            <a:r>
+              <a:rPr lang="en-US" dirty="0" err="1" smtClean="0"/>
+              <a:t>Logger.info</a:t>
+            </a:r>
+            <a:r>
+              <a:rPr lang="en-US" dirty="0" smtClean="0"/>
+              <a:t>()</a:t>
+            </a:r>
+          </a:p>
+          <a:p>
+            <a:r>
+              <a:rPr lang="en-US" dirty="0" smtClean="0"/>
+              <a:t>Understand the flow of information</a:t>
+            </a:r>
+          </a:p>
+          <a:p>
+            <a:r>
+              <a:rPr lang="en-US" dirty="0" smtClean="0"/>
+              <a:t>Working in pure python to test your assumptions</a:t>
+            </a:r>
+            <a:endParaRPr lang="en-US" dirty="0"/>
+          </a:p>
+        </p:txBody>
+      </p:sp>
+      <p:sp>
+        <p:nvSpPr>
+          <p:cNvPr id="4" name="Date Placeholder 3"/>
+          <p:cNvSpPr>
+            <a:spLocks noGrp="1"/>
+          </p:cNvSpPr>
+          <p:nvPr>
+            <p:ph type="dt" sz="half" idx="10"/>
+          </p:nvPr>
+        </p:nvSpPr>
+        <p:spPr/>
+        <p:txBody>
+          <a:bodyPr/>
+          <a:lstStyle/>
+          <a:p>
+            <a:fld id="{7053BEFA-1175-F644-B249-7D41D72BD3FF}" type="datetime1">
+              <a:rPr lang="en-US" smtClean="0"/>
+              <a:t>1/20/14</a:t>
+            </a:fld>
+            <a:endParaRPr lang="en-US"/>
+          </a:p>
+        </p:txBody>
+      </p:sp>
+      <p:sp>
+        <p:nvSpPr>
+          <p:cNvPr id="5" name="Footer Placeholder 4"/>
+          <p:cNvSpPr>
+            <a:spLocks noGrp="1"/>
+          </p:cNvSpPr>
+          <p:nvPr>
+            <p:ph type="ftr" sz="quarter" idx="11"/>
+          </p:nvPr>
+        </p:nvSpPr>
+        <p:spPr/>
+        <p:txBody>
+          <a:bodyPr/>
+          <a:lstStyle/>
+          <a:p>
+            <a:endParaRPr lang="en-US" dirty="0"/>
+          </a:p>
+        </p:txBody>
+      </p:sp>
+      <p:sp>
+        <p:nvSpPr>
+          <p:cNvPr id="6" name="Slide Number Placeholder 5"/>
+          <p:cNvSpPr>
+            <a:spLocks noGrp="1"/>
+          </p:cNvSpPr>
+          <p:nvPr>
+            <p:ph type="sldNum" sz="quarter" idx="12"/>
+          </p:nvPr>
+        </p:nvSpPr>
+        <p:spPr/>
+        <p:txBody>
+          <a:bodyPr/>
+          <a:lstStyle/>
+          <a:p>
+            <a:fld id="{17E276FA-8F89-B34D-A726-BE3FA1F8DD97}" type="slidenum">
+              <a:rPr lang="en-US" smtClean="0"/>
+              <a:t>4</a:t>
+            </a:fld>
+            <a:endParaRPr lang="en-US" dirty="0"/>
+          </a:p>
+        </p:txBody>
+      </p:sp>
+    </p:spTree>
+    <p:extLst>
+      <p:ext uri="{BB962C8B-B14F-4D97-AF65-F5344CB8AC3E}">
+        <p14:creationId xmlns:p14="http://schemas.microsoft.com/office/powerpoint/2010/main" val="2959188388"/>
+      </p:ext>
+    </p:extLst>
+  </p:cSld>
+  <p:clrMapOvr>
+    <a:masterClrMapping/>
+  </p:clrMapOvr>
+</p:sld>
+</file>
+
+<file path=ppt/slides/slide5.xml><?xml version="1.0" encoding="utf-8"?>
+<p:sld xmlns:a="http://schemas.openxmlformats.org/drawingml/2006/main" xmlns:r="http://schemas.openxmlformats.org/officeDocument/2006/relationships" xmlns:p="http://schemas.openxmlformats.org/presentationml/2006/main">
+  <p:cSld>
+    <p:spTree>
+      <p:nvGrpSpPr>
+        <p:cNvPr id="1" name=""/>
+        <p:cNvGrpSpPr/>
+        <p:nvPr/>
+      </p:nvGrpSpPr>
+      <p:grpSpPr>
+        <a:xfrm>
+          <a:off x="0" y="0"/>
+          <a:ext cx="0" cy="0"/>
+          <a:chOff x="0" y="0"/>
+          <a:chExt cx="0" cy="0"/>
+        </a:xfrm>
+      </p:grpSpPr>
+      <p:sp>
+        <p:nvSpPr>
+          <p:cNvPr id="2" name="Title 1"/>
+          <p:cNvSpPr>
+            <a:spLocks noGrp="1"/>
+          </p:cNvSpPr>
+          <p:nvPr>
+            <p:ph type="title"/>
+          </p:nvPr>
+        </p:nvSpPr>
+        <p:spPr/>
+        <p:txBody>
+          <a:bodyPr/>
+          <a:lstStyle/>
+          <a:p>
+            <a:r>
+              <a:rPr lang="en-US" dirty="0" smtClean="0"/>
+              <a:t>Exploratory Analysis</a:t>
+            </a:r>
+            <a:endParaRPr lang="en-US" dirty="0"/>
+          </a:p>
+        </p:txBody>
+      </p:sp>
+      <p:sp>
+        <p:nvSpPr>
+          <p:cNvPr id="3" name="Content Placeholder 2"/>
+          <p:cNvSpPr>
+            <a:spLocks noGrp="1"/>
+          </p:cNvSpPr>
+          <p:nvPr>
+            <p:ph idx="1"/>
+          </p:nvPr>
+        </p:nvSpPr>
+        <p:spPr/>
+        <p:txBody>
+          <a:bodyPr/>
+          <a:lstStyle/>
+          <a:p>
+            <a:r>
+              <a:rPr lang="en-US" dirty="0" smtClean="0"/>
+              <a:t>Combination of statistics </a:t>
+            </a:r>
+            <a:r>
+              <a:rPr lang="en-US" i="1" dirty="0" smtClean="0"/>
+              <a:t>and </a:t>
+            </a:r>
+            <a:r>
+              <a:rPr lang="en-US" dirty="0" smtClean="0"/>
+              <a:t>graphics</a:t>
+            </a:r>
+          </a:p>
+          <a:p>
+            <a:r>
+              <a:rPr lang="en-US" dirty="0" smtClean="0"/>
+              <a:t>Use of </a:t>
+            </a:r>
+            <a:r>
+              <a:rPr lang="en-US" dirty="0" err="1" smtClean="0"/>
+              <a:t>PyPlot</a:t>
+            </a:r>
+            <a:endParaRPr lang="en-US" dirty="0"/>
+          </a:p>
+        </p:txBody>
+      </p:sp>
+      <p:sp>
+        <p:nvSpPr>
+          <p:cNvPr id="4" name="Date Placeholder 3"/>
+          <p:cNvSpPr>
+            <a:spLocks noGrp="1"/>
+          </p:cNvSpPr>
+          <p:nvPr>
+            <p:ph type="dt" sz="half" idx="10"/>
+          </p:nvPr>
+        </p:nvSpPr>
+        <p:spPr/>
+        <p:txBody>
+          <a:bodyPr/>
+          <a:lstStyle/>
+          <a:p>
+            <a:fld id="{7053BEFA-1175-F644-B249-7D41D72BD3FF}" type="datetime1">
+              <a:rPr lang="en-US" smtClean="0"/>
+              <a:t>1/20/14</a:t>
+            </a:fld>
+            <a:endParaRPr lang="en-US"/>
+          </a:p>
+        </p:txBody>
+      </p:sp>
+      <p:sp>
+        <p:nvSpPr>
+          <p:cNvPr id="5" name="Footer Placeholder 4"/>
+          <p:cNvSpPr>
+            <a:spLocks noGrp="1"/>
+          </p:cNvSpPr>
+          <p:nvPr>
+            <p:ph type="ftr" sz="quarter" idx="11"/>
+          </p:nvPr>
+        </p:nvSpPr>
+        <p:spPr/>
+        <p:txBody>
+          <a:bodyPr/>
+          <a:lstStyle/>
+          <a:p>
+            <a:endParaRPr lang="en-US" dirty="0"/>
+          </a:p>
+        </p:txBody>
+      </p:sp>
+      <p:sp>
+        <p:nvSpPr>
+          <p:cNvPr id="6" name="Slide Number Placeholder 5"/>
+          <p:cNvSpPr>
+            <a:spLocks noGrp="1"/>
+          </p:cNvSpPr>
+          <p:nvPr>
+            <p:ph type="sldNum" sz="quarter" idx="12"/>
+          </p:nvPr>
+        </p:nvSpPr>
+        <p:spPr/>
+        <p:txBody>
+          <a:bodyPr/>
+          <a:lstStyle/>
+          <a:p>
+            <a:fld id="{17E276FA-8F89-B34D-A726-BE3FA1F8DD97}" type="slidenum">
+              <a:rPr lang="en-US" smtClean="0"/>
+              <a:t>5</a:t>
+            </a:fld>
+            <a:endParaRPr lang="en-US" dirty="0"/>
+          </a:p>
+        </p:txBody>
+      </p:sp>
+      <p:pic>
+        <p:nvPicPr>
+          <p:cNvPr id="7" name="Picture 6"/>
+          <p:cNvPicPr>
+            <a:picLocks noChangeAspect="1"/>
+          </p:cNvPicPr>
+          <p:nvPr/>
+        </p:nvPicPr>
+        <p:blipFill>
+          <a:blip r:embed="rId2"/>
+          <a:stretch>
+            <a:fillRect/>
+          </a:stretch>
+        </p:blipFill>
+        <p:spPr>
+          <a:xfrm>
+            <a:off x="3170573" y="2974926"/>
+            <a:ext cx="4064000" cy="3175000"/>
+          </a:xfrm>
+          <a:prstGeom prst="rect">
+            <a:avLst/>
+          </a:prstGeom>
+        </p:spPr>
+      </p:pic>
+    </p:spTree>
+    <p:extLst>
+      <p:ext uri="{BB962C8B-B14F-4D97-AF65-F5344CB8AC3E}">
+        <p14:creationId xmlns:p14="http://schemas.microsoft.com/office/powerpoint/2010/main" val="2296599666"/>
       </p:ext>
     </p:extLst>
   </p:cSld>

--- a/Lectures/Byte 2.pptx
+++ b/Lectures/Byte 2.pptx
@@ -5,17 +5,18 @@
     <p:sldMasterId id="2147483648" r:id="rId1"/>
   </p:sldMasterIdLst>
   <p:notesMasterIdLst>
-    <p:notesMasterId r:id="rId7"/>
+    <p:notesMasterId r:id="rId8"/>
   </p:notesMasterIdLst>
   <p:handoutMasterIdLst>
-    <p:handoutMasterId r:id="rId8"/>
+    <p:handoutMasterId r:id="rId9"/>
   </p:handoutMasterIdLst>
   <p:sldIdLst>
     <p:sldId id="256" r:id="rId2"/>
     <p:sldId id="412" r:id="rId3"/>
     <p:sldId id="413" r:id="rId4"/>
     <p:sldId id="414" r:id="rId5"/>
-    <p:sldId id="415" r:id="rId6"/>
+    <p:sldId id="416" r:id="rId6"/>
+    <p:sldId id="415" r:id="rId7"/>
   </p:sldIdLst>
   <p:sldSz cx="9144000" cy="6858000" type="screen4x3"/>
   <p:notesSz cx="6858000" cy="9144000"/>
@@ -117,6 +118,2838 @@
 </p:presentation>
 </file>
 
+<file path=ppt/diagrams/colors1.xml><?xml version="1.0" encoding="utf-8"?>
+<dgm:colorsDef xmlns:dgm="http://schemas.openxmlformats.org/drawingml/2006/diagram" xmlns:a="http://schemas.openxmlformats.org/drawingml/2006/main" uniqueId="urn:microsoft.com/office/officeart/2005/8/colors/accent1_2">
+  <dgm:title val=""/>
+  <dgm:desc val=""/>
+  <dgm:catLst>
+    <dgm:cat type="accent1" pri="11200"/>
+  </dgm:catLst>
+  <dgm:styleLbl name="node0">
+    <dgm:fillClrLst meth="repeat">
+      <a:schemeClr val="accent1"/>
+    </dgm:fillClrLst>
+    <dgm:linClrLst meth="repeat">
+      <a:schemeClr val="lt1"/>
+    </dgm:linClrLst>
+    <dgm:effectClrLst/>
+    <dgm:txLinClrLst/>
+    <dgm:txFillClrLst/>
+    <dgm:txEffectClrLst/>
+  </dgm:styleLbl>
+  <dgm:styleLbl name="alignNode1">
+    <dgm:fillClrLst meth="repeat">
+      <a:schemeClr val="accent1"/>
+    </dgm:fillClrLst>
+    <dgm:linClrLst meth="repeat">
+      <a:schemeClr val="accent1"/>
+    </dgm:linClrLst>
+    <dgm:effectClrLst/>
+    <dgm:txLinClrLst/>
+    <dgm:txFillClrLst/>
+    <dgm:txEffectClrLst/>
+  </dgm:styleLbl>
+  <dgm:styleLbl name="node1">
+    <dgm:fillClrLst meth="repeat">
+      <a:schemeClr val="accent1"/>
+    </dgm:fillClrLst>
+    <dgm:linClrLst meth="repeat">
+      <a:schemeClr val="lt1"/>
+    </dgm:linClrLst>
+    <dgm:effectClrLst/>
+    <dgm:txLinClrLst/>
+    <dgm:txFillClrLst/>
+    <dgm:txEffectClrLst/>
+  </dgm:styleLbl>
+  <dgm:styleLbl name="lnNode1">
+    <dgm:fillClrLst meth="repeat">
+      <a:schemeClr val="accent1"/>
+    </dgm:fillClrLst>
+    <dgm:linClrLst meth="repeat">
+      <a:schemeClr val="lt1"/>
+    </dgm:linClrLst>
+    <dgm:effectClrLst/>
+    <dgm:txLinClrLst/>
+    <dgm:txFillClrLst/>
+    <dgm:txEffectClrLst/>
+  </dgm:styleLbl>
+  <dgm:styleLbl name="vennNode1">
+    <dgm:fillClrLst meth="repeat">
+      <a:schemeClr val="accent1">
+        <a:alpha val="50000"/>
+      </a:schemeClr>
+    </dgm:fillClrLst>
+    <dgm:linClrLst meth="repeat">
+      <a:schemeClr val="lt1"/>
+    </dgm:linClrLst>
+    <dgm:effectClrLst/>
+    <dgm:txLinClrLst/>
+    <dgm:txFillClrLst/>
+    <dgm:txEffectClrLst/>
+  </dgm:styleLbl>
+  <dgm:styleLbl name="node2">
+    <dgm:fillClrLst meth="repeat">
+      <a:schemeClr val="accent1"/>
+    </dgm:fillClrLst>
+    <dgm:linClrLst meth="repeat">
+      <a:schemeClr val="lt1"/>
+    </dgm:linClrLst>
+    <dgm:effectClrLst/>
+    <dgm:txLinClrLst/>
+    <dgm:txFillClrLst/>
+    <dgm:txEffectClrLst/>
+  </dgm:styleLbl>
+  <dgm:styleLbl name="node3">
+    <dgm:fillClrLst meth="repeat">
+      <a:schemeClr val="accent1"/>
+    </dgm:fillClrLst>
+    <dgm:linClrLst meth="repeat">
+      <a:schemeClr val="lt1"/>
+    </dgm:linClrLst>
+    <dgm:effectClrLst/>
+    <dgm:txLinClrLst/>
+    <dgm:txFillClrLst/>
+    <dgm:txEffectClrLst/>
+  </dgm:styleLbl>
+  <dgm:styleLbl name="node4">
+    <dgm:fillClrLst meth="repeat">
+      <a:schemeClr val="accent1"/>
+    </dgm:fillClrLst>
+    <dgm:linClrLst meth="repeat">
+      <a:schemeClr val="lt1"/>
+    </dgm:linClrLst>
+    <dgm:effectClrLst/>
+    <dgm:txLinClrLst/>
+    <dgm:txFillClrLst/>
+    <dgm:txEffectClrLst/>
+  </dgm:styleLbl>
+  <dgm:styleLbl name="fgImgPlace1">
+    <dgm:fillClrLst meth="repeat">
+      <a:schemeClr val="accent1">
+        <a:tint val="50000"/>
+      </a:schemeClr>
+    </dgm:fillClrLst>
+    <dgm:linClrLst meth="repeat">
+      <a:schemeClr val="lt1"/>
+    </dgm:linClrLst>
+    <dgm:effectClrLst/>
+    <dgm:txLinClrLst/>
+    <dgm:txFillClrLst meth="repeat">
+      <a:schemeClr val="lt1"/>
+    </dgm:txFillClrLst>
+    <dgm:txEffectClrLst/>
+  </dgm:styleLbl>
+  <dgm:styleLbl name="alignImgPlace1">
+    <dgm:fillClrLst meth="repeat">
+      <a:schemeClr val="accent1">
+        <a:tint val="50000"/>
+      </a:schemeClr>
+    </dgm:fillClrLst>
+    <dgm:linClrLst meth="repeat">
+      <a:schemeClr val="lt1"/>
+    </dgm:linClrLst>
+    <dgm:effectClrLst/>
+    <dgm:txLinClrLst/>
+    <dgm:txFillClrLst meth="repeat">
+      <a:schemeClr val="lt1"/>
+    </dgm:txFillClrLst>
+    <dgm:txEffectClrLst/>
+  </dgm:styleLbl>
+  <dgm:styleLbl name="bgImgPlace1">
+    <dgm:fillClrLst meth="repeat">
+      <a:schemeClr val="accent1">
+        <a:tint val="50000"/>
+      </a:schemeClr>
+    </dgm:fillClrLst>
+    <dgm:linClrLst meth="repeat">
+      <a:schemeClr val="lt1"/>
+    </dgm:linClrLst>
+    <dgm:effectClrLst/>
+    <dgm:txLinClrLst/>
+    <dgm:txFillClrLst meth="repeat">
+      <a:schemeClr val="lt1"/>
+    </dgm:txFillClrLst>
+    <dgm:txEffectClrLst/>
+  </dgm:styleLbl>
+  <dgm:styleLbl name="sibTrans2D1">
+    <dgm:fillClrLst meth="repeat">
+      <a:schemeClr val="accent1">
+        <a:tint val="60000"/>
+      </a:schemeClr>
+    </dgm:fillClrLst>
+    <dgm:linClrLst meth="repeat">
+      <a:schemeClr val="accent1">
+        <a:tint val="60000"/>
+      </a:schemeClr>
+    </dgm:linClrLst>
+    <dgm:effectClrLst/>
+    <dgm:txLinClrLst/>
+    <dgm:txFillClrLst/>
+    <dgm:txEffectClrLst/>
+  </dgm:styleLbl>
+  <dgm:styleLbl name="fgSibTrans2D1">
+    <dgm:fillClrLst meth="repeat">
+      <a:schemeClr val="accent1">
+        <a:tint val="60000"/>
+      </a:schemeClr>
+    </dgm:fillClrLst>
+    <dgm:linClrLst meth="repeat">
+      <a:schemeClr val="accent1">
+        <a:tint val="60000"/>
+      </a:schemeClr>
+    </dgm:linClrLst>
+    <dgm:effectClrLst/>
+    <dgm:txLinClrLst/>
+    <dgm:txFillClrLst/>
+    <dgm:txEffectClrLst/>
+  </dgm:styleLbl>
+  <dgm:styleLbl name="bgSibTrans2D1">
+    <dgm:fillClrLst meth="repeat">
+      <a:schemeClr val="accent1">
+        <a:tint val="60000"/>
+      </a:schemeClr>
+    </dgm:fillClrLst>
+    <dgm:linClrLst meth="repeat">
+      <a:schemeClr val="accent1">
+        <a:tint val="60000"/>
+      </a:schemeClr>
+    </dgm:linClrLst>
+    <dgm:effectClrLst/>
+    <dgm:txLinClrLst/>
+    <dgm:txFillClrLst/>
+    <dgm:txEffectClrLst/>
+  </dgm:styleLbl>
+  <dgm:styleLbl name="sibTrans1D1">
+    <dgm:fillClrLst meth="repeat">
+      <a:schemeClr val="accent1"/>
+    </dgm:fillClrLst>
+    <dgm:linClrLst meth="repeat">
+      <a:schemeClr val="accent1"/>
+    </dgm:linClrLst>
+    <dgm:effectClrLst/>
+    <dgm:txLinClrLst/>
+    <dgm:txFillClrLst meth="repeat">
+      <a:schemeClr val="tx1"/>
+    </dgm:txFillClrLst>
+    <dgm:txEffectClrLst/>
+  </dgm:styleLbl>
+  <dgm:styleLbl name="callout">
+    <dgm:fillClrLst meth="repeat">
+      <a:schemeClr val="accent1"/>
+    </dgm:fillClrLst>
+    <dgm:linClrLst meth="repeat">
+      <a:schemeClr val="accent1">
+        <a:tint val="50000"/>
+      </a:schemeClr>
+    </dgm:linClrLst>
+    <dgm:effectClrLst/>
+    <dgm:txLinClrLst/>
+    <dgm:txFillClrLst meth="repeat">
+      <a:schemeClr val="tx1"/>
+    </dgm:txFillClrLst>
+    <dgm:txEffectClrLst/>
+  </dgm:styleLbl>
+  <dgm:styleLbl name="asst0">
+    <dgm:fillClrLst meth="repeat">
+      <a:schemeClr val="accent1"/>
+    </dgm:fillClrLst>
+    <dgm:linClrLst meth="repeat">
+      <a:schemeClr val="lt1"/>
+    </dgm:linClrLst>
+    <dgm:effectClrLst/>
+    <dgm:txLinClrLst/>
+    <dgm:txFillClrLst/>
+    <dgm:txEffectClrLst/>
+  </dgm:styleLbl>
+  <dgm:styleLbl name="asst1">
+    <dgm:fillClrLst meth="repeat">
+      <a:schemeClr val="accent1"/>
+    </dgm:fillClrLst>
+    <dgm:linClrLst meth="repeat">
+      <a:schemeClr val="lt1"/>
+    </dgm:linClrLst>
+    <dgm:effectClrLst/>
+    <dgm:txLinClrLst/>
+    <dgm:txFillClrLst/>
+    <dgm:txEffectClrLst/>
+  </dgm:styleLbl>
+  <dgm:styleLbl name="asst2">
+    <dgm:fillClrLst meth="repeat">
+      <a:schemeClr val="accent1"/>
+    </dgm:fillClrLst>
+    <dgm:linClrLst meth="repeat">
+      <a:schemeClr val="lt1"/>
+    </dgm:linClrLst>
+    <dgm:effectClrLst/>
+    <dgm:txLinClrLst/>
+    <dgm:txFillClrLst/>
+    <dgm:txEffectClrLst/>
+  </dgm:styleLbl>
+  <dgm:styleLbl name="asst3">
+    <dgm:fillClrLst meth="repeat">
+      <a:schemeClr val="accent1"/>
+    </dgm:fillClrLst>
+    <dgm:linClrLst meth="repeat">
+      <a:schemeClr val="lt1"/>
+    </dgm:linClrLst>
+    <dgm:effectClrLst/>
+    <dgm:txLinClrLst/>
+    <dgm:txFillClrLst/>
+    <dgm:txEffectClrLst/>
+  </dgm:styleLbl>
+  <dgm:styleLbl name="asst4">
+    <dgm:fillClrLst meth="repeat">
+      <a:schemeClr val="accent1"/>
+    </dgm:fillClrLst>
+    <dgm:linClrLst meth="repeat">
+      <a:schemeClr val="lt1"/>
+    </dgm:linClrLst>
+    <dgm:effectClrLst/>
+    <dgm:txLinClrLst/>
+    <dgm:txFillClrLst/>
+    <dgm:txEffectClrLst/>
+  </dgm:styleLbl>
+  <dgm:styleLbl name="parChTrans2D1">
+    <dgm:fillClrLst meth="repeat">
+      <a:schemeClr val="accent1">
+        <a:tint val="60000"/>
+      </a:schemeClr>
+    </dgm:fillClrLst>
+    <dgm:linClrLst meth="repeat">
+      <a:schemeClr val="accent1">
+        <a:tint val="60000"/>
+      </a:schemeClr>
+    </dgm:linClrLst>
+    <dgm:effectClrLst/>
+    <dgm:txLinClrLst/>
+    <dgm:txFillClrLst meth="repeat">
+      <a:schemeClr val="lt1"/>
+    </dgm:txFillClrLst>
+    <dgm:txEffectClrLst/>
+  </dgm:styleLbl>
+  <dgm:styleLbl name="parChTrans2D2">
+    <dgm:fillClrLst meth="repeat">
+      <a:schemeClr val="accent1"/>
+    </dgm:fillClrLst>
+    <dgm:linClrLst meth="repeat">
+      <a:schemeClr val="accent1"/>
+    </dgm:linClrLst>
+    <dgm:effectClrLst/>
+    <dgm:txLinClrLst/>
+    <dgm:txFillClrLst meth="repeat">
+      <a:schemeClr val="lt1"/>
+    </dgm:txFillClrLst>
+    <dgm:txEffectClrLst/>
+  </dgm:styleLbl>
+  <dgm:styleLbl name="parChTrans2D3">
+    <dgm:fillClrLst meth="repeat">
+      <a:schemeClr val="accent1"/>
+    </dgm:fillClrLst>
+    <dgm:linClrLst meth="repeat">
+      <a:schemeClr val="accent1"/>
+    </dgm:linClrLst>
+    <dgm:effectClrLst/>
+    <dgm:txLinClrLst/>
+    <dgm:txFillClrLst meth="repeat">
+      <a:schemeClr val="lt1"/>
+    </dgm:txFillClrLst>
+    <dgm:txEffectClrLst/>
+  </dgm:styleLbl>
+  <dgm:styleLbl name="parChTrans2D4">
+    <dgm:fillClrLst meth="repeat">
+      <a:schemeClr val="accent1"/>
+    </dgm:fillClrLst>
+    <dgm:linClrLst meth="repeat">
+      <a:schemeClr val="accent1"/>
+    </dgm:linClrLst>
+    <dgm:effectClrLst/>
+    <dgm:txLinClrLst/>
+    <dgm:txFillClrLst meth="repeat">
+      <a:schemeClr val="lt1"/>
+    </dgm:txFillClrLst>
+    <dgm:txEffectClrLst/>
+  </dgm:styleLbl>
+  <dgm:styleLbl name="parChTrans1D1">
+    <dgm:fillClrLst meth="repeat">
+      <a:schemeClr val="accent1"/>
+    </dgm:fillClrLst>
+    <dgm:linClrLst meth="repeat">
+      <a:schemeClr val="accent1">
+        <a:shade val="60000"/>
+      </a:schemeClr>
+    </dgm:linClrLst>
+    <dgm:effectClrLst/>
+    <dgm:txLinClrLst/>
+    <dgm:txFillClrLst meth="repeat">
+      <a:schemeClr val="tx1"/>
+    </dgm:txFillClrLst>
+    <dgm:txEffectClrLst/>
+  </dgm:styleLbl>
+  <dgm:styleLbl name="parChTrans1D2">
+    <dgm:fillClrLst meth="repeat">
+      <a:schemeClr val="accent1"/>
+    </dgm:fillClrLst>
+    <dgm:linClrLst meth="repeat">
+      <a:schemeClr val="accent1">
+        <a:shade val="60000"/>
+      </a:schemeClr>
+    </dgm:linClrLst>
+    <dgm:effectClrLst/>
+    <dgm:txLinClrLst/>
+    <dgm:txFillClrLst meth="repeat">
+      <a:schemeClr val="tx1"/>
+    </dgm:txFillClrLst>
+    <dgm:txEffectClrLst/>
+  </dgm:styleLbl>
+  <dgm:styleLbl name="parChTrans1D3">
+    <dgm:fillClrLst meth="repeat">
+      <a:schemeClr val="accent1"/>
+    </dgm:fillClrLst>
+    <dgm:linClrLst meth="repeat">
+      <a:schemeClr val="accent1">
+        <a:shade val="80000"/>
+      </a:schemeClr>
+    </dgm:linClrLst>
+    <dgm:effectClrLst/>
+    <dgm:txLinClrLst/>
+    <dgm:txFillClrLst meth="repeat">
+      <a:schemeClr val="tx1"/>
+    </dgm:txFillClrLst>
+    <dgm:txEffectClrLst/>
+  </dgm:styleLbl>
+  <dgm:styleLbl name="parChTrans1D4">
+    <dgm:fillClrLst meth="repeat">
+      <a:schemeClr val="accent1"/>
+    </dgm:fillClrLst>
+    <dgm:linClrLst meth="repeat">
+      <a:schemeClr val="accent1">
+        <a:shade val="80000"/>
+      </a:schemeClr>
+    </dgm:linClrLst>
+    <dgm:effectClrLst/>
+    <dgm:txLinClrLst/>
+    <dgm:txFillClrLst meth="repeat">
+      <a:schemeClr val="tx1"/>
+    </dgm:txFillClrLst>
+    <dgm:txEffectClrLst/>
+  </dgm:styleLbl>
+  <dgm:styleLbl name="fgAcc1">
+    <dgm:fillClrLst meth="repeat">
+      <a:schemeClr val="lt1">
+        <a:alpha val="90000"/>
+      </a:schemeClr>
+    </dgm:fillClrLst>
+    <dgm:linClrLst meth="repeat">
+      <a:schemeClr val="accent1"/>
+    </dgm:linClrLst>
+    <dgm:effectClrLst/>
+    <dgm:txLinClrLst/>
+    <dgm:txFillClrLst meth="repeat">
+      <a:schemeClr val="dk1"/>
+    </dgm:txFillClrLst>
+    <dgm:txEffectClrLst/>
+  </dgm:styleLbl>
+  <dgm:styleLbl name="conFgAcc1">
+    <dgm:fillClrLst meth="repeat">
+      <a:schemeClr val="lt1">
+        <a:alpha val="90000"/>
+      </a:schemeClr>
+    </dgm:fillClrLst>
+    <dgm:linClrLst meth="repeat">
+      <a:schemeClr val="accent1"/>
+    </dgm:linClrLst>
+    <dgm:effectClrLst/>
+    <dgm:txLinClrLst/>
+    <dgm:txFillClrLst meth="repeat">
+      <a:schemeClr val="dk1"/>
+    </dgm:txFillClrLst>
+    <dgm:txEffectClrLst/>
+  </dgm:styleLbl>
+  <dgm:styleLbl name="alignAcc1">
+    <dgm:fillClrLst meth="repeat">
+      <a:schemeClr val="lt1">
+        <a:alpha val="90000"/>
+      </a:schemeClr>
+    </dgm:fillClrLst>
+    <dgm:linClrLst meth="repeat">
+      <a:schemeClr val="accent1"/>
+    </dgm:linClrLst>
+    <dgm:effectClrLst/>
+    <dgm:txLinClrLst/>
+    <dgm:txFillClrLst meth="repeat">
+      <a:schemeClr val="dk1"/>
+    </dgm:txFillClrLst>
+    <dgm:txEffectClrLst/>
+  </dgm:styleLbl>
+  <dgm:styleLbl name="trAlignAcc1">
+    <dgm:fillClrLst meth="repeat">
+      <a:schemeClr val="lt1">
+        <a:alpha val="40000"/>
+      </a:schemeClr>
+    </dgm:fillClrLst>
+    <dgm:linClrLst meth="repeat">
+      <a:schemeClr val="accent1"/>
+    </dgm:linClrLst>
+    <dgm:effectClrLst/>
+    <dgm:txLinClrLst/>
+    <dgm:txFillClrLst meth="repeat">
+      <a:schemeClr val="dk1"/>
+    </dgm:txFillClrLst>
+    <dgm:txEffectClrLst/>
+  </dgm:styleLbl>
+  <dgm:styleLbl name="bgAcc1">
+    <dgm:fillClrLst meth="repeat">
+      <a:schemeClr val="lt1">
+        <a:alpha val="90000"/>
+      </a:schemeClr>
+    </dgm:fillClrLst>
+    <dgm:linClrLst meth="repeat">
+      <a:schemeClr val="accent1"/>
+    </dgm:linClrLst>
+    <dgm:effectClrLst/>
+    <dgm:txLinClrLst/>
+    <dgm:txFillClrLst meth="repeat">
+      <a:schemeClr val="dk1"/>
+    </dgm:txFillClrLst>
+    <dgm:txEffectClrLst/>
+  </dgm:styleLbl>
+  <dgm:styleLbl name="solidFgAcc1">
+    <dgm:fillClrLst meth="repeat">
+      <a:schemeClr val="lt1"/>
+    </dgm:fillClrLst>
+    <dgm:linClrLst meth="repeat">
+      <a:schemeClr val="accent1"/>
+    </dgm:linClrLst>
+    <dgm:effectClrLst/>
+    <dgm:txLinClrLst/>
+    <dgm:txFillClrLst meth="repeat">
+      <a:schemeClr val="dk1"/>
+    </dgm:txFillClrLst>
+    <dgm:txEffectClrLst/>
+  </dgm:styleLbl>
+  <dgm:styleLbl name="solidAlignAcc1">
+    <dgm:fillClrLst meth="repeat">
+      <a:schemeClr val="lt1"/>
+    </dgm:fillClrLst>
+    <dgm:linClrLst meth="repeat">
+      <a:schemeClr val="accent1"/>
+    </dgm:linClrLst>
+    <dgm:effectClrLst/>
+    <dgm:txLinClrLst/>
+    <dgm:txFillClrLst meth="repeat">
+      <a:schemeClr val="dk1"/>
+    </dgm:txFillClrLst>
+    <dgm:txEffectClrLst/>
+  </dgm:styleLbl>
+  <dgm:styleLbl name="solidBgAcc1">
+    <dgm:fillClrLst meth="repeat">
+      <a:schemeClr val="lt1"/>
+    </dgm:fillClrLst>
+    <dgm:linClrLst meth="repeat">
+      <a:schemeClr val="accent1"/>
+    </dgm:linClrLst>
+    <dgm:effectClrLst/>
+    <dgm:txLinClrLst/>
+    <dgm:txFillClrLst meth="repeat">
+      <a:schemeClr val="dk1"/>
+    </dgm:txFillClrLst>
+    <dgm:txEffectClrLst/>
+  </dgm:styleLbl>
+  <dgm:styleLbl name="fgAccFollowNode1">
+    <dgm:fillClrLst meth="repeat">
+      <a:schemeClr val="accent1">
+        <a:alpha val="90000"/>
+        <a:tint val="40000"/>
+      </a:schemeClr>
+    </dgm:fillClrLst>
+    <dgm:linClrLst meth="repeat">
+      <a:schemeClr val="accent1">
+        <a:alpha val="90000"/>
+        <a:tint val="40000"/>
+      </a:schemeClr>
+    </dgm:linClrLst>
+    <dgm:effectClrLst/>
+    <dgm:txLinClrLst/>
+    <dgm:txFillClrLst meth="repeat">
+      <a:schemeClr val="dk1"/>
+    </dgm:txFillClrLst>
+    <dgm:txEffectClrLst/>
+  </dgm:styleLbl>
+  <dgm:styleLbl name="alignAccFollowNode1">
+    <dgm:fillClrLst meth="repeat">
+      <a:schemeClr val="accent1">
+        <a:alpha val="90000"/>
+        <a:tint val="40000"/>
+      </a:schemeClr>
+    </dgm:fillClrLst>
+    <dgm:linClrLst meth="repeat">
+      <a:schemeClr val="accent1">
+        <a:alpha val="90000"/>
+        <a:tint val="40000"/>
+      </a:schemeClr>
+    </dgm:linClrLst>
+    <dgm:effectClrLst/>
+    <dgm:txLinClrLst/>
+    <dgm:txFillClrLst meth="repeat">
+      <a:schemeClr val="dk1"/>
+    </dgm:txFillClrLst>
+    <dgm:txEffectClrLst/>
+  </dgm:styleLbl>
+  <dgm:styleLbl name="bgAccFollowNode1">
+    <dgm:fillClrLst meth="repeat">
+      <a:schemeClr val="accent1">
+        <a:alpha val="90000"/>
+        <a:tint val="40000"/>
+      </a:schemeClr>
+    </dgm:fillClrLst>
+    <dgm:linClrLst meth="repeat">
+      <a:schemeClr val="accent1">
+        <a:alpha val="90000"/>
+        <a:tint val="40000"/>
+      </a:schemeClr>
+    </dgm:linClrLst>
+    <dgm:effectClrLst/>
+    <dgm:txLinClrLst/>
+    <dgm:txFillClrLst meth="repeat">
+      <a:schemeClr val="dk1"/>
+    </dgm:txFillClrLst>
+    <dgm:txEffectClrLst/>
+  </dgm:styleLbl>
+  <dgm:styleLbl name="fgAcc0">
+    <dgm:fillClrLst meth="repeat">
+      <a:schemeClr val="lt1">
+        <a:alpha val="90000"/>
+      </a:schemeClr>
+    </dgm:fillClrLst>
+    <dgm:linClrLst meth="repeat">
+      <a:schemeClr val="accent1"/>
+    </dgm:linClrLst>
+    <dgm:effectClrLst/>
+    <dgm:txLinClrLst/>
+    <dgm:txFillClrLst meth="repeat">
+      <a:schemeClr val="dk1"/>
+    </dgm:txFillClrLst>
+    <dgm:txEffectClrLst/>
+  </dgm:styleLbl>
+  <dgm:styleLbl name="fgAcc2">
+    <dgm:fillClrLst meth="repeat">
+      <a:schemeClr val="lt1">
+        <a:alpha val="90000"/>
+      </a:schemeClr>
+    </dgm:fillClrLst>
+    <dgm:linClrLst meth="repeat">
+      <a:schemeClr val="accent1"/>
+    </dgm:linClrLst>
+    <dgm:effectClrLst/>
+    <dgm:txLinClrLst/>
+    <dgm:txFillClrLst meth="repeat">
+      <a:schemeClr val="dk1"/>
+    </dgm:txFillClrLst>
+    <dgm:txEffectClrLst/>
+  </dgm:styleLbl>
+  <dgm:styleLbl name="fgAcc3">
+    <dgm:fillClrLst meth="repeat">
+      <a:schemeClr val="lt1">
+        <a:alpha val="90000"/>
+      </a:schemeClr>
+    </dgm:fillClrLst>
+    <dgm:linClrLst meth="repeat">
+      <a:schemeClr val="accent1"/>
+    </dgm:linClrLst>
+    <dgm:effectClrLst/>
+    <dgm:txLinClrLst/>
+    <dgm:txFillClrLst meth="repeat">
+      <a:schemeClr val="dk1"/>
+    </dgm:txFillClrLst>
+    <dgm:txEffectClrLst/>
+  </dgm:styleLbl>
+  <dgm:styleLbl name="fgAcc4">
+    <dgm:fillClrLst meth="repeat">
+      <a:schemeClr val="lt1">
+        <a:alpha val="90000"/>
+      </a:schemeClr>
+    </dgm:fillClrLst>
+    <dgm:linClrLst meth="repeat">
+      <a:schemeClr val="accent1"/>
+    </dgm:linClrLst>
+    <dgm:effectClrLst/>
+    <dgm:txLinClrLst/>
+    <dgm:txFillClrLst meth="repeat">
+      <a:schemeClr val="dk1"/>
+    </dgm:txFillClrLst>
+    <dgm:txEffectClrLst/>
+  </dgm:styleLbl>
+  <dgm:styleLbl name="bgShp">
+    <dgm:fillClrLst meth="repeat">
+      <a:schemeClr val="accent1">
+        <a:tint val="40000"/>
+      </a:schemeClr>
+    </dgm:fillClrLst>
+    <dgm:linClrLst meth="repeat">
+      <a:schemeClr val="accent1"/>
+    </dgm:linClrLst>
+    <dgm:effectClrLst/>
+    <dgm:txLinClrLst/>
+    <dgm:txFillClrLst meth="repeat">
+      <a:schemeClr val="dk1"/>
+    </dgm:txFillClrLst>
+    <dgm:txEffectClrLst/>
+  </dgm:styleLbl>
+  <dgm:styleLbl name="dkBgShp">
+    <dgm:fillClrLst meth="repeat">
+      <a:schemeClr val="accent1">
+        <a:shade val="80000"/>
+      </a:schemeClr>
+    </dgm:fillClrLst>
+    <dgm:linClrLst meth="repeat">
+      <a:schemeClr val="accent1"/>
+    </dgm:linClrLst>
+    <dgm:effectClrLst/>
+    <dgm:txLinClrLst/>
+    <dgm:txFillClrLst meth="repeat">
+      <a:schemeClr val="lt1"/>
+    </dgm:txFillClrLst>
+    <dgm:txEffectClrLst/>
+  </dgm:styleLbl>
+  <dgm:styleLbl name="trBgShp">
+    <dgm:fillClrLst meth="repeat">
+      <a:schemeClr val="accent1">
+        <a:tint val="50000"/>
+        <a:alpha val="40000"/>
+      </a:schemeClr>
+    </dgm:fillClrLst>
+    <dgm:linClrLst meth="repeat">
+      <a:schemeClr val="accent1"/>
+    </dgm:linClrLst>
+    <dgm:effectClrLst/>
+    <dgm:txLinClrLst/>
+    <dgm:txFillClrLst meth="repeat">
+      <a:schemeClr val="lt1"/>
+    </dgm:txFillClrLst>
+    <dgm:txEffectClrLst/>
+  </dgm:styleLbl>
+  <dgm:styleLbl name="fgShp">
+    <dgm:fillClrLst meth="repeat">
+      <a:schemeClr val="accent1">
+        <a:tint val="60000"/>
+      </a:schemeClr>
+    </dgm:fillClrLst>
+    <dgm:linClrLst meth="repeat">
+      <a:schemeClr val="lt1"/>
+    </dgm:linClrLst>
+    <dgm:effectClrLst/>
+    <dgm:txLinClrLst/>
+    <dgm:txFillClrLst meth="repeat">
+      <a:schemeClr val="dk1"/>
+    </dgm:txFillClrLst>
+    <dgm:txEffectClrLst/>
+  </dgm:styleLbl>
+  <dgm:styleLbl name="revTx">
+    <dgm:fillClrLst meth="repeat">
+      <a:schemeClr val="lt1">
+        <a:alpha val="0"/>
+      </a:schemeClr>
+    </dgm:fillClrLst>
+    <dgm:linClrLst meth="repeat">
+      <a:schemeClr val="dk1">
+        <a:alpha val="0"/>
+      </a:schemeClr>
+    </dgm:linClrLst>
+    <dgm:effectClrLst/>
+    <dgm:txLinClrLst/>
+    <dgm:txFillClrLst meth="repeat">
+      <a:schemeClr val="tx1"/>
+    </dgm:txFillClrLst>
+    <dgm:txEffectClrLst/>
+  </dgm:styleLbl>
+</dgm:colorsDef>
+</file>
+
+<file path=ppt/diagrams/data1.xml><?xml version="1.0" encoding="utf-8"?>
+<dgm:dataModel xmlns:dgm="http://schemas.openxmlformats.org/drawingml/2006/diagram" xmlns:a="http://schemas.openxmlformats.org/drawingml/2006/main">
+  <dgm:ptLst>
+    <dgm:pt modelId="{42D81CF2-D02F-8946-A6A0-250E7F3040E9}" type="doc">
+      <dgm:prSet loTypeId="urn:microsoft.com/office/officeart/2005/8/layout/process1" loCatId="" qsTypeId="urn:microsoft.com/office/officeart/2005/8/quickstyle/simple2" qsCatId="simple" csTypeId="urn:microsoft.com/office/officeart/2005/8/colors/accent1_2" csCatId="accent1" phldr="1"/>
+      <dgm:spPr/>
+    </dgm:pt>
+    <dgm:pt modelId="{15E5BE46-E928-244B-ABAC-F1543116E095}">
+      <dgm:prSet phldrT="[Text]"/>
+      <dgm:spPr/>
+      <dgm:t>
+        <a:bodyPr/>
+        <a:lstStyle/>
+        <a:p>
+          <a:r>
+            <a:rPr lang="en-US" dirty="0" smtClean="0"/>
+            <a:t>Construct a URL</a:t>
+          </a:r>
+          <a:endParaRPr lang="en-US" dirty="0"/>
+        </a:p>
+      </dgm:t>
+    </dgm:pt>
+    <dgm:pt modelId="{D4B17A15-ACC4-6B43-A7F6-1D9A3DFA0923}" type="parTrans" cxnId="{8C05F526-F850-B845-8567-E9F9CD03A954}">
+      <dgm:prSet/>
+      <dgm:spPr/>
+      <dgm:t>
+        <a:bodyPr/>
+        <a:lstStyle/>
+        <a:p>
+          <a:endParaRPr lang="en-US"/>
+        </a:p>
+      </dgm:t>
+    </dgm:pt>
+    <dgm:pt modelId="{41B4A8F1-D113-5043-97A8-B6918095381E}" type="sibTrans" cxnId="{8C05F526-F850-B845-8567-E9F9CD03A954}">
+      <dgm:prSet/>
+      <dgm:spPr/>
+      <dgm:t>
+        <a:bodyPr/>
+        <a:lstStyle/>
+        <a:p>
+          <a:endParaRPr lang="en-US"/>
+        </a:p>
+      </dgm:t>
+    </dgm:pt>
+    <dgm:pt modelId="{92C49E94-34E0-2A41-8484-A9D4F6DBE1EA}">
+      <dgm:prSet phldrT="[Text]"/>
+      <dgm:spPr/>
+      <dgm:t>
+        <a:bodyPr/>
+        <a:lstStyle/>
+        <a:p>
+          <a:r>
+            <a:rPr lang="en-US" dirty="0" smtClean="0"/>
+            <a:t>Post it to the Server</a:t>
+          </a:r>
+          <a:endParaRPr lang="en-US" dirty="0"/>
+        </a:p>
+      </dgm:t>
+    </dgm:pt>
+    <dgm:pt modelId="{C0331582-F413-5A41-B2B4-C489DB110E52}" type="parTrans" cxnId="{BA662F92-01F8-D14F-9F10-8AE4A9407726}">
+      <dgm:prSet/>
+      <dgm:spPr/>
+      <dgm:t>
+        <a:bodyPr/>
+        <a:lstStyle/>
+        <a:p>
+          <a:endParaRPr lang="en-US"/>
+        </a:p>
+      </dgm:t>
+    </dgm:pt>
+    <dgm:pt modelId="{C604A724-87C4-1641-A5C5-F019D2713951}" type="sibTrans" cxnId="{BA662F92-01F8-D14F-9F10-8AE4A9407726}">
+      <dgm:prSet/>
+      <dgm:spPr/>
+      <dgm:t>
+        <a:bodyPr/>
+        <a:lstStyle/>
+        <a:p>
+          <a:endParaRPr lang="en-US"/>
+        </a:p>
+      </dgm:t>
+    </dgm:pt>
+    <dgm:pt modelId="{D9842041-711C-A44C-B6A1-D37EE5D5EFEB}">
+      <dgm:prSet phldrT="[Text]"/>
+      <dgm:spPr/>
+      <dgm:t>
+        <a:bodyPr/>
+        <a:lstStyle/>
+        <a:p>
+          <a:r>
+            <a:rPr lang="en-US" dirty="0" smtClean="0"/>
+            <a:t>Collect the Response (often XML or JSON)</a:t>
+          </a:r>
+          <a:endParaRPr lang="en-US" dirty="0"/>
+        </a:p>
+      </dgm:t>
+    </dgm:pt>
+    <dgm:pt modelId="{F9EC1153-7029-E14A-A0A6-1EBECDFB9FAF}" type="parTrans" cxnId="{42933CA1-4067-E846-A887-1753D1268404}">
+      <dgm:prSet/>
+      <dgm:spPr/>
+      <dgm:t>
+        <a:bodyPr/>
+        <a:lstStyle/>
+        <a:p>
+          <a:endParaRPr lang="en-US"/>
+        </a:p>
+      </dgm:t>
+    </dgm:pt>
+    <dgm:pt modelId="{999B656F-DBDB-1943-B9F0-158C78A32C17}" type="sibTrans" cxnId="{42933CA1-4067-E846-A887-1753D1268404}">
+      <dgm:prSet/>
+      <dgm:spPr/>
+      <dgm:t>
+        <a:bodyPr/>
+        <a:lstStyle/>
+        <a:p>
+          <a:endParaRPr lang="en-US"/>
+        </a:p>
+      </dgm:t>
+    </dgm:pt>
+    <dgm:pt modelId="{AA2EE4C4-2672-134B-A10E-24D0479226FD}">
+      <dgm:prSet phldrT="[Text]"/>
+      <dgm:spPr/>
+      <dgm:t>
+        <a:bodyPr/>
+        <a:lstStyle/>
+        <a:p>
+          <a:r>
+            <a:rPr lang="en-US" smtClean="0"/>
+            <a:t>Parse and Act</a:t>
+          </a:r>
+          <a:endParaRPr lang="en-US" dirty="0"/>
+        </a:p>
+      </dgm:t>
+    </dgm:pt>
+    <dgm:pt modelId="{A6FFB85A-5C65-C140-8402-F4F7A1FF496F}" type="parTrans" cxnId="{2AF0BD6B-3020-AF41-A4B7-D21A3AF90E7D}">
+      <dgm:prSet/>
+      <dgm:spPr/>
+      <dgm:t>
+        <a:bodyPr/>
+        <a:lstStyle/>
+        <a:p>
+          <a:endParaRPr lang="en-US"/>
+        </a:p>
+      </dgm:t>
+    </dgm:pt>
+    <dgm:pt modelId="{58173E36-07EF-544F-9A6E-0BAD533990FB}" type="sibTrans" cxnId="{2AF0BD6B-3020-AF41-A4B7-D21A3AF90E7D}">
+      <dgm:prSet/>
+      <dgm:spPr/>
+      <dgm:t>
+        <a:bodyPr/>
+        <a:lstStyle/>
+        <a:p>
+          <a:endParaRPr lang="en-US"/>
+        </a:p>
+      </dgm:t>
+    </dgm:pt>
+    <dgm:pt modelId="{7CEEF8E4-3ADE-574C-B72A-56E56D8BE911}" type="pres">
+      <dgm:prSet presAssocID="{42D81CF2-D02F-8946-A6A0-250E7F3040E9}" presName="Name0" presStyleCnt="0">
+        <dgm:presLayoutVars>
+          <dgm:dir/>
+          <dgm:resizeHandles val="exact"/>
+        </dgm:presLayoutVars>
+      </dgm:prSet>
+      <dgm:spPr/>
+    </dgm:pt>
+    <dgm:pt modelId="{5A21B2CD-C375-9247-88ED-4CC1CA1865D3}" type="pres">
+      <dgm:prSet presAssocID="{15E5BE46-E928-244B-ABAC-F1543116E095}" presName="node" presStyleLbl="node1" presStyleIdx="0" presStyleCnt="4">
+        <dgm:presLayoutVars>
+          <dgm:bulletEnabled val="1"/>
+        </dgm:presLayoutVars>
+      </dgm:prSet>
+      <dgm:spPr/>
+      <dgm:t>
+        <a:bodyPr/>
+        <a:lstStyle/>
+        <a:p>
+          <a:endParaRPr lang="en-US"/>
+        </a:p>
+      </dgm:t>
+    </dgm:pt>
+    <dgm:pt modelId="{D61D47EA-EEF1-D144-915B-077C3FC305EF}" type="pres">
+      <dgm:prSet presAssocID="{41B4A8F1-D113-5043-97A8-B6918095381E}" presName="sibTrans" presStyleLbl="sibTrans2D1" presStyleIdx="0" presStyleCnt="3"/>
+      <dgm:spPr/>
+      <dgm:t>
+        <a:bodyPr/>
+        <a:lstStyle/>
+        <a:p>
+          <a:endParaRPr lang="en-US"/>
+        </a:p>
+      </dgm:t>
+    </dgm:pt>
+    <dgm:pt modelId="{065B5A47-903E-9447-B9AD-6A34AC3DDA25}" type="pres">
+      <dgm:prSet presAssocID="{41B4A8F1-D113-5043-97A8-B6918095381E}" presName="connectorText" presStyleLbl="sibTrans2D1" presStyleIdx="0" presStyleCnt="3"/>
+      <dgm:spPr/>
+      <dgm:t>
+        <a:bodyPr/>
+        <a:lstStyle/>
+        <a:p>
+          <a:endParaRPr lang="en-US"/>
+        </a:p>
+      </dgm:t>
+    </dgm:pt>
+    <dgm:pt modelId="{42089EA5-C142-AD42-ABE6-822B746D7A0F}" type="pres">
+      <dgm:prSet presAssocID="{92C49E94-34E0-2A41-8484-A9D4F6DBE1EA}" presName="node" presStyleLbl="node1" presStyleIdx="1" presStyleCnt="4">
+        <dgm:presLayoutVars>
+          <dgm:bulletEnabled val="1"/>
+        </dgm:presLayoutVars>
+      </dgm:prSet>
+      <dgm:spPr/>
+      <dgm:t>
+        <a:bodyPr/>
+        <a:lstStyle/>
+        <a:p>
+          <a:endParaRPr lang="en-US"/>
+        </a:p>
+      </dgm:t>
+    </dgm:pt>
+    <dgm:pt modelId="{2A7A451B-E7CD-E64D-AD4D-C64E7A1F1921}" type="pres">
+      <dgm:prSet presAssocID="{C604A724-87C4-1641-A5C5-F019D2713951}" presName="sibTrans" presStyleLbl="sibTrans2D1" presStyleIdx="1" presStyleCnt="3"/>
+      <dgm:spPr/>
+      <dgm:t>
+        <a:bodyPr/>
+        <a:lstStyle/>
+        <a:p>
+          <a:endParaRPr lang="en-US"/>
+        </a:p>
+      </dgm:t>
+    </dgm:pt>
+    <dgm:pt modelId="{481EE52C-64FC-CD48-9660-37F8016BDD19}" type="pres">
+      <dgm:prSet presAssocID="{C604A724-87C4-1641-A5C5-F019D2713951}" presName="connectorText" presStyleLbl="sibTrans2D1" presStyleIdx="1" presStyleCnt="3"/>
+      <dgm:spPr/>
+      <dgm:t>
+        <a:bodyPr/>
+        <a:lstStyle/>
+        <a:p>
+          <a:endParaRPr lang="en-US"/>
+        </a:p>
+      </dgm:t>
+    </dgm:pt>
+    <dgm:pt modelId="{143E674D-5043-1445-B5BB-4AEACBE0136D}" type="pres">
+      <dgm:prSet presAssocID="{D9842041-711C-A44C-B6A1-D37EE5D5EFEB}" presName="node" presStyleLbl="node1" presStyleIdx="2" presStyleCnt="4">
+        <dgm:presLayoutVars>
+          <dgm:bulletEnabled val="1"/>
+        </dgm:presLayoutVars>
+      </dgm:prSet>
+      <dgm:spPr/>
+      <dgm:t>
+        <a:bodyPr/>
+        <a:lstStyle/>
+        <a:p>
+          <a:endParaRPr lang="en-US"/>
+        </a:p>
+      </dgm:t>
+    </dgm:pt>
+    <dgm:pt modelId="{F5CF512E-1AD1-724E-B731-57D66E80D6A5}" type="pres">
+      <dgm:prSet presAssocID="{999B656F-DBDB-1943-B9F0-158C78A32C17}" presName="sibTrans" presStyleLbl="sibTrans2D1" presStyleIdx="2" presStyleCnt="3"/>
+      <dgm:spPr/>
+      <dgm:t>
+        <a:bodyPr/>
+        <a:lstStyle/>
+        <a:p>
+          <a:endParaRPr lang="en-US"/>
+        </a:p>
+      </dgm:t>
+    </dgm:pt>
+    <dgm:pt modelId="{FF9EC301-3A68-DB43-BD0C-9F7120F18039}" type="pres">
+      <dgm:prSet presAssocID="{999B656F-DBDB-1943-B9F0-158C78A32C17}" presName="connectorText" presStyleLbl="sibTrans2D1" presStyleIdx="2" presStyleCnt="3"/>
+      <dgm:spPr/>
+      <dgm:t>
+        <a:bodyPr/>
+        <a:lstStyle/>
+        <a:p>
+          <a:endParaRPr lang="en-US"/>
+        </a:p>
+      </dgm:t>
+    </dgm:pt>
+    <dgm:pt modelId="{7E47C9EC-8142-0A4E-AFBC-EADB5E13AA35}" type="pres">
+      <dgm:prSet presAssocID="{AA2EE4C4-2672-134B-A10E-24D0479226FD}" presName="node" presStyleLbl="node1" presStyleIdx="3" presStyleCnt="4">
+        <dgm:presLayoutVars>
+          <dgm:bulletEnabled val="1"/>
+        </dgm:presLayoutVars>
+      </dgm:prSet>
+      <dgm:spPr/>
+      <dgm:t>
+        <a:bodyPr/>
+        <a:lstStyle/>
+        <a:p>
+          <a:endParaRPr lang="en-US"/>
+        </a:p>
+      </dgm:t>
+    </dgm:pt>
+  </dgm:ptLst>
+  <dgm:cxnLst>
+    <dgm:cxn modelId="{245841C4-932F-A644-9941-7DBA50EE2C08}" type="presOf" srcId="{41B4A8F1-D113-5043-97A8-B6918095381E}" destId="{065B5A47-903E-9447-B9AD-6A34AC3DDA25}" srcOrd="1" destOrd="0" presId="urn:microsoft.com/office/officeart/2005/8/layout/process1"/>
+    <dgm:cxn modelId="{E7D50D4E-A7BB-AD40-A323-DA8A5289EDB0}" type="presOf" srcId="{999B656F-DBDB-1943-B9F0-158C78A32C17}" destId="{F5CF512E-1AD1-724E-B731-57D66E80D6A5}" srcOrd="0" destOrd="0" presId="urn:microsoft.com/office/officeart/2005/8/layout/process1"/>
+    <dgm:cxn modelId="{D35FD7C2-CEC6-EB45-A6A6-50C6163F1471}" type="presOf" srcId="{41B4A8F1-D113-5043-97A8-B6918095381E}" destId="{D61D47EA-EEF1-D144-915B-077C3FC305EF}" srcOrd="0" destOrd="0" presId="urn:microsoft.com/office/officeart/2005/8/layout/process1"/>
+    <dgm:cxn modelId="{BA662F92-01F8-D14F-9F10-8AE4A9407726}" srcId="{42D81CF2-D02F-8946-A6A0-250E7F3040E9}" destId="{92C49E94-34E0-2A41-8484-A9D4F6DBE1EA}" srcOrd="1" destOrd="0" parTransId="{C0331582-F413-5A41-B2B4-C489DB110E52}" sibTransId="{C604A724-87C4-1641-A5C5-F019D2713951}"/>
+    <dgm:cxn modelId="{7E6136D9-6BDA-C44E-9E46-322F748CC3BB}" type="presOf" srcId="{42D81CF2-D02F-8946-A6A0-250E7F3040E9}" destId="{7CEEF8E4-3ADE-574C-B72A-56E56D8BE911}" srcOrd="0" destOrd="0" presId="urn:microsoft.com/office/officeart/2005/8/layout/process1"/>
+    <dgm:cxn modelId="{EAE26D78-D935-8148-AABD-9B8AFD31E6EA}" type="presOf" srcId="{D9842041-711C-A44C-B6A1-D37EE5D5EFEB}" destId="{143E674D-5043-1445-B5BB-4AEACBE0136D}" srcOrd="0" destOrd="0" presId="urn:microsoft.com/office/officeart/2005/8/layout/process1"/>
+    <dgm:cxn modelId="{2AF0BD6B-3020-AF41-A4B7-D21A3AF90E7D}" srcId="{42D81CF2-D02F-8946-A6A0-250E7F3040E9}" destId="{AA2EE4C4-2672-134B-A10E-24D0479226FD}" srcOrd="3" destOrd="0" parTransId="{A6FFB85A-5C65-C140-8402-F4F7A1FF496F}" sibTransId="{58173E36-07EF-544F-9A6E-0BAD533990FB}"/>
+    <dgm:cxn modelId="{42933CA1-4067-E846-A887-1753D1268404}" srcId="{42D81CF2-D02F-8946-A6A0-250E7F3040E9}" destId="{D9842041-711C-A44C-B6A1-D37EE5D5EFEB}" srcOrd="2" destOrd="0" parTransId="{F9EC1153-7029-E14A-A0A6-1EBECDFB9FAF}" sibTransId="{999B656F-DBDB-1943-B9F0-158C78A32C17}"/>
+    <dgm:cxn modelId="{D7387E31-A744-8C4E-8B33-15C116342657}" type="presOf" srcId="{92C49E94-34E0-2A41-8484-A9D4F6DBE1EA}" destId="{42089EA5-C142-AD42-ABE6-822B746D7A0F}" srcOrd="0" destOrd="0" presId="urn:microsoft.com/office/officeart/2005/8/layout/process1"/>
+    <dgm:cxn modelId="{64501B83-82F7-7D42-ABD6-57CAEF1F4589}" type="presOf" srcId="{999B656F-DBDB-1943-B9F0-158C78A32C17}" destId="{FF9EC301-3A68-DB43-BD0C-9F7120F18039}" srcOrd="1" destOrd="0" presId="urn:microsoft.com/office/officeart/2005/8/layout/process1"/>
+    <dgm:cxn modelId="{F41F0566-C371-6F42-9312-9343E39677A1}" type="presOf" srcId="{AA2EE4C4-2672-134B-A10E-24D0479226FD}" destId="{7E47C9EC-8142-0A4E-AFBC-EADB5E13AA35}" srcOrd="0" destOrd="0" presId="urn:microsoft.com/office/officeart/2005/8/layout/process1"/>
+    <dgm:cxn modelId="{679D9486-416D-3E48-8563-4FA9E44626ED}" type="presOf" srcId="{C604A724-87C4-1641-A5C5-F019D2713951}" destId="{2A7A451B-E7CD-E64D-AD4D-C64E7A1F1921}" srcOrd="0" destOrd="0" presId="urn:microsoft.com/office/officeart/2005/8/layout/process1"/>
+    <dgm:cxn modelId="{19EB9D21-1F41-334B-AE5E-1948EDE258F4}" type="presOf" srcId="{15E5BE46-E928-244B-ABAC-F1543116E095}" destId="{5A21B2CD-C375-9247-88ED-4CC1CA1865D3}" srcOrd="0" destOrd="0" presId="urn:microsoft.com/office/officeart/2005/8/layout/process1"/>
+    <dgm:cxn modelId="{6123F47F-01A2-1947-925F-E18C90279154}" type="presOf" srcId="{C604A724-87C4-1641-A5C5-F019D2713951}" destId="{481EE52C-64FC-CD48-9660-37F8016BDD19}" srcOrd="1" destOrd="0" presId="urn:microsoft.com/office/officeart/2005/8/layout/process1"/>
+    <dgm:cxn modelId="{8C05F526-F850-B845-8567-E9F9CD03A954}" srcId="{42D81CF2-D02F-8946-A6A0-250E7F3040E9}" destId="{15E5BE46-E928-244B-ABAC-F1543116E095}" srcOrd="0" destOrd="0" parTransId="{D4B17A15-ACC4-6B43-A7F6-1D9A3DFA0923}" sibTransId="{41B4A8F1-D113-5043-97A8-B6918095381E}"/>
+    <dgm:cxn modelId="{41125C99-48E7-1B44-94B3-AF1605443737}" type="presParOf" srcId="{7CEEF8E4-3ADE-574C-B72A-56E56D8BE911}" destId="{5A21B2CD-C375-9247-88ED-4CC1CA1865D3}" srcOrd="0" destOrd="0" presId="urn:microsoft.com/office/officeart/2005/8/layout/process1"/>
+    <dgm:cxn modelId="{F693BB31-ECB2-A145-A706-A5C5707C3369}" type="presParOf" srcId="{7CEEF8E4-3ADE-574C-B72A-56E56D8BE911}" destId="{D61D47EA-EEF1-D144-915B-077C3FC305EF}" srcOrd="1" destOrd="0" presId="urn:microsoft.com/office/officeart/2005/8/layout/process1"/>
+    <dgm:cxn modelId="{CDEB0ABF-1A4E-E347-B03F-6C8A8CECDB58}" type="presParOf" srcId="{D61D47EA-EEF1-D144-915B-077C3FC305EF}" destId="{065B5A47-903E-9447-B9AD-6A34AC3DDA25}" srcOrd="0" destOrd="0" presId="urn:microsoft.com/office/officeart/2005/8/layout/process1"/>
+    <dgm:cxn modelId="{E5791382-77E5-C449-B6FD-FC0C6DF4A6AC}" type="presParOf" srcId="{7CEEF8E4-3ADE-574C-B72A-56E56D8BE911}" destId="{42089EA5-C142-AD42-ABE6-822B746D7A0F}" srcOrd="2" destOrd="0" presId="urn:microsoft.com/office/officeart/2005/8/layout/process1"/>
+    <dgm:cxn modelId="{D4920FEF-99EC-DE4F-9F3A-5F9E994EA98D}" type="presParOf" srcId="{7CEEF8E4-3ADE-574C-B72A-56E56D8BE911}" destId="{2A7A451B-E7CD-E64D-AD4D-C64E7A1F1921}" srcOrd="3" destOrd="0" presId="urn:microsoft.com/office/officeart/2005/8/layout/process1"/>
+    <dgm:cxn modelId="{4DBB640F-A311-ED4E-A0D9-95E9AD24F4E3}" type="presParOf" srcId="{2A7A451B-E7CD-E64D-AD4D-C64E7A1F1921}" destId="{481EE52C-64FC-CD48-9660-37F8016BDD19}" srcOrd="0" destOrd="0" presId="urn:microsoft.com/office/officeart/2005/8/layout/process1"/>
+    <dgm:cxn modelId="{2F76A2AD-631E-F744-B00C-F12D27D78468}" type="presParOf" srcId="{7CEEF8E4-3ADE-574C-B72A-56E56D8BE911}" destId="{143E674D-5043-1445-B5BB-4AEACBE0136D}" srcOrd="4" destOrd="0" presId="urn:microsoft.com/office/officeart/2005/8/layout/process1"/>
+    <dgm:cxn modelId="{E4B23720-8FB7-3049-98B3-98258A5CB67A}" type="presParOf" srcId="{7CEEF8E4-3ADE-574C-B72A-56E56D8BE911}" destId="{F5CF512E-1AD1-724E-B731-57D66E80D6A5}" srcOrd="5" destOrd="0" presId="urn:microsoft.com/office/officeart/2005/8/layout/process1"/>
+    <dgm:cxn modelId="{DC4848ED-24F8-1648-9201-48350BA5EA83}" type="presParOf" srcId="{F5CF512E-1AD1-724E-B731-57D66E80D6A5}" destId="{FF9EC301-3A68-DB43-BD0C-9F7120F18039}" srcOrd="0" destOrd="0" presId="urn:microsoft.com/office/officeart/2005/8/layout/process1"/>
+    <dgm:cxn modelId="{28D68424-68BE-3C47-BFDE-BD5BA6E16B55}" type="presParOf" srcId="{7CEEF8E4-3ADE-574C-B72A-56E56D8BE911}" destId="{7E47C9EC-8142-0A4E-AFBC-EADB5E13AA35}" srcOrd="6" destOrd="0" presId="urn:microsoft.com/office/officeart/2005/8/layout/process1"/>
+  </dgm:cxnLst>
+  <dgm:bg/>
+  <dgm:whole/>
+  <dgm:extLst>
+    <a:ext uri="http://schemas.microsoft.com/office/drawing/2008/diagram">
+      <dsp:dataModelExt xmlns:dsp="http://schemas.microsoft.com/office/drawing/2008/diagram" relId="rId6" minVer="http://schemas.openxmlformats.org/drawingml/2006/diagram"/>
+    </a:ext>
+  </dgm:extLst>
+</dgm:dataModel>
+</file>
+
+<file path=ppt/diagrams/drawing1.xml><?xml version="1.0" encoding="utf-8"?>
+<dsp:drawing xmlns:dgm="http://schemas.openxmlformats.org/drawingml/2006/diagram" xmlns:dsp="http://schemas.microsoft.com/office/drawing/2008/diagram" xmlns:a="http://schemas.openxmlformats.org/drawingml/2006/main">
+  <dsp:spTree>
+    <dsp:nvGrpSpPr>
+      <dsp:cNvPr id="0" name=""/>
+      <dsp:cNvGrpSpPr/>
+    </dsp:nvGrpSpPr>
+    <dsp:grpSpPr/>
+    <dsp:sp modelId="{5A21B2CD-C375-9247-88ED-4CC1CA1865D3}">
+      <dsp:nvSpPr>
+        <dsp:cNvPr id="0" name=""/>
+        <dsp:cNvSpPr/>
+      </dsp:nvSpPr>
+      <dsp:spPr>
+        <a:xfrm>
+          <a:off x="3652" y="2043297"/>
+          <a:ext cx="1597147" cy="1227806"/>
+        </a:xfrm>
+        <a:prstGeom prst="roundRect">
+          <a:avLst>
+            <a:gd name="adj" fmla="val 10000"/>
+          </a:avLst>
+        </a:prstGeom>
+        <a:solidFill>
+          <a:schemeClr val="accent1">
+            <a:hueOff val="0"/>
+            <a:satOff val="0"/>
+            <a:lumOff val="0"/>
+            <a:alphaOff val="0"/>
+          </a:schemeClr>
+        </a:solidFill>
+        <a:ln w="38100" cap="flat" cmpd="sng" algn="ctr">
+          <a:solidFill>
+            <a:schemeClr val="lt1">
+              <a:hueOff val="0"/>
+              <a:satOff val="0"/>
+              <a:lumOff val="0"/>
+              <a:alphaOff val="0"/>
+            </a:schemeClr>
+          </a:solidFill>
+          <a:prstDash val="solid"/>
+        </a:ln>
+        <a:effectLst>
+          <a:outerShdw blurRad="40000" dist="20000" dir="5400000" rotWithShape="0">
+            <a:srgbClr val="000000">
+              <a:alpha val="38000"/>
+            </a:srgbClr>
+          </a:outerShdw>
+        </a:effectLst>
+      </dsp:spPr>
+      <dsp:style>
+        <a:lnRef idx="3">
+          <a:scrgbClr r="0" g="0" b="0"/>
+        </a:lnRef>
+        <a:fillRef idx="1">
+          <a:scrgbClr r="0" g="0" b="0"/>
+        </a:fillRef>
+        <a:effectRef idx="1">
+          <a:scrgbClr r="0" g="0" b="0"/>
+        </a:effectRef>
+        <a:fontRef idx="minor">
+          <a:schemeClr val="lt1"/>
+        </a:fontRef>
+      </dsp:style>
+      <dsp:txBody>
+        <a:bodyPr spcFirstLastPara="0" vert="horz" wrap="square" lIns="68580" tIns="68580" rIns="68580" bIns="68580" numCol="1" spcCol="1270" anchor="ctr" anchorCtr="0">
+          <a:noAutofit/>
+        </a:bodyPr>
+        <a:lstStyle/>
+        <a:p>
+          <a:pPr lvl="0" algn="ctr" defTabSz="800100">
+            <a:lnSpc>
+              <a:spcPct val="90000"/>
+            </a:lnSpc>
+            <a:spcBef>
+              <a:spcPct val="0"/>
+            </a:spcBef>
+            <a:spcAft>
+              <a:spcPct val="35000"/>
+            </a:spcAft>
+          </a:pPr>
+          <a:r>
+            <a:rPr lang="en-US" sz="1800" kern="1200" dirty="0" smtClean="0"/>
+            <a:t>Construct a URL</a:t>
+          </a:r>
+          <a:endParaRPr lang="en-US" sz="1800" kern="1200" dirty="0"/>
+        </a:p>
+      </dsp:txBody>
+      <dsp:txXfrm>
+        <a:off x="39613" y="2079258"/>
+        <a:ext cx="1525225" cy="1155884"/>
+      </dsp:txXfrm>
+    </dsp:sp>
+    <dsp:sp modelId="{D61D47EA-EEF1-D144-915B-077C3FC305EF}">
+      <dsp:nvSpPr>
+        <dsp:cNvPr id="0" name=""/>
+        <dsp:cNvSpPr/>
+      </dsp:nvSpPr>
+      <dsp:spPr>
+        <a:xfrm>
+          <a:off x="1760514" y="2459154"/>
+          <a:ext cx="338595" cy="396092"/>
+        </a:xfrm>
+        <a:prstGeom prst="rightArrow">
+          <a:avLst>
+            <a:gd name="adj1" fmla="val 60000"/>
+            <a:gd name="adj2" fmla="val 50000"/>
+          </a:avLst>
+        </a:prstGeom>
+        <a:solidFill>
+          <a:schemeClr val="accent1">
+            <a:tint val="60000"/>
+            <a:hueOff val="0"/>
+            <a:satOff val="0"/>
+            <a:lumOff val="0"/>
+            <a:alphaOff val="0"/>
+          </a:schemeClr>
+        </a:solidFill>
+        <a:ln>
+          <a:noFill/>
+        </a:ln>
+        <a:effectLst>
+          <a:outerShdw blurRad="40000" dist="20000" dir="5400000" rotWithShape="0">
+            <a:srgbClr val="000000">
+              <a:alpha val="38000"/>
+            </a:srgbClr>
+          </a:outerShdw>
+        </a:effectLst>
+      </dsp:spPr>
+      <dsp:style>
+        <a:lnRef idx="0">
+          <a:scrgbClr r="0" g="0" b="0"/>
+        </a:lnRef>
+        <a:fillRef idx="1">
+          <a:scrgbClr r="0" g="0" b="0"/>
+        </a:fillRef>
+        <a:effectRef idx="1">
+          <a:scrgbClr r="0" g="0" b="0"/>
+        </a:effectRef>
+        <a:fontRef idx="minor">
+          <a:schemeClr val="lt1"/>
+        </a:fontRef>
+      </dsp:style>
+      <dsp:txBody>
+        <a:bodyPr spcFirstLastPara="0" vert="horz" wrap="square" lIns="0" tIns="0" rIns="0" bIns="0" numCol="1" spcCol="1270" anchor="ctr" anchorCtr="0">
+          <a:noAutofit/>
+        </a:bodyPr>
+        <a:lstStyle/>
+        <a:p>
+          <a:pPr lvl="0" algn="ctr" defTabSz="622300">
+            <a:lnSpc>
+              <a:spcPct val="90000"/>
+            </a:lnSpc>
+            <a:spcBef>
+              <a:spcPct val="0"/>
+            </a:spcBef>
+            <a:spcAft>
+              <a:spcPct val="35000"/>
+            </a:spcAft>
+          </a:pPr>
+          <a:endParaRPr lang="en-US" sz="1400" kern="1200"/>
+        </a:p>
+      </dsp:txBody>
+      <dsp:txXfrm>
+        <a:off x="1760514" y="2538372"/>
+        <a:ext cx="237017" cy="237656"/>
+      </dsp:txXfrm>
+    </dsp:sp>
+    <dsp:sp modelId="{42089EA5-C142-AD42-ABE6-822B746D7A0F}">
+      <dsp:nvSpPr>
+        <dsp:cNvPr id="0" name=""/>
+        <dsp:cNvSpPr/>
+      </dsp:nvSpPr>
+      <dsp:spPr>
+        <a:xfrm>
+          <a:off x="2239658" y="2043297"/>
+          <a:ext cx="1597147" cy="1227806"/>
+        </a:xfrm>
+        <a:prstGeom prst="roundRect">
+          <a:avLst>
+            <a:gd name="adj" fmla="val 10000"/>
+          </a:avLst>
+        </a:prstGeom>
+        <a:solidFill>
+          <a:schemeClr val="accent1">
+            <a:hueOff val="0"/>
+            <a:satOff val="0"/>
+            <a:lumOff val="0"/>
+            <a:alphaOff val="0"/>
+          </a:schemeClr>
+        </a:solidFill>
+        <a:ln w="38100" cap="flat" cmpd="sng" algn="ctr">
+          <a:solidFill>
+            <a:schemeClr val="lt1">
+              <a:hueOff val="0"/>
+              <a:satOff val="0"/>
+              <a:lumOff val="0"/>
+              <a:alphaOff val="0"/>
+            </a:schemeClr>
+          </a:solidFill>
+          <a:prstDash val="solid"/>
+        </a:ln>
+        <a:effectLst>
+          <a:outerShdw blurRad="40000" dist="20000" dir="5400000" rotWithShape="0">
+            <a:srgbClr val="000000">
+              <a:alpha val="38000"/>
+            </a:srgbClr>
+          </a:outerShdw>
+        </a:effectLst>
+      </dsp:spPr>
+      <dsp:style>
+        <a:lnRef idx="3">
+          <a:scrgbClr r="0" g="0" b="0"/>
+        </a:lnRef>
+        <a:fillRef idx="1">
+          <a:scrgbClr r="0" g="0" b="0"/>
+        </a:fillRef>
+        <a:effectRef idx="1">
+          <a:scrgbClr r="0" g="0" b="0"/>
+        </a:effectRef>
+        <a:fontRef idx="minor">
+          <a:schemeClr val="lt1"/>
+        </a:fontRef>
+      </dsp:style>
+      <dsp:txBody>
+        <a:bodyPr spcFirstLastPara="0" vert="horz" wrap="square" lIns="68580" tIns="68580" rIns="68580" bIns="68580" numCol="1" spcCol="1270" anchor="ctr" anchorCtr="0">
+          <a:noAutofit/>
+        </a:bodyPr>
+        <a:lstStyle/>
+        <a:p>
+          <a:pPr lvl="0" algn="ctr" defTabSz="800100">
+            <a:lnSpc>
+              <a:spcPct val="90000"/>
+            </a:lnSpc>
+            <a:spcBef>
+              <a:spcPct val="0"/>
+            </a:spcBef>
+            <a:spcAft>
+              <a:spcPct val="35000"/>
+            </a:spcAft>
+          </a:pPr>
+          <a:r>
+            <a:rPr lang="en-US" sz="1800" kern="1200" dirty="0" smtClean="0"/>
+            <a:t>Post it to the Server</a:t>
+          </a:r>
+          <a:endParaRPr lang="en-US" sz="1800" kern="1200" dirty="0"/>
+        </a:p>
+      </dsp:txBody>
+      <dsp:txXfrm>
+        <a:off x="2275619" y="2079258"/>
+        <a:ext cx="1525225" cy="1155884"/>
+      </dsp:txXfrm>
+    </dsp:sp>
+    <dsp:sp modelId="{2A7A451B-E7CD-E64D-AD4D-C64E7A1F1921}">
+      <dsp:nvSpPr>
+        <dsp:cNvPr id="0" name=""/>
+        <dsp:cNvSpPr/>
+      </dsp:nvSpPr>
+      <dsp:spPr>
+        <a:xfrm>
+          <a:off x="3996520" y="2459154"/>
+          <a:ext cx="338595" cy="396092"/>
+        </a:xfrm>
+        <a:prstGeom prst="rightArrow">
+          <a:avLst>
+            <a:gd name="adj1" fmla="val 60000"/>
+            <a:gd name="adj2" fmla="val 50000"/>
+          </a:avLst>
+        </a:prstGeom>
+        <a:solidFill>
+          <a:schemeClr val="accent1">
+            <a:tint val="60000"/>
+            <a:hueOff val="0"/>
+            <a:satOff val="0"/>
+            <a:lumOff val="0"/>
+            <a:alphaOff val="0"/>
+          </a:schemeClr>
+        </a:solidFill>
+        <a:ln>
+          <a:noFill/>
+        </a:ln>
+        <a:effectLst>
+          <a:outerShdw blurRad="40000" dist="20000" dir="5400000" rotWithShape="0">
+            <a:srgbClr val="000000">
+              <a:alpha val="38000"/>
+            </a:srgbClr>
+          </a:outerShdw>
+        </a:effectLst>
+      </dsp:spPr>
+      <dsp:style>
+        <a:lnRef idx="0">
+          <a:scrgbClr r="0" g="0" b="0"/>
+        </a:lnRef>
+        <a:fillRef idx="1">
+          <a:scrgbClr r="0" g="0" b="0"/>
+        </a:fillRef>
+        <a:effectRef idx="1">
+          <a:scrgbClr r="0" g="0" b="0"/>
+        </a:effectRef>
+        <a:fontRef idx="minor">
+          <a:schemeClr val="lt1"/>
+        </a:fontRef>
+      </dsp:style>
+      <dsp:txBody>
+        <a:bodyPr spcFirstLastPara="0" vert="horz" wrap="square" lIns="0" tIns="0" rIns="0" bIns="0" numCol="1" spcCol="1270" anchor="ctr" anchorCtr="0">
+          <a:noAutofit/>
+        </a:bodyPr>
+        <a:lstStyle/>
+        <a:p>
+          <a:pPr lvl="0" algn="ctr" defTabSz="622300">
+            <a:lnSpc>
+              <a:spcPct val="90000"/>
+            </a:lnSpc>
+            <a:spcBef>
+              <a:spcPct val="0"/>
+            </a:spcBef>
+            <a:spcAft>
+              <a:spcPct val="35000"/>
+            </a:spcAft>
+          </a:pPr>
+          <a:endParaRPr lang="en-US" sz="1400" kern="1200"/>
+        </a:p>
+      </dsp:txBody>
+      <dsp:txXfrm>
+        <a:off x="3996520" y="2538372"/>
+        <a:ext cx="237017" cy="237656"/>
+      </dsp:txXfrm>
+    </dsp:sp>
+    <dsp:sp modelId="{143E674D-5043-1445-B5BB-4AEACBE0136D}">
+      <dsp:nvSpPr>
+        <dsp:cNvPr id="0" name=""/>
+        <dsp:cNvSpPr/>
+      </dsp:nvSpPr>
+      <dsp:spPr>
+        <a:xfrm>
+          <a:off x="4475664" y="2043297"/>
+          <a:ext cx="1597147" cy="1227806"/>
+        </a:xfrm>
+        <a:prstGeom prst="roundRect">
+          <a:avLst>
+            <a:gd name="adj" fmla="val 10000"/>
+          </a:avLst>
+        </a:prstGeom>
+        <a:solidFill>
+          <a:schemeClr val="accent1">
+            <a:hueOff val="0"/>
+            <a:satOff val="0"/>
+            <a:lumOff val="0"/>
+            <a:alphaOff val="0"/>
+          </a:schemeClr>
+        </a:solidFill>
+        <a:ln w="38100" cap="flat" cmpd="sng" algn="ctr">
+          <a:solidFill>
+            <a:schemeClr val="lt1">
+              <a:hueOff val="0"/>
+              <a:satOff val="0"/>
+              <a:lumOff val="0"/>
+              <a:alphaOff val="0"/>
+            </a:schemeClr>
+          </a:solidFill>
+          <a:prstDash val="solid"/>
+        </a:ln>
+        <a:effectLst>
+          <a:outerShdw blurRad="40000" dist="20000" dir="5400000" rotWithShape="0">
+            <a:srgbClr val="000000">
+              <a:alpha val="38000"/>
+            </a:srgbClr>
+          </a:outerShdw>
+        </a:effectLst>
+      </dsp:spPr>
+      <dsp:style>
+        <a:lnRef idx="3">
+          <a:scrgbClr r="0" g="0" b="0"/>
+        </a:lnRef>
+        <a:fillRef idx="1">
+          <a:scrgbClr r="0" g="0" b="0"/>
+        </a:fillRef>
+        <a:effectRef idx="1">
+          <a:scrgbClr r="0" g="0" b="0"/>
+        </a:effectRef>
+        <a:fontRef idx="minor">
+          <a:schemeClr val="lt1"/>
+        </a:fontRef>
+      </dsp:style>
+      <dsp:txBody>
+        <a:bodyPr spcFirstLastPara="0" vert="horz" wrap="square" lIns="68580" tIns="68580" rIns="68580" bIns="68580" numCol="1" spcCol="1270" anchor="ctr" anchorCtr="0">
+          <a:noAutofit/>
+        </a:bodyPr>
+        <a:lstStyle/>
+        <a:p>
+          <a:pPr lvl="0" algn="ctr" defTabSz="800100">
+            <a:lnSpc>
+              <a:spcPct val="90000"/>
+            </a:lnSpc>
+            <a:spcBef>
+              <a:spcPct val="0"/>
+            </a:spcBef>
+            <a:spcAft>
+              <a:spcPct val="35000"/>
+            </a:spcAft>
+          </a:pPr>
+          <a:r>
+            <a:rPr lang="en-US" sz="1800" kern="1200" dirty="0" smtClean="0"/>
+            <a:t>Collect the Response (often XML or JSON)</a:t>
+          </a:r>
+          <a:endParaRPr lang="en-US" sz="1800" kern="1200" dirty="0"/>
+        </a:p>
+      </dsp:txBody>
+      <dsp:txXfrm>
+        <a:off x="4511625" y="2079258"/>
+        <a:ext cx="1525225" cy="1155884"/>
+      </dsp:txXfrm>
+    </dsp:sp>
+    <dsp:sp modelId="{F5CF512E-1AD1-724E-B731-57D66E80D6A5}">
+      <dsp:nvSpPr>
+        <dsp:cNvPr id="0" name=""/>
+        <dsp:cNvSpPr/>
+      </dsp:nvSpPr>
+      <dsp:spPr>
+        <a:xfrm>
+          <a:off x="6232526" y="2459154"/>
+          <a:ext cx="338595" cy="396092"/>
+        </a:xfrm>
+        <a:prstGeom prst="rightArrow">
+          <a:avLst>
+            <a:gd name="adj1" fmla="val 60000"/>
+            <a:gd name="adj2" fmla="val 50000"/>
+          </a:avLst>
+        </a:prstGeom>
+        <a:solidFill>
+          <a:schemeClr val="accent1">
+            <a:tint val="60000"/>
+            <a:hueOff val="0"/>
+            <a:satOff val="0"/>
+            <a:lumOff val="0"/>
+            <a:alphaOff val="0"/>
+          </a:schemeClr>
+        </a:solidFill>
+        <a:ln>
+          <a:noFill/>
+        </a:ln>
+        <a:effectLst>
+          <a:outerShdw blurRad="40000" dist="20000" dir="5400000" rotWithShape="0">
+            <a:srgbClr val="000000">
+              <a:alpha val="38000"/>
+            </a:srgbClr>
+          </a:outerShdw>
+        </a:effectLst>
+      </dsp:spPr>
+      <dsp:style>
+        <a:lnRef idx="0">
+          <a:scrgbClr r="0" g="0" b="0"/>
+        </a:lnRef>
+        <a:fillRef idx="1">
+          <a:scrgbClr r="0" g="0" b="0"/>
+        </a:fillRef>
+        <a:effectRef idx="1">
+          <a:scrgbClr r="0" g="0" b="0"/>
+        </a:effectRef>
+        <a:fontRef idx="minor">
+          <a:schemeClr val="lt1"/>
+        </a:fontRef>
+      </dsp:style>
+      <dsp:txBody>
+        <a:bodyPr spcFirstLastPara="0" vert="horz" wrap="square" lIns="0" tIns="0" rIns="0" bIns="0" numCol="1" spcCol="1270" anchor="ctr" anchorCtr="0">
+          <a:noAutofit/>
+        </a:bodyPr>
+        <a:lstStyle/>
+        <a:p>
+          <a:pPr lvl="0" algn="ctr" defTabSz="622300">
+            <a:lnSpc>
+              <a:spcPct val="90000"/>
+            </a:lnSpc>
+            <a:spcBef>
+              <a:spcPct val="0"/>
+            </a:spcBef>
+            <a:spcAft>
+              <a:spcPct val="35000"/>
+            </a:spcAft>
+          </a:pPr>
+          <a:endParaRPr lang="en-US" sz="1400" kern="1200"/>
+        </a:p>
+      </dsp:txBody>
+      <dsp:txXfrm>
+        <a:off x="6232526" y="2538372"/>
+        <a:ext cx="237017" cy="237656"/>
+      </dsp:txXfrm>
+    </dsp:sp>
+    <dsp:sp modelId="{7E47C9EC-8142-0A4E-AFBC-EADB5E13AA35}">
+      <dsp:nvSpPr>
+        <dsp:cNvPr id="0" name=""/>
+        <dsp:cNvSpPr/>
+      </dsp:nvSpPr>
+      <dsp:spPr>
+        <a:xfrm>
+          <a:off x="6711670" y="2043297"/>
+          <a:ext cx="1597147" cy="1227806"/>
+        </a:xfrm>
+        <a:prstGeom prst="roundRect">
+          <a:avLst>
+            <a:gd name="adj" fmla="val 10000"/>
+          </a:avLst>
+        </a:prstGeom>
+        <a:solidFill>
+          <a:schemeClr val="accent1">
+            <a:hueOff val="0"/>
+            <a:satOff val="0"/>
+            <a:lumOff val="0"/>
+            <a:alphaOff val="0"/>
+          </a:schemeClr>
+        </a:solidFill>
+        <a:ln w="38100" cap="flat" cmpd="sng" algn="ctr">
+          <a:solidFill>
+            <a:schemeClr val="lt1">
+              <a:hueOff val="0"/>
+              <a:satOff val="0"/>
+              <a:lumOff val="0"/>
+              <a:alphaOff val="0"/>
+            </a:schemeClr>
+          </a:solidFill>
+          <a:prstDash val="solid"/>
+        </a:ln>
+        <a:effectLst>
+          <a:outerShdw blurRad="40000" dist="20000" dir="5400000" rotWithShape="0">
+            <a:srgbClr val="000000">
+              <a:alpha val="38000"/>
+            </a:srgbClr>
+          </a:outerShdw>
+        </a:effectLst>
+      </dsp:spPr>
+      <dsp:style>
+        <a:lnRef idx="3">
+          <a:scrgbClr r="0" g="0" b="0"/>
+        </a:lnRef>
+        <a:fillRef idx="1">
+          <a:scrgbClr r="0" g="0" b="0"/>
+        </a:fillRef>
+        <a:effectRef idx="1">
+          <a:scrgbClr r="0" g="0" b="0"/>
+        </a:effectRef>
+        <a:fontRef idx="minor">
+          <a:schemeClr val="lt1"/>
+        </a:fontRef>
+      </dsp:style>
+      <dsp:txBody>
+        <a:bodyPr spcFirstLastPara="0" vert="horz" wrap="square" lIns="68580" tIns="68580" rIns="68580" bIns="68580" numCol="1" spcCol="1270" anchor="ctr" anchorCtr="0">
+          <a:noAutofit/>
+        </a:bodyPr>
+        <a:lstStyle/>
+        <a:p>
+          <a:pPr lvl="0" algn="ctr" defTabSz="800100">
+            <a:lnSpc>
+              <a:spcPct val="90000"/>
+            </a:lnSpc>
+            <a:spcBef>
+              <a:spcPct val="0"/>
+            </a:spcBef>
+            <a:spcAft>
+              <a:spcPct val="35000"/>
+            </a:spcAft>
+          </a:pPr>
+          <a:r>
+            <a:rPr lang="en-US" sz="1800" kern="1200" smtClean="0"/>
+            <a:t>Parse and Act</a:t>
+          </a:r>
+          <a:endParaRPr lang="en-US" sz="1800" kern="1200" dirty="0"/>
+        </a:p>
+      </dsp:txBody>
+      <dsp:txXfrm>
+        <a:off x="6747631" y="2079258"/>
+        <a:ext cx="1525225" cy="1155884"/>
+      </dsp:txXfrm>
+    </dsp:sp>
+  </dsp:spTree>
+</dsp:drawing>
+</file>
+
+<file path=ppt/diagrams/layout1.xml><?xml version="1.0" encoding="utf-8"?>
+<dgm:layoutDef xmlns:dgm="http://schemas.openxmlformats.org/drawingml/2006/diagram" xmlns:a="http://schemas.openxmlformats.org/drawingml/2006/main" uniqueId="urn:microsoft.com/office/officeart/2005/8/layout/process1">
+  <dgm:title val=""/>
+  <dgm:desc val=""/>
+  <dgm:catLst>
+    <dgm:cat type="process" pri="1000"/>
+    <dgm:cat type="convert" pri="15000"/>
+  </dgm:catLst>
+  <dgm:sampData useDef="1">
+    <dgm:dataModel>
+      <dgm:ptLst/>
+      <dgm:bg/>
+      <dgm:whole/>
+    </dgm:dataModel>
+  </dgm:sampData>
+  <dgm:styleData>
+    <dgm:dataModel>
+      <dgm:ptLst>
+        <dgm:pt modelId="0" type="doc"/>
+        <dgm:pt modelId="1"/>
+        <dgm:pt modelId="2"/>
+      </dgm:ptLst>
+      <dgm:cxnLst>
+        <dgm:cxn modelId="3" srcId="0" destId="1" srcOrd="0" destOrd="0"/>
+        <dgm:cxn modelId="4" srcId="0" destId="2" srcOrd="1" destOrd="0"/>
+      </dgm:cxnLst>
+      <dgm:bg/>
+      <dgm:whole/>
+    </dgm:dataModel>
+  </dgm:styleData>
+  <dgm:clrData>
+    <dgm:dataModel>
+      <dgm:ptLst>
+        <dgm:pt modelId="0" type="doc"/>
+        <dgm:pt modelId="1"/>
+        <dgm:pt modelId="2"/>
+        <dgm:pt modelId="3"/>
+        <dgm:pt modelId="4"/>
+      </dgm:ptLst>
+      <dgm:cxnLst>
+        <dgm:cxn modelId="5" srcId="0" destId="1" srcOrd="0" destOrd="0"/>
+        <dgm:cxn modelId="6" srcId="0" destId="2" srcOrd="1" destOrd="0"/>
+        <dgm:cxn modelId="7" srcId="0" destId="3" srcOrd="2" destOrd="0"/>
+        <dgm:cxn modelId="8" srcId="0" destId="4" srcOrd="3" destOrd="0"/>
+      </dgm:cxnLst>
+      <dgm:bg/>
+      <dgm:whole/>
+    </dgm:dataModel>
+  </dgm:clrData>
+  <dgm:layoutNode name="Name0">
+    <dgm:varLst>
+      <dgm:dir/>
+      <dgm:resizeHandles val="exact"/>
+    </dgm:varLst>
+    <dgm:choose name="Name1">
+      <dgm:if name="Name2" func="var" arg="dir" op="equ" val="norm">
+        <dgm:alg type="lin"/>
+      </dgm:if>
+      <dgm:else name="Name3">
+        <dgm:alg type="lin">
+          <dgm:param type="linDir" val="fromR"/>
+        </dgm:alg>
+      </dgm:else>
+    </dgm:choose>
+    <dgm:shape xmlns:r="http://schemas.openxmlformats.org/officeDocument/2006/relationships" r:blip="">
+      <dgm:adjLst/>
+    </dgm:shape>
+    <dgm:presOf/>
+    <dgm:constrLst>
+      <dgm:constr type="w" for="ch" ptType="node" refType="w"/>
+      <dgm:constr type="h" for="ch" ptType="node" op="equ"/>
+      <dgm:constr type="primFontSz" for="ch" ptType="node" op="equ" val="65"/>
+      <dgm:constr type="w" for="ch" ptType="sibTrans" refType="w" refFor="ch" refPtType="node" op="equ" fact="0.4"/>
+      <dgm:constr type="h" for="ch" ptType="sibTrans" op="equ"/>
+      <dgm:constr type="primFontSz" for="des" forName="connectorText" op="equ" val="55"/>
+      <dgm:constr type="primFontSz" for="des" forName="connectorText" refType="primFontSz" refFor="ch" refPtType="node" op="lte" fact="0.8"/>
+    </dgm:constrLst>
+    <dgm:ruleLst/>
+    <dgm:forEach name="nodesForEach" axis="ch" ptType="node">
+      <dgm:layoutNode name="node">
+        <dgm:varLst>
+          <dgm:bulletEnabled val="1"/>
+        </dgm:varLst>
+        <dgm:alg type="tx"/>
+        <dgm:shape xmlns:r="http://schemas.openxmlformats.org/officeDocument/2006/relationships" type="roundRect" r:blip="">
+          <dgm:adjLst>
+            <dgm:adj idx="1" val="0.1"/>
+          </dgm:adjLst>
+        </dgm:shape>
+        <dgm:presOf axis="desOrSelf" ptType="node"/>
+        <dgm:constrLst>
+          <dgm:constr type="h" refType="w" fact="0.6"/>
+          <dgm:constr type="tMarg" refType="primFontSz" fact="0.3"/>
+          <dgm:constr type="bMarg" refType="primFontSz" fact="0.3"/>
+          <dgm:constr type="lMarg" refType="primFontSz" fact="0.3"/>
+          <dgm:constr type="rMarg" refType="primFontSz" fact="0.3"/>
+        </dgm:constrLst>
+        <dgm:ruleLst>
+          <dgm:rule type="primFontSz" val="18" fact="NaN" max="NaN"/>
+          <dgm:rule type="h" val="NaN" fact="1.5" max="NaN"/>
+          <dgm:rule type="primFontSz" val="5" fact="NaN" max="NaN"/>
+          <dgm:rule type="h" val="INF" fact="NaN" max="NaN"/>
+        </dgm:ruleLst>
+      </dgm:layoutNode>
+      <dgm:forEach name="sibTransForEach" axis="followSib" ptType="sibTrans" cnt="1">
+        <dgm:layoutNode name="sibTrans">
+          <dgm:alg type="conn">
+            <dgm:param type="begPts" val="auto"/>
+            <dgm:param type="endPts" val="auto"/>
+          </dgm:alg>
+          <dgm:shape xmlns:r="http://schemas.openxmlformats.org/officeDocument/2006/relationships" type="conn" r:blip="">
+            <dgm:adjLst/>
+          </dgm:shape>
+          <dgm:presOf axis="self"/>
+          <dgm:constrLst>
+            <dgm:constr type="h" refType="w" fact="0.62"/>
+            <dgm:constr type="connDist"/>
+            <dgm:constr type="begPad" refType="connDist" fact="0.25"/>
+            <dgm:constr type="endPad" refType="connDist" fact="0.22"/>
+          </dgm:constrLst>
+          <dgm:ruleLst/>
+          <dgm:layoutNode name="connectorText">
+            <dgm:alg type="tx">
+              <dgm:param type="autoTxRot" val="grav"/>
+            </dgm:alg>
+            <dgm:shape xmlns:r="http://schemas.openxmlformats.org/officeDocument/2006/relationships" type="conn" r:blip="" hideGeom="1">
+              <dgm:adjLst/>
+            </dgm:shape>
+            <dgm:presOf axis="self"/>
+            <dgm:constrLst>
+              <dgm:constr type="lMarg"/>
+              <dgm:constr type="rMarg"/>
+              <dgm:constr type="tMarg"/>
+              <dgm:constr type="bMarg"/>
+            </dgm:constrLst>
+            <dgm:ruleLst>
+              <dgm:rule type="primFontSz" val="5" fact="NaN" max="NaN"/>
+            </dgm:ruleLst>
+          </dgm:layoutNode>
+        </dgm:layoutNode>
+      </dgm:forEach>
+    </dgm:forEach>
+  </dgm:layoutNode>
+</dgm:layoutDef>
+</file>
+
+<file path=ppt/diagrams/quickStyle1.xml><?xml version="1.0" encoding="utf-8"?>
+<dgm:styleDef xmlns:dgm="http://schemas.openxmlformats.org/drawingml/2006/diagram" xmlns:a="http://schemas.openxmlformats.org/drawingml/2006/main" uniqueId="urn:microsoft.com/office/officeart/2005/8/quickstyle/simple2">
+  <dgm:title val=""/>
+  <dgm:desc val=""/>
+  <dgm:catLst>
+    <dgm:cat type="simple" pri="10200"/>
+  </dgm:catLst>
+  <dgm:scene3d>
+    <a:camera prst="orthographicFront"/>
+    <a:lightRig rig="threePt" dir="t"/>
+  </dgm:scene3d>
+  <dgm:styleLbl name="node0">
+    <dgm:scene3d>
+      <a:camera prst="orthographicFront"/>
+      <a:lightRig rig="threePt" dir="t"/>
+    </dgm:scene3d>
+    <dgm:sp3d/>
+    <dgm:txPr/>
+    <dgm:style>
+      <a:lnRef idx="3">
+        <a:scrgbClr r="0" g="0" b="0"/>
+      </a:lnRef>
+      <a:fillRef idx="1">
+        <a:scrgbClr r="0" g="0" b="0"/>
+      </a:fillRef>
+      <a:effectRef idx="1">
+        <a:scrgbClr r="0" g="0" b="0"/>
+      </a:effectRef>
+      <a:fontRef idx="minor">
+        <a:schemeClr val="lt1"/>
+      </a:fontRef>
+    </dgm:style>
+  </dgm:styleLbl>
+  <dgm:styleLbl name="lnNode1">
+    <dgm:scene3d>
+      <a:camera prst="orthographicFront"/>
+      <a:lightRig rig="threePt" dir="t"/>
+    </dgm:scene3d>
+    <dgm:sp3d/>
+    <dgm:txPr/>
+    <dgm:style>
+      <a:lnRef idx="3">
+        <a:scrgbClr r="0" g="0" b="0"/>
+      </a:lnRef>
+      <a:fillRef idx="1">
+        <a:scrgbClr r="0" g="0" b="0"/>
+      </a:fillRef>
+      <a:effectRef idx="1">
+        <a:scrgbClr r="0" g="0" b="0"/>
+      </a:effectRef>
+      <a:fontRef idx="minor">
+        <a:schemeClr val="lt1"/>
+      </a:fontRef>
+    </dgm:style>
+  </dgm:styleLbl>
+  <dgm:styleLbl name="vennNode1">
+    <dgm:scene3d>
+      <a:camera prst="orthographicFront"/>
+      <a:lightRig rig="threePt" dir="t"/>
+    </dgm:scene3d>
+    <dgm:sp3d/>
+    <dgm:txPr/>
+    <dgm:style>
+      <a:lnRef idx="3">
+        <a:scrgbClr r="0" g="0" b="0"/>
+      </a:lnRef>
+      <a:fillRef idx="1">
+        <a:scrgbClr r="0" g="0" b="0"/>
+      </a:fillRef>
+      <a:effectRef idx="0">
+        <a:scrgbClr r="0" g="0" b="0"/>
+      </a:effectRef>
+      <a:fontRef idx="minor">
+        <a:schemeClr val="tx1"/>
+      </a:fontRef>
+    </dgm:style>
+  </dgm:styleLbl>
+  <dgm:styleLbl name="alignNode1">
+    <dgm:scene3d>
+      <a:camera prst="orthographicFront"/>
+      <a:lightRig rig="threePt" dir="t"/>
+    </dgm:scene3d>
+    <dgm:sp3d/>
+    <dgm:txPr/>
+    <dgm:style>
+      <a:lnRef idx="2">
+        <a:scrgbClr r="0" g="0" b="0"/>
+      </a:lnRef>
+      <a:fillRef idx="1">
+        <a:scrgbClr r="0" g="0" b="0"/>
+      </a:fillRef>
+      <a:effectRef idx="1">
+        <a:scrgbClr r="0" g="0" b="0"/>
+      </a:effectRef>
+      <a:fontRef idx="minor">
+        <a:schemeClr val="lt1"/>
+      </a:fontRef>
+    </dgm:style>
+  </dgm:styleLbl>
+  <dgm:styleLbl name="node1">
+    <dgm:scene3d>
+      <a:camera prst="orthographicFront"/>
+      <a:lightRig rig="threePt" dir="t"/>
+    </dgm:scene3d>
+    <dgm:sp3d/>
+    <dgm:txPr/>
+    <dgm:style>
+      <a:lnRef idx="3">
+        <a:scrgbClr r="0" g="0" b="0"/>
+      </a:lnRef>
+      <a:fillRef idx="1">
+        <a:scrgbClr r="0" g="0" b="0"/>
+      </a:fillRef>
+      <a:effectRef idx="1">
+        <a:scrgbClr r="0" g="0" b="0"/>
+      </a:effectRef>
+      <a:fontRef idx="minor">
+        <a:schemeClr val="lt1"/>
+      </a:fontRef>
+    </dgm:style>
+  </dgm:styleLbl>
+  <dgm:styleLbl name="node2">
+    <dgm:scene3d>
+      <a:camera prst="orthographicFront"/>
+      <a:lightRig rig="threePt" dir="t"/>
+    </dgm:scene3d>
+    <dgm:sp3d/>
+    <dgm:txPr/>
+    <dgm:style>
+      <a:lnRef idx="3">
+        <a:scrgbClr r="0" g="0" b="0"/>
+      </a:lnRef>
+      <a:fillRef idx="1">
+        <a:scrgbClr r="0" g="0" b="0"/>
+      </a:fillRef>
+      <a:effectRef idx="1">
+        <a:scrgbClr r="0" g="0" b="0"/>
+      </a:effectRef>
+      <a:fontRef idx="minor">
+        <a:schemeClr val="lt1"/>
+      </a:fontRef>
+    </dgm:style>
+  </dgm:styleLbl>
+  <dgm:styleLbl name="node3">
+    <dgm:scene3d>
+      <a:camera prst="orthographicFront"/>
+      <a:lightRig rig="threePt" dir="t"/>
+    </dgm:scene3d>
+    <dgm:sp3d/>
+    <dgm:txPr/>
+    <dgm:style>
+      <a:lnRef idx="3">
+        <a:scrgbClr r="0" g="0" b="0"/>
+      </a:lnRef>
+      <a:fillRef idx="1">
+        <a:scrgbClr r="0" g="0" b="0"/>
+      </a:fillRef>
+      <a:effectRef idx="1">
+        <a:scrgbClr r="0" g="0" b="0"/>
+      </a:effectRef>
+      <a:fontRef idx="minor">
+        <a:schemeClr val="lt1"/>
+      </a:fontRef>
+    </dgm:style>
+  </dgm:styleLbl>
+  <dgm:styleLbl name="node4">
+    <dgm:scene3d>
+      <a:camera prst="orthographicFront"/>
+      <a:lightRig rig="threePt" dir="t"/>
+    </dgm:scene3d>
+    <dgm:sp3d/>
+    <dgm:txPr/>
+    <dgm:style>
+      <a:lnRef idx="3">
+        <a:scrgbClr r="0" g="0" b="0"/>
+      </a:lnRef>
+      <a:fillRef idx="1">
+        <a:scrgbClr r="0" g="0" b="0"/>
+      </a:fillRef>
+      <a:effectRef idx="1">
+        <a:scrgbClr r="0" g="0" b="0"/>
+      </a:effectRef>
+      <a:fontRef idx="minor">
+        <a:schemeClr val="lt1"/>
+      </a:fontRef>
+    </dgm:style>
+  </dgm:styleLbl>
+  <dgm:styleLbl name="fgImgPlace1">
+    <dgm:scene3d>
+      <a:camera prst="orthographicFront"/>
+      <a:lightRig rig="threePt" dir="t"/>
+    </dgm:scene3d>
+    <dgm:sp3d/>
+    <dgm:txPr/>
+    <dgm:style>
+      <a:lnRef idx="3">
+        <a:scrgbClr r="0" g="0" b="0"/>
+      </a:lnRef>
+      <a:fillRef idx="1">
+        <a:scrgbClr r="0" g="0" b="0"/>
+      </a:fillRef>
+      <a:effectRef idx="1">
+        <a:scrgbClr r="0" g="0" b="0"/>
+      </a:effectRef>
+      <a:fontRef idx="minor"/>
+    </dgm:style>
+  </dgm:styleLbl>
+  <dgm:styleLbl name="alignImgPlace1">
+    <dgm:scene3d>
+      <a:camera prst="orthographicFront"/>
+      <a:lightRig rig="threePt" dir="t"/>
+    </dgm:scene3d>
+    <dgm:sp3d/>
+    <dgm:txPr/>
+    <dgm:style>
+      <a:lnRef idx="3">
+        <a:scrgbClr r="0" g="0" b="0"/>
+      </a:lnRef>
+      <a:fillRef idx="1">
+        <a:scrgbClr r="0" g="0" b="0"/>
+      </a:fillRef>
+      <a:effectRef idx="1">
+        <a:scrgbClr r="0" g="0" b="0"/>
+      </a:effectRef>
+      <a:fontRef idx="minor"/>
+    </dgm:style>
+  </dgm:styleLbl>
+  <dgm:styleLbl name="bgImgPlace1">
+    <dgm:scene3d>
+      <a:camera prst="orthographicFront"/>
+      <a:lightRig rig="threePt" dir="t"/>
+    </dgm:scene3d>
+    <dgm:sp3d/>
+    <dgm:txPr/>
+    <dgm:style>
+      <a:lnRef idx="3">
+        <a:scrgbClr r="0" g="0" b="0"/>
+      </a:lnRef>
+      <a:fillRef idx="1">
+        <a:scrgbClr r="0" g="0" b="0"/>
+      </a:fillRef>
+      <a:effectRef idx="1">
+        <a:scrgbClr r="0" g="0" b="0"/>
+      </a:effectRef>
+      <a:fontRef idx="minor"/>
+    </dgm:style>
+  </dgm:styleLbl>
+  <dgm:styleLbl name="sibTrans2D1">
+    <dgm:scene3d>
+      <a:camera prst="orthographicFront"/>
+      <a:lightRig rig="threePt" dir="t"/>
+    </dgm:scene3d>
+    <dgm:sp3d/>
+    <dgm:txPr/>
+    <dgm:style>
+      <a:lnRef idx="0">
+        <a:scrgbClr r="0" g="0" b="0"/>
+      </a:lnRef>
+      <a:fillRef idx="1">
+        <a:scrgbClr r="0" g="0" b="0"/>
+      </a:fillRef>
+      <a:effectRef idx="1">
+        <a:scrgbClr r="0" g="0" b="0"/>
+      </a:effectRef>
+      <a:fontRef idx="minor">
+        <a:schemeClr val="lt1"/>
+      </a:fontRef>
+    </dgm:style>
+  </dgm:styleLbl>
+  <dgm:styleLbl name="fgSibTrans2D1">
+    <dgm:scene3d>
+      <a:camera prst="orthographicFront"/>
+      <a:lightRig rig="threePt" dir="t"/>
+    </dgm:scene3d>
+    <dgm:sp3d/>
+    <dgm:txPr/>
+    <dgm:style>
+      <a:lnRef idx="0">
+        <a:scrgbClr r="0" g="0" b="0"/>
+      </a:lnRef>
+      <a:fillRef idx="1">
+        <a:scrgbClr r="0" g="0" b="0"/>
+      </a:fillRef>
+      <a:effectRef idx="1">
+        <a:scrgbClr r="0" g="0" b="0"/>
+      </a:effectRef>
+      <a:fontRef idx="minor">
+        <a:schemeClr val="lt1"/>
+      </a:fontRef>
+    </dgm:style>
+  </dgm:styleLbl>
+  <dgm:styleLbl name="bgSibTrans2D1">
+    <dgm:scene3d>
+      <a:camera prst="orthographicFront"/>
+      <a:lightRig rig="threePt" dir="t"/>
+    </dgm:scene3d>
+    <dgm:sp3d/>
+    <dgm:txPr/>
+    <dgm:style>
+      <a:lnRef idx="0">
+        <a:scrgbClr r="0" g="0" b="0"/>
+      </a:lnRef>
+      <a:fillRef idx="1">
+        <a:scrgbClr r="0" g="0" b="0"/>
+      </a:fillRef>
+      <a:effectRef idx="1">
+        <a:scrgbClr r="0" g="0" b="0"/>
+      </a:effectRef>
+      <a:fontRef idx="minor">
+        <a:schemeClr val="lt1"/>
+      </a:fontRef>
+    </dgm:style>
+  </dgm:styleLbl>
+  <dgm:styleLbl name="sibTrans1D1">
+    <dgm:scene3d>
+      <a:camera prst="orthographicFront"/>
+      <a:lightRig rig="threePt" dir="t"/>
+    </dgm:scene3d>
+    <dgm:sp3d/>
+    <dgm:txPr/>
+    <dgm:style>
+      <a:lnRef idx="1">
+        <a:scrgbClr r="0" g="0" b="0"/>
+      </a:lnRef>
+      <a:fillRef idx="0">
+        <a:scrgbClr r="0" g="0" b="0"/>
+      </a:fillRef>
+      <a:effectRef idx="0">
+        <a:scrgbClr r="0" g="0" b="0"/>
+      </a:effectRef>
+      <a:fontRef idx="minor"/>
+    </dgm:style>
+  </dgm:styleLbl>
+  <dgm:styleLbl name="callout">
+    <dgm:scene3d>
+      <a:camera prst="orthographicFront"/>
+      <a:lightRig rig="threePt" dir="t"/>
+    </dgm:scene3d>
+    <dgm:sp3d/>
+    <dgm:txPr/>
+    <dgm:style>
+      <a:lnRef idx="2">
+        <a:scrgbClr r="0" g="0" b="0"/>
+      </a:lnRef>
+      <a:fillRef idx="1">
+        <a:scrgbClr r="0" g="0" b="0"/>
+      </a:fillRef>
+      <a:effectRef idx="1">
+        <a:scrgbClr r="0" g="0" b="0"/>
+      </a:effectRef>
+      <a:fontRef idx="minor"/>
+    </dgm:style>
+  </dgm:styleLbl>
+  <dgm:styleLbl name="asst0">
+    <dgm:scene3d>
+      <a:camera prst="orthographicFront"/>
+      <a:lightRig rig="threePt" dir="t"/>
+    </dgm:scene3d>
+    <dgm:sp3d/>
+    <dgm:txPr/>
+    <dgm:style>
+      <a:lnRef idx="3">
+        <a:scrgbClr r="0" g="0" b="0"/>
+      </a:lnRef>
+      <a:fillRef idx="1">
+        <a:scrgbClr r="0" g="0" b="0"/>
+      </a:fillRef>
+      <a:effectRef idx="1">
+        <a:scrgbClr r="0" g="0" b="0"/>
+      </a:effectRef>
+      <a:fontRef idx="minor">
+        <a:schemeClr val="lt1"/>
+      </a:fontRef>
+    </dgm:style>
+  </dgm:styleLbl>
+  <dgm:styleLbl name="asst1">
+    <dgm:scene3d>
+      <a:camera prst="orthographicFront"/>
+      <a:lightRig rig="threePt" dir="t"/>
+    </dgm:scene3d>
+    <dgm:sp3d/>
+    <dgm:txPr/>
+    <dgm:style>
+      <a:lnRef idx="3">
+        <a:scrgbClr r="0" g="0" b="0"/>
+      </a:lnRef>
+      <a:fillRef idx="1">
+        <a:scrgbClr r="0" g="0" b="0"/>
+      </a:fillRef>
+      <a:effectRef idx="1">
+        <a:scrgbClr r="0" g="0" b="0"/>
+      </a:effectRef>
+      <a:fontRef idx="minor">
+        <a:schemeClr val="lt1"/>
+      </a:fontRef>
+    </dgm:style>
+  </dgm:styleLbl>
+  <dgm:styleLbl name="asst2">
+    <dgm:scene3d>
+      <a:camera prst="orthographicFront"/>
+      <a:lightRig rig="threePt" dir="t"/>
+    </dgm:scene3d>
+    <dgm:sp3d/>
+    <dgm:txPr/>
+    <dgm:style>
+      <a:lnRef idx="3">
+        <a:scrgbClr r="0" g="0" b="0"/>
+      </a:lnRef>
+      <a:fillRef idx="1">
+        <a:scrgbClr r="0" g="0" b="0"/>
+      </a:fillRef>
+      <a:effectRef idx="1">
+        <a:scrgbClr r="0" g="0" b="0"/>
+      </a:effectRef>
+      <a:fontRef idx="minor">
+        <a:schemeClr val="lt1"/>
+      </a:fontRef>
+    </dgm:style>
+  </dgm:styleLbl>
+  <dgm:styleLbl name="asst3">
+    <dgm:scene3d>
+      <a:camera prst="orthographicFront"/>
+      <a:lightRig rig="threePt" dir="t"/>
+    </dgm:scene3d>
+    <dgm:sp3d/>
+    <dgm:txPr/>
+    <dgm:style>
+      <a:lnRef idx="3">
+        <a:scrgbClr r="0" g="0" b="0"/>
+      </a:lnRef>
+      <a:fillRef idx="1">
+        <a:scrgbClr r="0" g="0" b="0"/>
+      </a:fillRef>
+      <a:effectRef idx="1">
+        <a:scrgbClr r="0" g="0" b="0"/>
+      </a:effectRef>
+      <a:fontRef idx="minor">
+        <a:schemeClr val="lt1"/>
+      </a:fontRef>
+    </dgm:style>
+  </dgm:styleLbl>
+  <dgm:styleLbl name="asst4">
+    <dgm:scene3d>
+      <a:camera prst="orthographicFront"/>
+      <a:lightRig rig="threePt" dir="t"/>
+    </dgm:scene3d>
+    <dgm:sp3d/>
+    <dgm:txPr/>
+    <dgm:style>
+      <a:lnRef idx="3">
+        <a:scrgbClr r="0" g="0" b="0"/>
+      </a:lnRef>
+      <a:fillRef idx="1">
+        <a:scrgbClr r="0" g="0" b="0"/>
+      </a:fillRef>
+      <a:effectRef idx="1">
+        <a:scrgbClr r="0" g="0" b="0"/>
+      </a:effectRef>
+      <a:fontRef idx="minor">
+        <a:schemeClr val="lt1"/>
+      </a:fontRef>
+    </dgm:style>
+  </dgm:styleLbl>
+  <dgm:styleLbl name="parChTrans2D1">
+    <dgm:scene3d>
+      <a:camera prst="orthographicFront"/>
+      <a:lightRig rig="threePt" dir="t"/>
+    </dgm:scene3d>
+    <dgm:sp3d/>
+    <dgm:txPr/>
+    <dgm:style>
+      <a:lnRef idx="3">
+        <a:scrgbClr r="0" g="0" b="0"/>
+      </a:lnRef>
+      <a:fillRef idx="1">
+        <a:scrgbClr r="0" g="0" b="0"/>
+      </a:fillRef>
+      <a:effectRef idx="1">
+        <a:scrgbClr r="0" g="0" b="0"/>
+      </a:effectRef>
+      <a:fontRef idx="minor">
+        <a:schemeClr val="lt1"/>
+      </a:fontRef>
+    </dgm:style>
+  </dgm:styleLbl>
+  <dgm:styleLbl name="parChTrans2D2">
+    <dgm:scene3d>
+      <a:camera prst="orthographicFront"/>
+      <a:lightRig rig="threePt" dir="t"/>
+    </dgm:scene3d>
+    <dgm:sp3d/>
+    <dgm:txPr/>
+    <dgm:style>
+      <a:lnRef idx="3">
+        <a:scrgbClr r="0" g="0" b="0"/>
+      </a:lnRef>
+      <a:fillRef idx="1">
+        <a:scrgbClr r="0" g="0" b="0"/>
+      </a:fillRef>
+      <a:effectRef idx="1">
+        <a:scrgbClr r="0" g="0" b="0"/>
+      </a:effectRef>
+      <a:fontRef idx="minor">
+        <a:schemeClr val="lt1"/>
+      </a:fontRef>
+    </dgm:style>
+  </dgm:styleLbl>
+  <dgm:styleLbl name="parChTrans2D3">
+    <dgm:scene3d>
+      <a:camera prst="orthographicFront"/>
+      <a:lightRig rig="threePt" dir="t"/>
+    </dgm:scene3d>
+    <dgm:sp3d/>
+    <dgm:txPr/>
+    <dgm:style>
+      <a:lnRef idx="3">
+        <a:scrgbClr r="0" g="0" b="0"/>
+      </a:lnRef>
+      <a:fillRef idx="1">
+        <a:scrgbClr r="0" g="0" b="0"/>
+      </a:fillRef>
+      <a:effectRef idx="1">
+        <a:scrgbClr r="0" g="0" b="0"/>
+      </a:effectRef>
+      <a:fontRef idx="minor">
+        <a:schemeClr val="lt1"/>
+      </a:fontRef>
+    </dgm:style>
+  </dgm:styleLbl>
+  <dgm:styleLbl name="parChTrans2D4">
+    <dgm:scene3d>
+      <a:camera prst="orthographicFront"/>
+      <a:lightRig rig="threePt" dir="t"/>
+    </dgm:scene3d>
+    <dgm:sp3d/>
+    <dgm:txPr/>
+    <dgm:style>
+      <a:lnRef idx="3">
+        <a:scrgbClr r="0" g="0" b="0"/>
+      </a:lnRef>
+      <a:fillRef idx="1">
+        <a:scrgbClr r="0" g="0" b="0"/>
+      </a:fillRef>
+      <a:effectRef idx="1">
+        <a:scrgbClr r="0" g="0" b="0"/>
+      </a:effectRef>
+      <a:fontRef idx="minor">
+        <a:schemeClr val="lt1"/>
+      </a:fontRef>
+    </dgm:style>
+  </dgm:styleLbl>
+  <dgm:styleLbl name="parChTrans1D1">
+    <dgm:scene3d>
+      <a:camera prst="orthographicFront"/>
+      <a:lightRig rig="threePt" dir="t"/>
+    </dgm:scene3d>
+    <dgm:sp3d/>
+    <dgm:txPr/>
+    <dgm:style>
+      <a:lnRef idx="2">
+        <a:scrgbClr r="0" g="0" b="0"/>
+      </a:lnRef>
+      <a:fillRef idx="0">
+        <a:scrgbClr r="0" g="0" b="0"/>
+      </a:fillRef>
+      <a:effectRef idx="0">
+        <a:scrgbClr r="0" g="0" b="0"/>
+      </a:effectRef>
+      <a:fontRef idx="minor"/>
+    </dgm:style>
+  </dgm:styleLbl>
+  <dgm:styleLbl name="parChTrans1D2">
+    <dgm:scene3d>
+      <a:camera prst="orthographicFront"/>
+      <a:lightRig rig="threePt" dir="t"/>
+    </dgm:scene3d>
+    <dgm:sp3d/>
+    <dgm:txPr/>
+    <dgm:style>
+      <a:lnRef idx="2">
+        <a:scrgbClr r="0" g="0" b="0"/>
+      </a:lnRef>
+      <a:fillRef idx="0">
+        <a:scrgbClr r="0" g="0" b="0"/>
+      </a:fillRef>
+      <a:effectRef idx="0">
+        <a:scrgbClr r="0" g="0" b="0"/>
+      </a:effectRef>
+      <a:fontRef idx="minor"/>
+    </dgm:style>
+  </dgm:styleLbl>
+  <dgm:styleLbl name="parChTrans1D3">
+    <dgm:scene3d>
+      <a:camera prst="orthographicFront"/>
+      <a:lightRig rig="threePt" dir="t"/>
+    </dgm:scene3d>
+    <dgm:sp3d/>
+    <dgm:txPr/>
+    <dgm:style>
+      <a:lnRef idx="2">
+        <a:scrgbClr r="0" g="0" b="0"/>
+      </a:lnRef>
+      <a:fillRef idx="0">
+        <a:scrgbClr r="0" g="0" b="0"/>
+      </a:fillRef>
+      <a:effectRef idx="0">
+        <a:scrgbClr r="0" g="0" b="0"/>
+      </a:effectRef>
+      <a:fontRef idx="minor"/>
+    </dgm:style>
+  </dgm:styleLbl>
+  <dgm:styleLbl name="parChTrans1D4">
+    <dgm:scene3d>
+      <a:camera prst="orthographicFront"/>
+      <a:lightRig rig="threePt" dir="t"/>
+    </dgm:scene3d>
+    <dgm:sp3d/>
+    <dgm:txPr/>
+    <dgm:style>
+      <a:lnRef idx="2">
+        <a:scrgbClr r="0" g="0" b="0"/>
+      </a:lnRef>
+      <a:fillRef idx="0">
+        <a:scrgbClr r="0" g="0" b="0"/>
+      </a:fillRef>
+      <a:effectRef idx="0">
+        <a:scrgbClr r="0" g="0" b="0"/>
+      </a:effectRef>
+      <a:fontRef idx="minor"/>
+    </dgm:style>
+  </dgm:styleLbl>
+  <dgm:styleLbl name="fgAcc1">
+    <dgm:scene3d>
+      <a:camera prst="orthographicFront"/>
+      <a:lightRig rig="threePt" dir="t"/>
+    </dgm:scene3d>
+    <dgm:sp3d/>
+    <dgm:txPr/>
+    <dgm:style>
+      <a:lnRef idx="2">
+        <a:scrgbClr r="0" g="0" b="0"/>
+      </a:lnRef>
+      <a:fillRef idx="1">
+        <a:scrgbClr r="0" g="0" b="0"/>
+      </a:fillRef>
+      <a:effectRef idx="0">
+        <a:scrgbClr r="0" g="0" b="0"/>
+      </a:effectRef>
+      <a:fontRef idx="minor"/>
+    </dgm:style>
+  </dgm:styleLbl>
+  <dgm:styleLbl name="conFgAcc1">
+    <dgm:scene3d>
+      <a:camera prst="orthographicFront"/>
+      <a:lightRig rig="threePt" dir="t"/>
+    </dgm:scene3d>
+    <dgm:sp3d/>
+    <dgm:txPr/>
+    <dgm:style>
+      <a:lnRef idx="2">
+        <a:scrgbClr r="0" g="0" b="0"/>
+      </a:lnRef>
+      <a:fillRef idx="1">
+        <a:scrgbClr r="0" g="0" b="0"/>
+      </a:fillRef>
+      <a:effectRef idx="0">
+        <a:scrgbClr r="0" g="0" b="0"/>
+      </a:effectRef>
+      <a:fontRef idx="minor"/>
+    </dgm:style>
+  </dgm:styleLbl>
+  <dgm:styleLbl name="alignAcc1">
+    <dgm:scene3d>
+      <a:camera prst="orthographicFront"/>
+      <a:lightRig rig="threePt" dir="t"/>
+    </dgm:scene3d>
+    <dgm:sp3d/>
+    <dgm:txPr/>
+    <dgm:style>
+      <a:lnRef idx="2">
+        <a:scrgbClr r="0" g="0" b="0"/>
+      </a:lnRef>
+      <a:fillRef idx="1">
+        <a:scrgbClr r="0" g="0" b="0"/>
+      </a:fillRef>
+      <a:effectRef idx="0">
+        <a:scrgbClr r="0" g="0" b="0"/>
+      </a:effectRef>
+      <a:fontRef idx="minor"/>
+    </dgm:style>
+  </dgm:styleLbl>
+  <dgm:styleLbl name="trAlignAcc1">
+    <dgm:scene3d>
+      <a:camera prst="orthographicFront"/>
+      <a:lightRig rig="threePt" dir="t"/>
+    </dgm:scene3d>
+    <dgm:sp3d/>
+    <dgm:txPr/>
+    <dgm:style>
+      <a:lnRef idx="1">
+        <a:scrgbClr r="0" g="0" b="0"/>
+      </a:lnRef>
+      <a:fillRef idx="1">
+        <a:scrgbClr r="0" g="0" b="0"/>
+      </a:fillRef>
+      <a:effectRef idx="0">
+        <a:scrgbClr r="0" g="0" b="0"/>
+      </a:effectRef>
+      <a:fontRef idx="minor"/>
+    </dgm:style>
+  </dgm:styleLbl>
+  <dgm:styleLbl name="bgAcc1">
+    <dgm:scene3d>
+      <a:camera prst="orthographicFront"/>
+      <a:lightRig rig="threePt" dir="t"/>
+    </dgm:scene3d>
+    <dgm:sp3d/>
+    <dgm:txPr/>
+    <dgm:style>
+      <a:lnRef idx="2">
+        <a:scrgbClr r="0" g="0" b="0"/>
+      </a:lnRef>
+      <a:fillRef idx="1">
+        <a:scrgbClr r="0" g="0" b="0"/>
+      </a:fillRef>
+      <a:effectRef idx="0">
+        <a:scrgbClr r="0" g="0" b="0"/>
+      </a:effectRef>
+      <a:fontRef idx="minor"/>
+    </dgm:style>
+  </dgm:styleLbl>
+  <dgm:styleLbl name="solidFgAcc1">
+    <dgm:scene3d>
+      <a:camera prst="orthographicFront"/>
+      <a:lightRig rig="threePt" dir="t"/>
+    </dgm:scene3d>
+    <dgm:sp3d/>
+    <dgm:txPr/>
+    <dgm:style>
+      <a:lnRef idx="2">
+        <a:scrgbClr r="0" g="0" b="0"/>
+      </a:lnRef>
+      <a:fillRef idx="1">
+        <a:scrgbClr r="0" g="0" b="0"/>
+      </a:fillRef>
+      <a:effectRef idx="0">
+        <a:scrgbClr r="0" g="0" b="0"/>
+      </a:effectRef>
+      <a:fontRef idx="minor"/>
+    </dgm:style>
+  </dgm:styleLbl>
+  <dgm:styleLbl name="solidAlignAcc1">
+    <dgm:scene3d>
+      <a:camera prst="orthographicFront"/>
+      <a:lightRig rig="threePt" dir="t"/>
+    </dgm:scene3d>
+    <dgm:sp3d/>
+    <dgm:txPr/>
+    <dgm:style>
+      <a:lnRef idx="2">
+        <a:scrgbClr r="0" g="0" b="0"/>
+      </a:lnRef>
+      <a:fillRef idx="1">
+        <a:scrgbClr r="0" g="0" b="0"/>
+      </a:fillRef>
+      <a:effectRef idx="0">
+        <a:scrgbClr r="0" g="0" b="0"/>
+      </a:effectRef>
+      <a:fontRef idx="minor"/>
+    </dgm:style>
+  </dgm:styleLbl>
+  <dgm:styleLbl name="solidBgAcc1">
+    <dgm:scene3d>
+      <a:camera prst="orthographicFront"/>
+      <a:lightRig rig="threePt" dir="t"/>
+    </dgm:scene3d>
+    <dgm:sp3d/>
+    <dgm:txPr/>
+    <dgm:style>
+      <a:lnRef idx="2">
+        <a:scrgbClr r="0" g="0" b="0"/>
+      </a:lnRef>
+      <a:fillRef idx="1">
+        <a:scrgbClr r="0" g="0" b="0"/>
+      </a:fillRef>
+      <a:effectRef idx="0">
+        <a:scrgbClr r="0" g="0" b="0"/>
+      </a:effectRef>
+      <a:fontRef idx="minor"/>
+    </dgm:style>
+  </dgm:styleLbl>
+  <dgm:styleLbl name="fgAccFollowNode1">
+    <dgm:scene3d>
+      <a:camera prst="orthographicFront"/>
+      <a:lightRig rig="threePt" dir="t"/>
+    </dgm:scene3d>
+    <dgm:sp3d/>
+    <dgm:txPr/>
+    <dgm:style>
+      <a:lnRef idx="2">
+        <a:scrgbClr r="0" g="0" b="0"/>
+      </a:lnRef>
+      <a:fillRef idx="1">
+        <a:scrgbClr r="0" g="0" b="0"/>
+      </a:fillRef>
+      <a:effectRef idx="0">
+        <a:scrgbClr r="0" g="0" b="0"/>
+      </a:effectRef>
+      <a:fontRef idx="minor"/>
+    </dgm:style>
+  </dgm:styleLbl>
+  <dgm:styleLbl name="alignAccFollowNode1">
+    <dgm:scene3d>
+      <a:camera prst="orthographicFront"/>
+      <a:lightRig rig="threePt" dir="t"/>
+    </dgm:scene3d>
+    <dgm:sp3d/>
+    <dgm:txPr/>
+    <dgm:style>
+      <a:lnRef idx="2">
+        <a:scrgbClr r="0" g="0" b="0"/>
+      </a:lnRef>
+      <a:fillRef idx="1">
+        <a:scrgbClr r="0" g="0" b="0"/>
+      </a:fillRef>
+      <a:effectRef idx="0">
+        <a:scrgbClr r="0" g="0" b="0"/>
+      </a:effectRef>
+      <a:fontRef idx="minor"/>
+    </dgm:style>
+  </dgm:styleLbl>
+  <dgm:styleLbl name="bgAccFollowNode1">
+    <dgm:scene3d>
+      <a:camera prst="orthographicFront"/>
+      <a:lightRig rig="threePt" dir="t"/>
+    </dgm:scene3d>
+    <dgm:sp3d/>
+    <dgm:txPr/>
+    <dgm:style>
+      <a:lnRef idx="2">
+        <a:scrgbClr r="0" g="0" b="0"/>
+      </a:lnRef>
+      <a:fillRef idx="1">
+        <a:scrgbClr r="0" g="0" b="0"/>
+      </a:fillRef>
+      <a:effectRef idx="0">
+        <a:scrgbClr r="0" g="0" b="0"/>
+      </a:effectRef>
+      <a:fontRef idx="minor"/>
+    </dgm:style>
+  </dgm:styleLbl>
+  <dgm:styleLbl name="fgAcc0">
+    <dgm:scene3d>
+      <a:camera prst="orthographicFront"/>
+      <a:lightRig rig="threePt" dir="t"/>
+    </dgm:scene3d>
+    <dgm:sp3d/>
+    <dgm:txPr/>
+    <dgm:style>
+      <a:lnRef idx="2">
+        <a:scrgbClr r="0" g="0" b="0"/>
+      </a:lnRef>
+      <a:fillRef idx="1">
+        <a:scrgbClr r="0" g="0" b="0"/>
+      </a:fillRef>
+      <a:effectRef idx="0">
+        <a:scrgbClr r="0" g="0" b="0"/>
+      </a:effectRef>
+      <a:fontRef idx="minor"/>
+    </dgm:style>
+  </dgm:styleLbl>
+  <dgm:styleLbl name="fgAcc2">
+    <dgm:scene3d>
+      <a:camera prst="orthographicFront"/>
+      <a:lightRig rig="threePt" dir="t"/>
+    </dgm:scene3d>
+    <dgm:sp3d/>
+    <dgm:txPr/>
+    <dgm:style>
+      <a:lnRef idx="2">
+        <a:scrgbClr r="0" g="0" b="0"/>
+      </a:lnRef>
+      <a:fillRef idx="1">
+        <a:scrgbClr r="0" g="0" b="0"/>
+      </a:fillRef>
+      <a:effectRef idx="0">
+        <a:scrgbClr r="0" g="0" b="0"/>
+      </a:effectRef>
+      <a:fontRef idx="minor"/>
+    </dgm:style>
+  </dgm:styleLbl>
+  <dgm:styleLbl name="fgAcc3">
+    <dgm:scene3d>
+      <a:camera prst="orthographicFront"/>
+      <a:lightRig rig="threePt" dir="t"/>
+    </dgm:scene3d>
+    <dgm:sp3d/>
+    <dgm:txPr/>
+    <dgm:style>
+      <a:lnRef idx="2">
+        <a:scrgbClr r="0" g="0" b="0"/>
+      </a:lnRef>
+      <a:fillRef idx="1">
+        <a:scrgbClr r="0" g="0" b="0"/>
+      </a:fillRef>
+      <a:effectRef idx="0">
+        <a:scrgbClr r="0" g="0" b="0"/>
+      </a:effectRef>
+      <a:fontRef idx="minor"/>
+    </dgm:style>
+  </dgm:styleLbl>
+  <dgm:styleLbl name="fgAcc4">
+    <dgm:scene3d>
+      <a:camera prst="orthographicFront"/>
+      <a:lightRig rig="threePt" dir="t"/>
+    </dgm:scene3d>
+    <dgm:sp3d/>
+    <dgm:txPr/>
+    <dgm:style>
+      <a:lnRef idx="2">
+        <a:scrgbClr r="0" g="0" b="0"/>
+      </a:lnRef>
+      <a:fillRef idx="1">
+        <a:scrgbClr r="0" g="0" b="0"/>
+      </a:fillRef>
+      <a:effectRef idx="0">
+        <a:scrgbClr r="0" g="0" b="0"/>
+      </a:effectRef>
+      <a:fontRef idx="minor"/>
+    </dgm:style>
+  </dgm:styleLbl>
+  <dgm:styleLbl name="bgShp">
+    <dgm:scene3d>
+      <a:camera prst="orthographicFront"/>
+      <a:lightRig rig="threePt" dir="t"/>
+    </dgm:scene3d>
+    <dgm:sp3d/>
+    <dgm:txPr/>
+    <dgm:style>
+      <a:lnRef idx="0">
+        <a:scrgbClr r="0" g="0" b="0"/>
+      </a:lnRef>
+      <a:fillRef idx="1">
+        <a:scrgbClr r="0" g="0" b="0"/>
+      </a:fillRef>
+      <a:effectRef idx="0">
+        <a:scrgbClr r="0" g="0" b="0"/>
+      </a:effectRef>
+      <a:fontRef idx="minor"/>
+    </dgm:style>
+  </dgm:styleLbl>
+  <dgm:styleLbl name="dkBgShp">
+    <dgm:scene3d>
+      <a:camera prst="orthographicFront"/>
+      <a:lightRig rig="threePt" dir="t"/>
+    </dgm:scene3d>
+    <dgm:sp3d/>
+    <dgm:txPr/>
+    <dgm:style>
+      <a:lnRef idx="0">
+        <a:scrgbClr r="0" g="0" b="0"/>
+      </a:lnRef>
+      <a:fillRef idx="1">
+        <a:scrgbClr r="0" g="0" b="0"/>
+      </a:fillRef>
+      <a:effectRef idx="0">
+        <a:scrgbClr r="0" g="0" b="0"/>
+      </a:effectRef>
+      <a:fontRef idx="minor"/>
+    </dgm:style>
+  </dgm:styleLbl>
+  <dgm:styleLbl name="trBgShp">
+    <dgm:scene3d>
+      <a:camera prst="orthographicFront"/>
+      <a:lightRig rig="threePt" dir="t"/>
+    </dgm:scene3d>
+    <dgm:sp3d/>
+    <dgm:txPr/>
+    <dgm:style>
+      <a:lnRef idx="0">
+        <a:scrgbClr r="0" g="0" b="0"/>
+      </a:lnRef>
+      <a:fillRef idx="1">
+        <a:scrgbClr r="0" g="0" b="0"/>
+      </a:fillRef>
+      <a:effectRef idx="0">
+        <a:scrgbClr r="0" g="0" b="0"/>
+      </a:effectRef>
+      <a:fontRef idx="minor"/>
+    </dgm:style>
+  </dgm:styleLbl>
+  <dgm:styleLbl name="fgShp">
+    <dgm:scene3d>
+      <a:camera prst="orthographicFront"/>
+      <a:lightRig rig="threePt" dir="t"/>
+    </dgm:scene3d>
+    <dgm:sp3d/>
+    <dgm:txPr/>
+    <dgm:style>
+      <a:lnRef idx="3">
+        <a:scrgbClr r="0" g="0" b="0"/>
+      </a:lnRef>
+      <a:fillRef idx="1">
+        <a:scrgbClr r="0" g="0" b="0"/>
+      </a:fillRef>
+      <a:effectRef idx="1">
+        <a:scrgbClr r="0" g="0" b="0"/>
+      </a:effectRef>
+      <a:fontRef idx="minor"/>
+    </dgm:style>
+  </dgm:styleLbl>
+  <dgm:styleLbl name="revTx">
+    <dgm:scene3d>
+      <a:camera prst="orthographicFront"/>
+      <a:lightRig rig="threePt" dir="t"/>
+    </dgm:scene3d>
+    <dgm:sp3d/>
+    <dgm:txPr/>
+    <dgm:style>
+      <a:lnRef idx="0">
+        <a:scrgbClr r="0" g="0" b="0"/>
+      </a:lnRef>
+      <a:fillRef idx="0">
+        <a:scrgbClr r="0" g="0" b="0"/>
+      </a:fillRef>
+      <a:effectRef idx="0">
+        <a:scrgbClr r="0" g="0" b="0"/>
+      </a:effectRef>
+      <a:fontRef idx="minor"/>
+    </dgm:style>
+  </dgm:styleLbl>
+</dgm:styleDef>
+</file>
+
 <file path=ppt/handoutMasters/handoutMaster1.xml><?xml version="1.0" encoding="utf-8"?>
 <p:handoutMaster xmlns:a="http://schemas.openxmlformats.org/drawingml/2006/main" xmlns:r="http://schemas.openxmlformats.org/officeDocument/2006/relationships" xmlns:p="http://schemas.openxmlformats.org/presentationml/2006/main">
   <p:cSld>
@@ -199,7 +3032,7 @@
           <a:p>
             <a:fld id="{D3AAB66F-B1B7-D045-B4E8-4F60236F228D}" type="datetimeFigureOut">
               <a:rPr lang="en-US" smtClean="0"/>
-              <a:t>1/20/14</a:t>
+              <a:t>1/22/14</a:t>
             </a:fld>
             <a:endParaRPr lang="en-US"/>
           </a:p>
@@ -365,7 +3198,7 @@
           <a:p>
             <a:fld id="{BCCF8E76-06A6-164E-A6FA-EC32C13EB232}" type="datetimeFigureOut">
               <a:rPr lang="en-US" smtClean="0"/>
-              <a:t>1/20/14</a:t>
+              <a:t>1/22/14</a:t>
             </a:fld>
             <a:endParaRPr lang="en-US"/>
           </a:p>
@@ -1151,7 +3984,7 @@
             <a:fld id="{FA3C144B-2939-9A49-B014-915EC3E81866}" type="datetime1">
               <a:rPr lang="en-US" smtClean="0"/>
               <a:pPr/>
-              <a:t>1/20/14</a:t>
+              <a:t>1/22/14</a:t>
             </a:fld>
             <a:endParaRPr lang="en-US" dirty="0"/>
           </a:p>
@@ -1580,7 +4413,7 @@
           <a:p>
             <a:fld id="{76838339-A875-5E45-AB3F-AAABD270346A}" type="datetime1">
               <a:rPr lang="en-US" smtClean="0"/>
-              <a:t>1/20/14</a:t>
+              <a:t>1/22/14</a:t>
             </a:fld>
             <a:endParaRPr lang="en-US"/>
           </a:p>
@@ -1866,7 +4699,7 @@
             <a:fld id="{FA3C144B-2939-9A49-B014-915EC3E81866}" type="datetime1">
               <a:rPr lang="en-US" smtClean="0"/>
               <a:pPr/>
-              <a:t>1/20/14</a:t>
+              <a:t>1/22/14</a:t>
             </a:fld>
             <a:endParaRPr lang="en-US" dirty="0"/>
           </a:p>
@@ -2348,7 +5181,7 @@
           <a:p>
             <a:fld id="{A73F672F-A5FB-5745-934A-1BF51CA5539C}" type="datetime1">
               <a:rPr lang="en-US" smtClean="0"/>
-              <a:t>1/20/14</a:t>
+              <a:t>1/22/14</a:t>
             </a:fld>
             <a:endParaRPr lang="en-US"/>
           </a:p>
@@ -2690,7 +5523,7 @@
             <a:fld id="{FA3C144B-2939-9A49-B014-915EC3E81866}" type="datetime1">
               <a:rPr lang="en-US" smtClean="0"/>
               <a:pPr/>
-              <a:t>1/20/14</a:t>
+              <a:t>1/22/14</a:t>
             </a:fld>
             <a:endParaRPr lang="en-US" dirty="0"/>
           </a:p>
@@ -3154,7 +5987,7 @@
           <a:p>
             <a:fld id="{6AFE6A63-5EBE-3E48-B0AE-DF655A1ECE76}" type="datetime1">
               <a:rPr lang="en-US" smtClean="0"/>
-              <a:t>1/20/14</a:t>
+              <a:t>1/22/14</a:t>
             </a:fld>
             <a:endParaRPr lang="en-US"/>
           </a:p>
@@ -3473,7 +6306,7 @@
           <a:p>
             <a:fld id="{4A019F0C-9D18-B54A-9AC9-18AA74EDB034}" type="datetime1">
               <a:rPr lang="en-US" smtClean="0"/>
-              <a:t>1/20/14</a:t>
+              <a:t>1/22/14</a:t>
             </a:fld>
             <a:endParaRPr lang="en-US"/>
           </a:p>
@@ -3783,7 +6616,7 @@
             <a:fld id="{FA3C144B-2939-9A49-B014-915EC3E81866}" type="datetime1">
               <a:rPr lang="en-US" smtClean="0"/>
               <a:pPr/>
-              <a:t>1/20/14</a:t>
+              <a:t>1/22/14</a:t>
             </a:fld>
             <a:endParaRPr lang="en-US" dirty="0"/>
           </a:p>
@@ -4046,7 +6879,7 @@
           <a:p>
             <a:fld id="{FA3C144B-2939-9A49-B014-915EC3E81866}" type="datetime1">
               <a:rPr lang="en-US" smtClean="0"/>
-              <a:t>1/20/14</a:t>
+              <a:t>1/22/14</a:t>
             </a:fld>
             <a:endParaRPr lang="en-US" dirty="0"/>
           </a:p>
@@ -4414,7 +7247,7 @@
           <a:p>
             <a:fld id="{7053BEFA-1175-F644-B249-7D41D72BD3FF}" type="datetime1">
               <a:rPr lang="en-US" smtClean="0"/>
-              <a:t>1/20/14</a:t>
+              <a:t>1/22/14</a:t>
             </a:fld>
             <a:endParaRPr lang="en-US"/>
           </a:p>
@@ -4533,7 +7366,7 @@
             <a:fld id="{FA3C144B-2939-9A49-B014-915EC3E81866}" type="datetime1">
               <a:rPr lang="en-US" smtClean="0"/>
               <a:pPr/>
-              <a:t>1/20/14</a:t>
+              <a:t>1/22/14</a:t>
             </a:fld>
             <a:endParaRPr lang="en-US" dirty="0"/>
           </a:p>
@@ -4750,7 +7583,7 @@
             <a:fld id="{FA3C144B-2939-9A49-B014-915EC3E81866}" type="datetime1">
               <a:rPr lang="en-US" smtClean="0"/>
               <a:pPr/>
-              <a:t>1/20/14</a:t>
+              <a:t>1/22/14</a:t>
             </a:fld>
             <a:endParaRPr lang="en-US" dirty="0"/>
           </a:p>
@@ -4995,7 +7828,7 @@
             <a:fld id="{FA3C144B-2939-9A49-B014-915EC3E81866}" type="datetime1">
               <a:rPr lang="en-US" smtClean="0"/>
               <a:pPr/>
-              <a:t>1/20/14</a:t>
+              <a:t>1/22/14</a:t>
             </a:fld>
             <a:endParaRPr lang="en-US" dirty="0"/>
           </a:p>
@@ -5373,7 +8206,7 @@
           <a:p>
             <a:fld id="{111EEF3B-ABF2-AA4E-9E24-0C6256942674}" type="datetime1">
               <a:rPr lang="en-US" smtClean="0"/>
-              <a:t>1/20/14</a:t>
+              <a:t>1/22/14</a:t>
             </a:fld>
             <a:endParaRPr lang="en-US"/>
           </a:p>
@@ -5537,7 +8370,7 @@
             <a:fld id="{FA3C144B-2939-9A49-B014-915EC3E81866}" type="datetime1">
               <a:rPr lang="en-US" smtClean="0"/>
               <a:pPr/>
-              <a:t>1/20/14</a:t>
+              <a:t>1/22/14</a:t>
             </a:fld>
             <a:endParaRPr lang="en-US" dirty="0"/>
           </a:p>
@@ -5954,7 +8787,7 @@
             <a:fld id="{FA3C144B-2939-9A49-B014-915EC3E81866}" type="datetime1">
               <a:rPr lang="en-US" smtClean="0"/>
               <a:pPr/>
-              <a:t>1/20/14</a:t>
+              <a:t>1/22/14</a:t>
             </a:fld>
             <a:endParaRPr lang="en-US" dirty="0"/>
           </a:p>
@@ -6270,7 +9103,7 @@
             <a:fld id="{FA3C144B-2939-9A49-B014-915EC3E81866}" type="datetime1">
               <a:rPr lang="en-US" smtClean="0"/>
               <a:pPr/>
-              <a:t>1/20/14</a:t>
+              <a:t>1/22/14</a:t>
             </a:fld>
             <a:endParaRPr lang="en-US" dirty="0"/>
           </a:p>
@@ -6936,7 +9769,7 @@
             <a:fld id="{FA3C144B-2939-9A49-B014-915EC3E81866}" type="datetime1">
               <a:rPr lang="en-US" smtClean="0"/>
               <a:pPr/>
-              <a:t>1/20/14</a:t>
+              <a:t>1/22/14</a:t>
             </a:fld>
             <a:endParaRPr lang="en-US" dirty="0"/>
           </a:p>
@@ -8134,7 +10967,7 @@
           <a:p>
             <a:fld id="{7053BEFA-1175-F644-B249-7D41D72BD3FF}" type="datetime1">
               <a:rPr lang="en-US" smtClean="0"/>
-              <a:t>1/20/14</a:t>
+              <a:t>1/22/14</a:t>
             </a:fld>
             <a:endParaRPr lang="en-US"/>
           </a:p>
@@ -8361,7 +11194,7 @@
           <a:p>
             <a:fld id="{7053BEFA-1175-F644-B249-7D41D72BD3FF}" type="datetime1">
               <a:rPr lang="en-US" smtClean="0"/>
-              <a:t>1/20/14</a:t>
+              <a:t>1/22/14</a:t>
             </a:fld>
             <a:endParaRPr lang="en-US"/>
           </a:p>
@@ -8482,8 +11315,12 @@
           <a:lstStyle/>
           <a:p>
             <a:r>
+              <a:rPr lang="en-US" dirty="0" err="1"/>
+              <a:t>l</a:t>
+            </a:r>
+            <a:r>
               <a:rPr lang="en-US" dirty="0" err="1" smtClean="0"/>
-              <a:t>Logger.info</a:t>
+              <a:t>ogger.info</a:t>
             </a:r>
             <a:r>
               <a:rPr lang="en-US" dirty="0" smtClean="0"/>
@@ -8522,7 +11359,7 @@
           <a:p>
             <a:fld id="{7053BEFA-1175-F644-B249-7D41D72BD3FF}" type="datetime1">
               <a:rPr lang="en-US" smtClean="0"/>
-              <a:t>1/20/14</a:t>
+              <a:t>1/22/14</a:t>
             </a:fld>
             <a:endParaRPr lang="en-US"/>
           </a:p>
@@ -8617,7 +11454,7 @@
           <a:p>
             <a:r>
               <a:rPr lang="en-US" dirty="0" smtClean="0"/>
-              <a:t>Exploratory Analysis</a:t>
+              <a:t>Getting the Data</a:t>
             </a:r>
             <a:endParaRPr lang="en-US" dirty="0"/>
           </a:p>
@@ -8633,34 +11470,87 @@
             <p:ph idx="1"/>
           </p:nvPr>
         </p:nvSpPr>
-        <p:spPr/>
+        <p:spPr>
+          <a:xfrm>
+            <a:off x="1914769" y="1847153"/>
+            <a:ext cx="6838462" cy="4379976"/>
+          </a:xfrm>
+        </p:spPr>
         <p:txBody>
           <a:bodyPr/>
           <a:lstStyle/>
           <a:p>
-            <a:r>
-              <a:rPr lang="en-US" dirty="0" smtClean="0"/>
-              <a:t>Combination of statistics </a:t>
+            <a:pPr marL="0" indent="0">
+              <a:buNone/>
+            </a:pPr>
+            <a:r>
+              <a:rPr lang="en-US" dirty="0" smtClean="0"/>
+              <a:t>Need an API Key (instructions on website)</a:t>
+            </a:r>
+          </a:p>
+          <a:p>
+            <a:pPr marL="0" indent="0">
+              <a:buNone/>
+            </a:pPr>
+            <a:r>
+              <a:rPr lang="en-US" dirty="0" smtClean="0"/>
+              <a:t>Then use a </a:t>
             </a:r>
             <a:r>
               <a:rPr lang="en-US" i="1" dirty="0" smtClean="0"/>
-              <a:t>and </a:t>
-            </a:r>
-            <a:r>
-              <a:rPr lang="en-US" dirty="0" smtClean="0"/>
-              <a:t>graphics</a:t>
-            </a:r>
-          </a:p>
-          <a:p>
-            <a:r>
-              <a:rPr lang="en-US" dirty="0" smtClean="0"/>
-              <a:t>Use of </a:t>
-            </a:r>
-            <a:r>
-              <a:rPr lang="en-US" dirty="0" err="1" smtClean="0"/>
-              <a:t>PyPlot</a:t>
-            </a:r>
-            <a:endParaRPr lang="en-US" dirty="0"/>
+              <a:t>library </a:t>
+            </a:r>
+            <a:r>
+              <a:rPr lang="en-US" dirty="0" smtClean="0"/>
+              <a:t>to build the URL and post a request</a:t>
+            </a:r>
+          </a:p>
+          <a:p>
+            <a:pPr marL="0" indent="0">
+              <a:buNone/>
+            </a:pPr>
+            <a:r>
+              <a:rPr lang="en-US" dirty="0" smtClean="0">
+                <a:latin typeface="Courier"/>
+                <a:cs typeface="Courier"/>
+              </a:rPr>
+              <a:t>service </a:t>
+            </a:r>
+            <a:r>
+              <a:rPr lang="en-US" dirty="0">
+                <a:latin typeface="Courier"/>
+                <a:cs typeface="Courier"/>
+              </a:rPr>
+              <a:t>= build('</a:t>
+            </a:r>
+            <a:r>
+              <a:rPr lang="en-US" dirty="0" err="1">
+                <a:latin typeface="Courier"/>
+                <a:cs typeface="Courier"/>
+              </a:rPr>
+              <a:t>fusiontables</a:t>
+            </a:r>
+            <a:r>
+              <a:rPr lang="en-US" dirty="0">
+                <a:latin typeface="Courier"/>
+                <a:cs typeface="Courier"/>
+              </a:rPr>
+              <a:t>', 'v1', </a:t>
+            </a:r>
+            <a:r>
+              <a:rPr lang="en-US" dirty="0" err="1">
+                <a:latin typeface="Courier"/>
+                <a:cs typeface="Courier"/>
+              </a:rPr>
+              <a:t>developerKey</a:t>
+            </a:r>
+            <a:r>
+              <a:rPr lang="en-US" dirty="0">
+                <a:latin typeface="Courier"/>
+                <a:cs typeface="Courier"/>
+              </a:rPr>
+              <a:t>=API_KEY)</a:t>
+            </a:r>
           </a:p>
         </p:txBody>
       </p:sp>
@@ -8681,7 +11571,7 @@
           <a:p>
             <a:fld id="{7053BEFA-1175-F644-B249-7D41D72BD3FF}" type="datetime1">
               <a:rPr lang="en-US" smtClean="0"/>
-              <a:t>1/20/14</a:t>
+              <a:t>1/22/14</a:t>
             </a:fld>
             <a:endParaRPr lang="en-US"/>
           </a:p>
@@ -8724,6 +11614,229 @@
             <a:fld id="{17E276FA-8F89-B34D-A726-BE3FA1F8DD97}" type="slidenum">
               <a:rPr lang="en-US" smtClean="0"/>
               <a:t>5</a:t>
+            </a:fld>
+            <a:endParaRPr lang="en-US" dirty="0"/>
+          </a:p>
+        </p:txBody>
+      </p:sp>
+      <p:sp>
+        <p:nvSpPr>
+          <p:cNvPr id="7" name="Rounded Rectangle 6"/>
+          <p:cNvSpPr/>
+          <p:nvPr/>
+        </p:nvSpPr>
+        <p:spPr>
+          <a:xfrm>
+            <a:off x="193283" y="1532618"/>
+            <a:ext cx="1521698" cy="1143000"/>
+          </a:xfrm>
+          <a:prstGeom prst="roundRect">
+            <a:avLst/>
+          </a:prstGeom>
+        </p:spPr>
+        <p:style>
+          <a:lnRef idx="3">
+            <a:schemeClr val="lt1"/>
+          </a:lnRef>
+          <a:fillRef idx="1">
+            <a:schemeClr val="accent1"/>
+          </a:fillRef>
+          <a:effectRef idx="1">
+            <a:schemeClr val="accent1"/>
+          </a:effectRef>
+          <a:fontRef idx="minor">
+            <a:schemeClr val="lt1"/>
+          </a:fontRef>
+        </p:style>
+        <p:txBody>
+          <a:bodyPr rtlCol="0" anchor="ctr"/>
+          <a:lstStyle/>
+          <a:p>
+            <a:pPr algn="ctr"/>
+            <a:r>
+              <a:rPr lang="en-US" dirty="0" smtClean="0"/>
+              <a:t>Manually Register for Key</a:t>
+            </a:r>
+            <a:endParaRPr lang="en-US" dirty="0"/>
+          </a:p>
+        </p:txBody>
+      </p:sp>
+      <p:graphicFrame>
+        <p:nvGraphicFramePr>
+          <p:cNvPr id="8" name="Diagram 7"/>
+          <p:cNvGraphicFramePr/>
+          <p:nvPr>
+            <p:extLst>
+              <p:ext uri="{D42A27DB-BD31-4B8C-83A1-F6EECF244321}">
+                <p14:modId xmlns:p14="http://schemas.microsoft.com/office/powerpoint/2010/main" val="3468591916"/>
+              </p:ext>
+            </p:extLst>
+          </p:nvPr>
+        </p:nvGraphicFramePr>
+        <p:xfrm>
+          <a:off x="357902" y="2978464"/>
+          <a:ext cx="8312471" cy="5314401"/>
+        </p:xfrm>
+        <a:graphic>
+          <a:graphicData uri="http://schemas.openxmlformats.org/drawingml/2006/diagram">
+            <dgm:relIds xmlns:dgm="http://schemas.openxmlformats.org/drawingml/2006/diagram" xmlns:r="http://schemas.openxmlformats.org/officeDocument/2006/relationships" r:dm="rId2" r:lo="rId3" r:qs="rId4" r:cs="rId5"/>
+          </a:graphicData>
+        </a:graphic>
+      </p:graphicFrame>
+    </p:spTree>
+    <p:extLst>
+      <p:ext uri="{BB962C8B-B14F-4D97-AF65-F5344CB8AC3E}">
+        <p14:creationId xmlns:p14="http://schemas.microsoft.com/office/powerpoint/2010/main" val="1009322186"/>
+      </p:ext>
+    </p:extLst>
+  </p:cSld>
+  <p:clrMapOvr>
+    <a:masterClrMapping/>
+  </p:clrMapOvr>
+</p:sld>
+</file>
+
+<file path=ppt/slides/slide6.xml><?xml version="1.0" encoding="utf-8"?>
+<p:sld xmlns:a="http://schemas.openxmlformats.org/drawingml/2006/main" xmlns:r="http://schemas.openxmlformats.org/officeDocument/2006/relationships" xmlns:p="http://schemas.openxmlformats.org/presentationml/2006/main">
+  <p:cSld>
+    <p:spTree>
+      <p:nvGrpSpPr>
+        <p:cNvPr id="1" name=""/>
+        <p:cNvGrpSpPr/>
+        <p:nvPr/>
+      </p:nvGrpSpPr>
+      <p:grpSpPr>
+        <a:xfrm>
+          <a:off x="0" y="0"/>
+          <a:ext cx="0" cy="0"/>
+          <a:chOff x="0" y="0"/>
+          <a:chExt cx="0" cy="0"/>
+        </a:xfrm>
+      </p:grpSpPr>
+      <p:sp>
+        <p:nvSpPr>
+          <p:cNvPr id="2" name="Title 1"/>
+          <p:cNvSpPr>
+            <a:spLocks noGrp="1"/>
+          </p:cNvSpPr>
+          <p:nvPr>
+            <p:ph type="title"/>
+          </p:nvPr>
+        </p:nvSpPr>
+        <p:spPr/>
+        <p:txBody>
+          <a:bodyPr/>
+          <a:lstStyle/>
+          <a:p>
+            <a:r>
+              <a:rPr lang="en-US" dirty="0" smtClean="0"/>
+              <a:t>Exploratory Analysis</a:t>
+            </a:r>
+            <a:endParaRPr lang="en-US" dirty="0"/>
+          </a:p>
+        </p:txBody>
+      </p:sp>
+      <p:sp>
+        <p:nvSpPr>
+          <p:cNvPr id="3" name="Content Placeholder 2"/>
+          <p:cNvSpPr>
+            <a:spLocks noGrp="1"/>
+          </p:cNvSpPr>
+          <p:nvPr>
+            <p:ph idx="1"/>
+          </p:nvPr>
+        </p:nvSpPr>
+        <p:spPr/>
+        <p:txBody>
+          <a:bodyPr/>
+          <a:lstStyle/>
+          <a:p>
+            <a:r>
+              <a:rPr lang="en-US" dirty="0" smtClean="0"/>
+              <a:t>Combination of statistics </a:t>
+            </a:r>
+            <a:r>
+              <a:rPr lang="en-US" i="1" dirty="0" smtClean="0"/>
+              <a:t>and </a:t>
+            </a:r>
+            <a:r>
+              <a:rPr lang="en-US" dirty="0" smtClean="0"/>
+              <a:t>graphics</a:t>
+            </a:r>
+          </a:p>
+          <a:p>
+            <a:r>
+              <a:rPr lang="en-US" dirty="0" smtClean="0"/>
+              <a:t>Use of </a:t>
+            </a:r>
+            <a:r>
+              <a:rPr lang="en-US" dirty="0" err="1" smtClean="0"/>
+              <a:t>PyPlot</a:t>
+            </a:r>
+            <a:endParaRPr lang="en-US" dirty="0"/>
+          </a:p>
+        </p:txBody>
+      </p:sp>
+      <p:sp>
+        <p:nvSpPr>
+          <p:cNvPr id="4" name="Date Placeholder 3"/>
+          <p:cNvSpPr>
+            <a:spLocks noGrp="1"/>
+          </p:cNvSpPr>
+          <p:nvPr>
+            <p:ph type="dt" sz="half" idx="10"/>
+          </p:nvPr>
+        </p:nvSpPr>
+        <p:spPr/>
+        <p:txBody>
+          <a:bodyPr/>
+          <a:lstStyle/>
+          <a:p>
+            <a:fld id="{7053BEFA-1175-F644-B249-7D41D72BD3FF}" type="datetime1">
+              <a:rPr lang="en-US" smtClean="0"/>
+              <a:t>1/22/14</a:t>
+            </a:fld>
+            <a:endParaRPr lang="en-US"/>
+          </a:p>
+        </p:txBody>
+      </p:sp>
+      <p:sp>
+        <p:nvSpPr>
+          <p:cNvPr id="5" name="Footer Placeholder 4"/>
+          <p:cNvSpPr>
+            <a:spLocks noGrp="1"/>
+          </p:cNvSpPr>
+          <p:nvPr>
+            <p:ph type="ftr" sz="quarter" idx="11"/>
+          </p:nvPr>
+        </p:nvSpPr>
+        <p:spPr/>
+        <p:txBody>
+          <a:bodyPr/>
+          <a:lstStyle/>
+          <a:p>
+            <a:endParaRPr lang="en-US" dirty="0"/>
+          </a:p>
+        </p:txBody>
+      </p:sp>
+      <p:sp>
+        <p:nvSpPr>
+          <p:cNvPr id="6" name="Slide Number Placeholder 5"/>
+          <p:cNvSpPr>
+            <a:spLocks noGrp="1"/>
+          </p:cNvSpPr>
+          <p:nvPr>
+            <p:ph type="sldNum" sz="quarter" idx="12"/>
+          </p:nvPr>
+        </p:nvSpPr>
+        <p:spPr/>
+        <p:txBody>
+          <a:bodyPr/>
+          <a:lstStyle/>
+          <a:p>
+            <a:fld id="{17E276FA-8F89-B34D-A726-BE3FA1F8DD97}" type="slidenum">
+              <a:rPr lang="en-US" smtClean="0"/>
+              <a:t>6</a:t>
             </a:fld>
             <a:endParaRPr lang="en-US" dirty="0"/>
           </a:p>

--- a/Lectures/Byte 2.pptx
+++ b/Lectures/Byte 2.pptx
@@ -5,10 +5,10 @@
     <p:sldMasterId id="2147483648" r:id="rId1"/>
   </p:sldMasterIdLst>
   <p:notesMasterIdLst>
-    <p:notesMasterId r:id="rId8"/>
+    <p:notesMasterId r:id="rId31"/>
   </p:notesMasterIdLst>
   <p:handoutMasterIdLst>
-    <p:handoutMasterId r:id="rId9"/>
+    <p:handoutMasterId r:id="rId32"/>
   </p:handoutMasterIdLst>
   <p:sldIdLst>
     <p:sldId id="256" r:id="rId2"/>
@@ -16,7 +16,30 @@
     <p:sldId id="413" r:id="rId4"/>
     <p:sldId id="414" r:id="rId5"/>
     <p:sldId id="416" r:id="rId6"/>
-    <p:sldId id="415" r:id="rId7"/>
+    <p:sldId id="417" r:id="rId7"/>
+    <p:sldId id="418" r:id="rId8"/>
+    <p:sldId id="419" r:id="rId9"/>
+    <p:sldId id="438" r:id="rId10"/>
+    <p:sldId id="420" r:id="rId11"/>
+    <p:sldId id="432" r:id="rId12"/>
+    <p:sldId id="433" r:id="rId13"/>
+    <p:sldId id="434" r:id="rId14"/>
+    <p:sldId id="435" r:id="rId15"/>
+    <p:sldId id="436" r:id="rId16"/>
+    <p:sldId id="437" r:id="rId17"/>
+    <p:sldId id="421" r:id="rId18"/>
+    <p:sldId id="422" r:id="rId19"/>
+    <p:sldId id="423" r:id="rId20"/>
+    <p:sldId id="430" r:id="rId21"/>
+    <p:sldId id="431" r:id="rId22"/>
+    <p:sldId id="424" r:id="rId23"/>
+    <p:sldId id="425" r:id="rId24"/>
+    <p:sldId id="426" r:id="rId25"/>
+    <p:sldId id="427" r:id="rId26"/>
+    <p:sldId id="428" r:id="rId27"/>
+    <p:sldId id="429" r:id="rId28"/>
+    <p:sldId id="440" r:id="rId29"/>
+    <p:sldId id="441" r:id="rId30"/>
   </p:sldIdLst>
   <p:sldSz cx="9144000" cy="6858000" type="screen4x3"/>
   <p:notesSz cx="6858000" cy="9144000"/>
@@ -10812,6 +10835,2271 @@
 </p:sld>
 </file>
 
+<file path=ppt/slides/slide10.xml><?xml version="1.0" encoding="utf-8"?>
+<p:sld xmlns:a="http://schemas.openxmlformats.org/drawingml/2006/main" xmlns:r="http://schemas.openxmlformats.org/officeDocument/2006/relationships" xmlns:p="http://schemas.openxmlformats.org/presentationml/2006/main">
+  <p:cSld>
+    <p:spTree>
+      <p:nvGrpSpPr>
+        <p:cNvPr id="1" name=""/>
+        <p:cNvGrpSpPr/>
+        <p:nvPr/>
+      </p:nvGrpSpPr>
+      <p:grpSpPr>
+        <a:xfrm>
+          <a:off x="0" y="0"/>
+          <a:ext cx="0" cy="0"/>
+          <a:chOff x="0" y="0"/>
+          <a:chExt cx="0" cy="0"/>
+        </a:xfrm>
+      </p:grpSpPr>
+      <p:sp>
+        <p:nvSpPr>
+          <p:cNvPr id="2" name="Title 1"/>
+          <p:cNvSpPr>
+            <a:spLocks noGrp="1"/>
+          </p:cNvSpPr>
+          <p:nvPr>
+            <p:ph type="title"/>
+          </p:nvPr>
+        </p:nvSpPr>
+        <p:spPr/>
+        <p:txBody>
+          <a:bodyPr/>
+          <a:lstStyle/>
+          <a:p>
+            <a:r>
+              <a:rPr lang="en-US" dirty="0" err="1" smtClean="0"/>
+              <a:t>explore.py</a:t>
+            </a:r>
+            <a:endParaRPr lang="en-US" dirty="0"/>
+          </a:p>
+        </p:txBody>
+      </p:sp>
+      <p:sp>
+        <p:nvSpPr>
+          <p:cNvPr id="3" name="Content Placeholder 2"/>
+          <p:cNvSpPr>
+            <a:spLocks noGrp="1"/>
+          </p:cNvSpPr>
+          <p:nvPr>
+            <p:ph idx="1"/>
+          </p:nvPr>
+        </p:nvSpPr>
+        <p:spPr/>
+        <p:txBody>
+          <a:bodyPr/>
+          <a:lstStyle/>
+          <a:p>
+            <a:pPr marL="0" indent="0">
+              <a:buNone/>
+            </a:pPr>
+            <a:r>
+              <a:rPr lang="en-US" dirty="0" smtClean="0"/>
+              <a:t>Will ‘dump’ all the data into a ‘</a:t>
+            </a:r>
+            <a:r>
+              <a:rPr lang="en-US" dirty="0" err="1" smtClean="0"/>
+              <a:t>data.json</a:t>
+            </a:r>
+            <a:r>
+              <a:rPr lang="en-US" dirty="0" smtClean="0"/>
+              <a:t>’ file</a:t>
+            </a:r>
+          </a:p>
+          <a:p>
+            <a:pPr marL="0" indent="0">
+              <a:buNone/>
+            </a:pPr>
+            <a:r>
+              <a:rPr lang="en-US" dirty="0" smtClean="0"/>
+              <a:t>Uses try/except to check for the file (only queries when deleted)</a:t>
+            </a:r>
+          </a:p>
+          <a:p>
+            <a:pPr marL="0" indent="0">
+              <a:buNone/>
+            </a:pPr>
+            <a:r>
+              <a:rPr lang="en-US" dirty="0" smtClean="0"/>
+              <a:t>Uses nested loops to create a summary of the variety in the data (because so much of it is not numerical)</a:t>
+            </a:r>
+          </a:p>
+          <a:p>
+            <a:pPr marL="0" indent="0">
+              <a:buNone/>
+            </a:pPr>
+            <a:endParaRPr lang="en-US" dirty="0"/>
+          </a:p>
+          <a:p>
+            <a:pPr marL="0" indent="0">
+              <a:buNone/>
+            </a:pPr>
+            <a:endParaRPr lang="en-US" dirty="0" smtClean="0"/>
+          </a:p>
+          <a:p>
+            <a:pPr marL="0" indent="0">
+              <a:buNone/>
+            </a:pPr>
+            <a:endParaRPr lang="en-US" dirty="0"/>
+          </a:p>
+        </p:txBody>
+      </p:sp>
+      <p:sp>
+        <p:nvSpPr>
+          <p:cNvPr id="4" name="Date Placeholder 3"/>
+          <p:cNvSpPr>
+            <a:spLocks noGrp="1"/>
+          </p:cNvSpPr>
+          <p:nvPr>
+            <p:ph type="dt" sz="half" idx="10"/>
+          </p:nvPr>
+        </p:nvSpPr>
+        <p:spPr/>
+        <p:txBody>
+          <a:bodyPr/>
+          <a:lstStyle/>
+          <a:p>
+            <a:fld id="{7053BEFA-1175-F644-B249-7D41D72BD3FF}" type="datetime1">
+              <a:rPr lang="en-US" smtClean="0"/>
+              <a:t>1/22/14</a:t>
+            </a:fld>
+            <a:endParaRPr lang="en-US"/>
+          </a:p>
+        </p:txBody>
+      </p:sp>
+      <p:sp>
+        <p:nvSpPr>
+          <p:cNvPr id="5" name="Footer Placeholder 4"/>
+          <p:cNvSpPr>
+            <a:spLocks noGrp="1"/>
+          </p:cNvSpPr>
+          <p:nvPr>
+            <p:ph type="ftr" sz="quarter" idx="11"/>
+          </p:nvPr>
+        </p:nvSpPr>
+        <p:spPr/>
+        <p:txBody>
+          <a:bodyPr/>
+          <a:lstStyle/>
+          <a:p>
+            <a:endParaRPr lang="en-US" dirty="0"/>
+          </a:p>
+        </p:txBody>
+      </p:sp>
+      <p:sp>
+        <p:nvSpPr>
+          <p:cNvPr id="6" name="Slide Number Placeholder 5"/>
+          <p:cNvSpPr>
+            <a:spLocks noGrp="1"/>
+          </p:cNvSpPr>
+          <p:nvPr>
+            <p:ph type="sldNum" sz="quarter" idx="12"/>
+          </p:nvPr>
+        </p:nvSpPr>
+        <p:spPr/>
+        <p:txBody>
+          <a:bodyPr/>
+          <a:lstStyle/>
+          <a:p>
+            <a:fld id="{17E276FA-8F89-B34D-A726-BE3FA1F8DD97}" type="slidenum">
+              <a:rPr lang="en-US" smtClean="0"/>
+              <a:t>10</a:t>
+            </a:fld>
+            <a:endParaRPr lang="en-US" dirty="0"/>
+          </a:p>
+        </p:txBody>
+      </p:sp>
+    </p:spTree>
+    <p:extLst>
+      <p:ext uri="{BB962C8B-B14F-4D97-AF65-F5344CB8AC3E}">
+        <p14:creationId xmlns:p14="http://schemas.microsoft.com/office/powerpoint/2010/main" val="2441020037"/>
+      </p:ext>
+    </p:extLst>
+  </p:cSld>
+  <p:clrMapOvr>
+    <a:masterClrMapping/>
+  </p:clrMapOvr>
+</p:sld>
+</file>
+
+<file path=ppt/slides/slide11.xml><?xml version="1.0" encoding="utf-8"?>
+<p:sld xmlns:a="http://schemas.openxmlformats.org/drawingml/2006/main" xmlns:r="http://schemas.openxmlformats.org/officeDocument/2006/relationships" xmlns:p="http://schemas.openxmlformats.org/presentationml/2006/main">
+  <p:cSld>
+    <p:spTree>
+      <p:nvGrpSpPr>
+        <p:cNvPr id="1" name=""/>
+        <p:cNvGrpSpPr/>
+        <p:nvPr/>
+      </p:nvGrpSpPr>
+      <p:grpSpPr>
+        <a:xfrm>
+          <a:off x="0" y="0"/>
+          <a:ext cx="0" cy="0"/>
+          <a:chOff x="0" y="0"/>
+          <a:chExt cx="0" cy="0"/>
+        </a:xfrm>
+      </p:grpSpPr>
+      <p:sp>
+        <p:nvSpPr>
+          <p:cNvPr id="2" name="Title 1"/>
+          <p:cNvSpPr>
+            <a:spLocks noGrp="1"/>
+          </p:cNvSpPr>
+          <p:nvPr>
+            <p:ph type="title"/>
+          </p:nvPr>
+        </p:nvSpPr>
+        <p:spPr/>
+        <p:txBody>
+          <a:bodyPr/>
+          <a:lstStyle/>
+          <a:p>
+            <a:r>
+              <a:rPr lang="en-US" dirty="0" smtClean="0"/>
+              <a:t>Summary Structure</a:t>
+            </a:r>
+            <a:endParaRPr lang="en-US" dirty="0"/>
+          </a:p>
+        </p:txBody>
+      </p:sp>
+      <p:sp>
+        <p:nvSpPr>
+          <p:cNvPr id="3" name="Content Placeholder 2"/>
+          <p:cNvSpPr>
+            <a:spLocks noGrp="1"/>
+          </p:cNvSpPr>
+          <p:nvPr>
+            <p:ph idx="1"/>
+          </p:nvPr>
+        </p:nvSpPr>
+        <p:spPr/>
+        <p:txBody>
+          <a:bodyPr/>
+          <a:lstStyle/>
+          <a:p>
+            <a:pPr marL="0" indent="0">
+              <a:buNone/>
+            </a:pPr>
+            <a:r>
+              <a:rPr lang="en-US" sz="2400" dirty="0" smtClean="0"/>
+              <a:t>{</a:t>
+            </a:r>
+            <a:r>
+              <a:rPr lang="en-US" sz="2400" dirty="0" err="1" smtClean="0"/>
+              <a:t>u'Age</a:t>
+            </a:r>
+            <a:r>
+              <a:rPr lang="en-US" sz="2400" dirty="0"/>
+              <a:t>': {'Older than 7 years': 1250, 'Infant - Younger than 6 months': 1143, 'Older than 1 year': 3794, 'Youth - Younger than 1 year': 915, 'EMPTY': 2533</a:t>
+            </a:r>
+            <a:r>
+              <a:rPr lang="en-US" sz="2400" dirty="0" smtClean="0"/>
+              <a:t>}…}</a:t>
+            </a:r>
+          </a:p>
+          <a:p>
+            <a:pPr marL="0" indent="0">
+              <a:buNone/>
+            </a:pPr>
+            <a:endParaRPr lang="en-US" sz="2400" dirty="0"/>
+          </a:p>
+          <a:p>
+            <a:pPr marL="0" indent="0">
+              <a:buNone/>
+            </a:pPr>
+            <a:endParaRPr lang="en-US" dirty="0"/>
+          </a:p>
+          <a:p>
+            <a:pPr marL="0" indent="0">
+              <a:buNone/>
+            </a:pPr>
+            <a:endParaRPr lang="en-US" dirty="0" smtClean="0"/>
+          </a:p>
+          <a:p>
+            <a:pPr marL="0" indent="0">
+              <a:buNone/>
+            </a:pPr>
+            <a:endParaRPr lang="en-US" dirty="0"/>
+          </a:p>
+        </p:txBody>
+      </p:sp>
+      <p:sp>
+        <p:nvSpPr>
+          <p:cNvPr id="4" name="Date Placeholder 3"/>
+          <p:cNvSpPr>
+            <a:spLocks noGrp="1"/>
+          </p:cNvSpPr>
+          <p:nvPr>
+            <p:ph type="dt" sz="half" idx="10"/>
+          </p:nvPr>
+        </p:nvSpPr>
+        <p:spPr/>
+        <p:txBody>
+          <a:bodyPr/>
+          <a:lstStyle/>
+          <a:p>
+            <a:fld id="{7053BEFA-1175-F644-B249-7D41D72BD3FF}" type="datetime1">
+              <a:rPr lang="en-US" smtClean="0"/>
+              <a:t>1/22/14</a:t>
+            </a:fld>
+            <a:endParaRPr lang="en-US"/>
+          </a:p>
+        </p:txBody>
+      </p:sp>
+      <p:sp>
+        <p:nvSpPr>
+          <p:cNvPr id="5" name="Footer Placeholder 4"/>
+          <p:cNvSpPr>
+            <a:spLocks noGrp="1"/>
+          </p:cNvSpPr>
+          <p:nvPr>
+            <p:ph type="ftr" sz="quarter" idx="11"/>
+          </p:nvPr>
+        </p:nvSpPr>
+        <p:spPr/>
+        <p:txBody>
+          <a:bodyPr/>
+          <a:lstStyle/>
+          <a:p>
+            <a:endParaRPr lang="en-US" dirty="0"/>
+          </a:p>
+        </p:txBody>
+      </p:sp>
+      <p:sp>
+        <p:nvSpPr>
+          <p:cNvPr id="6" name="Slide Number Placeholder 5"/>
+          <p:cNvSpPr>
+            <a:spLocks noGrp="1"/>
+          </p:cNvSpPr>
+          <p:nvPr>
+            <p:ph type="sldNum" sz="quarter" idx="12"/>
+          </p:nvPr>
+        </p:nvSpPr>
+        <p:spPr/>
+        <p:txBody>
+          <a:bodyPr/>
+          <a:lstStyle/>
+          <a:p>
+            <a:fld id="{17E276FA-8F89-B34D-A726-BE3FA1F8DD97}" type="slidenum">
+              <a:rPr lang="en-US" smtClean="0"/>
+              <a:t>11</a:t>
+            </a:fld>
+            <a:endParaRPr lang="en-US" dirty="0"/>
+          </a:p>
+        </p:txBody>
+      </p:sp>
+    </p:spTree>
+    <p:extLst>
+      <p:ext uri="{BB962C8B-B14F-4D97-AF65-F5344CB8AC3E}">
+        <p14:creationId xmlns:p14="http://schemas.microsoft.com/office/powerpoint/2010/main" val="2323655827"/>
+      </p:ext>
+    </p:extLst>
+  </p:cSld>
+  <p:clrMapOvr>
+    <a:masterClrMapping/>
+  </p:clrMapOvr>
+</p:sld>
+</file>
+
+<file path=ppt/slides/slide12.xml><?xml version="1.0" encoding="utf-8"?>
+<p:sld xmlns:a="http://schemas.openxmlformats.org/drawingml/2006/main" xmlns:r="http://schemas.openxmlformats.org/officeDocument/2006/relationships" xmlns:p="http://schemas.openxmlformats.org/presentationml/2006/main">
+  <p:cSld>
+    <p:spTree>
+      <p:nvGrpSpPr>
+        <p:cNvPr id="1" name=""/>
+        <p:cNvGrpSpPr/>
+        <p:nvPr/>
+      </p:nvGrpSpPr>
+      <p:grpSpPr>
+        <a:xfrm>
+          <a:off x="0" y="0"/>
+          <a:ext cx="0" cy="0"/>
+          <a:chOff x="0" y="0"/>
+          <a:chExt cx="0" cy="0"/>
+        </a:xfrm>
+      </p:grpSpPr>
+      <p:sp>
+        <p:nvSpPr>
+          <p:cNvPr id="2" name="Title 1"/>
+          <p:cNvSpPr>
+            <a:spLocks noGrp="1"/>
+          </p:cNvSpPr>
+          <p:nvPr>
+            <p:ph type="title"/>
+          </p:nvPr>
+        </p:nvSpPr>
+        <p:spPr/>
+        <p:txBody>
+          <a:bodyPr/>
+          <a:lstStyle/>
+          <a:p>
+            <a:r>
+              <a:rPr lang="en-US" dirty="0" smtClean="0"/>
+              <a:t>Summary Structure</a:t>
+            </a:r>
+            <a:endParaRPr lang="en-US" dirty="0"/>
+          </a:p>
+        </p:txBody>
+      </p:sp>
+      <p:sp>
+        <p:nvSpPr>
+          <p:cNvPr id="3" name="Content Placeholder 2"/>
+          <p:cNvSpPr>
+            <a:spLocks noGrp="1"/>
+          </p:cNvSpPr>
+          <p:nvPr>
+            <p:ph idx="1"/>
+          </p:nvPr>
+        </p:nvSpPr>
+        <p:spPr/>
+        <p:txBody>
+          <a:bodyPr/>
+          <a:lstStyle/>
+          <a:p>
+            <a:pPr marL="0" indent="0">
+              <a:buNone/>
+            </a:pPr>
+            <a:r>
+              <a:rPr lang="en-US" sz="2400" dirty="0" smtClean="0"/>
+              <a:t>{</a:t>
+            </a:r>
+            <a:r>
+              <a:rPr lang="en-US" sz="2400" b="1" dirty="0" err="1" smtClean="0"/>
+              <a:t>u'Age</a:t>
+            </a:r>
+            <a:r>
+              <a:rPr lang="en-US" sz="2400" b="1" dirty="0"/>
+              <a:t>':</a:t>
+            </a:r>
+            <a:r>
+              <a:rPr lang="en-US" sz="2400" dirty="0"/>
+              <a:t> {'Older than 7 years': 1250, 'Infant - Younger than 6 months': 1143, 'Older than 1 year': 3794, 'Youth - Younger than 1 year': 915, 'EMPTY': 2533</a:t>
+            </a:r>
+            <a:r>
+              <a:rPr lang="en-US" sz="2400" dirty="0" smtClean="0"/>
+              <a:t>}…}</a:t>
+            </a:r>
+          </a:p>
+          <a:p>
+            <a:pPr marL="0" indent="0">
+              <a:buNone/>
+            </a:pPr>
+            <a:endParaRPr lang="en-US" sz="2400" dirty="0"/>
+          </a:p>
+          <a:p>
+            <a:pPr marL="0" indent="0">
+              <a:buNone/>
+            </a:pPr>
+            <a:endParaRPr lang="en-US" dirty="0"/>
+          </a:p>
+          <a:p>
+            <a:pPr marL="0" indent="0">
+              <a:buNone/>
+            </a:pPr>
+            <a:endParaRPr lang="en-US" dirty="0" smtClean="0"/>
+          </a:p>
+          <a:p>
+            <a:pPr marL="0" indent="0">
+              <a:buNone/>
+            </a:pPr>
+            <a:endParaRPr lang="en-US" dirty="0"/>
+          </a:p>
+        </p:txBody>
+      </p:sp>
+      <p:sp>
+        <p:nvSpPr>
+          <p:cNvPr id="4" name="Date Placeholder 3"/>
+          <p:cNvSpPr>
+            <a:spLocks noGrp="1"/>
+          </p:cNvSpPr>
+          <p:nvPr>
+            <p:ph type="dt" sz="half" idx="10"/>
+          </p:nvPr>
+        </p:nvSpPr>
+        <p:spPr/>
+        <p:txBody>
+          <a:bodyPr/>
+          <a:lstStyle/>
+          <a:p>
+            <a:fld id="{7053BEFA-1175-F644-B249-7D41D72BD3FF}" type="datetime1">
+              <a:rPr lang="en-US" smtClean="0"/>
+              <a:t>1/22/14</a:t>
+            </a:fld>
+            <a:endParaRPr lang="en-US"/>
+          </a:p>
+        </p:txBody>
+      </p:sp>
+      <p:sp>
+        <p:nvSpPr>
+          <p:cNvPr id="5" name="Footer Placeholder 4"/>
+          <p:cNvSpPr>
+            <a:spLocks noGrp="1"/>
+          </p:cNvSpPr>
+          <p:nvPr>
+            <p:ph type="ftr" sz="quarter" idx="11"/>
+          </p:nvPr>
+        </p:nvSpPr>
+        <p:spPr/>
+        <p:txBody>
+          <a:bodyPr/>
+          <a:lstStyle/>
+          <a:p>
+            <a:endParaRPr lang="en-US" dirty="0"/>
+          </a:p>
+        </p:txBody>
+      </p:sp>
+      <p:sp>
+        <p:nvSpPr>
+          <p:cNvPr id="6" name="Slide Number Placeholder 5"/>
+          <p:cNvSpPr>
+            <a:spLocks noGrp="1"/>
+          </p:cNvSpPr>
+          <p:nvPr>
+            <p:ph type="sldNum" sz="quarter" idx="12"/>
+          </p:nvPr>
+        </p:nvSpPr>
+        <p:spPr/>
+        <p:txBody>
+          <a:bodyPr/>
+          <a:lstStyle/>
+          <a:p>
+            <a:fld id="{17E276FA-8F89-B34D-A726-BE3FA1F8DD97}" type="slidenum">
+              <a:rPr lang="en-US" smtClean="0"/>
+              <a:t>12</a:t>
+            </a:fld>
+            <a:endParaRPr lang="en-US" dirty="0"/>
+          </a:p>
+        </p:txBody>
+      </p:sp>
+      <p:sp>
+        <p:nvSpPr>
+          <p:cNvPr id="7" name="Line Callout 2 (Accent Bar) 6"/>
+          <p:cNvSpPr/>
+          <p:nvPr/>
+        </p:nvSpPr>
+        <p:spPr>
+          <a:xfrm>
+            <a:off x="3452554" y="2735384"/>
+            <a:ext cx="2096369" cy="1044539"/>
+          </a:xfrm>
+          <a:prstGeom prst="accentCallout2">
+            <a:avLst>
+              <a:gd name="adj1" fmla="val 18750"/>
+              <a:gd name="adj2" fmla="val -8333"/>
+              <a:gd name="adj3" fmla="val 18750"/>
+              <a:gd name="adj4" fmla="val -16667"/>
+              <a:gd name="adj5" fmla="val -39014"/>
+              <a:gd name="adj6" fmla="val -55987"/>
+            </a:avLst>
+          </a:prstGeom>
+        </p:spPr>
+        <p:style>
+          <a:lnRef idx="2">
+            <a:schemeClr val="accent1">
+              <a:shade val="50000"/>
+            </a:schemeClr>
+          </a:lnRef>
+          <a:fillRef idx="1">
+            <a:schemeClr val="accent1"/>
+          </a:fillRef>
+          <a:effectRef idx="0">
+            <a:schemeClr val="accent1"/>
+          </a:effectRef>
+          <a:fontRef idx="minor">
+            <a:schemeClr val="lt1"/>
+          </a:fontRef>
+        </p:style>
+        <p:txBody>
+          <a:bodyPr rtlCol="0" anchor="ctr"/>
+          <a:lstStyle/>
+          <a:p>
+            <a:pPr algn="ctr"/>
+            <a:r>
+              <a:rPr lang="en-US" dirty="0" smtClean="0"/>
+              <a:t>Column Name</a:t>
+            </a:r>
+            <a:endParaRPr lang="en-US" dirty="0"/>
+          </a:p>
+        </p:txBody>
+      </p:sp>
+    </p:spTree>
+    <p:extLst>
+      <p:ext uri="{BB962C8B-B14F-4D97-AF65-F5344CB8AC3E}">
+        <p14:creationId xmlns:p14="http://schemas.microsoft.com/office/powerpoint/2010/main" val="1475460449"/>
+      </p:ext>
+    </p:extLst>
+  </p:cSld>
+  <p:clrMapOvr>
+    <a:masterClrMapping/>
+  </p:clrMapOvr>
+</p:sld>
+</file>
+
+<file path=ppt/slides/slide13.xml><?xml version="1.0" encoding="utf-8"?>
+<p:sld xmlns:a="http://schemas.openxmlformats.org/drawingml/2006/main" xmlns:r="http://schemas.openxmlformats.org/officeDocument/2006/relationships" xmlns:p="http://schemas.openxmlformats.org/presentationml/2006/main">
+  <p:cSld>
+    <p:spTree>
+      <p:nvGrpSpPr>
+        <p:cNvPr id="1" name=""/>
+        <p:cNvGrpSpPr/>
+        <p:nvPr/>
+      </p:nvGrpSpPr>
+      <p:grpSpPr>
+        <a:xfrm>
+          <a:off x="0" y="0"/>
+          <a:ext cx="0" cy="0"/>
+          <a:chOff x="0" y="0"/>
+          <a:chExt cx="0" cy="0"/>
+        </a:xfrm>
+      </p:grpSpPr>
+      <p:sp>
+        <p:nvSpPr>
+          <p:cNvPr id="2" name="Title 1"/>
+          <p:cNvSpPr>
+            <a:spLocks noGrp="1"/>
+          </p:cNvSpPr>
+          <p:nvPr>
+            <p:ph type="title"/>
+          </p:nvPr>
+        </p:nvSpPr>
+        <p:spPr/>
+        <p:txBody>
+          <a:bodyPr/>
+          <a:lstStyle/>
+          <a:p>
+            <a:r>
+              <a:rPr lang="en-US" dirty="0" smtClean="0"/>
+              <a:t>Summary Structure</a:t>
+            </a:r>
+            <a:endParaRPr lang="en-US" dirty="0"/>
+          </a:p>
+        </p:txBody>
+      </p:sp>
+      <p:sp>
+        <p:nvSpPr>
+          <p:cNvPr id="3" name="Content Placeholder 2"/>
+          <p:cNvSpPr>
+            <a:spLocks noGrp="1"/>
+          </p:cNvSpPr>
+          <p:nvPr>
+            <p:ph idx="1"/>
+          </p:nvPr>
+        </p:nvSpPr>
+        <p:spPr/>
+        <p:txBody>
+          <a:bodyPr/>
+          <a:lstStyle/>
+          <a:p>
+            <a:pPr marL="0" indent="0">
+              <a:buNone/>
+            </a:pPr>
+            <a:r>
+              <a:rPr lang="en-US" sz="2400" dirty="0" smtClean="0"/>
+              <a:t>{</a:t>
+            </a:r>
+            <a:r>
+              <a:rPr lang="en-US" sz="2400" dirty="0" err="1" smtClean="0"/>
+              <a:t>u'Age</a:t>
+            </a:r>
+            <a:r>
+              <a:rPr lang="en-US" sz="2400" dirty="0"/>
+              <a:t>': {</a:t>
+            </a:r>
+            <a:r>
+              <a:rPr lang="en-US" sz="2400" b="1" dirty="0"/>
+              <a:t>'Older than 7 years': </a:t>
+            </a:r>
+            <a:r>
+              <a:rPr lang="en-US" sz="2400" dirty="0"/>
+              <a:t>1250, 'Infant - Younger than 6 months': 1143, 'Older than 1 year': 3794, 'Youth - Younger than 1 year': 915, 'EMPTY': 2533</a:t>
+            </a:r>
+            <a:r>
+              <a:rPr lang="en-US" sz="2400" dirty="0" smtClean="0"/>
+              <a:t>}…}</a:t>
+            </a:r>
+          </a:p>
+          <a:p>
+            <a:pPr marL="0" indent="0">
+              <a:buNone/>
+            </a:pPr>
+            <a:endParaRPr lang="en-US" sz="2400" dirty="0"/>
+          </a:p>
+          <a:p>
+            <a:pPr marL="0" indent="0">
+              <a:buNone/>
+            </a:pPr>
+            <a:endParaRPr lang="en-US" dirty="0"/>
+          </a:p>
+          <a:p>
+            <a:pPr marL="0" indent="0">
+              <a:buNone/>
+            </a:pPr>
+            <a:endParaRPr lang="en-US" dirty="0" smtClean="0"/>
+          </a:p>
+          <a:p>
+            <a:pPr marL="0" indent="0">
+              <a:buNone/>
+            </a:pPr>
+            <a:endParaRPr lang="en-US" dirty="0"/>
+          </a:p>
+        </p:txBody>
+      </p:sp>
+      <p:sp>
+        <p:nvSpPr>
+          <p:cNvPr id="4" name="Date Placeholder 3"/>
+          <p:cNvSpPr>
+            <a:spLocks noGrp="1"/>
+          </p:cNvSpPr>
+          <p:nvPr>
+            <p:ph type="dt" sz="half" idx="10"/>
+          </p:nvPr>
+        </p:nvSpPr>
+        <p:spPr/>
+        <p:txBody>
+          <a:bodyPr/>
+          <a:lstStyle/>
+          <a:p>
+            <a:fld id="{7053BEFA-1175-F644-B249-7D41D72BD3FF}" type="datetime1">
+              <a:rPr lang="en-US" smtClean="0"/>
+              <a:t>1/22/14</a:t>
+            </a:fld>
+            <a:endParaRPr lang="en-US"/>
+          </a:p>
+        </p:txBody>
+      </p:sp>
+      <p:sp>
+        <p:nvSpPr>
+          <p:cNvPr id="5" name="Footer Placeholder 4"/>
+          <p:cNvSpPr>
+            <a:spLocks noGrp="1"/>
+          </p:cNvSpPr>
+          <p:nvPr>
+            <p:ph type="ftr" sz="quarter" idx="11"/>
+          </p:nvPr>
+        </p:nvSpPr>
+        <p:spPr/>
+        <p:txBody>
+          <a:bodyPr/>
+          <a:lstStyle/>
+          <a:p>
+            <a:endParaRPr lang="en-US" dirty="0"/>
+          </a:p>
+        </p:txBody>
+      </p:sp>
+      <p:sp>
+        <p:nvSpPr>
+          <p:cNvPr id="6" name="Slide Number Placeholder 5"/>
+          <p:cNvSpPr>
+            <a:spLocks noGrp="1"/>
+          </p:cNvSpPr>
+          <p:nvPr>
+            <p:ph type="sldNum" sz="quarter" idx="12"/>
+          </p:nvPr>
+        </p:nvSpPr>
+        <p:spPr/>
+        <p:txBody>
+          <a:bodyPr/>
+          <a:lstStyle/>
+          <a:p>
+            <a:fld id="{17E276FA-8F89-B34D-A726-BE3FA1F8DD97}" type="slidenum">
+              <a:rPr lang="en-US" smtClean="0"/>
+              <a:t>13</a:t>
+            </a:fld>
+            <a:endParaRPr lang="en-US" dirty="0"/>
+          </a:p>
+        </p:txBody>
+      </p:sp>
+      <p:sp>
+        <p:nvSpPr>
+          <p:cNvPr id="7" name="Line Callout 2 (Accent Bar) 6"/>
+          <p:cNvSpPr/>
+          <p:nvPr/>
+        </p:nvSpPr>
+        <p:spPr>
+          <a:xfrm>
+            <a:off x="3452554" y="2735384"/>
+            <a:ext cx="2096369" cy="1044539"/>
+          </a:xfrm>
+          <a:prstGeom prst="accentCallout2">
+            <a:avLst>
+              <a:gd name="adj1" fmla="val 18750"/>
+              <a:gd name="adj2" fmla="val -8333"/>
+              <a:gd name="adj3" fmla="val 18750"/>
+              <a:gd name="adj4" fmla="val -16667"/>
+              <a:gd name="adj5" fmla="val -46496"/>
+              <a:gd name="adj6" fmla="val -25231"/>
+            </a:avLst>
+          </a:prstGeom>
+        </p:spPr>
+        <p:style>
+          <a:lnRef idx="2">
+            <a:schemeClr val="accent1">
+              <a:shade val="50000"/>
+            </a:schemeClr>
+          </a:lnRef>
+          <a:fillRef idx="1">
+            <a:schemeClr val="accent1"/>
+          </a:fillRef>
+          <a:effectRef idx="0">
+            <a:schemeClr val="accent1"/>
+          </a:effectRef>
+          <a:fontRef idx="minor">
+            <a:schemeClr val="lt1"/>
+          </a:fontRef>
+        </p:style>
+        <p:txBody>
+          <a:bodyPr rtlCol="0" anchor="ctr"/>
+          <a:lstStyle/>
+          <a:p>
+            <a:pPr algn="ctr"/>
+            <a:r>
+              <a:rPr lang="en-US" dirty="0" smtClean="0"/>
+              <a:t>Data Value</a:t>
+            </a:r>
+            <a:endParaRPr lang="en-US" dirty="0"/>
+          </a:p>
+        </p:txBody>
+      </p:sp>
+    </p:spTree>
+    <p:extLst>
+      <p:ext uri="{BB962C8B-B14F-4D97-AF65-F5344CB8AC3E}">
+        <p14:creationId xmlns:p14="http://schemas.microsoft.com/office/powerpoint/2010/main" val="2361999417"/>
+      </p:ext>
+    </p:extLst>
+  </p:cSld>
+  <p:clrMapOvr>
+    <a:masterClrMapping/>
+  </p:clrMapOvr>
+</p:sld>
+</file>
+
+<file path=ppt/slides/slide14.xml><?xml version="1.0" encoding="utf-8"?>
+<p:sld xmlns:a="http://schemas.openxmlformats.org/drawingml/2006/main" xmlns:r="http://schemas.openxmlformats.org/officeDocument/2006/relationships" xmlns:p="http://schemas.openxmlformats.org/presentationml/2006/main">
+  <p:cSld>
+    <p:spTree>
+      <p:nvGrpSpPr>
+        <p:cNvPr id="1" name=""/>
+        <p:cNvGrpSpPr/>
+        <p:nvPr/>
+      </p:nvGrpSpPr>
+      <p:grpSpPr>
+        <a:xfrm>
+          <a:off x="0" y="0"/>
+          <a:ext cx="0" cy="0"/>
+          <a:chOff x="0" y="0"/>
+          <a:chExt cx="0" cy="0"/>
+        </a:xfrm>
+      </p:grpSpPr>
+      <p:sp>
+        <p:nvSpPr>
+          <p:cNvPr id="2" name="Title 1"/>
+          <p:cNvSpPr>
+            <a:spLocks noGrp="1"/>
+          </p:cNvSpPr>
+          <p:nvPr>
+            <p:ph type="title"/>
+          </p:nvPr>
+        </p:nvSpPr>
+        <p:spPr/>
+        <p:txBody>
+          <a:bodyPr/>
+          <a:lstStyle/>
+          <a:p>
+            <a:r>
+              <a:rPr lang="en-US" dirty="0" smtClean="0"/>
+              <a:t>Summary Structure</a:t>
+            </a:r>
+            <a:endParaRPr lang="en-US" dirty="0"/>
+          </a:p>
+        </p:txBody>
+      </p:sp>
+      <p:sp>
+        <p:nvSpPr>
+          <p:cNvPr id="3" name="Content Placeholder 2"/>
+          <p:cNvSpPr>
+            <a:spLocks noGrp="1"/>
+          </p:cNvSpPr>
+          <p:nvPr>
+            <p:ph idx="1"/>
+          </p:nvPr>
+        </p:nvSpPr>
+        <p:spPr/>
+        <p:txBody>
+          <a:bodyPr/>
+          <a:lstStyle/>
+          <a:p>
+            <a:pPr marL="0" indent="0">
+              <a:buNone/>
+            </a:pPr>
+            <a:r>
+              <a:rPr lang="en-US" sz="2400" dirty="0" smtClean="0"/>
+              <a:t>{</a:t>
+            </a:r>
+            <a:r>
+              <a:rPr lang="en-US" sz="2400" dirty="0" err="1" smtClean="0"/>
+              <a:t>u'Age</a:t>
+            </a:r>
+            <a:r>
+              <a:rPr lang="en-US" sz="2400" dirty="0"/>
+              <a:t>': {'Older than 7 years': </a:t>
+            </a:r>
+            <a:r>
+              <a:rPr lang="en-US" sz="2400" b="1" dirty="0"/>
+              <a:t>1250</a:t>
+            </a:r>
+            <a:r>
+              <a:rPr lang="en-US" sz="2400" dirty="0"/>
+              <a:t>, 'Infant - Younger than 6 months': 1143, 'Older than 1 year': 3794, 'Youth - Younger than 1 year': 915, 'EMPTY': 2533</a:t>
+            </a:r>
+            <a:r>
+              <a:rPr lang="en-US" sz="2400" dirty="0" smtClean="0"/>
+              <a:t>}…}</a:t>
+            </a:r>
+          </a:p>
+          <a:p>
+            <a:pPr marL="0" indent="0">
+              <a:buNone/>
+            </a:pPr>
+            <a:endParaRPr lang="en-US" sz="2400" dirty="0"/>
+          </a:p>
+          <a:p>
+            <a:pPr marL="0" indent="0">
+              <a:buNone/>
+            </a:pPr>
+            <a:endParaRPr lang="en-US" dirty="0"/>
+          </a:p>
+          <a:p>
+            <a:pPr marL="0" indent="0">
+              <a:buNone/>
+            </a:pPr>
+            <a:endParaRPr lang="en-US" dirty="0" smtClean="0"/>
+          </a:p>
+          <a:p>
+            <a:pPr marL="0" indent="0">
+              <a:buNone/>
+            </a:pPr>
+            <a:endParaRPr lang="en-US" dirty="0"/>
+          </a:p>
+        </p:txBody>
+      </p:sp>
+      <p:sp>
+        <p:nvSpPr>
+          <p:cNvPr id="4" name="Date Placeholder 3"/>
+          <p:cNvSpPr>
+            <a:spLocks noGrp="1"/>
+          </p:cNvSpPr>
+          <p:nvPr>
+            <p:ph type="dt" sz="half" idx="10"/>
+          </p:nvPr>
+        </p:nvSpPr>
+        <p:spPr/>
+        <p:txBody>
+          <a:bodyPr/>
+          <a:lstStyle/>
+          <a:p>
+            <a:fld id="{7053BEFA-1175-F644-B249-7D41D72BD3FF}" type="datetime1">
+              <a:rPr lang="en-US" smtClean="0"/>
+              <a:t>1/22/14</a:t>
+            </a:fld>
+            <a:endParaRPr lang="en-US"/>
+          </a:p>
+        </p:txBody>
+      </p:sp>
+      <p:sp>
+        <p:nvSpPr>
+          <p:cNvPr id="5" name="Footer Placeholder 4"/>
+          <p:cNvSpPr>
+            <a:spLocks noGrp="1"/>
+          </p:cNvSpPr>
+          <p:nvPr>
+            <p:ph type="ftr" sz="quarter" idx="11"/>
+          </p:nvPr>
+        </p:nvSpPr>
+        <p:spPr/>
+        <p:txBody>
+          <a:bodyPr/>
+          <a:lstStyle/>
+          <a:p>
+            <a:endParaRPr lang="en-US" dirty="0"/>
+          </a:p>
+        </p:txBody>
+      </p:sp>
+      <p:sp>
+        <p:nvSpPr>
+          <p:cNvPr id="6" name="Slide Number Placeholder 5"/>
+          <p:cNvSpPr>
+            <a:spLocks noGrp="1"/>
+          </p:cNvSpPr>
+          <p:nvPr>
+            <p:ph type="sldNum" sz="quarter" idx="12"/>
+          </p:nvPr>
+        </p:nvSpPr>
+        <p:spPr/>
+        <p:txBody>
+          <a:bodyPr/>
+          <a:lstStyle/>
+          <a:p>
+            <a:fld id="{17E276FA-8F89-B34D-A726-BE3FA1F8DD97}" type="slidenum">
+              <a:rPr lang="en-US" smtClean="0"/>
+              <a:t>14</a:t>
+            </a:fld>
+            <a:endParaRPr lang="en-US" dirty="0"/>
+          </a:p>
+        </p:txBody>
+      </p:sp>
+      <p:sp>
+        <p:nvSpPr>
+          <p:cNvPr id="7" name="Line Callout 2 (Accent Bar) 6"/>
+          <p:cNvSpPr/>
+          <p:nvPr/>
+        </p:nvSpPr>
+        <p:spPr>
+          <a:xfrm>
+            <a:off x="6186388" y="3257653"/>
+            <a:ext cx="2096369" cy="1044539"/>
+          </a:xfrm>
+          <a:prstGeom prst="accentCallout2">
+            <a:avLst>
+              <a:gd name="adj1" fmla="val 18750"/>
+              <a:gd name="adj2" fmla="val -8333"/>
+              <a:gd name="adj3" fmla="val 15009"/>
+              <a:gd name="adj4" fmla="val -14803"/>
+              <a:gd name="adj5" fmla="val -100741"/>
+              <a:gd name="adj6" fmla="val -25231"/>
+            </a:avLst>
+          </a:prstGeom>
+        </p:spPr>
+        <p:style>
+          <a:lnRef idx="2">
+            <a:schemeClr val="accent1">
+              <a:shade val="50000"/>
+            </a:schemeClr>
+          </a:lnRef>
+          <a:fillRef idx="1">
+            <a:schemeClr val="accent1"/>
+          </a:fillRef>
+          <a:effectRef idx="0">
+            <a:schemeClr val="accent1"/>
+          </a:effectRef>
+          <a:fontRef idx="minor">
+            <a:schemeClr val="lt1"/>
+          </a:fontRef>
+        </p:style>
+        <p:txBody>
+          <a:bodyPr rtlCol="0" anchor="ctr"/>
+          <a:lstStyle/>
+          <a:p>
+            <a:pPr algn="ctr"/>
+            <a:r>
+              <a:rPr lang="en-US" dirty="0" smtClean="0"/>
+              <a:t>Number of times it occurred in the data</a:t>
+            </a:r>
+            <a:endParaRPr lang="en-US" dirty="0"/>
+          </a:p>
+        </p:txBody>
+      </p:sp>
+    </p:spTree>
+    <p:extLst>
+      <p:ext uri="{BB962C8B-B14F-4D97-AF65-F5344CB8AC3E}">
+        <p14:creationId xmlns:p14="http://schemas.microsoft.com/office/powerpoint/2010/main" val="1438168298"/>
+      </p:ext>
+    </p:extLst>
+  </p:cSld>
+  <p:clrMapOvr>
+    <a:masterClrMapping/>
+  </p:clrMapOvr>
+</p:sld>
+</file>
+
+<file path=ppt/slides/slide15.xml><?xml version="1.0" encoding="utf-8"?>
+<p:sld xmlns:a="http://schemas.openxmlformats.org/drawingml/2006/main" xmlns:r="http://schemas.openxmlformats.org/officeDocument/2006/relationships" xmlns:p="http://schemas.openxmlformats.org/presentationml/2006/main">
+  <p:cSld>
+    <p:spTree>
+      <p:nvGrpSpPr>
+        <p:cNvPr id="1" name=""/>
+        <p:cNvGrpSpPr/>
+        <p:nvPr/>
+      </p:nvGrpSpPr>
+      <p:grpSpPr>
+        <a:xfrm>
+          <a:off x="0" y="0"/>
+          <a:ext cx="0" cy="0"/>
+          <a:chOff x="0" y="0"/>
+          <a:chExt cx="0" cy="0"/>
+        </a:xfrm>
+      </p:grpSpPr>
+      <p:sp>
+        <p:nvSpPr>
+          <p:cNvPr id="2" name="Title 1"/>
+          <p:cNvSpPr>
+            <a:spLocks noGrp="1"/>
+          </p:cNvSpPr>
+          <p:nvPr>
+            <p:ph type="title"/>
+          </p:nvPr>
+        </p:nvSpPr>
+        <p:spPr/>
+        <p:txBody>
+          <a:bodyPr/>
+          <a:lstStyle/>
+          <a:p>
+            <a:r>
+              <a:rPr lang="en-US" dirty="0" smtClean="0"/>
+              <a:t>Summary Structure</a:t>
+            </a:r>
+            <a:endParaRPr lang="en-US" dirty="0"/>
+          </a:p>
+        </p:txBody>
+      </p:sp>
+      <p:sp>
+        <p:nvSpPr>
+          <p:cNvPr id="3" name="Content Placeholder 2"/>
+          <p:cNvSpPr>
+            <a:spLocks noGrp="1"/>
+          </p:cNvSpPr>
+          <p:nvPr>
+            <p:ph idx="1"/>
+          </p:nvPr>
+        </p:nvSpPr>
+        <p:spPr/>
+        <p:txBody>
+          <a:bodyPr/>
+          <a:lstStyle/>
+          <a:p>
+            <a:pPr marL="0" indent="0">
+              <a:buNone/>
+            </a:pPr>
+            <a:r>
+              <a:rPr lang="en-US" sz="2400" dirty="0" smtClean="0"/>
+              <a:t>{</a:t>
+            </a:r>
+            <a:r>
+              <a:rPr lang="en-US" sz="2400" dirty="0" err="1" smtClean="0"/>
+              <a:t>u'Age</a:t>
+            </a:r>
+            <a:r>
+              <a:rPr lang="en-US" sz="2400" dirty="0"/>
+              <a:t>': {'Older than 7 years': 1250, </a:t>
+            </a:r>
+            <a:r>
+              <a:rPr lang="en-US" sz="2400" b="1" dirty="0"/>
+              <a:t>'Infant - Younger than 6 months': 1143</a:t>
+            </a:r>
+            <a:r>
+              <a:rPr lang="en-US" sz="2400" dirty="0"/>
+              <a:t>, 'Older than 1 year': 3794, 'Youth - Younger than 1 year': 915, 'EMPTY': 2533</a:t>
+            </a:r>
+            <a:r>
+              <a:rPr lang="en-US" sz="2400" dirty="0" smtClean="0"/>
+              <a:t>}…}</a:t>
+            </a:r>
+          </a:p>
+          <a:p>
+            <a:pPr marL="0" indent="0">
+              <a:buNone/>
+            </a:pPr>
+            <a:endParaRPr lang="en-US" sz="2400" dirty="0"/>
+          </a:p>
+          <a:p>
+            <a:pPr marL="0" indent="0">
+              <a:buNone/>
+            </a:pPr>
+            <a:endParaRPr lang="en-US" dirty="0"/>
+          </a:p>
+          <a:p>
+            <a:pPr marL="0" indent="0">
+              <a:buNone/>
+            </a:pPr>
+            <a:endParaRPr lang="en-US" dirty="0" smtClean="0"/>
+          </a:p>
+          <a:p>
+            <a:pPr marL="0" indent="0">
+              <a:buNone/>
+            </a:pPr>
+            <a:endParaRPr lang="en-US" dirty="0"/>
+          </a:p>
+        </p:txBody>
+      </p:sp>
+      <p:sp>
+        <p:nvSpPr>
+          <p:cNvPr id="4" name="Date Placeholder 3"/>
+          <p:cNvSpPr>
+            <a:spLocks noGrp="1"/>
+          </p:cNvSpPr>
+          <p:nvPr>
+            <p:ph type="dt" sz="half" idx="10"/>
+          </p:nvPr>
+        </p:nvSpPr>
+        <p:spPr/>
+        <p:txBody>
+          <a:bodyPr/>
+          <a:lstStyle/>
+          <a:p>
+            <a:fld id="{7053BEFA-1175-F644-B249-7D41D72BD3FF}" type="datetime1">
+              <a:rPr lang="en-US" smtClean="0"/>
+              <a:t>1/22/14</a:t>
+            </a:fld>
+            <a:endParaRPr lang="en-US"/>
+          </a:p>
+        </p:txBody>
+      </p:sp>
+      <p:sp>
+        <p:nvSpPr>
+          <p:cNvPr id="5" name="Footer Placeholder 4"/>
+          <p:cNvSpPr>
+            <a:spLocks noGrp="1"/>
+          </p:cNvSpPr>
+          <p:nvPr>
+            <p:ph type="ftr" sz="quarter" idx="11"/>
+          </p:nvPr>
+        </p:nvSpPr>
+        <p:spPr/>
+        <p:txBody>
+          <a:bodyPr/>
+          <a:lstStyle/>
+          <a:p>
+            <a:endParaRPr lang="en-US" dirty="0"/>
+          </a:p>
+        </p:txBody>
+      </p:sp>
+      <p:sp>
+        <p:nvSpPr>
+          <p:cNvPr id="6" name="Slide Number Placeholder 5"/>
+          <p:cNvSpPr>
+            <a:spLocks noGrp="1"/>
+          </p:cNvSpPr>
+          <p:nvPr>
+            <p:ph type="sldNum" sz="quarter" idx="12"/>
+          </p:nvPr>
+        </p:nvSpPr>
+        <p:spPr/>
+        <p:txBody>
+          <a:bodyPr/>
+          <a:lstStyle/>
+          <a:p>
+            <a:fld id="{17E276FA-8F89-B34D-A726-BE3FA1F8DD97}" type="slidenum">
+              <a:rPr lang="en-US" smtClean="0"/>
+              <a:t>15</a:t>
+            </a:fld>
+            <a:endParaRPr lang="en-US" dirty="0"/>
+          </a:p>
+        </p:txBody>
+      </p:sp>
+    </p:spTree>
+    <p:extLst>
+      <p:ext uri="{BB962C8B-B14F-4D97-AF65-F5344CB8AC3E}">
+        <p14:creationId xmlns:p14="http://schemas.microsoft.com/office/powerpoint/2010/main" val="3573110761"/>
+      </p:ext>
+    </p:extLst>
+  </p:cSld>
+  <p:clrMapOvr>
+    <a:masterClrMapping/>
+  </p:clrMapOvr>
+</p:sld>
+</file>
+
+<file path=ppt/slides/slide16.xml><?xml version="1.0" encoding="utf-8"?>
+<p:sld xmlns:a="http://schemas.openxmlformats.org/drawingml/2006/main" xmlns:r="http://schemas.openxmlformats.org/officeDocument/2006/relationships" xmlns:p="http://schemas.openxmlformats.org/presentationml/2006/main">
+  <p:cSld>
+    <p:spTree>
+      <p:nvGrpSpPr>
+        <p:cNvPr id="1" name=""/>
+        <p:cNvGrpSpPr/>
+        <p:nvPr/>
+      </p:nvGrpSpPr>
+      <p:grpSpPr>
+        <a:xfrm>
+          <a:off x="0" y="0"/>
+          <a:ext cx="0" cy="0"/>
+          <a:chOff x="0" y="0"/>
+          <a:chExt cx="0" cy="0"/>
+        </a:xfrm>
+      </p:grpSpPr>
+      <p:sp>
+        <p:nvSpPr>
+          <p:cNvPr id="2" name="Title 1"/>
+          <p:cNvSpPr>
+            <a:spLocks noGrp="1"/>
+          </p:cNvSpPr>
+          <p:nvPr>
+            <p:ph type="title"/>
+          </p:nvPr>
+        </p:nvSpPr>
+        <p:spPr/>
+        <p:txBody>
+          <a:bodyPr/>
+          <a:lstStyle/>
+          <a:p>
+            <a:r>
+              <a:rPr lang="en-US" dirty="0" smtClean="0"/>
+              <a:t>Summary Structure</a:t>
+            </a:r>
+            <a:endParaRPr lang="en-US" dirty="0"/>
+          </a:p>
+        </p:txBody>
+      </p:sp>
+      <p:sp>
+        <p:nvSpPr>
+          <p:cNvPr id="3" name="Content Placeholder 2"/>
+          <p:cNvSpPr>
+            <a:spLocks noGrp="1"/>
+          </p:cNvSpPr>
+          <p:nvPr>
+            <p:ph idx="1"/>
+          </p:nvPr>
+        </p:nvSpPr>
+        <p:spPr/>
+        <p:txBody>
+          <a:bodyPr/>
+          <a:lstStyle/>
+          <a:p>
+            <a:pPr marL="0" indent="0">
+              <a:buNone/>
+            </a:pPr>
+            <a:r>
+              <a:rPr lang="en-US" sz="2400" dirty="0" smtClean="0"/>
+              <a:t>{</a:t>
+            </a:r>
+            <a:r>
+              <a:rPr lang="en-US" sz="2400" dirty="0" err="1" smtClean="0"/>
+              <a:t>u'Age</a:t>
+            </a:r>
+            <a:r>
+              <a:rPr lang="en-US" sz="2400" dirty="0"/>
+              <a:t>': {'Older than 7 years': 1250, 'Infant - Younger than 6 months': 1143, 'Older than 1 year': 3794, 'Youth - Younger than 1 year': 915, 'EMPTY': 2533</a:t>
+            </a:r>
+            <a:r>
+              <a:rPr lang="en-US" sz="2400" dirty="0" smtClean="0"/>
+              <a:t>}</a:t>
+            </a:r>
+            <a:r>
+              <a:rPr lang="en-US" sz="2400" b="1" dirty="0" smtClean="0"/>
+              <a:t>…</a:t>
+            </a:r>
+            <a:r>
+              <a:rPr lang="en-US" sz="2400" dirty="0" smtClean="0"/>
+              <a:t>}</a:t>
+            </a:r>
+          </a:p>
+          <a:p>
+            <a:pPr marL="0" indent="0">
+              <a:buNone/>
+            </a:pPr>
+            <a:endParaRPr lang="en-US" sz="2400" dirty="0"/>
+          </a:p>
+          <a:p>
+            <a:pPr marL="0" indent="0">
+              <a:buNone/>
+            </a:pPr>
+            <a:endParaRPr lang="en-US" dirty="0"/>
+          </a:p>
+          <a:p>
+            <a:pPr marL="0" indent="0">
+              <a:buNone/>
+            </a:pPr>
+            <a:endParaRPr lang="en-US" dirty="0" smtClean="0"/>
+          </a:p>
+          <a:p>
+            <a:pPr marL="0" indent="0">
+              <a:buNone/>
+            </a:pPr>
+            <a:endParaRPr lang="en-US" dirty="0"/>
+          </a:p>
+        </p:txBody>
+      </p:sp>
+      <p:sp>
+        <p:nvSpPr>
+          <p:cNvPr id="4" name="Date Placeholder 3"/>
+          <p:cNvSpPr>
+            <a:spLocks noGrp="1"/>
+          </p:cNvSpPr>
+          <p:nvPr>
+            <p:ph type="dt" sz="half" idx="10"/>
+          </p:nvPr>
+        </p:nvSpPr>
+        <p:spPr/>
+        <p:txBody>
+          <a:bodyPr/>
+          <a:lstStyle/>
+          <a:p>
+            <a:fld id="{7053BEFA-1175-F644-B249-7D41D72BD3FF}" type="datetime1">
+              <a:rPr lang="en-US" smtClean="0"/>
+              <a:t>1/22/14</a:t>
+            </a:fld>
+            <a:endParaRPr lang="en-US"/>
+          </a:p>
+        </p:txBody>
+      </p:sp>
+      <p:sp>
+        <p:nvSpPr>
+          <p:cNvPr id="5" name="Footer Placeholder 4"/>
+          <p:cNvSpPr>
+            <a:spLocks noGrp="1"/>
+          </p:cNvSpPr>
+          <p:nvPr>
+            <p:ph type="ftr" sz="quarter" idx="11"/>
+          </p:nvPr>
+        </p:nvSpPr>
+        <p:spPr/>
+        <p:txBody>
+          <a:bodyPr/>
+          <a:lstStyle/>
+          <a:p>
+            <a:endParaRPr lang="en-US" dirty="0"/>
+          </a:p>
+        </p:txBody>
+      </p:sp>
+      <p:sp>
+        <p:nvSpPr>
+          <p:cNvPr id="6" name="Slide Number Placeholder 5"/>
+          <p:cNvSpPr>
+            <a:spLocks noGrp="1"/>
+          </p:cNvSpPr>
+          <p:nvPr>
+            <p:ph type="sldNum" sz="quarter" idx="12"/>
+          </p:nvPr>
+        </p:nvSpPr>
+        <p:spPr/>
+        <p:txBody>
+          <a:bodyPr/>
+          <a:lstStyle/>
+          <a:p>
+            <a:fld id="{17E276FA-8F89-B34D-A726-BE3FA1F8DD97}" type="slidenum">
+              <a:rPr lang="en-US" smtClean="0"/>
+              <a:t>16</a:t>
+            </a:fld>
+            <a:endParaRPr lang="en-US" dirty="0"/>
+          </a:p>
+        </p:txBody>
+      </p:sp>
+      <p:sp>
+        <p:nvSpPr>
+          <p:cNvPr id="7" name="Line Callout 2 (Accent Bar) 6"/>
+          <p:cNvSpPr/>
+          <p:nvPr/>
+        </p:nvSpPr>
+        <p:spPr>
+          <a:xfrm>
+            <a:off x="2435004" y="4067730"/>
+            <a:ext cx="2096369" cy="1044539"/>
+          </a:xfrm>
+          <a:prstGeom prst="accentCallout2">
+            <a:avLst>
+              <a:gd name="adj1" fmla="val 18750"/>
+              <a:gd name="adj2" fmla="val -8333"/>
+              <a:gd name="adj3" fmla="val 5656"/>
+              <a:gd name="adj4" fmla="val -21327"/>
+              <a:gd name="adj5" fmla="val -67071"/>
+              <a:gd name="adj6" fmla="val -53191"/>
+            </a:avLst>
+          </a:prstGeom>
+        </p:spPr>
+        <p:style>
+          <a:lnRef idx="2">
+            <a:schemeClr val="accent1">
+              <a:shade val="50000"/>
+            </a:schemeClr>
+          </a:lnRef>
+          <a:fillRef idx="1">
+            <a:schemeClr val="accent1"/>
+          </a:fillRef>
+          <a:effectRef idx="0">
+            <a:schemeClr val="accent1"/>
+          </a:effectRef>
+          <a:fontRef idx="minor">
+            <a:schemeClr val="lt1"/>
+          </a:fontRef>
+        </p:style>
+        <p:txBody>
+          <a:bodyPr rtlCol="0" anchor="ctr"/>
+          <a:lstStyle/>
+          <a:p>
+            <a:pPr algn="ctr"/>
+            <a:r>
+              <a:rPr lang="en-US" dirty="0" smtClean="0"/>
+              <a:t>Repeats for each column</a:t>
+            </a:r>
+            <a:endParaRPr lang="en-US" dirty="0"/>
+          </a:p>
+        </p:txBody>
+      </p:sp>
+    </p:spTree>
+    <p:extLst>
+      <p:ext uri="{BB962C8B-B14F-4D97-AF65-F5344CB8AC3E}">
+        <p14:creationId xmlns:p14="http://schemas.microsoft.com/office/powerpoint/2010/main" val="3573110761"/>
+      </p:ext>
+    </p:extLst>
+  </p:cSld>
+  <p:clrMapOvr>
+    <a:masterClrMapping/>
+  </p:clrMapOvr>
+</p:sld>
+</file>
+
+<file path=ppt/slides/slide17.xml><?xml version="1.0" encoding="utf-8"?>
+<p:sld xmlns:a="http://schemas.openxmlformats.org/drawingml/2006/main" xmlns:r="http://schemas.openxmlformats.org/officeDocument/2006/relationships" xmlns:p="http://schemas.openxmlformats.org/presentationml/2006/main">
+  <p:cSld>
+    <p:spTree>
+      <p:nvGrpSpPr>
+        <p:cNvPr id="1" name=""/>
+        <p:cNvGrpSpPr/>
+        <p:nvPr/>
+      </p:nvGrpSpPr>
+      <p:grpSpPr>
+        <a:xfrm>
+          <a:off x="0" y="0"/>
+          <a:ext cx="0" cy="0"/>
+          <a:chOff x="0" y="0"/>
+          <a:chExt cx="0" cy="0"/>
+        </a:xfrm>
+      </p:grpSpPr>
+      <p:sp>
+        <p:nvSpPr>
+          <p:cNvPr id="2" name="Title 1"/>
+          <p:cNvSpPr>
+            <a:spLocks noGrp="1"/>
+          </p:cNvSpPr>
+          <p:nvPr>
+            <p:ph type="title"/>
+          </p:nvPr>
+        </p:nvSpPr>
+        <p:spPr/>
+        <p:txBody>
+          <a:bodyPr/>
+          <a:lstStyle/>
+          <a:p>
+            <a:r>
+              <a:rPr lang="en-US" dirty="0" err="1" smtClean="0"/>
+              <a:t>Pyplot</a:t>
+            </a:r>
+            <a:endParaRPr lang="en-US" dirty="0"/>
+          </a:p>
+        </p:txBody>
+      </p:sp>
+      <p:sp>
+        <p:nvSpPr>
+          <p:cNvPr id="3" name="Content Placeholder 2"/>
+          <p:cNvSpPr>
+            <a:spLocks noGrp="1"/>
+          </p:cNvSpPr>
+          <p:nvPr>
+            <p:ph idx="1"/>
+          </p:nvPr>
+        </p:nvSpPr>
+        <p:spPr/>
+        <p:txBody>
+          <a:bodyPr/>
+          <a:lstStyle/>
+          <a:p>
+            <a:pPr marL="0" indent="0">
+              <a:buNone/>
+            </a:pPr>
+            <a:r>
+              <a:rPr lang="en-US" dirty="0"/>
+              <a:t># make a bar plot of all the latitudes we found</a:t>
+            </a:r>
+            <a:endParaRPr lang="en-US" dirty="0">
+              <a:latin typeface="Courier"/>
+              <a:cs typeface="Courier"/>
+            </a:endParaRPr>
+          </a:p>
+          <a:p>
+            <a:pPr marL="0" indent="0">
+              <a:buNone/>
+            </a:pPr>
+            <a:r>
+              <a:rPr lang="en-US" dirty="0" err="1">
+                <a:latin typeface="Courier"/>
+                <a:cs typeface="Courier"/>
+              </a:rPr>
+              <a:t>plt.bar</a:t>
+            </a:r>
+            <a:r>
+              <a:rPr lang="en-US" dirty="0">
+                <a:latin typeface="Courier"/>
+                <a:cs typeface="Courier"/>
+              </a:rPr>
+              <a:t>(</a:t>
+            </a:r>
+            <a:r>
+              <a:rPr lang="en-US" dirty="0" err="1">
+                <a:latin typeface="Courier"/>
+                <a:cs typeface="Courier"/>
+              </a:rPr>
+              <a:t>latitude.keys</a:t>
+            </a:r>
+            <a:r>
+              <a:rPr lang="en-US" dirty="0">
+                <a:latin typeface="Courier"/>
+                <a:cs typeface="Courier"/>
+              </a:rPr>
+              <a:t>(), </a:t>
+            </a:r>
+            <a:r>
+              <a:rPr lang="en-US" dirty="0" err="1">
+                <a:latin typeface="Courier"/>
+                <a:cs typeface="Courier"/>
+              </a:rPr>
+              <a:t>latitude.values</a:t>
+            </a:r>
+            <a:r>
+              <a:rPr lang="en-US" dirty="0">
+                <a:latin typeface="Courier"/>
+                <a:cs typeface="Courier"/>
+              </a:rPr>
+              <a:t>())</a:t>
+            </a:r>
+          </a:p>
+          <a:p>
+            <a:pPr marL="0" indent="0">
+              <a:buNone/>
+            </a:pPr>
+            <a:r>
+              <a:rPr lang="en-US" dirty="0" err="1">
+                <a:latin typeface="Courier"/>
+                <a:cs typeface="Courier"/>
+              </a:rPr>
+              <a:t>plt.show</a:t>
+            </a:r>
+            <a:r>
+              <a:rPr lang="en-US" dirty="0">
+                <a:latin typeface="Courier"/>
+                <a:cs typeface="Courier"/>
+              </a:rPr>
+              <a:t>(</a:t>
+            </a:r>
+            <a:r>
+              <a:rPr lang="en-US" dirty="0" smtClean="0">
+                <a:latin typeface="Courier"/>
+                <a:cs typeface="Courier"/>
+              </a:rPr>
+              <a:t>)</a:t>
+            </a:r>
+          </a:p>
+          <a:p>
+            <a:pPr marL="0" indent="0">
+              <a:buNone/>
+            </a:pPr>
+            <a:r>
+              <a:rPr lang="en-US" dirty="0" smtClean="0">
+                <a:latin typeface="+mn-lt"/>
+                <a:cs typeface="Courier"/>
+              </a:rPr>
+              <a:t>Your code will pause and show a window</a:t>
+            </a:r>
+            <a:endParaRPr lang="en-US" dirty="0">
+              <a:latin typeface="+mn-lt"/>
+              <a:cs typeface="Courier"/>
+            </a:endParaRPr>
+          </a:p>
+        </p:txBody>
+      </p:sp>
+      <p:sp>
+        <p:nvSpPr>
+          <p:cNvPr id="4" name="Date Placeholder 3"/>
+          <p:cNvSpPr>
+            <a:spLocks noGrp="1"/>
+          </p:cNvSpPr>
+          <p:nvPr>
+            <p:ph type="dt" sz="half" idx="10"/>
+          </p:nvPr>
+        </p:nvSpPr>
+        <p:spPr/>
+        <p:txBody>
+          <a:bodyPr/>
+          <a:lstStyle/>
+          <a:p>
+            <a:fld id="{7053BEFA-1175-F644-B249-7D41D72BD3FF}" type="datetime1">
+              <a:rPr lang="en-US" smtClean="0"/>
+              <a:t>1/22/14</a:t>
+            </a:fld>
+            <a:endParaRPr lang="en-US"/>
+          </a:p>
+        </p:txBody>
+      </p:sp>
+      <p:sp>
+        <p:nvSpPr>
+          <p:cNvPr id="5" name="Footer Placeholder 4"/>
+          <p:cNvSpPr>
+            <a:spLocks noGrp="1"/>
+          </p:cNvSpPr>
+          <p:nvPr>
+            <p:ph type="ftr" sz="quarter" idx="11"/>
+          </p:nvPr>
+        </p:nvSpPr>
+        <p:spPr/>
+        <p:txBody>
+          <a:bodyPr/>
+          <a:lstStyle/>
+          <a:p>
+            <a:endParaRPr lang="en-US" dirty="0"/>
+          </a:p>
+        </p:txBody>
+      </p:sp>
+      <p:sp>
+        <p:nvSpPr>
+          <p:cNvPr id="6" name="Slide Number Placeholder 5"/>
+          <p:cNvSpPr>
+            <a:spLocks noGrp="1"/>
+          </p:cNvSpPr>
+          <p:nvPr>
+            <p:ph type="sldNum" sz="quarter" idx="12"/>
+          </p:nvPr>
+        </p:nvSpPr>
+        <p:spPr/>
+        <p:txBody>
+          <a:bodyPr/>
+          <a:lstStyle/>
+          <a:p>
+            <a:fld id="{17E276FA-8F89-B34D-A726-BE3FA1F8DD97}" type="slidenum">
+              <a:rPr lang="en-US" smtClean="0"/>
+              <a:t>17</a:t>
+            </a:fld>
+            <a:endParaRPr lang="en-US" dirty="0"/>
+          </a:p>
+        </p:txBody>
+      </p:sp>
+    </p:spTree>
+    <p:extLst>
+      <p:ext uri="{BB962C8B-B14F-4D97-AF65-F5344CB8AC3E}">
+        <p14:creationId xmlns:p14="http://schemas.microsoft.com/office/powerpoint/2010/main" val="2981201214"/>
+      </p:ext>
+    </p:extLst>
+  </p:cSld>
+  <p:clrMapOvr>
+    <a:masterClrMapping/>
+  </p:clrMapOvr>
+</p:sld>
+</file>
+
+<file path=ppt/slides/slide18.xml><?xml version="1.0" encoding="utf-8"?>
+<p:sld xmlns:a="http://schemas.openxmlformats.org/drawingml/2006/main" xmlns:r="http://schemas.openxmlformats.org/officeDocument/2006/relationships" xmlns:p="http://schemas.openxmlformats.org/presentationml/2006/main">
+  <p:cSld>
+    <p:spTree>
+      <p:nvGrpSpPr>
+        <p:cNvPr id="1" name=""/>
+        <p:cNvGrpSpPr/>
+        <p:nvPr/>
+      </p:nvGrpSpPr>
+      <p:grpSpPr>
+        <a:xfrm>
+          <a:off x="0" y="0"/>
+          <a:ext cx="0" cy="0"/>
+          <a:chOff x="0" y="0"/>
+          <a:chExt cx="0" cy="0"/>
+        </a:xfrm>
+      </p:grpSpPr>
+      <p:sp>
+        <p:nvSpPr>
+          <p:cNvPr id="2" name="Title 1"/>
+          <p:cNvSpPr>
+            <a:spLocks noGrp="1"/>
+          </p:cNvSpPr>
+          <p:nvPr>
+            <p:ph type="title"/>
+          </p:nvPr>
+        </p:nvSpPr>
+        <p:spPr/>
+        <p:txBody>
+          <a:bodyPr/>
+          <a:lstStyle/>
+          <a:p>
+            <a:r>
+              <a:rPr lang="en-US" dirty="0" err="1" smtClean="0"/>
+              <a:t>Pyplot</a:t>
+            </a:r>
+            <a:endParaRPr lang="en-US" dirty="0"/>
+          </a:p>
+        </p:txBody>
+      </p:sp>
+      <p:sp>
+        <p:nvSpPr>
+          <p:cNvPr id="3" name="Content Placeholder 2"/>
+          <p:cNvSpPr>
+            <a:spLocks noGrp="1"/>
+          </p:cNvSpPr>
+          <p:nvPr>
+            <p:ph idx="1"/>
+          </p:nvPr>
+        </p:nvSpPr>
+        <p:spPr/>
+        <p:txBody>
+          <a:bodyPr/>
+          <a:lstStyle/>
+          <a:p>
+            <a:pPr marL="0" indent="0">
+              <a:buNone/>
+            </a:pPr>
+            <a:r>
+              <a:rPr lang="en-US" dirty="0"/>
+              <a:t># make a bar plot of all the latitudes we found</a:t>
+            </a:r>
+            <a:endParaRPr lang="en-US" dirty="0">
+              <a:latin typeface="Courier"/>
+              <a:cs typeface="Courier"/>
+            </a:endParaRPr>
+          </a:p>
+          <a:p>
+            <a:pPr marL="0" indent="0">
+              <a:buNone/>
+            </a:pPr>
+            <a:r>
+              <a:rPr lang="en-US" dirty="0" err="1">
+                <a:latin typeface="Courier"/>
+                <a:cs typeface="Courier"/>
+              </a:rPr>
+              <a:t>plt.bar</a:t>
+            </a:r>
+            <a:r>
+              <a:rPr lang="en-US" dirty="0">
+                <a:latin typeface="Courier"/>
+                <a:cs typeface="Courier"/>
+              </a:rPr>
+              <a:t>(</a:t>
+            </a:r>
+            <a:r>
+              <a:rPr lang="en-US" dirty="0" err="1">
+                <a:latin typeface="Courier"/>
+                <a:cs typeface="Courier"/>
+              </a:rPr>
+              <a:t>latitude.keys</a:t>
+            </a:r>
+            <a:r>
+              <a:rPr lang="en-US" dirty="0">
+                <a:latin typeface="Courier"/>
+                <a:cs typeface="Courier"/>
+              </a:rPr>
+              <a:t>(), </a:t>
+            </a:r>
+            <a:r>
+              <a:rPr lang="en-US" dirty="0" err="1">
+                <a:latin typeface="Courier"/>
+                <a:cs typeface="Courier"/>
+              </a:rPr>
+              <a:t>latitude.values</a:t>
+            </a:r>
+            <a:r>
+              <a:rPr lang="en-US" dirty="0">
+                <a:latin typeface="Courier"/>
+                <a:cs typeface="Courier"/>
+              </a:rPr>
+              <a:t>())</a:t>
+            </a:r>
+          </a:p>
+          <a:p>
+            <a:pPr marL="0" indent="0">
+              <a:buNone/>
+            </a:pPr>
+            <a:r>
+              <a:rPr lang="en-US" dirty="0" err="1">
+                <a:latin typeface="Courier"/>
+                <a:cs typeface="Courier"/>
+              </a:rPr>
+              <a:t>plt.show</a:t>
+            </a:r>
+            <a:r>
+              <a:rPr lang="en-US" dirty="0">
+                <a:latin typeface="Courier"/>
+                <a:cs typeface="Courier"/>
+              </a:rPr>
+              <a:t>(</a:t>
+            </a:r>
+            <a:r>
+              <a:rPr lang="en-US" dirty="0" smtClean="0">
+                <a:latin typeface="Courier"/>
+                <a:cs typeface="Courier"/>
+              </a:rPr>
+              <a:t>)</a:t>
+            </a:r>
+          </a:p>
+          <a:p>
+            <a:pPr marL="0" indent="0">
+              <a:buNone/>
+            </a:pPr>
+            <a:r>
+              <a:rPr lang="en-US" dirty="0" smtClean="0">
+                <a:latin typeface="+mn-lt"/>
+                <a:cs typeface="Courier"/>
+              </a:rPr>
+              <a:t>Your code will pause and show a window</a:t>
+            </a:r>
+            <a:endParaRPr lang="en-US" dirty="0">
+              <a:latin typeface="+mn-lt"/>
+              <a:cs typeface="Courier"/>
+            </a:endParaRPr>
+          </a:p>
+        </p:txBody>
+      </p:sp>
+      <p:sp>
+        <p:nvSpPr>
+          <p:cNvPr id="4" name="Date Placeholder 3"/>
+          <p:cNvSpPr>
+            <a:spLocks noGrp="1"/>
+          </p:cNvSpPr>
+          <p:nvPr>
+            <p:ph type="dt" sz="half" idx="10"/>
+          </p:nvPr>
+        </p:nvSpPr>
+        <p:spPr/>
+        <p:txBody>
+          <a:bodyPr/>
+          <a:lstStyle/>
+          <a:p>
+            <a:fld id="{7053BEFA-1175-F644-B249-7D41D72BD3FF}" type="datetime1">
+              <a:rPr lang="en-US" smtClean="0"/>
+              <a:t>1/22/14</a:t>
+            </a:fld>
+            <a:endParaRPr lang="en-US"/>
+          </a:p>
+        </p:txBody>
+      </p:sp>
+      <p:sp>
+        <p:nvSpPr>
+          <p:cNvPr id="5" name="Footer Placeholder 4"/>
+          <p:cNvSpPr>
+            <a:spLocks noGrp="1"/>
+          </p:cNvSpPr>
+          <p:nvPr>
+            <p:ph type="ftr" sz="quarter" idx="11"/>
+          </p:nvPr>
+        </p:nvSpPr>
+        <p:spPr/>
+        <p:txBody>
+          <a:bodyPr/>
+          <a:lstStyle/>
+          <a:p>
+            <a:endParaRPr lang="en-US" dirty="0"/>
+          </a:p>
+        </p:txBody>
+      </p:sp>
+      <p:sp>
+        <p:nvSpPr>
+          <p:cNvPr id="6" name="Slide Number Placeholder 5"/>
+          <p:cNvSpPr>
+            <a:spLocks noGrp="1"/>
+          </p:cNvSpPr>
+          <p:nvPr>
+            <p:ph type="sldNum" sz="quarter" idx="12"/>
+          </p:nvPr>
+        </p:nvSpPr>
+        <p:spPr/>
+        <p:txBody>
+          <a:bodyPr/>
+          <a:lstStyle/>
+          <a:p>
+            <a:fld id="{17E276FA-8F89-B34D-A726-BE3FA1F8DD97}" type="slidenum">
+              <a:rPr lang="en-US" smtClean="0"/>
+              <a:t>18</a:t>
+            </a:fld>
+            <a:endParaRPr lang="en-US" dirty="0"/>
+          </a:p>
+        </p:txBody>
+      </p:sp>
+      <p:pic>
+        <p:nvPicPr>
+          <p:cNvPr id="8" name="Picture 7" descr="Screen Shot 2014-01-22 at 9.26.02 PM.png"/>
+          <p:cNvPicPr>
+            <a:picLocks noChangeAspect="1"/>
+          </p:cNvPicPr>
+          <p:nvPr/>
+        </p:nvPicPr>
+        <p:blipFill>
+          <a:blip r:embed="rId2">
+            <a:extLst>
+              <a:ext uri="{28A0092B-C50C-407E-A947-70E740481C1C}">
+                <a14:useLocalDpi xmlns:a14="http://schemas.microsoft.com/office/drawing/2010/main" val="0"/>
+              </a:ext>
+            </a:extLst>
+          </a:blip>
+          <a:stretch>
+            <a:fillRect/>
+          </a:stretch>
+        </p:blipFill>
+        <p:spPr>
+          <a:xfrm>
+            <a:off x="660400" y="495300"/>
+            <a:ext cx="7823200" cy="5854700"/>
+          </a:xfrm>
+          <a:prstGeom prst="rect">
+            <a:avLst/>
+          </a:prstGeom>
+        </p:spPr>
+      </p:pic>
+    </p:spTree>
+    <p:extLst>
+      <p:ext uri="{BB962C8B-B14F-4D97-AF65-F5344CB8AC3E}">
+        <p14:creationId xmlns:p14="http://schemas.microsoft.com/office/powerpoint/2010/main" val="336384783"/>
+      </p:ext>
+    </p:extLst>
+  </p:cSld>
+  <p:clrMapOvr>
+    <a:masterClrMapping/>
+  </p:clrMapOvr>
+</p:sld>
+</file>
+
+<file path=ppt/slides/slide19.xml><?xml version="1.0" encoding="utf-8"?>
+<p:sld xmlns:a="http://schemas.openxmlformats.org/drawingml/2006/main" xmlns:r="http://schemas.openxmlformats.org/officeDocument/2006/relationships" xmlns:p="http://schemas.openxmlformats.org/presentationml/2006/main">
+  <p:cSld>
+    <p:spTree>
+      <p:nvGrpSpPr>
+        <p:cNvPr id="1" name=""/>
+        <p:cNvGrpSpPr/>
+        <p:nvPr/>
+      </p:nvGrpSpPr>
+      <p:grpSpPr>
+        <a:xfrm>
+          <a:off x="0" y="0"/>
+          <a:ext cx="0" cy="0"/>
+          <a:chOff x="0" y="0"/>
+          <a:chExt cx="0" cy="0"/>
+        </a:xfrm>
+      </p:grpSpPr>
+      <p:sp>
+        <p:nvSpPr>
+          <p:cNvPr id="2" name="Title 1"/>
+          <p:cNvSpPr>
+            <a:spLocks noGrp="1"/>
+          </p:cNvSpPr>
+          <p:nvPr>
+            <p:ph type="title"/>
+          </p:nvPr>
+        </p:nvSpPr>
+        <p:spPr/>
+        <p:txBody>
+          <a:bodyPr/>
+          <a:lstStyle/>
+          <a:p>
+            <a:r>
+              <a:rPr lang="en-US" dirty="0" err="1" smtClean="0"/>
+              <a:t>Pyplot</a:t>
+            </a:r>
+            <a:endParaRPr lang="en-US" dirty="0"/>
+          </a:p>
+        </p:txBody>
+      </p:sp>
+      <p:sp>
+        <p:nvSpPr>
+          <p:cNvPr id="3" name="Content Placeholder 2"/>
+          <p:cNvSpPr>
+            <a:spLocks noGrp="1"/>
+          </p:cNvSpPr>
+          <p:nvPr>
+            <p:ph idx="1"/>
+          </p:nvPr>
+        </p:nvSpPr>
+        <p:spPr/>
+        <p:txBody>
+          <a:bodyPr/>
+          <a:lstStyle/>
+          <a:p>
+            <a:pPr marL="0" indent="0">
+              <a:buNone/>
+            </a:pPr>
+            <a:r>
+              <a:rPr lang="en-US" dirty="0"/>
+              <a:t># make a bar plot of all the latitudes we found</a:t>
+            </a:r>
+            <a:endParaRPr lang="en-US" dirty="0">
+              <a:latin typeface="Courier"/>
+              <a:cs typeface="Courier"/>
+            </a:endParaRPr>
+          </a:p>
+          <a:p>
+            <a:pPr marL="0" indent="0">
+              <a:buNone/>
+            </a:pPr>
+            <a:r>
+              <a:rPr lang="en-US" dirty="0" err="1">
+                <a:latin typeface="Courier"/>
+                <a:cs typeface="Courier"/>
+              </a:rPr>
+              <a:t>plt.bar</a:t>
+            </a:r>
+            <a:r>
+              <a:rPr lang="en-US" dirty="0">
+                <a:latin typeface="Courier"/>
+                <a:cs typeface="Courier"/>
+              </a:rPr>
+              <a:t>(</a:t>
+            </a:r>
+            <a:r>
+              <a:rPr lang="en-US" dirty="0" err="1">
+                <a:latin typeface="Courier"/>
+                <a:cs typeface="Courier"/>
+              </a:rPr>
+              <a:t>latitude.keys</a:t>
+            </a:r>
+            <a:r>
+              <a:rPr lang="en-US" dirty="0">
+                <a:latin typeface="Courier"/>
+                <a:cs typeface="Courier"/>
+              </a:rPr>
+              <a:t>(), </a:t>
+            </a:r>
+            <a:r>
+              <a:rPr lang="en-US" dirty="0" err="1">
+                <a:latin typeface="Courier"/>
+                <a:cs typeface="Courier"/>
+              </a:rPr>
+              <a:t>latitude.values</a:t>
+            </a:r>
+            <a:r>
+              <a:rPr lang="en-US" dirty="0">
+                <a:latin typeface="Courier"/>
+                <a:cs typeface="Courier"/>
+              </a:rPr>
+              <a:t>())</a:t>
+            </a:r>
+          </a:p>
+          <a:p>
+            <a:pPr marL="0" indent="0">
+              <a:buNone/>
+            </a:pPr>
+            <a:r>
+              <a:rPr lang="en-US" dirty="0" err="1">
+                <a:latin typeface="Courier"/>
+                <a:cs typeface="Courier"/>
+              </a:rPr>
+              <a:t>plt.show</a:t>
+            </a:r>
+            <a:r>
+              <a:rPr lang="en-US" dirty="0">
+                <a:latin typeface="Courier"/>
+                <a:cs typeface="Courier"/>
+              </a:rPr>
+              <a:t>(</a:t>
+            </a:r>
+            <a:r>
+              <a:rPr lang="en-US" dirty="0" smtClean="0">
+                <a:latin typeface="Courier"/>
+                <a:cs typeface="Courier"/>
+              </a:rPr>
+              <a:t>)</a:t>
+            </a:r>
+          </a:p>
+          <a:p>
+            <a:pPr marL="0" indent="0">
+              <a:buNone/>
+            </a:pPr>
+            <a:r>
+              <a:rPr lang="en-US" dirty="0" smtClean="0">
+                <a:latin typeface="+mn-lt"/>
+                <a:cs typeface="Courier"/>
+              </a:rPr>
+              <a:t>Your code will pause and show a window</a:t>
+            </a:r>
+          </a:p>
+          <a:p>
+            <a:pPr marL="0" indent="0">
+              <a:buNone/>
+            </a:pPr>
+            <a:r>
+              <a:rPr lang="en-US" dirty="0" smtClean="0">
+                <a:latin typeface="+mn-lt"/>
+                <a:cs typeface="Courier"/>
+              </a:rPr>
+              <a:t>When you close it the code continues (</a:t>
+            </a:r>
+            <a:r>
+              <a:rPr lang="en-US" i="1" dirty="0" smtClean="0">
+                <a:latin typeface="+mn-lt"/>
+                <a:cs typeface="Courier"/>
+              </a:rPr>
+              <a:t>i.e. </a:t>
+            </a:r>
+            <a:r>
+              <a:rPr lang="en-US" dirty="0" smtClean="0">
+                <a:latin typeface="+mn-lt"/>
+                <a:cs typeface="Courier"/>
+              </a:rPr>
+              <a:t>to other plots)</a:t>
+            </a:r>
+            <a:endParaRPr lang="en-US" dirty="0">
+              <a:latin typeface="+mn-lt"/>
+              <a:cs typeface="Courier"/>
+            </a:endParaRPr>
+          </a:p>
+        </p:txBody>
+      </p:sp>
+      <p:sp>
+        <p:nvSpPr>
+          <p:cNvPr id="4" name="Date Placeholder 3"/>
+          <p:cNvSpPr>
+            <a:spLocks noGrp="1"/>
+          </p:cNvSpPr>
+          <p:nvPr>
+            <p:ph type="dt" sz="half" idx="10"/>
+          </p:nvPr>
+        </p:nvSpPr>
+        <p:spPr/>
+        <p:txBody>
+          <a:bodyPr/>
+          <a:lstStyle/>
+          <a:p>
+            <a:fld id="{7053BEFA-1175-F644-B249-7D41D72BD3FF}" type="datetime1">
+              <a:rPr lang="en-US" smtClean="0"/>
+              <a:t>1/22/14</a:t>
+            </a:fld>
+            <a:endParaRPr lang="en-US"/>
+          </a:p>
+        </p:txBody>
+      </p:sp>
+      <p:sp>
+        <p:nvSpPr>
+          <p:cNvPr id="5" name="Footer Placeholder 4"/>
+          <p:cNvSpPr>
+            <a:spLocks noGrp="1"/>
+          </p:cNvSpPr>
+          <p:nvPr>
+            <p:ph type="ftr" sz="quarter" idx="11"/>
+          </p:nvPr>
+        </p:nvSpPr>
+        <p:spPr/>
+        <p:txBody>
+          <a:bodyPr/>
+          <a:lstStyle/>
+          <a:p>
+            <a:endParaRPr lang="en-US" dirty="0"/>
+          </a:p>
+        </p:txBody>
+      </p:sp>
+      <p:sp>
+        <p:nvSpPr>
+          <p:cNvPr id="6" name="Slide Number Placeholder 5"/>
+          <p:cNvSpPr>
+            <a:spLocks noGrp="1"/>
+          </p:cNvSpPr>
+          <p:nvPr>
+            <p:ph type="sldNum" sz="quarter" idx="12"/>
+          </p:nvPr>
+        </p:nvSpPr>
+        <p:spPr/>
+        <p:txBody>
+          <a:bodyPr/>
+          <a:lstStyle/>
+          <a:p>
+            <a:fld id="{17E276FA-8F89-B34D-A726-BE3FA1F8DD97}" type="slidenum">
+              <a:rPr lang="en-US" smtClean="0"/>
+              <a:t>19</a:t>
+            </a:fld>
+            <a:endParaRPr lang="en-US" dirty="0"/>
+          </a:p>
+        </p:txBody>
+      </p:sp>
+    </p:spTree>
+    <p:extLst>
+      <p:ext uri="{BB962C8B-B14F-4D97-AF65-F5344CB8AC3E}">
+        <p14:creationId xmlns:p14="http://schemas.microsoft.com/office/powerpoint/2010/main" val="1590308354"/>
+      </p:ext>
+    </p:extLst>
+  </p:cSld>
+  <p:clrMapOvr>
+    <a:masterClrMapping/>
+  </p:clrMapOvr>
+</p:sld>
+</file>
+
 <file path=ppt/slides/slide2.xml><?xml version="1.0" encoding="utf-8"?>
 <p:sld xmlns:a="http://schemas.openxmlformats.org/drawingml/2006/main" xmlns:r="http://schemas.openxmlformats.org/officeDocument/2006/relationships" xmlns:p="http://schemas.openxmlformats.org/presentationml/2006/main">
   <p:cSld>
@@ -11019,6 +13307,2516 @@
     <p:extLst>
       <p:ext uri="{BB962C8B-B14F-4D97-AF65-F5344CB8AC3E}">
         <p14:creationId xmlns:p14="http://schemas.microsoft.com/office/powerpoint/2010/main" val="337140481"/>
+      </p:ext>
+    </p:extLst>
+  </p:cSld>
+  <p:clrMapOvr>
+    <a:masterClrMapping/>
+  </p:clrMapOvr>
+</p:sld>
+</file>
+
+<file path=ppt/slides/slide20.xml><?xml version="1.0" encoding="utf-8"?>
+<p:sld xmlns:a="http://schemas.openxmlformats.org/drawingml/2006/main" xmlns:r="http://schemas.openxmlformats.org/officeDocument/2006/relationships" xmlns:p="http://schemas.openxmlformats.org/presentationml/2006/main">
+  <p:cSld>
+    <p:spTree>
+      <p:nvGrpSpPr>
+        <p:cNvPr id="1" name=""/>
+        <p:cNvGrpSpPr/>
+        <p:nvPr/>
+      </p:nvGrpSpPr>
+      <p:grpSpPr>
+        <a:xfrm>
+          <a:off x="0" y="0"/>
+          <a:ext cx="0" cy="0"/>
+          <a:chOff x="0" y="0"/>
+          <a:chExt cx="0" cy="0"/>
+        </a:xfrm>
+      </p:grpSpPr>
+      <p:sp>
+        <p:nvSpPr>
+          <p:cNvPr id="2" name="Title 1"/>
+          <p:cNvSpPr>
+            <a:spLocks noGrp="1"/>
+          </p:cNvSpPr>
+          <p:nvPr>
+            <p:ph type="title"/>
+          </p:nvPr>
+        </p:nvSpPr>
+        <p:spPr/>
+        <p:txBody>
+          <a:bodyPr/>
+          <a:lstStyle/>
+          <a:p>
+            <a:r>
+              <a:rPr lang="en-US" dirty="0" err="1" smtClean="0"/>
+              <a:t>Pyplot</a:t>
+            </a:r>
+            <a:endParaRPr lang="en-US" dirty="0"/>
+          </a:p>
+        </p:txBody>
+      </p:sp>
+      <p:sp>
+        <p:nvSpPr>
+          <p:cNvPr id="3" name="Content Placeholder 2"/>
+          <p:cNvSpPr>
+            <a:spLocks noGrp="1"/>
+          </p:cNvSpPr>
+          <p:nvPr>
+            <p:ph idx="1"/>
+          </p:nvPr>
+        </p:nvSpPr>
+        <p:spPr/>
+        <p:txBody>
+          <a:bodyPr/>
+          <a:lstStyle/>
+          <a:p>
+            <a:pPr marL="0" indent="0">
+              <a:buNone/>
+            </a:pPr>
+            <a:r>
+              <a:rPr lang="en-US" dirty="0"/>
+              <a:t># make a bar plot of all the latitudes we found</a:t>
+            </a:r>
+            <a:endParaRPr lang="en-US" dirty="0">
+              <a:latin typeface="Courier"/>
+              <a:cs typeface="Courier"/>
+            </a:endParaRPr>
+          </a:p>
+          <a:p>
+            <a:pPr marL="0" indent="0">
+              <a:buNone/>
+            </a:pPr>
+            <a:r>
+              <a:rPr lang="en-US" dirty="0" err="1">
+                <a:latin typeface="Courier"/>
+                <a:cs typeface="Courier"/>
+              </a:rPr>
+              <a:t>plt.bar</a:t>
+            </a:r>
+            <a:r>
+              <a:rPr lang="en-US" dirty="0">
+                <a:latin typeface="Courier"/>
+                <a:cs typeface="Courier"/>
+              </a:rPr>
+              <a:t>(</a:t>
+            </a:r>
+            <a:r>
+              <a:rPr lang="en-US" b="1" dirty="0" err="1">
+                <a:latin typeface="Courier"/>
+                <a:cs typeface="Courier"/>
+              </a:rPr>
+              <a:t>latitude.keys</a:t>
+            </a:r>
+            <a:r>
+              <a:rPr lang="en-US" b="1" dirty="0">
+                <a:latin typeface="Courier"/>
+                <a:cs typeface="Courier"/>
+              </a:rPr>
+              <a:t>(), </a:t>
+            </a:r>
+            <a:r>
+              <a:rPr lang="en-US" dirty="0" err="1">
+                <a:latin typeface="Courier"/>
+                <a:cs typeface="Courier"/>
+              </a:rPr>
+              <a:t>latitude.values</a:t>
+            </a:r>
+            <a:r>
+              <a:rPr lang="en-US" dirty="0">
+                <a:latin typeface="Courier"/>
+                <a:cs typeface="Courier"/>
+              </a:rPr>
+              <a:t>())</a:t>
+            </a:r>
+          </a:p>
+          <a:p>
+            <a:pPr marL="0" indent="0">
+              <a:buNone/>
+            </a:pPr>
+            <a:r>
+              <a:rPr lang="en-US" dirty="0" err="1">
+                <a:latin typeface="Courier"/>
+                <a:cs typeface="Courier"/>
+              </a:rPr>
+              <a:t>plt.show</a:t>
+            </a:r>
+            <a:r>
+              <a:rPr lang="en-US" dirty="0">
+                <a:latin typeface="Courier"/>
+                <a:cs typeface="Courier"/>
+              </a:rPr>
+              <a:t>(</a:t>
+            </a:r>
+            <a:r>
+              <a:rPr lang="en-US" dirty="0" smtClean="0">
+                <a:latin typeface="Courier"/>
+                <a:cs typeface="Courier"/>
+              </a:rPr>
+              <a:t>)</a:t>
+            </a:r>
+          </a:p>
+          <a:p>
+            <a:pPr marL="0" indent="0">
+              <a:buNone/>
+            </a:pPr>
+            <a:r>
+              <a:rPr lang="en-US" dirty="0" smtClean="0">
+                <a:latin typeface="+mn-lt"/>
+                <a:cs typeface="Courier"/>
+              </a:rPr>
+              <a:t>Your code will pause and show a window</a:t>
+            </a:r>
+          </a:p>
+          <a:p>
+            <a:pPr marL="0" indent="0">
+              <a:buNone/>
+            </a:pPr>
+            <a:r>
+              <a:rPr lang="en-US" dirty="0" smtClean="0">
+                <a:latin typeface="+mn-lt"/>
+                <a:cs typeface="Courier"/>
+              </a:rPr>
+              <a:t>When you close it the code continues (</a:t>
+            </a:r>
+            <a:r>
+              <a:rPr lang="en-US" i="1" dirty="0" smtClean="0">
+                <a:latin typeface="+mn-lt"/>
+                <a:cs typeface="Courier"/>
+              </a:rPr>
+              <a:t>i.e. </a:t>
+            </a:r>
+            <a:r>
+              <a:rPr lang="en-US" dirty="0" smtClean="0">
+                <a:latin typeface="+mn-lt"/>
+                <a:cs typeface="Courier"/>
+              </a:rPr>
+              <a:t>to other plots)</a:t>
+            </a:r>
+            <a:endParaRPr lang="en-US" dirty="0">
+              <a:latin typeface="+mn-lt"/>
+              <a:cs typeface="Courier"/>
+            </a:endParaRPr>
+          </a:p>
+        </p:txBody>
+      </p:sp>
+      <p:sp>
+        <p:nvSpPr>
+          <p:cNvPr id="4" name="Date Placeholder 3"/>
+          <p:cNvSpPr>
+            <a:spLocks noGrp="1"/>
+          </p:cNvSpPr>
+          <p:nvPr>
+            <p:ph type="dt" sz="half" idx="10"/>
+          </p:nvPr>
+        </p:nvSpPr>
+        <p:spPr/>
+        <p:txBody>
+          <a:bodyPr/>
+          <a:lstStyle/>
+          <a:p>
+            <a:fld id="{7053BEFA-1175-F644-B249-7D41D72BD3FF}" type="datetime1">
+              <a:rPr lang="en-US" smtClean="0"/>
+              <a:t>1/22/14</a:t>
+            </a:fld>
+            <a:endParaRPr lang="en-US"/>
+          </a:p>
+        </p:txBody>
+      </p:sp>
+      <p:sp>
+        <p:nvSpPr>
+          <p:cNvPr id="5" name="Footer Placeholder 4"/>
+          <p:cNvSpPr>
+            <a:spLocks noGrp="1"/>
+          </p:cNvSpPr>
+          <p:nvPr>
+            <p:ph type="ftr" sz="quarter" idx="11"/>
+          </p:nvPr>
+        </p:nvSpPr>
+        <p:spPr/>
+        <p:txBody>
+          <a:bodyPr/>
+          <a:lstStyle/>
+          <a:p>
+            <a:endParaRPr lang="en-US" dirty="0"/>
+          </a:p>
+        </p:txBody>
+      </p:sp>
+      <p:sp>
+        <p:nvSpPr>
+          <p:cNvPr id="6" name="Slide Number Placeholder 5"/>
+          <p:cNvSpPr>
+            <a:spLocks noGrp="1"/>
+          </p:cNvSpPr>
+          <p:nvPr>
+            <p:ph type="sldNum" sz="quarter" idx="12"/>
+          </p:nvPr>
+        </p:nvSpPr>
+        <p:spPr/>
+        <p:txBody>
+          <a:bodyPr/>
+          <a:lstStyle/>
+          <a:p>
+            <a:fld id="{17E276FA-8F89-B34D-A726-BE3FA1F8DD97}" type="slidenum">
+              <a:rPr lang="en-US" smtClean="0"/>
+              <a:t>20</a:t>
+            </a:fld>
+            <a:endParaRPr lang="en-US" dirty="0"/>
+          </a:p>
+        </p:txBody>
+      </p:sp>
+      <p:sp>
+        <p:nvSpPr>
+          <p:cNvPr id="7" name="Line Callout 2 (Accent Bar) 6"/>
+          <p:cNvSpPr/>
+          <p:nvPr/>
+        </p:nvSpPr>
+        <p:spPr>
+          <a:xfrm>
+            <a:off x="5548923" y="1690845"/>
+            <a:ext cx="2096369" cy="1044539"/>
+          </a:xfrm>
+          <a:prstGeom prst="accentCallout2">
+            <a:avLst/>
+          </a:prstGeom>
+        </p:spPr>
+        <p:style>
+          <a:lnRef idx="2">
+            <a:schemeClr val="accent1">
+              <a:shade val="50000"/>
+            </a:schemeClr>
+          </a:lnRef>
+          <a:fillRef idx="1">
+            <a:schemeClr val="accent1"/>
+          </a:fillRef>
+          <a:effectRef idx="0">
+            <a:schemeClr val="accent1"/>
+          </a:effectRef>
+          <a:fontRef idx="minor">
+            <a:schemeClr val="lt1"/>
+          </a:fontRef>
+        </p:style>
+        <p:txBody>
+          <a:bodyPr rtlCol="0" anchor="ctr"/>
+          <a:lstStyle/>
+          <a:p>
+            <a:pPr algn="ctr"/>
+            <a:r>
+              <a:rPr lang="en-US" dirty="0" smtClean="0"/>
+              <a:t>Left side of bar (array)</a:t>
+            </a:r>
+            <a:endParaRPr lang="en-US" dirty="0"/>
+          </a:p>
+        </p:txBody>
+      </p:sp>
+    </p:spTree>
+    <p:extLst>
+      <p:ext uri="{BB962C8B-B14F-4D97-AF65-F5344CB8AC3E}">
+        <p14:creationId xmlns:p14="http://schemas.microsoft.com/office/powerpoint/2010/main" val="1674909106"/>
+      </p:ext>
+    </p:extLst>
+  </p:cSld>
+  <p:clrMapOvr>
+    <a:masterClrMapping/>
+  </p:clrMapOvr>
+</p:sld>
+</file>
+
+<file path=ppt/slides/slide21.xml><?xml version="1.0" encoding="utf-8"?>
+<p:sld xmlns:a="http://schemas.openxmlformats.org/drawingml/2006/main" xmlns:r="http://schemas.openxmlformats.org/officeDocument/2006/relationships" xmlns:p="http://schemas.openxmlformats.org/presentationml/2006/main">
+  <p:cSld>
+    <p:spTree>
+      <p:nvGrpSpPr>
+        <p:cNvPr id="1" name=""/>
+        <p:cNvGrpSpPr/>
+        <p:nvPr/>
+      </p:nvGrpSpPr>
+      <p:grpSpPr>
+        <a:xfrm>
+          <a:off x="0" y="0"/>
+          <a:ext cx="0" cy="0"/>
+          <a:chOff x="0" y="0"/>
+          <a:chExt cx="0" cy="0"/>
+        </a:xfrm>
+      </p:grpSpPr>
+      <p:sp>
+        <p:nvSpPr>
+          <p:cNvPr id="2" name="Title 1"/>
+          <p:cNvSpPr>
+            <a:spLocks noGrp="1"/>
+          </p:cNvSpPr>
+          <p:nvPr>
+            <p:ph type="title"/>
+          </p:nvPr>
+        </p:nvSpPr>
+        <p:spPr/>
+        <p:txBody>
+          <a:bodyPr/>
+          <a:lstStyle/>
+          <a:p>
+            <a:r>
+              <a:rPr lang="en-US" dirty="0" err="1" smtClean="0"/>
+              <a:t>Pyplot</a:t>
+            </a:r>
+            <a:endParaRPr lang="en-US" dirty="0"/>
+          </a:p>
+        </p:txBody>
+      </p:sp>
+      <p:sp>
+        <p:nvSpPr>
+          <p:cNvPr id="3" name="Content Placeholder 2"/>
+          <p:cNvSpPr>
+            <a:spLocks noGrp="1"/>
+          </p:cNvSpPr>
+          <p:nvPr>
+            <p:ph idx="1"/>
+          </p:nvPr>
+        </p:nvSpPr>
+        <p:spPr/>
+        <p:txBody>
+          <a:bodyPr/>
+          <a:lstStyle/>
+          <a:p>
+            <a:pPr marL="0" indent="0">
+              <a:buNone/>
+            </a:pPr>
+            <a:r>
+              <a:rPr lang="en-US" dirty="0"/>
+              <a:t># make a bar plot of all the latitudes we found</a:t>
+            </a:r>
+            <a:endParaRPr lang="en-US" dirty="0">
+              <a:latin typeface="Courier"/>
+              <a:cs typeface="Courier"/>
+            </a:endParaRPr>
+          </a:p>
+          <a:p>
+            <a:pPr marL="0" indent="0">
+              <a:buNone/>
+            </a:pPr>
+            <a:r>
+              <a:rPr lang="en-US" dirty="0" err="1">
+                <a:latin typeface="Courier"/>
+                <a:cs typeface="Courier"/>
+              </a:rPr>
+              <a:t>plt.bar</a:t>
+            </a:r>
+            <a:r>
+              <a:rPr lang="en-US" dirty="0">
+                <a:latin typeface="Courier"/>
+                <a:cs typeface="Courier"/>
+              </a:rPr>
+              <a:t>(</a:t>
+            </a:r>
+            <a:r>
+              <a:rPr lang="en-US" dirty="0" err="1">
+                <a:latin typeface="Courier"/>
+                <a:cs typeface="Courier"/>
+              </a:rPr>
+              <a:t>latitude.keys</a:t>
+            </a:r>
+            <a:r>
+              <a:rPr lang="en-US" dirty="0">
+                <a:latin typeface="Courier"/>
+                <a:cs typeface="Courier"/>
+              </a:rPr>
+              <a:t>(), </a:t>
+            </a:r>
+            <a:r>
+              <a:rPr lang="en-US" b="1" dirty="0" err="1">
+                <a:latin typeface="Courier"/>
+                <a:cs typeface="Courier"/>
+              </a:rPr>
+              <a:t>latitude.values</a:t>
+            </a:r>
+            <a:r>
+              <a:rPr lang="en-US" b="1" dirty="0">
+                <a:latin typeface="Courier"/>
+                <a:cs typeface="Courier"/>
+              </a:rPr>
+              <a:t>()</a:t>
+            </a:r>
+            <a:r>
+              <a:rPr lang="en-US" dirty="0">
+                <a:latin typeface="Courier"/>
+                <a:cs typeface="Courier"/>
+              </a:rPr>
+              <a:t>)</a:t>
+            </a:r>
+          </a:p>
+          <a:p>
+            <a:pPr marL="0" indent="0">
+              <a:buNone/>
+            </a:pPr>
+            <a:r>
+              <a:rPr lang="en-US" dirty="0" err="1">
+                <a:latin typeface="Courier"/>
+                <a:cs typeface="Courier"/>
+              </a:rPr>
+              <a:t>plt.show</a:t>
+            </a:r>
+            <a:r>
+              <a:rPr lang="en-US" dirty="0">
+                <a:latin typeface="Courier"/>
+                <a:cs typeface="Courier"/>
+              </a:rPr>
+              <a:t>(</a:t>
+            </a:r>
+            <a:r>
+              <a:rPr lang="en-US" dirty="0" smtClean="0">
+                <a:latin typeface="Courier"/>
+                <a:cs typeface="Courier"/>
+              </a:rPr>
+              <a:t>)</a:t>
+            </a:r>
+          </a:p>
+          <a:p>
+            <a:pPr marL="0" indent="0">
+              <a:buNone/>
+            </a:pPr>
+            <a:r>
+              <a:rPr lang="en-US" dirty="0" smtClean="0">
+                <a:latin typeface="+mn-lt"/>
+                <a:cs typeface="Courier"/>
+              </a:rPr>
+              <a:t>Your code will pause and show a window</a:t>
+            </a:r>
+          </a:p>
+          <a:p>
+            <a:pPr marL="0" indent="0">
+              <a:buNone/>
+            </a:pPr>
+            <a:r>
+              <a:rPr lang="en-US" dirty="0" smtClean="0">
+                <a:latin typeface="+mn-lt"/>
+                <a:cs typeface="Courier"/>
+              </a:rPr>
+              <a:t>When you close it the code continues (</a:t>
+            </a:r>
+            <a:r>
+              <a:rPr lang="en-US" i="1" dirty="0" smtClean="0">
+                <a:latin typeface="+mn-lt"/>
+                <a:cs typeface="Courier"/>
+              </a:rPr>
+              <a:t>i.e. </a:t>
+            </a:r>
+            <a:r>
+              <a:rPr lang="en-US" dirty="0" smtClean="0">
+                <a:latin typeface="+mn-lt"/>
+                <a:cs typeface="Courier"/>
+              </a:rPr>
+              <a:t>to other plots)</a:t>
+            </a:r>
+            <a:endParaRPr lang="en-US" dirty="0">
+              <a:latin typeface="+mn-lt"/>
+              <a:cs typeface="Courier"/>
+            </a:endParaRPr>
+          </a:p>
+        </p:txBody>
+      </p:sp>
+      <p:sp>
+        <p:nvSpPr>
+          <p:cNvPr id="4" name="Date Placeholder 3"/>
+          <p:cNvSpPr>
+            <a:spLocks noGrp="1"/>
+          </p:cNvSpPr>
+          <p:nvPr>
+            <p:ph type="dt" sz="half" idx="10"/>
+          </p:nvPr>
+        </p:nvSpPr>
+        <p:spPr/>
+        <p:txBody>
+          <a:bodyPr/>
+          <a:lstStyle/>
+          <a:p>
+            <a:fld id="{7053BEFA-1175-F644-B249-7D41D72BD3FF}" type="datetime1">
+              <a:rPr lang="en-US" smtClean="0"/>
+              <a:t>1/22/14</a:t>
+            </a:fld>
+            <a:endParaRPr lang="en-US"/>
+          </a:p>
+        </p:txBody>
+      </p:sp>
+      <p:sp>
+        <p:nvSpPr>
+          <p:cNvPr id="5" name="Footer Placeholder 4"/>
+          <p:cNvSpPr>
+            <a:spLocks noGrp="1"/>
+          </p:cNvSpPr>
+          <p:nvPr>
+            <p:ph type="ftr" sz="quarter" idx="11"/>
+          </p:nvPr>
+        </p:nvSpPr>
+        <p:spPr/>
+        <p:txBody>
+          <a:bodyPr/>
+          <a:lstStyle/>
+          <a:p>
+            <a:endParaRPr lang="en-US" dirty="0"/>
+          </a:p>
+        </p:txBody>
+      </p:sp>
+      <p:sp>
+        <p:nvSpPr>
+          <p:cNvPr id="6" name="Slide Number Placeholder 5"/>
+          <p:cNvSpPr>
+            <a:spLocks noGrp="1"/>
+          </p:cNvSpPr>
+          <p:nvPr>
+            <p:ph type="sldNum" sz="quarter" idx="12"/>
+          </p:nvPr>
+        </p:nvSpPr>
+        <p:spPr/>
+        <p:txBody>
+          <a:bodyPr/>
+          <a:lstStyle/>
+          <a:p>
+            <a:fld id="{17E276FA-8F89-B34D-A726-BE3FA1F8DD97}" type="slidenum">
+              <a:rPr lang="en-US" smtClean="0"/>
+              <a:t>21</a:t>
+            </a:fld>
+            <a:endParaRPr lang="en-US" dirty="0"/>
+          </a:p>
+        </p:txBody>
+      </p:sp>
+      <p:sp>
+        <p:nvSpPr>
+          <p:cNvPr id="7" name="Line Callout 2 (Accent Bar) 6"/>
+          <p:cNvSpPr/>
+          <p:nvPr/>
+        </p:nvSpPr>
+        <p:spPr>
+          <a:xfrm>
+            <a:off x="5138204" y="2134962"/>
+            <a:ext cx="2096369" cy="1044539"/>
+          </a:xfrm>
+          <a:prstGeom prst="accentCallout2">
+            <a:avLst/>
+          </a:prstGeom>
+        </p:spPr>
+        <p:style>
+          <a:lnRef idx="2">
+            <a:schemeClr val="accent1">
+              <a:shade val="50000"/>
+            </a:schemeClr>
+          </a:lnRef>
+          <a:fillRef idx="1">
+            <a:schemeClr val="accent1"/>
+          </a:fillRef>
+          <a:effectRef idx="0">
+            <a:schemeClr val="accent1"/>
+          </a:effectRef>
+          <a:fontRef idx="minor">
+            <a:schemeClr val="lt1"/>
+          </a:fontRef>
+        </p:style>
+        <p:txBody>
+          <a:bodyPr rtlCol="0" anchor="ctr"/>
+          <a:lstStyle/>
+          <a:p>
+            <a:pPr algn="ctr"/>
+            <a:r>
+              <a:rPr lang="en-US" dirty="0" smtClean="0"/>
+              <a:t>Height of bar (array)</a:t>
+            </a:r>
+            <a:endParaRPr lang="en-US" dirty="0"/>
+          </a:p>
+        </p:txBody>
+      </p:sp>
+    </p:spTree>
+    <p:extLst>
+      <p:ext uri="{BB962C8B-B14F-4D97-AF65-F5344CB8AC3E}">
+        <p14:creationId xmlns:p14="http://schemas.microsoft.com/office/powerpoint/2010/main" val="1532761367"/>
+      </p:ext>
+    </p:extLst>
+  </p:cSld>
+  <p:clrMapOvr>
+    <a:masterClrMapping/>
+  </p:clrMapOvr>
+</p:sld>
+</file>
+
+<file path=ppt/slides/slide22.xml><?xml version="1.0" encoding="utf-8"?>
+<p:sld xmlns:a="http://schemas.openxmlformats.org/drawingml/2006/main" xmlns:r="http://schemas.openxmlformats.org/officeDocument/2006/relationships" xmlns:p="http://schemas.openxmlformats.org/presentationml/2006/main">
+  <p:cSld>
+    <p:spTree>
+      <p:nvGrpSpPr>
+        <p:cNvPr id="1" name=""/>
+        <p:cNvGrpSpPr/>
+        <p:nvPr/>
+      </p:nvGrpSpPr>
+      <p:grpSpPr>
+        <a:xfrm>
+          <a:off x="0" y="0"/>
+          <a:ext cx="0" cy="0"/>
+          <a:chOff x="0" y="0"/>
+          <a:chExt cx="0" cy="0"/>
+        </a:xfrm>
+      </p:grpSpPr>
+      <p:sp>
+        <p:nvSpPr>
+          <p:cNvPr id="2" name="Title 1"/>
+          <p:cNvSpPr>
+            <a:spLocks noGrp="1"/>
+          </p:cNvSpPr>
+          <p:nvPr>
+            <p:ph type="title"/>
+          </p:nvPr>
+        </p:nvSpPr>
+        <p:spPr/>
+        <p:txBody>
+          <a:bodyPr/>
+          <a:lstStyle/>
+          <a:p>
+            <a:r>
+              <a:rPr lang="en-US" dirty="0" err="1" smtClean="0"/>
+              <a:t>Pyplot</a:t>
+            </a:r>
+            <a:endParaRPr lang="en-US" dirty="0"/>
+          </a:p>
+        </p:txBody>
+      </p:sp>
+      <p:sp>
+        <p:nvSpPr>
+          <p:cNvPr id="3" name="Content Placeholder 2"/>
+          <p:cNvSpPr>
+            <a:spLocks noGrp="1"/>
+          </p:cNvSpPr>
+          <p:nvPr>
+            <p:ph idx="1"/>
+          </p:nvPr>
+        </p:nvSpPr>
+        <p:spPr/>
+        <p:txBody>
+          <a:bodyPr/>
+          <a:lstStyle/>
+          <a:p>
+            <a:pPr marL="0" indent="0">
+              <a:buNone/>
+            </a:pPr>
+            <a:r>
+              <a:rPr lang="en-US" dirty="0"/>
+              <a:t># make a bar plot of all the latitudes we found</a:t>
+            </a:r>
+            <a:endParaRPr lang="en-US" dirty="0">
+              <a:latin typeface="Courier"/>
+              <a:cs typeface="Courier"/>
+            </a:endParaRPr>
+          </a:p>
+          <a:p>
+            <a:pPr marL="0" indent="0">
+              <a:buNone/>
+            </a:pPr>
+            <a:r>
+              <a:rPr lang="en-US" dirty="0" err="1">
+                <a:latin typeface="Courier"/>
+                <a:cs typeface="Courier"/>
+              </a:rPr>
+              <a:t>plt.bar</a:t>
+            </a:r>
+            <a:r>
+              <a:rPr lang="en-US" dirty="0">
+                <a:latin typeface="Courier"/>
+                <a:cs typeface="Courier"/>
+              </a:rPr>
+              <a:t>(</a:t>
+            </a:r>
+            <a:r>
+              <a:rPr lang="en-US" dirty="0" err="1">
+                <a:latin typeface="Courier"/>
+                <a:cs typeface="Courier"/>
+              </a:rPr>
+              <a:t>latitude.keys</a:t>
+            </a:r>
+            <a:r>
+              <a:rPr lang="en-US" dirty="0">
+                <a:latin typeface="Courier"/>
+                <a:cs typeface="Courier"/>
+              </a:rPr>
+              <a:t>(), </a:t>
+            </a:r>
+            <a:r>
+              <a:rPr lang="en-US" dirty="0" err="1">
+                <a:latin typeface="Courier"/>
+                <a:cs typeface="Courier"/>
+              </a:rPr>
+              <a:t>latitude.values</a:t>
+            </a:r>
+            <a:r>
+              <a:rPr lang="en-US" dirty="0">
+                <a:latin typeface="Courier"/>
+                <a:cs typeface="Courier"/>
+              </a:rPr>
+              <a:t>())</a:t>
+            </a:r>
+          </a:p>
+          <a:p>
+            <a:pPr marL="0" indent="0">
+              <a:buNone/>
+            </a:pPr>
+            <a:r>
+              <a:rPr lang="en-US" dirty="0" err="1">
+                <a:latin typeface="Courier"/>
+                <a:cs typeface="Courier"/>
+              </a:rPr>
+              <a:t>plt.show</a:t>
+            </a:r>
+            <a:r>
+              <a:rPr lang="en-US" dirty="0">
+                <a:latin typeface="Courier"/>
+                <a:cs typeface="Courier"/>
+              </a:rPr>
+              <a:t>(</a:t>
+            </a:r>
+            <a:r>
+              <a:rPr lang="en-US" dirty="0" smtClean="0">
+                <a:latin typeface="Courier"/>
+                <a:cs typeface="Courier"/>
+              </a:rPr>
+              <a:t>)</a:t>
+            </a:r>
+          </a:p>
+          <a:p>
+            <a:pPr marL="0" indent="0">
+              <a:buNone/>
+            </a:pPr>
+            <a:r>
+              <a:rPr lang="en-US" dirty="0" smtClean="0">
+                <a:latin typeface="+mn-lt"/>
+                <a:cs typeface="Courier"/>
+              </a:rPr>
+              <a:t>Your code will pause and show a window</a:t>
+            </a:r>
+            <a:endParaRPr lang="en-US" dirty="0">
+              <a:latin typeface="+mn-lt"/>
+              <a:cs typeface="Courier"/>
+            </a:endParaRPr>
+          </a:p>
+        </p:txBody>
+      </p:sp>
+      <p:sp>
+        <p:nvSpPr>
+          <p:cNvPr id="4" name="Date Placeholder 3"/>
+          <p:cNvSpPr>
+            <a:spLocks noGrp="1"/>
+          </p:cNvSpPr>
+          <p:nvPr>
+            <p:ph type="dt" sz="half" idx="10"/>
+          </p:nvPr>
+        </p:nvSpPr>
+        <p:spPr/>
+        <p:txBody>
+          <a:bodyPr/>
+          <a:lstStyle/>
+          <a:p>
+            <a:fld id="{7053BEFA-1175-F644-B249-7D41D72BD3FF}" type="datetime1">
+              <a:rPr lang="en-US" smtClean="0"/>
+              <a:t>1/22/14</a:t>
+            </a:fld>
+            <a:endParaRPr lang="en-US"/>
+          </a:p>
+        </p:txBody>
+      </p:sp>
+      <p:sp>
+        <p:nvSpPr>
+          <p:cNvPr id="5" name="Footer Placeholder 4"/>
+          <p:cNvSpPr>
+            <a:spLocks noGrp="1"/>
+          </p:cNvSpPr>
+          <p:nvPr>
+            <p:ph type="ftr" sz="quarter" idx="11"/>
+          </p:nvPr>
+        </p:nvSpPr>
+        <p:spPr/>
+        <p:txBody>
+          <a:bodyPr/>
+          <a:lstStyle/>
+          <a:p>
+            <a:endParaRPr lang="en-US" dirty="0"/>
+          </a:p>
+        </p:txBody>
+      </p:sp>
+      <p:sp>
+        <p:nvSpPr>
+          <p:cNvPr id="6" name="Slide Number Placeholder 5"/>
+          <p:cNvSpPr>
+            <a:spLocks noGrp="1"/>
+          </p:cNvSpPr>
+          <p:nvPr>
+            <p:ph type="sldNum" sz="quarter" idx="12"/>
+          </p:nvPr>
+        </p:nvSpPr>
+        <p:spPr/>
+        <p:txBody>
+          <a:bodyPr/>
+          <a:lstStyle/>
+          <a:p>
+            <a:fld id="{17E276FA-8F89-B34D-A726-BE3FA1F8DD97}" type="slidenum">
+              <a:rPr lang="en-US" smtClean="0"/>
+              <a:t>22</a:t>
+            </a:fld>
+            <a:endParaRPr lang="en-US" dirty="0"/>
+          </a:p>
+        </p:txBody>
+      </p:sp>
+      <p:pic>
+        <p:nvPicPr>
+          <p:cNvPr id="8" name="Picture 7" descr="Screen Shot 2014-01-22 at 9.26.02 PM.png"/>
+          <p:cNvPicPr>
+            <a:picLocks noChangeAspect="1"/>
+          </p:cNvPicPr>
+          <p:nvPr/>
+        </p:nvPicPr>
+        <p:blipFill>
+          <a:blip r:embed="rId2">
+            <a:extLst>
+              <a:ext uri="{28A0092B-C50C-407E-A947-70E740481C1C}">
+                <a14:useLocalDpi xmlns:a14="http://schemas.microsoft.com/office/drawing/2010/main" val="0"/>
+              </a:ext>
+            </a:extLst>
+          </a:blip>
+          <a:stretch>
+            <a:fillRect/>
+          </a:stretch>
+        </p:blipFill>
+        <p:spPr>
+          <a:xfrm>
+            <a:off x="660400" y="495300"/>
+            <a:ext cx="7823200" cy="5854700"/>
+          </a:xfrm>
+          <a:prstGeom prst="rect">
+            <a:avLst/>
+          </a:prstGeom>
+        </p:spPr>
+      </p:pic>
+    </p:spTree>
+    <p:extLst>
+      <p:ext uri="{BB962C8B-B14F-4D97-AF65-F5344CB8AC3E}">
+        <p14:creationId xmlns:p14="http://schemas.microsoft.com/office/powerpoint/2010/main" val="1899180283"/>
+      </p:ext>
+    </p:extLst>
+  </p:cSld>
+  <p:clrMapOvr>
+    <a:masterClrMapping/>
+  </p:clrMapOvr>
+</p:sld>
+</file>
+
+<file path=ppt/slides/slide23.xml><?xml version="1.0" encoding="utf-8"?>
+<p:sld xmlns:a="http://schemas.openxmlformats.org/drawingml/2006/main" xmlns:r="http://schemas.openxmlformats.org/officeDocument/2006/relationships" xmlns:p="http://schemas.openxmlformats.org/presentationml/2006/main">
+  <p:cSld>
+    <p:spTree>
+      <p:nvGrpSpPr>
+        <p:cNvPr id="1" name=""/>
+        <p:cNvGrpSpPr/>
+        <p:nvPr/>
+      </p:nvGrpSpPr>
+      <p:grpSpPr>
+        <a:xfrm>
+          <a:off x="0" y="0"/>
+          <a:ext cx="0" cy="0"/>
+          <a:chOff x="0" y="0"/>
+          <a:chExt cx="0" cy="0"/>
+        </a:xfrm>
+      </p:grpSpPr>
+      <p:sp>
+        <p:nvSpPr>
+          <p:cNvPr id="2" name="Title 1"/>
+          <p:cNvSpPr>
+            <a:spLocks noGrp="1"/>
+          </p:cNvSpPr>
+          <p:nvPr>
+            <p:ph type="title"/>
+          </p:nvPr>
+        </p:nvSpPr>
+        <p:spPr/>
+        <p:txBody>
+          <a:bodyPr/>
+          <a:lstStyle/>
+          <a:p>
+            <a:r>
+              <a:rPr lang="en-US" dirty="0" smtClean="0"/>
+              <a:t>Why so much at 0?</a:t>
+            </a:r>
+            <a:endParaRPr lang="en-US" dirty="0"/>
+          </a:p>
+        </p:txBody>
+      </p:sp>
+      <p:sp>
+        <p:nvSpPr>
+          <p:cNvPr id="3" name="Content Placeholder 2"/>
+          <p:cNvSpPr>
+            <a:spLocks noGrp="1"/>
+          </p:cNvSpPr>
+          <p:nvPr>
+            <p:ph idx="1"/>
+          </p:nvPr>
+        </p:nvSpPr>
+        <p:spPr/>
+        <p:txBody>
+          <a:bodyPr/>
+          <a:lstStyle/>
+          <a:p>
+            <a:pPr marL="0" indent="0">
+              <a:buNone/>
+            </a:pPr>
+            <a:r>
+              <a:rPr lang="en-US" dirty="0"/>
+              <a:t># need to replace the "EMPTY" key with a numeric value for plotting</a:t>
+            </a:r>
+          </a:p>
+          <a:p>
+            <a:pPr marL="0" indent="0">
+              <a:buNone/>
+            </a:pPr>
+            <a:r>
+              <a:rPr lang="en-US" dirty="0">
+                <a:latin typeface="Courier"/>
+                <a:cs typeface="Courier"/>
+              </a:rPr>
+              <a:t>latitude[0] = latitude['EMPTY']</a:t>
+            </a:r>
+          </a:p>
+          <a:p>
+            <a:pPr marL="0" indent="0">
+              <a:buNone/>
+            </a:pPr>
+            <a:r>
+              <a:rPr lang="en-US" dirty="0">
+                <a:latin typeface="Courier"/>
+                <a:cs typeface="Courier"/>
+              </a:rPr>
+              <a:t>del latitude['EMPTY']</a:t>
+            </a:r>
+          </a:p>
+          <a:p>
+            <a:pPr marL="0" indent="0">
+              <a:buNone/>
+            </a:pPr>
+            <a:endParaRPr lang="en-US" dirty="0"/>
+          </a:p>
+        </p:txBody>
+      </p:sp>
+      <p:sp>
+        <p:nvSpPr>
+          <p:cNvPr id="4" name="Date Placeholder 3"/>
+          <p:cNvSpPr>
+            <a:spLocks noGrp="1"/>
+          </p:cNvSpPr>
+          <p:nvPr>
+            <p:ph type="dt" sz="half" idx="10"/>
+          </p:nvPr>
+        </p:nvSpPr>
+        <p:spPr/>
+        <p:txBody>
+          <a:bodyPr/>
+          <a:lstStyle/>
+          <a:p>
+            <a:fld id="{7053BEFA-1175-F644-B249-7D41D72BD3FF}" type="datetime1">
+              <a:rPr lang="en-US" smtClean="0"/>
+              <a:t>1/22/14</a:t>
+            </a:fld>
+            <a:endParaRPr lang="en-US"/>
+          </a:p>
+        </p:txBody>
+      </p:sp>
+      <p:sp>
+        <p:nvSpPr>
+          <p:cNvPr id="5" name="Footer Placeholder 4"/>
+          <p:cNvSpPr>
+            <a:spLocks noGrp="1"/>
+          </p:cNvSpPr>
+          <p:nvPr>
+            <p:ph type="ftr" sz="quarter" idx="11"/>
+          </p:nvPr>
+        </p:nvSpPr>
+        <p:spPr/>
+        <p:txBody>
+          <a:bodyPr/>
+          <a:lstStyle/>
+          <a:p>
+            <a:endParaRPr lang="en-US" dirty="0"/>
+          </a:p>
+        </p:txBody>
+      </p:sp>
+      <p:sp>
+        <p:nvSpPr>
+          <p:cNvPr id="6" name="Slide Number Placeholder 5"/>
+          <p:cNvSpPr>
+            <a:spLocks noGrp="1"/>
+          </p:cNvSpPr>
+          <p:nvPr>
+            <p:ph type="sldNum" sz="quarter" idx="12"/>
+          </p:nvPr>
+        </p:nvSpPr>
+        <p:spPr/>
+        <p:txBody>
+          <a:bodyPr/>
+          <a:lstStyle/>
+          <a:p>
+            <a:fld id="{17E276FA-8F89-B34D-A726-BE3FA1F8DD97}" type="slidenum">
+              <a:rPr lang="en-US" smtClean="0"/>
+              <a:t>23</a:t>
+            </a:fld>
+            <a:endParaRPr lang="en-US" dirty="0"/>
+          </a:p>
+        </p:txBody>
+      </p:sp>
+    </p:spTree>
+    <p:extLst>
+      <p:ext uri="{BB962C8B-B14F-4D97-AF65-F5344CB8AC3E}">
+        <p14:creationId xmlns:p14="http://schemas.microsoft.com/office/powerpoint/2010/main" val="2293440677"/>
+      </p:ext>
+    </p:extLst>
+  </p:cSld>
+  <p:clrMapOvr>
+    <a:masterClrMapping/>
+  </p:clrMapOvr>
+</p:sld>
+</file>
+
+<file path=ppt/slides/slide24.xml><?xml version="1.0" encoding="utf-8"?>
+<p:sld xmlns:a="http://schemas.openxmlformats.org/drawingml/2006/main" xmlns:r="http://schemas.openxmlformats.org/officeDocument/2006/relationships" xmlns:p="http://schemas.openxmlformats.org/presentationml/2006/main">
+  <p:cSld>
+    <p:spTree>
+      <p:nvGrpSpPr>
+        <p:cNvPr id="1" name=""/>
+        <p:cNvGrpSpPr/>
+        <p:nvPr/>
+      </p:nvGrpSpPr>
+      <p:grpSpPr>
+        <a:xfrm>
+          <a:off x="0" y="0"/>
+          <a:ext cx="0" cy="0"/>
+          <a:chOff x="0" y="0"/>
+          <a:chExt cx="0" cy="0"/>
+        </a:xfrm>
+      </p:grpSpPr>
+      <p:sp>
+        <p:nvSpPr>
+          <p:cNvPr id="2" name="Title 1"/>
+          <p:cNvSpPr>
+            <a:spLocks noGrp="1"/>
+          </p:cNvSpPr>
+          <p:nvPr>
+            <p:ph type="title"/>
+          </p:nvPr>
+        </p:nvSpPr>
+        <p:spPr/>
+        <p:txBody>
+          <a:bodyPr/>
+          <a:lstStyle/>
+          <a:p>
+            <a:r>
+              <a:rPr lang="en-US" dirty="0" smtClean="0"/>
+              <a:t>Why so many EMPTY?</a:t>
+            </a:r>
+            <a:endParaRPr lang="en-US" dirty="0"/>
+          </a:p>
+        </p:txBody>
+      </p:sp>
+      <p:sp>
+        <p:nvSpPr>
+          <p:cNvPr id="3" name="Content Placeholder 2"/>
+          <p:cNvSpPr>
+            <a:spLocks noGrp="1"/>
+          </p:cNvSpPr>
+          <p:nvPr>
+            <p:ph idx="1"/>
+          </p:nvPr>
+        </p:nvSpPr>
+        <p:spPr/>
+        <p:txBody>
+          <a:bodyPr/>
+          <a:lstStyle/>
+          <a:p>
+            <a:pPr marL="0" indent="0">
+              <a:buNone/>
+            </a:pPr>
+            <a:r>
+              <a:rPr lang="en-US" dirty="0"/>
+              <a:t> # convert any </a:t>
+            </a:r>
+            <a:r>
+              <a:rPr lang="en-US" dirty="0" smtClean="0"/>
+              <a:t>any </a:t>
+            </a:r>
+            <a:r>
+              <a:rPr lang="en-US" dirty="0"/>
+              <a:t>empty </a:t>
+            </a:r>
+            <a:r>
+              <a:rPr lang="en-US" dirty="0" smtClean="0"/>
+              <a:t>strings </a:t>
+            </a:r>
+            <a:r>
+              <a:rPr lang="en-US" dirty="0"/>
+              <a:t>to a string called 'EMPTY' we can use as a value</a:t>
+            </a:r>
+          </a:p>
+          <a:p>
+            <a:pPr marL="0" indent="0">
+              <a:buNone/>
+            </a:pPr>
+            <a:r>
+              <a:rPr lang="en-US" dirty="0" smtClean="0">
+                <a:latin typeface="Courier"/>
+                <a:cs typeface="Courier"/>
+              </a:rPr>
+              <a:t>if </a:t>
+            </a:r>
+            <a:r>
+              <a:rPr lang="en-US" dirty="0">
+                <a:latin typeface="Courier"/>
+                <a:cs typeface="Courier"/>
+              </a:rPr>
+              <a:t>value == '': value = '</a:t>
+            </a:r>
+            <a:r>
+              <a:rPr lang="en-US" dirty="0" smtClean="0">
+                <a:latin typeface="Courier"/>
+                <a:cs typeface="Courier"/>
+              </a:rPr>
+              <a:t>EMPTY’</a:t>
+            </a:r>
+            <a:endParaRPr lang="en-US" dirty="0">
+              <a:latin typeface="Courier"/>
+              <a:cs typeface="Courier"/>
+            </a:endParaRPr>
+          </a:p>
+          <a:p>
+            <a:pPr marL="0" indent="0">
+              <a:buNone/>
+            </a:pPr>
+            <a:r>
+              <a:rPr lang="en-US" dirty="0" smtClean="0">
+                <a:latin typeface="Courier"/>
+                <a:cs typeface="Courier"/>
+              </a:rPr>
+              <a:t>if </a:t>
+            </a:r>
+            <a:r>
+              <a:rPr lang="en-US" dirty="0">
+                <a:latin typeface="Courier"/>
+                <a:cs typeface="Courier"/>
+              </a:rPr>
+              <a:t>value == '</a:t>
+            </a:r>
+            <a:r>
+              <a:rPr lang="en-US" dirty="0" err="1">
+                <a:latin typeface="Courier"/>
+                <a:cs typeface="Courier"/>
+              </a:rPr>
+              <a:t>NaN</a:t>
+            </a:r>
+            <a:r>
+              <a:rPr lang="en-US" dirty="0">
+                <a:latin typeface="Courier"/>
+                <a:cs typeface="Courier"/>
+              </a:rPr>
+              <a:t>' : value = 'EMPTY'</a:t>
+            </a:r>
+          </a:p>
+          <a:p>
+            <a:pPr marL="0" indent="0">
+              <a:buNone/>
+            </a:pPr>
+            <a:r>
+              <a:rPr lang="en-US" dirty="0"/>
+              <a:t>        </a:t>
+            </a:r>
+          </a:p>
+          <a:p>
+            <a:pPr marL="0" indent="0">
+              <a:buNone/>
+            </a:pPr>
+            <a:r>
+              <a:rPr lang="en-US" dirty="0"/>
+              <a:t> </a:t>
+            </a:r>
+          </a:p>
+        </p:txBody>
+      </p:sp>
+      <p:sp>
+        <p:nvSpPr>
+          <p:cNvPr id="4" name="Date Placeholder 3"/>
+          <p:cNvSpPr>
+            <a:spLocks noGrp="1"/>
+          </p:cNvSpPr>
+          <p:nvPr>
+            <p:ph type="dt" sz="half" idx="10"/>
+          </p:nvPr>
+        </p:nvSpPr>
+        <p:spPr/>
+        <p:txBody>
+          <a:bodyPr/>
+          <a:lstStyle/>
+          <a:p>
+            <a:fld id="{7053BEFA-1175-F644-B249-7D41D72BD3FF}" type="datetime1">
+              <a:rPr lang="en-US" smtClean="0"/>
+              <a:t>1/22/14</a:t>
+            </a:fld>
+            <a:endParaRPr lang="en-US"/>
+          </a:p>
+        </p:txBody>
+      </p:sp>
+      <p:sp>
+        <p:nvSpPr>
+          <p:cNvPr id="5" name="Footer Placeholder 4"/>
+          <p:cNvSpPr>
+            <a:spLocks noGrp="1"/>
+          </p:cNvSpPr>
+          <p:nvPr>
+            <p:ph type="ftr" sz="quarter" idx="11"/>
+          </p:nvPr>
+        </p:nvSpPr>
+        <p:spPr/>
+        <p:txBody>
+          <a:bodyPr/>
+          <a:lstStyle/>
+          <a:p>
+            <a:endParaRPr lang="en-US" dirty="0"/>
+          </a:p>
+        </p:txBody>
+      </p:sp>
+      <p:sp>
+        <p:nvSpPr>
+          <p:cNvPr id="6" name="Slide Number Placeholder 5"/>
+          <p:cNvSpPr>
+            <a:spLocks noGrp="1"/>
+          </p:cNvSpPr>
+          <p:nvPr>
+            <p:ph type="sldNum" sz="quarter" idx="12"/>
+          </p:nvPr>
+        </p:nvSpPr>
+        <p:spPr/>
+        <p:txBody>
+          <a:bodyPr/>
+          <a:lstStyle/>
+          <a:p>
+            <a:fld id="{17E276FA-8F89-B34D-A726-BE3FA1F8DD97}" type="slidenum">
+              <a:rPr lang="en-US" smtClean="0"/>
+              <a:t>24</a:t>
+            </a:fld>
+            <a:endParaRPr lang="en-US" dirty="0"/>
+          </a:p>
+        </p:txBody>
+      </p:sp>
+    </p:spTree>
+    <p:extLst>
+      <p:ext uri="{BB962C8B-B14F-4D97-AF65-F5344CB8AC3E}">
+        <p14:creationId xmlns:p14="http://schemas.microsoft.com/office/powerpoint/2010/main" val="4095196247"/>
+      </p:ext>
+    </p:extLst>
+  </p:cSld>
+  <p:clrMapOvr>
+    <a:masterClrMapping/>
+  </p:clrMapOvr>
+</p:sld>
+</file>
+
+<file path=ppt/slides/slide25.xml><?xml version="1.0" encoding="utf-8"?>
+<p:sld xmlns:a="http://schemas.openxmlformats.org/drawingml/2006/main" xmlns:r="http://schemas.openxmlformats.org/officeDocument/2006/relationships" xmlns:p="http://schemas.openxmlformats.org/presentationml/2006/main">
+  <p:cSld>
+    <p:spTree>
+      <p:nvGrpSpPr>
+        <p:cNvPr id="1" name=""/>
+        <p:cNvGrpSpPr/>
+        <p:nvPr/>
+      </p:nvGrpSpPr>
+      <p:grpSpPr>
+        <a:xfrm>
+          <a:off x="0" y="0"/>
+          <a:ext cx="0" cy="0"/>
+          <a:chOff x="0" y="0"/>
+          <a:chExt cx="0" cy="0"/>
+        </a:xfrm>
+      </p:grpSpPr>
+      <p:sp>
+        <p:nvSpPr>
+          <p:cNvPr id="2" name="Title 1"/>
+          <p:cNvSpPr>
+            <a:spLocks noGrp="1"/>
+          </p:cNvSpPr>
+          <p:nvPr>
+            <p:ph type="title"/>
+          </p:nvPr>
+        </p:nvSpPr>
+        <p:spPr/>
+        <p:txBody>
+          <a:bodyPr/>
+          <a:lstStyle/>
+          <a:p>
+            <a:r>
+              <a:rPr lang="en-US" dirty="0" smtClean="0"/>
+              <a:t>Why so many EMPTY?</a:t>
+            </a:r>
+            <a:endParaRPr lang="en-US" dirty="0"/>
+          </a:p>
+        </p:txBody>
+      </p:sp>
+      <p:sp>
+        <p:nvSpPr>
+          <p:cNvPr id="3" name="Content Placeholder 2"/>
+          <p:cNvSpPr>
+            <a:spLocks noGrp="1"/>
+          </p:cNvSpPr>
+          <p:nvPr>
+            <p:ph idx="1"/>
+          </p:nvPr>
+        </p:nvSpPr>
+        <p:spPr/>
+        <p:txBody>
+          <a:bodyPr/>
+          <a:lstStyle/>
+          <a:p>
+            <a:pPr marL="0" indent="0">
+              <a:buNone/>
+            </a:pPr>
+            <a:r>
+              <a:rPr lang="en-US" dirty="0"/>
+              <a:t> # convert any </a:t>
+            </a:r>
+            <a:r>
+              <a:rPr lang="en-US" dirty="0" smtClean="0"/>
+              <a:t>any </a:t>
+            </a:r>
+            <a:r>
+              <a:rPr lang="en-US" dirty="0"/>
+              <a:t>empty </a:t>
+            </a:r>
+            <a:r>
+              <a:rPr lang="en-US" dirty="0" smtClean="0"/>
+              <a:t>strings </a:t>
+            </a:r>
+            <a:r>
+              <a:rPr lang="en-US" dirty="0"/>
+              <a:t>to a string called 'EMPTY' we can use as a value</a:t>
+            </a:r>
+          </a:p>
+          <a:p>
+            <a:pPr marL="0" indent="0">
+              <a:buNone/>
+            </a:pPr>
+            <a:r>
+              <a:rPr lang="en-US" dirty="0" smtClean="0">
+                <a:latin typeface="Courier"/>
+                <a:cs typeface="Courier"/>
+              </a:rPr>
+              <a:t>if </a:t>
+            </a:r>
+            <a:r>
+              <a:rPr lang="en-US" dirty="0">
+                <a:latin typeface="Courier"/>
+                <a:cs typeface="Courier"/>
+              </a:rPr>
+              <a:t>value == '': value = '</a:t>
+            </a:r>
+            <a:r>
+              <a:rPr lang="en-US" dirty="0" smtClean="0">
+                <a:latin typeface="Courier"/>
+                <a:cs typeface="Courier"/>
+              </a:rPr>
+              <a:t>EMPTY’</a:t>
+            </a:r>
+            <a:endParaRPr lang="en-US" dirty="0">
+              <a:latin typeface="Courier"/>
+              <a:cs typeface="Courier"/>
+            </a:endParaRPr>
+          </a:p>
+          <a:p>
+            <a:pPr marL="0" indent="0">
+              <a:buNone/>
+            </a:pPr>
+            <a:r>
+              <a:rPr lang="en-US" dirty="0" smtClean="0">
+                <a:latin typeface="Courier"/>
+                <a:cs typeface="Courier"/>
+              </a:rPr>
+              <a:t>if </a:t>
+            </a:r>
+            <a:r>
+              <a:rPr lang="en-US" dirty="0">
+                <a:latin typeface="Courier"/>
+                <a:cs typeface="Courier"/>
+              </a:rPr>
+              <a:t>value == '</a:t>
+            </a:r>
+            <a:r>
+              <a:rPr lang="en-US" dirty="0" err="1">
+                <a:latin typeface="Courier"/>
+                <a:cs typeface="Courier"/>
+              </a:rPr>
+              <a:t>NaN</a:t>
+            </a:r>
+            <a:r>
+              <a:rPr lang="en-US" dirty="0">
+                <a:latin typeface="Courier"/>
+                <a:cs typeface="Courier"/>
+              </a:rPr>
+              <a:t>' : value = 'EMPTY'</a:t>
+            </a:r>
+          </a:p>
+          <a:p>
+            <a:pPr marL="0" indent="0">
+              <a:buNone/>
+            </a:pPr>
+            <a:r>
+              <a:rPr lang="en-US" dirty="0"/>
+              <a:t>   </a:t>
+            </a:r>
+            <a:endParaRPr lang="en-US" dirty="0" smtClean="0"/>
+          </a:p>
+          <a:p>
+            <a:pPr marL="0" indent="0">
+              <a:buNone/>
+            </a:pPr>
+            <a:r>
+              <a:rPr lang="en-US" dirty="0" smtClean="0"/>
+              <a:t>Represents a lack of information about location found    </a:t>
+            </a:r>
+            <a:endParaRPr lang="en-US" dirty="0"/>
+          </a:p>
+          <a:p>
+            <a:pPr marL="0" indent="0">
+              <a:buNone/>
+            </a:pPr>
+            <a:r>
+              <a:rPr lang="en-US" dirty="0"/>
+              <a:t> </a:t>
+            </a:r>
+          </a:p>
+        </p:txBody>
+      </p:sp>
+      <p:sp>
+        <p:nvSpPr>
+          <p:cNvPr id="4" name="Date Placeholder 3"/>
+          <p:cNvSpPr>
+            <a:spLocks noGrp="1"/>
+          </p:cNvSpPr>
+          <p:nvPr>
+            <p:ph type="dt" sz="half" idx="10"/>
+          </p:nvPr>
+        </p:nvSpPr>
+        <p:spPr/>
+        <p:txBody>
+          <a:bodyPr/>
+          <a:lstStyle/>
+          <a:p>
+            <a:fld id="{7053BEFA-1175-F644-B249-7D41D72BD3FF}" type="datetime1">
+              <a:rPr lang="en-US" smtClean="0"/>
+              <a:t>1/22/14</a:t>
+            </a:fld>
+            <a:endParaRPr lang="en-US"/>
+          </a:p>
+        </p:txBody>
+      </p:sp>
+      <p:sp>
+        <p:nvSpPr>
+          <p:cNvPr id="5" name="Footer Placeholder 4"/>
+          <p:cNvSpPr>
+            <a:spLocks noGrp="1"/>
+          </p:cNvSpPr>
+          <p:nvPr>
+            <p:ph type="ftr" sz="quarter" idx="11"/>
+          </p:nvPr>
+        </p:nvSpPr>
+        <p:spPr/>
+        <p:txBody>
+          <a:bodyPr/>
+          <a:lstStyle/>
+          <a:p>
+            <a:endParaRPr lang="en-US" dirty="0"/>
+          </a:p>
+        </p:txBody>
+      </p:sp>
+      <p:sp>
+        <p:nvSpPr>
+          <p:cNvPr id="6" name="Slide Number Placeholder 5"/>
+          <p:cNvSpPr>
+            <a:spLocks noGrp="1"/>
+          </p:cNvSpPr>
+          <p:nvPr>
+            <p:ph type="sldNum" sz="quarter" idx="12"/>
+          </p:nvPr>
+        </p:nvSpPr>
+        <p:spPr/>
+        <p:txBody>
+          <a:bodyPr/>
+          <a:lstStyle/>
+          <a:p>
+            <a:fld id="{17E276FA-8F89-B34D-A726-BE3FA1F8DD97}" type="slidenum">
+              <a:rPr lang="en-US" smtClean="0"/>
+              <a:t>25</a:t>
+            </a:fld>
+            <a:endParaRPr lang="en-US" dirty="0"/>
+          </a:p>
+        </p:txBody>
+      </p:sp>
+    </p:spTree>
+    <p:extLst>
+      <p:ext uri="{BB962C8B-B14F-4D97-AF65-F5344CB8AC3E}">
+        <p14:creationId xmlns:p14="http://schemas.microsoft.com/office/powerpoint/2010/main" val="3101515521"/>
+      </p:ext>
+    </p:extLst>
+  </p:cSld>
+  <p:clrMapOvr>
+    <a:masterClrMapping/>
+  </p:clrMapOvr>
+</p:sld>
+</file>
+
+<file path=ppt/slides/slide26.xml><?xml version="1.0" encoding="utf-8"?>
+<p:sld xmlns:a="http://schemas.openxmlformats.org/drawingml/2006/main" xmlns:r="http://schemas.openxmlformats.org/officeDocument/2006/relationships" xmlns:p="http://schemas.openxmlformats.org/presentationml/2006/main">
+  <p:cSld>
+    <p:spTree>
+      <p:nvGrpSpPr>
+        <p:cNvPr id="1" name=""/>
+        <p:cNvGrpSpPr/>
+        <p:nvPr/>
+      </p:nvGrpSpPr>
+      <p:grpSpPr>
+        <a:xfrm>
+          <a:off x="0" y="0"/>
+          <a:ext cx="0" cy="0"/>
+          <a:chOff x="0" y="0"/>
+          <a:chExt cx="0" cy="0"/>
+        </a:xfrm>
+      </p:grpSpPr>
+      <p:sp>
+        <p:nvSpPr>
+          <p:cNvPr id="2" name="Title 1"/>
+          <p:cNvSpPr>
+            <a:spLocks noGrp="1"/>
+          </p:cNvSpPr>
+          <p:nvPr>
+            <p:ph type="title"/>
+          </p:nvPr>
+        </p:nvSpPr>
+        <p:spPr/>
+        <p:txBody>
+          <a:bodyPr/>
+          <a:lstStyle/>
+          <a:p>
+            <a:r>
+              <a:rPr lang="en-US" dirty="0" smtClean="0"/>
+              <a:t>Why so many EMPTY?</a:t>
+            </a:r>
+            <a:endParaRPr lang="en-US" dirty="0"/>
+          </a:p>
+        </p:txBody>
+      </p:sp>
+      <p:sp>
+        <p:nvSpPr>
+          <p:cNvPr id="3" name="Content Placeholder 2"/>
+          <p:cNvSpPr>
+            <a:spLocks noGrp="1"/>
+          </p:cNvSpPr>
+          <p:nvPr>
+            <p:ph idx="1"/>
+          </p:nvPr>
+        </p:nvSpPr>
+        <p:spPr/>
+        <p:txBody>
+          <a:bodyPr/>
+          <a:lstStyle/>
+          <a:p>
+            <a:pPr marL="0" indent="0">
+              <a:buNone/>
+            </a:pPr>
+            <a:r>
+              <a:rPr lang="en-US" dirty="0"/>
+              <a:t> # convert any </a:t>
+            </a:r>
+            <a:r>
+              <a:rPr lang="en-US" dirty="0" smtClean="0"/>
+              <a:t>any </a:t>
+            </a:r>
+            <a:r>
+              <a:rPr lang="en-US" dirty="0"/>
+              <a:t>empty </a:t>
+            </a:r>
+            <a:r>
+              <a:rPr lang="en-US" dirty="0" smtClean="0"/>
+              <a:t>strings </a:t>
+            </a:r>
+            <a:r>
+              <a:rPr lang="en-US" dirty="0"/>
+              <a:t>to a string called 'EMPTY' we can use as a value</a:t>
+            </a:r>
+          </a:p>
+          <a:p>
+            <a:pPr marL="0" indent="0">
+              <a:buNone/>
+            </a:pPr>
+            <a:r>
+              <a:rPr lang="en-US" dirty="0" smtClean="0">
+                <a:latin typeface="Courier"/>
+                <a:cs typeface="Courier"/>
+              </a:rPr>
+              <a:t>if </a:t>
+            </a:r>
+            <a:r>
+              <a:rPr lang="en-US" dirty="0">
+                <a:latin typeface="Courier"/>
+                <a:cs typeface="Courier"/>
+              </a:rPr>
+              <a:t>value == '': value = '</a:t>
+            </a:r>
+            <a:r>
+              <a:rPr lang="en-US" dirty="0" smtClean="0">
+                <a:latin typeface="Courier"/>
+                <a:cs typeface="Courier"/>
+              </a:rPr>
+              <a:t>EMPTY’</a:t>
+            </a:r>
+            <a:endParaRPr lang="en-US" dirty="0">
+              <a:latin typeface="Courier"/>
+              <a:cs typeface="Courier"/>
+            </a:endParaRPr>
+          </a:p>
+          <a:p>
+            <a:pPr marL="0" indent="0">
+              <a:buNone/>
+            </a:pPr>
+            <a:r>
+              <a:rPr lang="en-US" dirty="0" smtClean="0">
+                <a:latin typeface="Courier"/>
+                <a:cs typeface="Courier"/>
+              </a:rPr>
+              <a:t>if </a:t>
+            </a:r>
+            <a:r>
+              <a:rPr lang="en-US" dirty="0">
+                <a:latin typeface="Courier"/>
+                <a:cs typeface="Courier"/>
+              </a:rPr>
+              <a:t>value == '</a:t>
+            </a:r>
+            <a:r>
+              <a:rPr lang="en-US" dirty="0" err="1">
+                <a:latin typeface="Courier"/>
+                <a:cs typeface="Courier"/>
+              </a:rPr>
+              <a:t>NaN</a:t>
+            </a:r>
+            <a:r>
+              <a:rPr lang="en-US" dirty="0">
+                <a:latin typeface="Courier"/>
+                <a:cs typeface="Courier"/>
+              </a:rPr>
+              <a:t>' : value = 'EMPTY'</a:t>
+            </a:r>
+          </a:p>
+          <a:p>
+            <a:pPr marL="0" indent="0">
+              <a:buNone/>
+            </a:pPr>
+            <a:r>
+              <a:rPr lang="en-US" dirty="0"/>
+              <a:t>        </a:t>
+            </a:r>
+          </a:p>
+          <a:p>
+            <a:pPr marL="0" indent="0">
+              <a:buNone/>
+            </a:pPr>
+            <a:r>
+              <a:rPr lang="en-US" dirty="0"/>
+              <a:t> </a:t>
+            </a:r>
+          </a:p>
+        </p:txBody>
+      </p:sp>
+      <p:sp>
+        <p:nvSpPr>
+          <p:cNvPr id="4" name="Date Placeholder 3"/>
+          <p:cNvSpPr>
+            <a:spLocks noGrp="1"/>
+          </p:cNvSpPr>
+          <p:nvPr>
+            <p:ph type="dt" sz="half" idx="10"/>
+          </p:nvPr>
+        </p:nvSpPr>
+        <p:spPr/>
+        <p:txBody>
+          <a:bodyPr/>
+          <a:lstStyle/>
+          <a:p>
+            <a:fld id="{7053BEFA-1175-F644-B249-7D41D72BD3FF}" type="datetime1">
+              <a:rPr lang="en-US" smtClean="0"/>
+              <a:t>1/22/14</a:t>
+            </a:fld>
+            <a:endParaRPr lang="en-US"/>
+          </a:p>
+        </p:txBody>
+      </p:sp>
+      <p:sp>
+        <p:nvSpPr>
+          <p:cNvPr id="5" name="Footer Placeholder 4"/>
+          <p:cNvSpPr>
+            <a:spLocks noGrp="1"/>
+          </p:cNvSpPr>
+          <p:nvPr>
+            <p:ph type="ftr" sz="quarter" idx="11"/>
+          </p:nvPr>
+        </p:nvSpPr>
+        <p:spPr/>
+        <p:txBody>
+          <a:bodyPr/>
+          <a:lstStyle/>
+          <a:p>
+            <a:endParaRPr lang="en-US" dirty="0"/>
+          </a:p>
+        </p:txBody>
+      </p:sp>
+      <p:sp>
+        <p:nvSpPr>
+          <p:cNvPr id="6" name="Slide Number Placeholder 5"/>
+          <p:cNvSpPr>
+            <a:spLocks noGrp="1"/>
+          </p:cNvSpPr>
+          <p:nvPr>
+            <p:ph type="sldNum" sz="quarter" idx="12"/>
+          </p:nvPr>
+        </p:nvSpPr>
+        <p:spPr/>
+        <p:txBody>
+          <a:bodyPr/>
+          <a:lstStyle/>
+          <a:p>
+            <a:fld id="{17E276FA-8F89-B34D-A726-BE3FA1F8DD97}" type="slidenum">
+              <a:rPr lang="en-US" smtClean="0"/>
+              <a:t>26</a:t>
+            </a:fld>
+            <a:endParaRPr lang="en-US" dirty="0"/>
+          </a:p>
+        </p:txBody>
+      </p:sp>
+      <p:pic>
+        <p:nvPicPr>
+          <p:cNvPr id="7" name="Picture 6" descr="Screen Shot 2014-01-22 at 9.28.44 PM.png"/>
+          <p:cNvPicPr>
+            <a:picLocks noChangeAspect="1"/>
+          </p:cNvPicPr>
+          <p:nvPr/>
+        </p:nvPicPr>
+        <p:blipFill>
+          <a:blip r:embed="rId2">
+            <a:extLst>
+              <a:ext uri="{28A0092B-C50C-407E-A947-70E740481C1C}">
+                <a14:useLocalDpi xmlns:a14="http://schemas.microsoft.com/office/drawing/2010/main" val="0"/>
+              </a:ext>
+            </a:extLst>
+          </a:blip>
+          <a:stretch>
+            <a:fillRect/>
+          </a:stretch>
+        </p:blipFill>
+        <p:spPr>
+          <a:xfrm>
+            <a:off x="787400" y="673100"/>
+            <a:ext cx="7556500" cy="5499100"/>
+          </a:xfrm>
+          <a:prstGeom prst="rect">
+            <a:avLst/>
+          </a:prstGeom>
+        </p:spPr>
+      </p:pic>
+      <p:pic>
+        <p:nvPicPr>
+          <p:cNvPr id="8" name="Picture 7" descr="Screen Shot 2014-01-22 at 9.26.02 PM.png"/>
+          <p:cNvPicPr>
+            <a:picLocks noChangeAspect="1"/>
+          </p:cNvPicPr>
+          <p:nvPr/>
+        </p:nvPicPr>
+        <p:blipFill>
+          <a:blip r:embed="rId3">
+            <a:extLst>
+              <a:ext uri="{28A0092B-C50C-407E-A947-70E740481C1C}">
+                <a14:useLocalDpi xmlns:a14="http://schemas.microsoft.com/office/drawing/2010/main" val="0"/>
+              </a:ext>
+            </a:extLst>
+          </a:blip>
+          <a:stretch>
+            <a:fillRect/>
+          </a:stretch>
+        </p:blipFill>
+        <p:spPr>
+          <a:xfrm>
+            <a:off x="660400" y="495300"/>
+            <a:ext cx="7823200" cy="5854700"/>
+          </a:xfrm>
+          <a:prstGeom prst="rect">
+            <a:avLst/>
+          </a:prstGeom>
+        </p:spPr>
+      </p:pic>
+    </p:spTree>
+    <p:extLst>
+      <p:ext uri="{BB962C8B-B14F-4D97-AF65-F5344CB8AC3E}">
+        <p14:creationId xmlns:p14="http://schemas.microsoft.com/office/powerpoint/2010/main" val="3101515521"/>
+      </p:ext>
+    </p:extLst>
+  </p:cSld>
+  <p:clrMapOvr>
+    <a:masterClrMapping/>
+  </p:clrMapOvr>
+</p:sld>
+</file>
+
+<file path=ppt/slides/slide27.xml><?xml version="1.0" encoding="utf-8"?>
+<p:sld xmlns:a="http://schemas.openxmlformats.org/drawingml/2006/main" xmlns:r="http://schemas.openxmlformats.org/officeDocument/2006/relationships" xmlns:p="http://schemas.openxmlformats.org/presentationml/2006/main">
+  <p:cSld>
+    <p:spTree>
+      <p:nvGrpSpPr>
+        <p:cNvPr id="1" name=""/>
+        <p:cNvGrpSpPr/>
+        <p:nvPr/>
+      </p:nvGrpSpPr>
+      <p:grpSpPr>
+        <a:xfrm>
+          <a:off x="0" y="0"/>
+          <a:ext cx="0" cy="0"/>
+          <a:chOff x="0" y="0"/>
+          <a:chExt cx="0" cy="0"/>
+        </a:xfrm>
+      </p:grpSpPr>
+      <p:sp>
+        <p:nvSpPr>
+          <p:cNvPr id="2" name="Title 1"/>
+          <p:cNvSpPr>
+            <a:spLocks noGrp="1"/>
+          </p:cNvSpPr>
+          <p:nvPr>
+            <p:ph type="title"/>
+          </p:nvPr>
+        </p:nvSpPr>
+        <p:spPr/>
+        <p:txBody>
+          <a:bodyPr/>
+          <a:lstStyle/>
+          <a:p>
+            <a:r>
+              <a:rPr lang="en-US" dirty="0" smtClean="0"/>
+              <a:t>Why so many EMPTY?</a:t>
+            </a:r>
+            <a:endParaRPr lang="en-US" dirty="0"/>
+          </a:p>
+        </p:txBody>
+      </p:sp>
+      <p:sp>
+        <p:nvSpPr>
+          <p:cNvPr id="3" name="Content Placeholder 2"/>
+          <p:cNvSpPr>
+            <a:spLocks noGrp="1"/>
+          </p:cNvSpPr>
+          <p:nvPr>
+            <p:ph idx="1"/>
+          </p:nvPr>
+        </p:nvSpPr>
+        <p:spPr/>
+        <p:txBody>
+          <a:bodyPr/>
+          <a:lstStyle/>
+          <a:p>
+            <a:pPr marL="0" indent="0">
+              <a:buNone/>
+            </a:pPr>
+            <a:r>
+              <a:rPr lang="en-US" dirty="0"/>
+              <a:t> # convert any </a:t>
+            </a:r>
+            <a:r>
+              <a:rPr lang="en-US" dirty="0" smtClean="0"/>
+              <a:t>any </a:t>
+            </a:r>
+            <a:r>
+              <a:rPr lang="en-US" dirty="0"/>
+              <a:t>empty </a:t>
+            </a:r>
+            <a:r>
+              <a:rPr lang="en-US" dirty="0" smtClean="0"/>
+              <a:t>strings </a:t>
+            </a:r>
+            <a:r>
+              <a:rPr lang="en-US" dirty="0"/>
+              <a:t>to a string called 'EMPTY' we can use as a value</a:t>
+            </a:r>
+          </a:p>
+          <a:p>
+            <a:pPr marL="0" indent="0">
+              <a:buNone/>
+            </a:pPr>
+            <a:r>
+              <a:rPr lang="en-US" dirty="0" smtClean="0">
+                <a:latin typeface="Courier"/>
+                <a:cs typeface="Courier"/>
+              </a:rPr>
+              <a:t>if </a:t>
+            </a:r>
+            <a:r>
+              <a:rPr lang="en-US" dirty="0">
+                <a:latin typeface="Courier"/>
+                <a:cs typeface="Courier"/>
+              </a:rPr>
+              <a:t>value == '': value = '</a:t>
+            </a:r>
+            <a:r>
+              <a:rPr lang="en-US" dirty="0" smtClean="0">
+                <a:latin typeface="Courier"/>
+                <a:cs typeface="Courier"/>
+              </a:rPr>
+              <a:t>EMPTY’</a:t>
+            </a:r>
+            <a:endParaRPr lang="en-US" dirty="0">
+              <a:latin typeface="Courier"/>
+              <a:cs typeface="Courier"/>
+            </a:endParaRPr>
+          </a:p>
+          <a:p>
+            <a:pPr marL="0" indent="0">
+              <a:buNone/>
+            </a:pPr>
+            <a:r>
+              <a:rPr lang="en-US" dirty="0" smtClean="0">
+                <a:latin typeface="Courier"/>
+                <a:cs typeface="Courier"/>
+              </a:rPr>
+              <a:t>if </a:t>
+            </a:r>
+            <a:r>
+              <a:rPr lang="en-US" dirty="0">
+                <a:latin typeface="Courier"/>
+                <a:cs typeface="Courier"/>
+              </a:rPr>
+              <a:t>value == '</a:t>
+            </a:r>
+            <a:r>
+              <a:rPr lang="en-US" dirty="0" err="1">
+                <a:latin typeface="Courier"/>
+                <a:cs typeface="Courier"/>
+              </a:rPr>
+              <a:t>NaN</a:t>
+            </a:r>
+            <a:r>
+              <a:rPr lang="en-US" dirty="0">
+                <a:latin typeface="Courier"/>
+                <a:cs typeface="Courier"/>
+              </a:rPr>
+              <a:t>' : value = 'EMPTY'</a:t>
+            </a:r>
+          </a:p>
+          <a:p>
+            <a:pPr marL="0" indent="0">
+              <a:buNone/>
+            </a:pPr>
+            <a:r>
+              <a:rPr lang="en-US" dirty="0"/>
+              <a:t>        </a:t>
+            </a:r>
+          </a:p>
+          <a:p>
+            <a:pPr marL="0" indent="0">
+              <a:buNone/>
+            </a:pPr>
+            <a:r>
+              <a:rPr lang="en-US" dirty="0"/>
+              <a:t> </a:t>
+            </a:r>
+          </a:p>
+        </p:txBody>
+      </p:sp>
+      <p:sp>
+        <p:nvSpPr>
+          <p:cNvPr id="4" name="Date Placeholder 3"/>
+          <p:cNvSpPr>
+            <a:spLocks noGrp="1"/>
+          </p:cNvSpPr>
+          <p:nvPr>
+            <p:ph type="dt" sz="half" idx="10"/>
+          </p:nvPr>
+        </p:nvSpPr>
+        <p:spPr/>
+        <p:txBody>
+          <a:bodyPr/>
+          <a:lstStyle/>
+          <a:p>
+            <a:fld id="{7053BEFA-1175-F644-B249-7D41D72BD3FF}" type="datetime1">
+              <a:rPr lang="en-US" smtClean="0"/>
+              <a:t>1/22/14</a:t>
+            </a:fld>
+            <a:endParaRPr lang="en-US"/>
+          </a:p>
+        </p:txBody>
+      </p:sp>
+      <p:sp>
+        <p:nvSpPr>
+          <p:cNvPr id="5" name="Footer Placeholder 4"/>
+          <p:cNvSpPr>
+            <a:spLocks noGrp="1"/>
+          </p:cNvSpPr>
+          <p:nvPr>
+            <p:ph type="ftr" sz="quarter" idx="11"/>
+          </p:nvPr>
+        </p:nvSpPr>
+        <p:spPr/>
+        <p:txBody>
+          <a:bodyPr/>
+          <a:lstStyle/>
+          <a:p>
+            <a:endParaRPr lang="en-US" dirty="0"/>
+          </a:p>
+        </p:txBody>
+      </p:sp>
+      <p:sp>
+        <p:nvSpPr>
+          <p:cNvPr id="6" name="Slide Number Placeholder 5"/>
+          <p:cNvSpPr>
+            <a:spLocks noGrp="1"/>
+          </p:cNvSpPr>
+          <p:nvPr>
+            <p:ph type="sldNum" sz="quarter" idx="12"/>
+          </p:nvPr>
+        </p:nvSpPr>
+        <p:spPr/>
+        <p:txBody>
+          <a:bodyPr/>
+          <a:lstStyle/>
+          <a:p>
+            <a:fld id="{17E276FA-8F89-B34D-A726-BE3FA1F8DD97}" type="slidenum">
+              <a:rPr lang="en-US" smtClean="0"/>
+              <a:t>27</a:t>
+            </a:fld>
+            <a:endParaRPr lang="en-US" dirty="0"/>
+          </a:p>
+        </p:txBody>
+      </p:sp>
+      <p:pic>
+        <p:nvPicPr>
+          <p:cNvPr id="7" name="Picture 6" descr="Screen Shot 2014-01-22 at 9.28.44 PM.png"/>
+          <p:cNvPicPr>
+            <a:picLocks noChangeAspect="1"/>
+          </p:cNvPicPr>
+          <p:nvPr/>
+        </p:nvPicPr>
+        <p:blipFill>
+          <a:blip r:embed="rId2">
+            <a:extLst>
+              <a:ext uri="{28A0092B-C50C-407E-A947-70E740481C1C}">
+                <a14:useLocalDpi xmlns:a14="http://schemas.microsoft.com/office/drawing/2010/main" val="0"/>
+              </a:ext>
+            </a:extLst>
+          </a:blip>
+          <a:stretch>
+            <a:fillRect/>
+          </a:stretch>
+        </p:blipFill>
+        <p:spPr>
+          <a:xfrm>
+            <a:off x="787400" y="673100"/>
+            <a:ext cx="7556500" cy="5499100"/>
+          </a:xfrm>
+          <a:prstGeom prst="rect">
+            <a:avLst/>
+          </a:prstGeom>
+        </p:spPr>
+      </p:pic>
+    </p:spTree>
+    <p:extLst>
+      <p:ext uri="{BB962C8B-B14F-4D97-AF65-F5344CB8AC3E}">
+        <p14:creationId xmlns:p14="http://schemas.microsoft.com/office/powerpoint/2010/main" val="2316985000"/>
+      </p:ext>
+    </p:extLst>
+  </p:cSld>
+  <p:clrMapOvr>
+    <a:masterClrMapping/>
+  </p:clrMapOvr>
+</p:sld>
+</file>
+
+<file path=ppt/slides/slide28.xml><?xml version="1.0" encoding="utf-8"?>
+<p:sld xmlns:a="http://schemas.openxmlformats.org/drawingml/2006/main" xmlns:r="http://schemas.openxmlformats.org/officeDocument/2006/relationships" xmlns:p="http://schemas.openxmlformats.org/presentationml/2006/main">
+  <p:cSld>
+    <p:spTree>
+      <p:nvGrpSpPr>
+        <p:cNvPr id="1" name=""/>
+        <p:cNvGrpSpPr/>
+        <p:nvPr/>
+      </p:nvGrpSpPr>
+      <p:grpSpPr>
+        <a:xfrm>
+          <a:off x="0" y="0"/>
+          <a:ext cx="0" cy="0"/>
+          <a:chOff x="0" y="0"/>
+          <a:chExt cx="0" cy="0"/>
+        </a:xfrm>
+      </p:grpSpPr>
+      <p:sp>
+        <p:nvSpPr>
+          <p:cNvPr id="2" name="Title 1"/>
+          <p:cNvSpPr>
+            <a:spLocks noGrp="1"/>
+          </p:cNvSpPr>
+          <p:nvPr>
+            <p:ph type="title"/>
+          </p:nvPr>
+        </p:nvSpPr>
+        <p:spPr/>
+        <p:txBody>
+          <a:bodyPr/>
+          <a:lstStyle/>
+          <a:p>
+            <a:r>
+              <a:rPr lang="en-US" dirty="0" smtClean="0"/>
+              <a:t>Questions you should be able to answer about Byte2</a:t>
+            </a:r>
+            <a:endParaRPr lang="en-US" dirty="0"/>
+          </a:p>
+        </p:txBody>
+      </p:sp>
+      <p:sp>
+        <p:nvSpPr>
+          <p:cNvPr id="3" name="Content Placeholder 2"/>
+          <p:cNvSpPr>
+            <a:spLocks noGrp="1"/>
+          </p:cNvSpPr>
+          <p:nvPr>
+            <p:ph idx="1"/>
+          </p:nvPr>
+        </p:nvSpPr>
+        <p:spPr/>
+        <p:txBody>
+          <a:bodyPr/>
+          <a:lstStyle/>
+          <a:p>
+            <a:pPr marL="0" indent="0">
+              <a:buNone/>
+            </a:pPr>
+            <a:r>
+              <a:rPr lang="en-US" sz="2400" dirty="0"/>
+              <a:t>Is the data complete? If not, what is missing and what concerns does it raise?</a:t>
+            </a:r>
+          </a:p>
+          <a:p>
+            <a:pPr marL="0" indent="0">
+              <a:buNone/>
+            </a:pPr>
+            <a:r>
+              <a:rPr lang="en-US" sz="2400" dirty="0"/>
+              <a:t>Is the data coherent? </a:t>
+            </a:r>
+          </a:p>
+          <a:p>
+            <a:pPr marL="228600" lvl="1" indent="0">
+              <a:buNone/>
+            </a:pPr>
+            <a:r>
+              <a:rPr lang="en-US" sz="1800" dirty="0"/>
+              <a:t>Does it make sense relative to itself? </a:t>
+            </a:r>
+          </a:p>
+          <a:p>
+            <a:pPr marL="228600" lvl="1" indent="0">
+              <a:buNone/>
+            </a:pPr>
+            <a:r>
+              <a:rPr lang="en-US" sz="1800" dirty="0"/>
+              <a:t>Does it match your expectations? </a:t>
+            </a:r>
+          </a:p>
+          <a:p>
+            <a:pPr marL="228600" lvl="1" indent="0">
+              <a:buNone/>
+            </a:pPr>
+            <a:r>
+              <a:rPr lang="en-US" sz="1800" dirty="0"/>
+              <a:t>Is the data is distributed across its possible values in a way that makes sense?</a:t>
+            </a:r>
+          </a:p>
+          <a:p>
+            <a:pPr marL="0" indent="0">
+              <a:buNone/>
+            </a:pPr>
+            <a:r>
+              <a:rPr lang="en-US" sz="2400" dirty="0"/>
+              <a:t>Is the data correct?</a:t>
+            </a:r>
+          </a:p>
+          <a:p>
+            <a:pPr marL="228600" lvl="1" indent="0">
+              <a:buNone/>
+            </a:pPr>
+            <a:r>
+              <a:rPr lang="en-US" sz="1800" dirty="0"/>
+              <a:t>What aspects of this data can you verify?</a:t>
+            </a:r>
+          </a:p>
+          <a:p>
+            <a:pPr marL="228600" lvl="1" indent="0">
+              <a:buNone/>
+            </a:pPr>
+            <a:r>
+              <a:rPr lang="en-US" sz="1800" dirty="0"/>
+              <a:t>What did you find</a:t>
+            </a:r>
+            <a:r>
+              <a:rPr lang="en-US" sz="1800" dirty="0" smtClean="0"/>
+              <a:t>?</a:t>
+            </a:r>
+            <a:endParaRPr lang="en-US" sz="1800" dirty="0"/>
+          </a:p>
+        </p:txBody>
+      </p:sp>
+      <p:sp>
+        <p:nvSpPr>
+          <p:cNvPr id="4" name="Date Placeholder 3"/>
+          <p:cNvSpPr>
+            <a:spLocks noGrp="1"/>
+          </p:cNvSpPr>
+          <p:nvPr>
+            <p:ph type="dt" sz="half" idx="10"/>
+          </p:nvPr>
+        </p:nvSpPr>
+        <p:spPr/>
+        <p:txBody>
+          <a:bodyPr/>
+          <a:lstStyle/>
+          <a:p>
+            <a:fld id="{7053BEFA-1175-F644-B249-7D41D72BD3FF}" type="datetime1">
+              <a:rPr lang="en-US" smtClean="0"/>
+              <a:t>1/22/14</a:t>
+            </a:fld>
+            <a:endParaRPr lang="en-US"/>
+          </a:p>
+        </p:txBody>
+      </p:sp>
+      <p:sp>
+        <p:nvSpPr>
+          <p:cNvPr id="5" name="Footer Placeholder 4"/>
+          <p:cNvSpPr>
+            <a:spLocks noGrp="1"/>
+          </p:cNvSpPr>
+          <p:nvPr>
+            <p:ph type="ftr" sz="quarter" idx="11"/>
+          </p:nvPr>
+        </p:nvSpPr>
+        <p:spPr/>
+        <p:txBody>
+          <a:bodyPr/>
+          <a:lstStyle/>
+          <a:p>
+            <a:endParaRPr lang="en-US" dirty="0"/>
+          </a:p>
+        </p:txBody>
+      </p:sp>
+      <p:sp>
+        <p:nvSpPr>
+          <p:cNvPr id="6" name="Slide Number Placeholder 5"/>
+          <p:cNvSpPr>
+            <a:spLocks noGrp="1"/>
+          </p:cNvSpPr>
+          <p:nvPr>
+            <p:ph type="sldNum" sz="quarter" idx="12"/>
+          </p:nvPr>
+        </p:nvSpPr>
+        <p:spPr/>
+        <p:txBody>
+          <a:bodyPr/>
+          <a:lstStyle/>
+          <a:p>
+            <a:fld id="{17E276FA-8F89-B34D-A726-BE3FA1F8DD97}" type="slidenum">
+              <a:rPr lang="en-US" smtClean="0"/>
+              <a:t>28</a:t>
+            </a:fld>
+            <a:endParaRPr lang="en-US" dirty="0"/>
+          </a:p>
+        </p:txBody>
+      </p:sp>
+    </p:spTree>
+    <p:extLst>
+      <p:ext uri="{BB962C8B-B14F-4D97-AF65-F5344CB8AC3E}">
+        <p14:creationId xmlns:p14="http://schemas.microsoft.com/office/powerpoint/2010/main" val="2756876228"/>
+      </p:ext>
+    </p:extLst>
+  </p:cSld>
+  <p:clrMapOvr>
+    <a:masterClrMapping/>
+  </p:clrMapOvr>
+</p:sld>
+</file>
+
+<file path=ppt/slides/slide29.xml><?xml version="1.0" encoding="utf-8"?>
+<p:sld xmlns:a="http://schemas.openxmlformats.org/drawingml/2006/main" xmlns:r="http://schemas.openxmlformats.org/officeDocument/2006/relationships" xmlns:p="http://schemas.openxmlformats.org/presentationml/2006/main">
+  <p:cSld>
+    <p:spTree>
+      <p:nvGrpSpPr>
+        <p:cNvPr id="1" name=""/>
+        <p:cNvGrpSpPr/>
+        <p:nvPr/>
+      </p:nvGrpSpPr>
+      <p:grpSpPr>
+        <a:xfrm>
+          <a:off x="0" y="0"/>
+          <a:ext cx="0" cy="0"/>
+          <a:chOff x="0" y="0"/>
+          <a:chExt cx="0" cy="0"/>
+        </a:xfrm>
+      </p:grpSpPr>
+      <p:sp>
+        <p:nvSpPr>
+          <p:cNvPr id="2" name="Title 1"/>
+          <p:cNvSpPr>
+            <a:spLocks noGrp="1"/>
+          </p:cNvSpPr>
+          <p:nvPr>
+            <p:ph type="title"/>
+          </p:nvPr>
+        </p:nvSpPr>
+        <p:spPr/>
+        <p:txBody>
+          <a:bodyPr/>
+          <a:lstStyle/>
+          <a:p>
+            <a:r>
+              <a:rPr lang="en-US" dirty="0" smtClean="0"/>
+              <a:t>What does the Summary not tell you?</a:t>
+            </a:r>
+            <a:endParaRPr lang="en-US" dirty="0"/>
+          </a:p>
+        </p:txBody>
+      </p:sp>
+      <p:sp>
+        <p:nvSpPr>
+          <p:cNvPr id="3" name="Content Placeholder 2"/>
+          <p:cNvSpPr>
+            <a:spLocks noGrp="1"/>
+          </p:cNvSpPr>
+          <p:nvPr>
+            <p:ph idx="1"/>
+          </p:nvPr>
+        </p:nvSpPr>
+        <p:spPr/>
+        <p:txBody>
+          <a:bodyPr/>
+          <a:lstStyle/>
+          <a:p>
+            <a:pPr marL="0" indent="0">
+              <a:buNone/>
+            </a:pPr>
+            <a:r>
+              <a:rPr lang="en-US" sz="2400" dirty="0" smtClean="0"/>
+              <a:t>Loses all information about the relationships across columns (</a:t>
+            </a:r>
+            <a:r>
+              <a:rPr lang="en-US" sz="2400" i="1" dirty="0" smtClean="0"/>
+              <a:t>i.e.</a:t>
+            </a:r>
+            <a:r>
+              <a:rPr lang="en-US" sz="2400" dirty="0" smtClean="0"/>
+              <a:t> the relationship between age and outcome; zip found and zip lost; and so on)</a:t>
+            </a:r>
+          </a:p>
+          <a:p>
+            <a:pPr marL="0" indent="0">
+              <a:buNone/>
+            </a:pPr>
+            <a:endParaRPr lang="en-US" sz="2400" dirty="0"/>
+          </a:p>
+          <a:p>
+            <a:pPr marL="0" indent="0">
+              <a:buNone/>
+            </a:pPr>
+            <a:r>
+              <a:rPr lang="en-US" sz="2400" dirty="0" smtClean="0"/>
+              <a:t>You may need to change this to </a:t>
+            </a:r>
+            <a:r>
+              <a:rPr lang="en-US" sz="2400" smtClean="0"/>
+              <a:t>explore coherence </a:t>
+            </a:r>
+            <a:r>
+              <a:rPr lang="en-US" sz="2400" dirty="0" smtClean="0"/>
+              <a:t>&amp;  correctness</a:t>
+            </a:r>
+          </a:p>
+          <a:p>
+            <a:pPr marL="0" indent="0">
+              <a:buNone/>
+            </a:pPr>
+            <a:endParaRPr lang="en-US" dirty="0"/>
+          </a:p>
+        </p:txBody>
+      </p:sp>
+      <p:sp>
+        <p:nvSpPr>
+          <p:cNvPr id="4" name="Date Placeholder 3"/>
+          <p:cNvSpPr>
+            <a:spLocks noGrp="1"/>
+          </p:cNvSpPr>
+          <p:nvPr>
+            <p:ph type="dt" sz="half" idx="10"/>
+          </p:nvPr>
+        </p:nvSpPr>
+        <p:spPr/>
+        <p:txBody>
+          <a:bodyPr/>
+          <a:lstStyle/>
+          <a:p>
+            <a:fld id="{7053BEFA-1175-F644-B249-7D41D72BD3FF}" type="datetime1">
+              <a:rPr lang="en-US" smtClean="0"/>
+              <a:t>1/22/14</a:t>
+            </a:fld>
+            <a:endParaRPr lang="en-US"/>
+          </a:p>
+        </p:txBody>
+      </p:sp>
+      <p:sp>
+        <p:nvSpPr>
+          <p:cNvPr id="5" name="Footer Placeholder 4"/>
+          <p:cNvSpPr>
+            <a:spLocks noGrp="1"/>
+          </p:cNvSpPr>
+          <p:nvPr>
+            <p:ph type="ftr" sz="quarter" idx="11"/>
+          </p:nvPr>
+        </p:nvSpPr>
+        <p:spPr/>
+        <p:txBody>
+          <a:bodyPr/>
+          <a:lstStyle/>
+          <a:p>
+            <a:endParaRPr lang="en-US" dirty="0"/>
+          </a:p>
+        </p:txBody>
+      </p:sp>
+      <p:sp>
+        <p:nvSpPr>
+          <p:cNvPr id="6" name="Slide Number Placeholder 5"/>
+          <p:cNvSpPr>
+            <a:spLocks noGrp="1"/>
+          </p:cNvSpPr>
+          <p:nvPr>
+            <p:ph type="sldNum" sz="quarter" idx="12"/>
+          </p:nvPr>
+        </p:nvSpPr>
+        <p:spPr/>
+        <p:txBody>
+          <a:bodyPr/>
+          <a:lstStyle/>
+          <a:p>
+            <a:fld id="{17E276FA-8F89-B34D-A726-BE3FA1F8DD97}" type="slidenum">
+              <a:rPr lang="en-US" smtClean="0"/>
+              <a:t>29</a:t>
+            </a:fld>
+            <a:endParaRPr lang="en-US" dirty="0"/>
+          </a:p>
+        </p:txBody>
+      </p:sp>
+    </p:spTree>
+    <p:extLst>
+      <p:ext uri="{BB962C8B-B14F-4D97-AF65-F5344CB8AC3E}">
+        <p14:creationId xmlns:p14="http://schemas.microsoft.com/office/powerpoint/2010/main" val="3933780732"/>
       </p:ext>
     </p:extLst>
   </p:cSld>
@@ -11454,7 +16252,7 @@
           <a:p>
             <a:r>
               <a:rPr lang="en-US" dirty="0" smtClean="0"/>
-              <a:t>Getting the Data</a:t>
+              <a:t>Connecting to Fusion Tables</a:t>
             </a:r>
             <a:endParaRPr lang="en-US" dirty="0"/>
           </a:p>
@@ -11730,7 +16528,7 @@
           <a:p>
             <a:r>
               <a:rPr lang="en-US" dirty="0" smtClean="0"/>
-              <a:t>Exploratory Analysis</a:t>
+              <a:t>Exploring your Table</a:t>
             </a:r>
             <a:endParaRPr lang="en-US" dirty="0"/>
           </a:p>
@@ -11746,34 +16544,148 @@
             <p:ph idx="1"/>
           </p:nvPr>
         </p:nvSpPr>
-        <p:spPr/>
-        <p:txBody>
-          <a:bodyPr/>
-          <a:lstStyle/>
-          <a:p>
+        <p:spPr>
+          <a:xfrm>
+            <a:off x="1914769" y="1847153"/>
+            <a:ext cx="6838462" cy="4379976"/>
+          </a:xfrm>
+        </p:spPr>
+        <p:txBody>
+          <a:bodyPr/>
+          <a:lstStyle/>
+          <a:p>
+            <a:pPr marL="0" indent="0">
+              <a:buNone/>
+            </a:pPr>
             <a:r>
               <a:rPr lang="en-US" dirty="0" smtClean="0"/>
-              <a:t>Combination of statistics </a:t>
+              <a:t>Also need a TABLE_ID</a:t>
+            </a:r>
+          </a:p>
+          <a:p>
+            <a:pPr marL="0" indent="0">
+              <a:buNone/>
+            </a:pPr>
+            <a:r>
+              <a:rPr lang="en-US" dirty="0" smtClean="0"/>
+              <a:t>Then use a </a:t>
             </a:r>
             <a:r>
               <a:rPr lang="en-US" i="1" dirty="0" smtClean="0"/>
-              <a:t>and </a:t>
+              <a:t>library </a:t>
             </a:r>
             <a:r>
               <a:rPr lang="en-US" dirty="0" smtClean="0"/>
-              <a:t>graphics</a:t>
-            </a:r>
-          </a:p>
-          <a:p>
-            <a:r>
-              <a:rPr lang="en-US" dirty="0" smtClean="0"/>
-              <a:t>Use of </a:t>
-            </a:r>
-            <a:r>
-              <a:rPr lang="en-US" dirty="0" err="1" smtClean="0"/>
-              <a:t>PyPlot</a:t>
-            </a:r>
-            <a:endParaRPr lang="en-US" dirty="0"/>
+              <a:t>to build requests</a:t>
+            </a:r>
+            <a:endParaRPr lang="en-US" dirty="0" smtClean="0">
+              <a:latin typeface="Courier"/>
+              <a:cs typeface="Courier"/>
+            </a:endParaRPr>
+          </a:p>
+          <a:p>
+            <a:pPr marL="0" indent="0">
+              <a:buNone/>
+            </a:pPr>
+            <a:r>
+              <a:rPr lang="en-US" dirty="0">
+                <a:latin typeface="Courier"/>
+                <a:cs typeface="Courier"/>
+              </a:rPr>
+              <a:t>request = </a:t>
+            </a:r>
+            <a:r>
+              <a:rPr lang="en-US" dirty="0" err="1">
+                <a:latin typeface="Courier"/>
+                <a:cs typeface="Courier"/>
+              </a:rPr>
+              <a:t>service.column</a:t>
+            </a:r>
+            <a:r>
+              <a:rPr lang="en-US" dirty="0">
+                <a:latin typeface="Courier"/>
+                <a:cs typeface="Courier"/>
+              </a:rPr>
+              <a:t>().list(</a:t>
+            </a:r>
+            <a:r>
+              <a:rPr lang="en-US" dirty="0" err="1">
+                <a:latin typeface="Courier"/>
+                <a:cs typeface="Courier"/>
+              </a:rPr>
+              <a:t>tableId</a:t>
+            </a:r>
+            <a:r>
+              <a:rPr lang="en-US" dirty="0">
+                <a:latin typeface="Courier"/>
+                <a:cs typeface="Courier"/>
+              </a:rPr>
+              <a:t>=TABLE_ID) </a:t>
+            </a:r>
+            <a:endParaRPr lang="en-US" dirty="0" smtClean="0">
+              <a:latin typeface="Courier"/>
+              <a:cs typeface="Courier"/>
+            </a:endParaRPr>
+          </a:p>
+          <a:p>
+            <a:pPr marL="0" indent="0">
+              <a:buNone/>
+            </a:pPr>
+            <a:r>
+              <a:rPr lang="en-US" dirty="0" smtClean="0">
+                <a:latin typeface="+mn-lt"/>
+                <a:cs typeface="Courier"/>
+              </a:rPr>
+              <a:t>gets a list of column names</a:t>
+            </a:r>
+          </a:p>
+          <a:p>
+            <a:pPr marL="0" indent="0">
+              <a:buNone/>
+            </a:pPr>
+            <a:r>
+              <a:rPr lang="en-US" dirty="0" err="1">
+                <a:latin typeface="Courier"/>
+                <a:cs typeface="Courier"/>
+              </a:rPr>
+              <a:t>l</a:t>
+            </a:r>
+            <a:r>
+              <a:rPr lang="en-US" dirty="0" err="1" smtClean="0">
+                <a:latin typeface="Courier"/>
+                <a:cs typeface="Courier"/>
+              </a:rPr>
+              <a:t>ogging.info</a:t>
+            </a:r>
+            <a:r>
+              <a:rPr lang="en-US" dirty="0" smtClean="0">
+                <a:latin typeface="Courier"/>
+                <a:cs typeface="Courier"/>
+              </a:rPr>
+              <a:t>(request)</a:t>
+            </a:r>
+            <a:endParaRPr lang="en-US" dirty="0">
+              <a:latin typeface="Courier"/>
+              <a:cs typeface="Courier"/>
+            </a:endParaRPr>
+          </a:p>
+          <a:p>
+            <a:pPr marL="0" indent="0">
+              <a:buNone/>
+            </a:pPr>
+            <a:endParaRPr lang="en-US" dirty="0">
+              <a:latin typeface="Courier"/>
+              <a:cs typeface="Courier"/>
+            </a:endParaRPr>
+          </a:p>
+          <a:p>
+            <a:pPr marL="0" indent="0">
+              <a:buNone/>
+            </a:pPr>
+            <a:endParaRPr lang="en-US" dirty="0">
+              <a:latin typeface="Courier"/>
+              <a:cs typeface="Courier"/>
+            </a:endParaRPr>
           </a:p>
         </p:txBody>
       </p:sp>
@@ -11842,34 +16754,1081 @@
           </a:p>
         </p:txBody>
       </p:sp>
-      <p:pic>
-        <p:nvPicPr>
-          <p:cNvPr id="7" name="Picture 6"/>
-          <p:cNvPicPr>
-            <a:picLocks noChangeAspect="1"/>
-          </p:cNvPicPr>
+      <p:sp>
+        <p:nvSpPr>
+          <p:cNvPr id="7" name="Rounded Rectangle 6"/>
+          <p:cNvSpPr/>
           <p:nvPr/>
-        </p:nvPicPr>
-        <p:blipFill>
-          <a:blip r:embed="rId2"/>
-          <a:stretch>
-            <a:fillRect/>
-          </a:stretch>
-        </p:blipFill>
+        </p:nvSpPr>
         <p:spPr>
           <a:xfrm>
-            <a:off x="3170573" y="2974926"/>
-            <a:ext cx="4064000" cy="3175000"/>
+            <a:off x="193283" y="1532618"/>
+            <a:ext cx="1521698" cy="1143000"/>
           </a:xfrm>
-          <a:prstGeom prst="rect">
+          <a:prstGeom prst="roundRect">
             <a:avLst/>
           </a:prstGeom>
         </p:spPr>
-      </p:pic>
+        <p:style>
+          <a:lnRef idx="3">
+            <a:schemeClr val="lt1"/>
+          </a:lnRef>
+          <a:fillRef idx="1">
+            <a:schemeClr val="accent1"/>
+          </a:fillRef>
+          <a:effectRef idx="1">
+            <a:schemeClr val="accent1"/>
+          </a:effectRef>
+          <a:fontRef idx="minor">
+            <a:schemeClr val="lt1"/>
+          </a:fontRef>
+        </p:style>
+        <p:txBody>
+          <a:bodyPr rtlCol="0" anchor="ctr"/>
+          <a:lstStyle/>
+          <a:p>
+            <a:pPr algn="ctr"/>
+            <a:r>
+              <a:rPr lang="en-US" dirty="0" smtClean="0"/>
+              <a:t>Manually </a:t>
+            </a:r>
+            <a:r>
+              <a:rPr lang="en-US" dirty="0" smtClean="0"/>
+              <a:t>get Table ID</a:t>
+            </a:r>
+            <a:endParaRPr lang="en-US" dirty="0"/>
+          </a:p>
+        </p:txBody>
+      </p:sp>
     </p:spTree>
     <p:extLst>
       <p:ext uri="{BB962C8B-B14F-4D97-AF65-F5344CB8AC3E}">
-        <p14:creationId xmlns:p14="http://schemas.microsoft.com/office/powerpoint/2010/main" val="2296599666"/>
+        <p14:creationId xmlns:p14="http://schemas.microsoft.com/office/powerpoint/2010/main" val="778816452"/>
+      </p:ext>
+    </p:extLst>
+  </p:cSld>
+  <p:clrMapOvr>
+    <a:masterClrMapping/>
+  </p:clrMapOvr>
+</p:sld>
+</file>
+
+<file path=ppt/slides/slide7.xml><?xml version="1.0" encoding="utf-8"?>
+<p:sld xmlns:a="http://schemas.openxmlformats.org/drawingml/2006/main" xmlns:r="http://schemas.openxmlformats.org/officeDocument/2006/relationships" xmlns:p="http://schemas.openxmlformats.org/presentationml/2006/main">
+  <p:cSld>
+    <p:spTree>
+      <p:nvGrpSpPr>
+        <p:cNvPr id="1" name=""/>
+        <p:cNvGrpSpPr/>
+        <p:nvPr/>
+      </p:nvGrpSpPr>
+      <p:grpSpPr>
+        <a:xfrm>
+          <a:off x="0" y="0"/>
+          <a:ext cx="0" cy="0"/>
+          <a:chOff x="0" y="0"/>
+          <a:chExt cx="0" cy="0"/>
+        </a:xfrm>
+      </p:grpSpPr>
+      <p:sp>
+        <p:nvSpPr>
+          <p:cNvPr id="2" name="Title 1"/>
+          <p:cNvSpPr>
+            <a:spLocks noGrp="1"/>
+          </p:cNvSpPr>
+          <p:nvPr>
+            <p:ph type="title"/>
+          </p:nvPr>
+        </p:nvSpPr>
+        <p:spPr/>
+        <p:txBody>
+          <a:bodyPr/>
+          <a:lstStyle/>
+          <a:p>
+            <a:r>
+              <a:rPr lang="en-US" dirty="0" smtClean="0"/>
+              <a:t>Making a Query</a:t>
+            </a:r>
+            <a:endParaRPr lang="en-US" dirty="0"/>
+          </a:p>
+        </p:txBody>
+      </p:sp>
+      <p:sp>
+        <p:nvSpPr>
+          <p:cNvPr id="3" name="Content Placeholder 2"/>
+          <p:cNvSpPr>
+            <a:spLocks noGrp="1"/>
+          </p:cNvSpPr>
+          <p:nvPr>
+            <p:ph idx="1"/>
+          </p:nvPr>
+        </p:nvSpPr>
+        <p:spPr/>
+        <p:txBody>
+          <a:bodyPr/>
+          <a:lstStyle/>
+          <a:p>
+            <a:pPr marL="0" indent="0">
+              <a:buNone/>
+            </a:pPr>
+            <a:r>
+              <a:rPr lang="en-US" dirty="0" smtClean="0">
+                <a:latin typeface="Courier"/>
+                <a:cs typeface="Courier"/>
+              </a:rPr>
+              <a:t>query = # construct query</a:t>
+            </a:r>
+          </a:p>
+          <a:p>
+            <a:pPr marL="0" indent="0">
+              <a:buNone/>
+            </a:pPr>
+            <a:r>
+              <a:rPr lang="en-US" dirty="0" smtClean="0">
+                <a:latin typeface="Courier"/>
+                <a:cs typeface="Courier"/>
+              </a:rPr>
+              <a:t>response </a:t>
+            </a:r>
+            <a:r>
+              <a:rPr lang="en-US" dirty="0">
+                <a:latin typeface="Courier"/>
+                <a:cs typeface="Courier"/>
+              </a:rPr>
+              <a:t>= </a:t>
+            </a:r>
+            <a:r>
+              <a:rPr lang="en-US" dirty="0" err="1">
+                <a:latin typeface="Courier"/>
+                <a:cs typeface="Courier"/>
+              </a:rPr>
+              <a:t>service.query</a:t>
+            </a:r>
+            <a:r>
+              <a:rPr lang="en-US" dirty="0">
+                <a:latin typeface="Courier"/>
+                <a:cs typeface="Courier"/>
+              </a:rPr>
+              <a:t>().</a:t>
+            </a:r>
+            <a:r>
+              <a:rPr lang="en-US" dirty="0" err="1">
+                <a:latin typeface="Courier"/>
+                <a:cs typeface="Courier"/>
+              </a:rPr>
+              <a:t>sql</a:t>
+            </a:r>
+            <a:r>
+              <a:rPr lang="en-US" dirty="0">
+                <a:latin typeface="Courier"/>
+                <a:cs typeface="Courier"/>
+              </a:rPr>
+              <a:t>(</a:t>
+            </a:r>
+            <a:r>
+              <a:rPr lang="en-US" dirty="0" err="1">
+                <a:latin typeface="Courier"/>
+                <a:cs typeface="Courier"/>
+              </a:rPr>
+              <a:t>sql</a:t>
+            </a:r>
+            <a:r>
+              <a:rPr lang="en-US" dirty="0">
+                <a:latin typeface="Courier"/>
+                <a:cs typeface="Courier"/>
+              </a:rPr>
+              <a:t>=query).execute(</a:t>
+            </a:r>
+            <a:r>
+              <a:rPr lang="en-US" dirty="0" smtClean="0">
+                <a:latin typeface="Courier"/>
+                <a:cs typeface="Courier"/>
+              </a:rPr>
+              <a:t>)</a:t>
+            </a:r>
+          </a:p>
+          <a:p>
+            <a:pPr marL="0" indent="0">
+              <a:buNone/>
+            </a:pPr>
+            <a:r>
+              <a:rPr lang="en-US" dirty="0" err="1">
+                <a:latin typeface="Courier"/>
+                <a:cs typeface="Courier"/>
+              </a:rPr>
+              <a:t>logging.info</a:t>
+            </a:r>
+            <a:r>
+              <a:rPr lang="en-US" dirty="0" smtClean="0">
+                <a:latin typeface="Courier"/>
+                <a:cs typeface="Courier"/>
+              </a:rPr>
+              <a:t>(response)</a:t>
+            </a:r>
+            <a:endParaRPr lang="en-US" dirty="0">
+              <a:latin typeface="Courier"/>
+              <a:cs typeface="Courier"/>
+            </a:endParaRPr>
+          </a:p>
+          <a:p>
+            <a:pPr marL="0" indent="0">
+              <a:buNone/>
+            </a:pPr>
+            <a:endParaRPr lang="en-US" dirty="0"/>
+          </a:p>
+        </p:txBody>
+      </p:sp>
+      <p:sp>
+        <p:nvSpPr>
+          <p:cNvPr id="4" name="Date Placeholder 3"/>
+          <p:cNvSpPr>
+            <a:spLocks noGrp="1"/>
+          </p:cNvSpPr>
+          <p:nvPr>
+            <p:ph type="dt" sz="half" idx="10"/>
+          </p:nvPr>
+        </p:nvSpPr>
+        <p:spPr/>
+        <p:txBody>
+          <a:bodyPr/>
+          <a:lstStyle/>
+          <a:p>
+            <a:fld id="{7053BEFA-1175-F644-B249-7D41D72BD3FF}" type="datetime1">
+              <a:rPr lang="en-US" smtClean="0"/>
+              <a:t>1/22/14</a:t>
+            </a:fld>
+            <a:endParaRPr lang="en-US"/>
+          </a:p>
+        </p:txBody>
+      </p:sp>
+      <p:sp>
+        <p:nvSpPr>
+          <p:cNvPr id="5" name="Footer Placeholder 4"/>
+          <p:cNvSpPr>
+            <a:spLocks noGrp="1"/>
+          </p:cNvSpPr>
+          <p:nvPr>
+            <p:ph type="ftr" sz="quarter" idx="11"/>
+          </p:nvPr>
+        </p:nvSpPr>
+        <p:spPr/>
+        <p:txBody>
+          <a:bodyPr/>
+          <a:lstStyle/>
+          <a:p>
+            <a:endParaRPr lang="en-US" dirty="0"/>
+          </a:p>
+        </p:txBody>
+      </p:sp>
+      <p:sp>
+        <p:nvSpPr>
+          <p:cNvPr id="6" name="Slide Number Placeholder 5"/>
+          <p:cNvSpPr>
+            <a:spLocks noGrp="1"/>
+          </p:cNvSpPr>
+          <p:nvPr>
+            <p:ph type="sldNum" sz="quarter" idx="12"/>
+          </p:nvPr>
+        </p:nvSpPr>
+        <p:spPr/>
+        <p:txBody>
+          <a:bodyPr/>
+          <a:lstStyle/>
+          <a:p>
+            <a:fld id="{17E276FA-8F89-B34D-A726-BE3FA1F8DD97}" type="slidenum">
+              <a:rPr lang="en-US" smtClean="0"/>
+              <a:t>7</a:t>
+            </a:fld>
+            <a:endParaRPr lang="en-US" dirty="0"/>
+          </a:p>
+        </p:txBody>
+      </p:sp>
+    </p:spTree>
+    <p:extLst>
+      <p:ext uri="{BB962C8B-B14F-4D97-AF65-F5344CB8AC3E}">
+        <p14:creationId xmlns:p14="http://schemas.microsoft.com/office/powerpoint/2010/main" val="721897657"/>
+      </p:ext>
+    </p:extLst>
+  </p:cSld>
+  <p:clrMapOvr>
+    <a:masterClrMapping/>
+  </p:clrMapOvr>
+</p:sld>
+</file>
+
+<file path=ppt/slides/slide8.xml><?xml version="1.0" encoding="utf-8"?>
+<p:sld xmlns:a="http://schemas.openxmlformats.org/drawingml/2006/main" xmlns:r="http://schemas.openxmlformats.org/officeDocument/2006/relationships" xmlns:p="http://schemas.openxmlformats.org/presentationml/2006/main">
+  <p:cSld>
+    <p:spTree>
+      <p:nvGrpSpPr>
+        <p:cNvPr id="1" name=""/>
+        <p:cNvGrpSpPr/>
+        <p:nvPr/>
+      </p:nvGrpSpPr>
+      <p:grpSpPr>
+        <a:xfrm>
+          <a:off x="0" y="0"/>
+          <a:ext cx="0" cy="0"/>
+          <a:chOff x="0" y="0"/>
+          <a:chExt cx="0" cy="0"/>
+        </a:xfrm>
+      </p:grpSpPr>
+      <p:sp>
+        <p:nvSpPr>
+          <p:cNvPr id="2" name="Title 1"/>
+          <p:cNvSpPr>
+            <a:spLocks noGrp="1"/>
+          </p:cNvSpPr>
+          <p:nvPr>
+            <p:ph type="title"/>
+          </p:nvPr>
+        </p:nvSpPr>
+        <p:spPr/>
+        <p:txBody>
+          <a:bodyPr/>
+          <a:lstStyle/>
+          <a:p>
+            <a:r>
+              <a:rPr lang="en-US" dirty="0" smtClean="0"/>
+              <a:t>Making a Query</a:t>
+            </a:r>
+            <a:endParaRPr lang="en-US" dirty="0"/>
+          </a:p>
+        </p:txBody>
+      </p:sp>
+      <p:sp>
+        <p:nvSpPr>
+          <p:cNvPr id="3" name="Content Placeholder 2"/>
+          <p:cNvSpPr>
+            <a:spLocks noGrp="1"/>
+          </p:cNvSpPr>
+          <p:nvPr>
+            <p:ph idx="1"/>
+          </p:nvPr>
+        </p:nvSpPr>
+        <p:spPr/>
+        <p:txBody>
+          <a:bodyPr/>
+          <a:lstStyle/>
+          <a:p>
+            <a:pPr marL="0" indent="0">
+              <a:buNone/>
+            </a:pPr>
+            <a:r>
+              <a:rPr lang="en-US" sz="2400" dirty="0">
+                <a:latin typeface="Courier"/>
+                <a:cs typeface="Courier"/>
+              </a:rPr>
+              <a:t> query = "SELECT * FROM " + TABLE_ID + " WHERE  </a:t>
+            </a:r>
+            <a:r>
+              <a:rPr lang="en-US" sz="2400" dirty="0" err="1">
+                <a:latin typeface="Courier"/>
+                <a:cs typeface="Courier"/>
+              </a:rPr>
+              <a:t>AnimalType</a:t>
+            </a:r>
+            <a:r>
+              <a:rPr lang="en-US" sz="2400" dirty="0">
+                <a:latin typeface="Courier"/>
+                <a:cs typeface="Courier"/>
+              </a:rPr>
+              <a:t> = 'DOG' LIMIT </a:t>
+            </a:r>
+            <a:r>
+              <a:rPr lang="en-US" sz="2400" dirty="0" smtClean="0">
+                <a:latin typeface="Courier"/>
+                <a:cs typeface="Courier"/>
+              </a:rPr>
+              <a:t>2”</a:t>
+            </a:r>
+          </a:p>
+          <a:p>
+            <a:pPr marL="0" indent="0">
+              <a:buNone/>
+            </a:pPr>
+            <a:r>
+              <a:rPr lang="fr-FR" sz="1600" dirty="0"/>
+              <a:t>INFO     2014-01-07 19:31:41,439 main.py:88] [</a:t>
+            </a:r>
+            <a:r>
+              <a:rPr lang="fr-FR" sz="1600" dirty="0" err="1"/>
+              <a:t>u'Outcome</a:t>
+            </a:r>
+            <a:r>
+              <a:rPr lang="fr-FR" sz="1600" dirty="0"/>
+              <a:t>', </a:t>
+            </a:r>
+            <a:r>
+              <a:rPr lang="fr-FR" sz="1600" dirty="0" err="1"/>
+              <a:t>u'AnimalID</a:t>
+            </a:r>
+            <a:r>
+              <a:rPr lang="fr-FR" sz="1600" dirty="0"/>
+              <a:t>', </a:t>
+            </a:r>
+            <a:r>
+              <a:rPr lang="fr-FR" sz="1600" dirty="0" err="1"/>
+              <a:t>u'AnimalType</a:t>
+            </a:r>
+            <a:r>
+              <a:rPr lang="fr-FR" sz="1600" dirty="0"/>
+              <a:t>', </a:t>
+            </a:r>
+            <a:r>
+              <a:rPr lang="fr-FR" sz="1600" dirty="0" err="1"/>
+              <a:t>u'IntakeDate</a:t>
+            </a:r>
+            <a:r>
+              <a:rPr lang="fr-FR" sz="1600" dirty="0"/>
+              <a:t>', </a:t>
+            </a:r>
+            <a:r>
+              <a:rPr lang="fr-FR" sz="1600" dirty="0" err="1"/>
+              <a:t>u'IntakeYear</a:t>
+            </a:r>
+            <a:r>
+              <a:rPr lang="fr-FR" sz="1600" dirty="0"/>
+              <a:t>', </a:t>
+            </a:r>
+            <a:r>
+              <a:rPr lang="fr-FR" sz="1600" dirty="0" err="1"/>
+              <a:t>u'IntakeMonth</a:t>
+            </a:r>
+            <a:r>
+              <a:rPr lang="fr-FR" sz="1600" dirty="0"/>
+              <a:t>', </a:t>
+            </a:r>
+            <a:r>
+              <a:rPr lang="fr-FR" sz="1600" dirty="0" err="1"/>
+              <a:t>u'Name</a:t>
+            </a:r>
+            <a:r>
+              <a:rPr lang="fr-FR" sz="1600" dirty="0"/>
+              <a:t>', </a:t>
+            </a:r>
+            <a:r>
+              <a:rPr lang="fr-FR" sz="1600" dirty="0" err="1"/>
+              <a:t>u'Breed</a:t>
+            </a:r>
+            <a:r>
+              <a:rPr lang="fr-FR" sz="1600" dirty="0"/>
+              <a:t>', </a:t>
+            </a:r>
+            <a:r>
+              <a:rPr lang="fr-FR" sz="1600" dirty="0" err="1"/>
+              <a:t>u'Age</a:t>
+            </a:r>
+            <a:r>
+              <a:rPr lang="fr-FR" sz="1600" dirty="0"/>
+              <a:t>', </a:t>
+            </a:r>
+            <a:r>
+              <a:rPr lang="fr-FR" sz="1600" dirty="0" err="1"/>
+              <a:t>u'Sex</a:t>
+            </a:r>
+            <a:r>
+              <a:rPr lang="fr-FR" sz="1600" dirty="0"/>
+              <a:t>', </a:t>
+            </a:r>
+            <a:r>
+              <a:rPr lang="fr-FR" sz="1600" dirty="0" err="1"/>
+              <a:t>u'SpayNeuter</a:t>
+            </a:r>
+            <a:r>
+              <a:rPr lang="fr-FR" sz="1600" dirty="0"/>
+              <a:t>', </a:t>
+            </a:r>
+            <a:r>
+              <a:rPr lang="fr-FR" sz="1600" dirty="0" err="1"/>
+              <a:t>u'Size</a:t>
+            </a:r>
+            <a:r>
+              <a:rPr lang="fr-FR" sz="1600" dirty="0"/>
+              <a:t>', </a:t>
+            </a:r>
+            <a:r>
+              <a:rPr lang="fr-FR" sz="1600" dirty="0" err="1"/>
+              <a:t>u'Color</a:t>
+            </a:r>
+            <a:r>
+              <a:rPr lang="fr-FR" sz="1600" dirty="0"/>
+              <a:t>', </a:t>
+            </a:r>
+            <a:r>
+              <a:rPr lang="fr-FR" sz="1600" dirty="0" err="1"/>
+              <a:t>u'IntakeType</a:t>
+            </a:r>
+            <a:r>
+              <a:rPr lang="fr-FR" sz="1600" dirty="0"/>
+              <a:t>', </a:t>
+            </a:r>
+            <a:r>
+              <a:rPr lang="fr-FR" sz="1600" dirty="0" err="1"/>
+              <a:t>u'OutcomeSubtype</a:t>
+            </a:r>
+            <a:r>
+              <a:rPr lang="fr-FR" sz="1600" dirty="0"/>
+              <a:t>', </a:t>
+            </a:r>
+            <a:r>
+              <a:rPr lang="fr-FR" sz="1600" dirty="0" err="1"/>
+              <a:t>u'ZipFound</a:t>
+            </a:r>
+            <a:r>
+              <a:rPr lang="fr-FR" sz="1600" dirty="0"/>
+              <a:t>', </a:t>
+            </a:r>
+            <a:r>
+              <a:rPr lang="fr-FR" sz="1600" dirty="0" err="1"/>
+              <a:t>u'Latitude</a:t>
+            </a:r>
+            <a:r>
+              <a:rPr lang="fr-FR" sz="1600" dirty="0"/>
+              <a:t>', </a:t>
+            </a:r>
+            <a:r>
+              <a:rPr lang="fr-FR" sz="1600" dirty="0" err="1"/>
+              <a:t>u'Longitude</a:t>
+            </a:r>
+            <a:r>
+              <a:rPr lang="fr-FR" sz="1600" dirty="0"/>
+              <a:t>', </a:t>
+            </a:r>
+            <a:r>
+              <a:rPr lang="fr-FR" sz="1600" dirty="0" err="1"/>
+              <a:t>u'ZipPlaced</a:t>
+            </a:r>
+            <a:r>
+              <a:rPr lang="fr-FR" sz="1600" dirty="0"/>
+              <a:t>', </a:t>
+            </a:r>
+            <a:r>
+              <a:rPr lang="fr-FR" sz="1600" dirty="0" err="1"/>
+              <a:t>u'OutcomeDate</a:t>
+            </a:r>
+            <a:r>
+              <a:rPr lang="fr-FR" sz="1600" dirty="0"/>
+              <a:t>', </a:t>
+            </a:r>
+            <a:r>
+              <a:rPr lang="fr-FR" sz="1600" dirty="0" err="1"/>
+              <a:t>u'OutcomeYear</a:t>
+            </a:r>
+            <a:r>
+              <a:rPr lang="fr-FR" sz="1600" dirty="0"/>
+              <a:t>', </a:t>
+            </a:r>
+            <a:r>
+              <a:rPr lang="fr-FR" sz="1600" dirty="0" err="1"/>
+              <a:t>u'OutcomeMonth</a:t>
+            </a:r>
+            <a:r>
+              <a:rPr lang="fr-FR" sz="1600" dirty="0"/>
+              <a:t>', </a:t>
+            </a:r>
+            <a:r>
+              <a:rPr lang="fr-FR" sz="1600" dirty="0" err="1"/>
+              <a:t>u'icon</a:t>
+            </a:r>
+            <a:r>
+              <a:rPr lang="fr-FR" sz="1600" dirty="0"/>
+              <a:t> type', </a:t>
+            </a:r>
+            <a:r>
+              <a:rPr lang="fr-FR" sz="1600" dirty="0" err="1"/>
+              <a:t>u'IconName</a:t>
+            </a:r>
+            <a:r>
+              <a:rPr lang="fr-FR" sz="1600" dirty="0"/>
+              <a:t>']</a:t>
+            </a:r>
+          </a:p>
+          <a:p>
+            <a:pPr marL="0" indent="0">
+              <a:buNone/>
+            </a:pPr>
+            <a:r>
+              <a:rPr lang="fr-FR" sz="1600" dirty="0"/>
+              <a:t>INFO     2014-01-07 19:31:41,439 main.py:89] [[u'', u'A346562', </a:t>
+            </a:r>
+            <a:r>
+              <a:rPr lang="fr-FR" sz="1600" dirty="0" err="1"/>
+              <a:t>u'DOG</a:t>
+            </a:r>
+            <a:r>
+              <a:rPr lang="fr-FR" sz="1600" dirty="0"/>
+              <a:t>', u'2011-04-16T00:00:00Z', u'2011', </a:t>
+            </a:r>
+            <a:r>
+              <a:rPr lang="fr-FR" sz="1600" dirty="0" err="1"/>
+              <a:t>u'April</a:t>
+            </a:r>
+            <a:r>
+              <a:rPr lang="fr-FR" sz="1600" dirty="0"/>
+              <a:t>', </a:t>
+            </a:r>
+            <a:r>
+              <a:rPr lang="fr-FR" sz="1600" dirty="0" err="1"/>
+              <a:t>u'DIXIE</a:t>
+            </a:r>
+            <a:r>
+              <a:rPr lang="fr-FR" sz="1600" dirty="0"/>
+              <a:t>', u'', </a:t>
+            </a:r>
+            <a:r>
+              <a:rPr lang="fr-FR" sz="1600" dirty="0" err="1"/>
+              <a:t>u'Older</a:t>
+            </a:r>
+            <a:r>
+              <a:rPr lang="fr-FR" sz="1600" dirty="0"/>
+              <a:t> </a:t>
+            </a:r>
+            <a:r>
+              <a:rPr lang="fr-FR" sz="1600" dirty="0" err="1"/>
+              <a:t>than</a:t>
+            </a:r>
+            <a:r>
+              <a:rPr lang="fr-FR" sz="1600" dirty="0"/>
+              <a:t> 1 </a:t>
+            </a:r>
+            <a:r>
+              <a:rPr lang="fr-FR" sz="1600" dirty="0" err="1"/>
+              <a:t>year</a:t>
+            </a:r>
+            <a:r>
+              <a:rPr lang="fr-FR" sz="1600" dirty="0"/>
+              <a:t>', </a:t>
+            </a:r>
+            <a:r>
+              <a:rPr lang="fr-FR" sz="1600" dirty="0" err="1"/>
+              <a:t>u'MALE</a:t>
+            </a:r>
+            <a:r>
+              <a:rPr lang="fr-FR" sz="1600" dirty="0"/>
+              <a:t>', </a:t>
+            </a:r>
+            <a:r>
+              <a:rPr lang="fr-FR" sz="1600" dirty="0" err="1"/>
+              <a:t>u'true</a:t>
+            </a:r>
+            <a:r>
+              <a:rPr lang="fr-FR" sz="1600" dirty="0"/>
+              <a:t>', </a:t>
+            </a:r>
+            <a:r>
+              <a:rPr lang="fr-FR" sz="1600" dirty="0" err="1"/>
+              <a:t>u'MED</a:t>
+            </a:r>
+            <a:r>
+              <a:rPr lang="fr-FR" sz="1600" dirty="0"/>
+              <a:t>', </a:t>
+            </a:r>
+            <a:r>
+              <a:rPr lang="fr-FR" sz="1600" dirty="0" err="1"/>
+              <a:t>u'BLACK</a:t>
+            </a:r>
+            <a:r>
+              <a:rPr lang="fr-FR" sz="1600" dirty="0"/>
+              <a:t>', </a:t>
+            </a:r>
+            <a:r>
+              <a:rPr lang="fr-FR" sz="1600" dirty="0" err="1"/>
+              <a:t>u'Owner</a:t>
+            </a:r>
+            <a:r>
+              <a:rPr lang="fr-FR" sz="1600" dirty="0"/>
+              <a:t> </a:t>
+            </a:r>
+            <a:r>
+              <a:rPr lang="fr-FR" sz="1600" dirty="0" err="1"/>
+              <a:t>Surrender</a:t>
+            </a:r>
+            <a:r>
+              <a:rPr lang="fr-FR" sz="1600" dirty="0"/>
+              <a:t>', u'', u'40218', 38.1938, -85.6573, </a:t>
+            </a:r>
+            <a:r>
+              <a:rPr lang="fr-FR" sz="1600" dirty="0" err="1"/>
+              <a:t>u'NaN</a:t>
+            </a:r>
+            <a:r>
+              <a:rPr lang="fr-FR" sz="1600" dirty="0"/>
+              <a:t>', u'2011-04-16T00:00:00Z', u'2011', </a:t>
+            </a:r>
+            <a:r>
+              <a:rPr lang="fr-FR" sz="1600" dirty="0" err="1"/>
+              <a:t>u'April</a:t>
+            </a:r>
+            <a:r>
+              <a:rPr lang="fr-FR" sz="1600" dirty="0"/>
+              <a:t>', </a:t>
+            </a:r>
+            <a:r>
+              <a:rPr lang="fr-FR" sz="1600" dirty="0" err="1"/>
+              <a:t>u'NaN</a:t>
+            </a:r>
+            <a:r>
+              <a:rPr lang="fr-FR" sz="1600" dirty="0"/>
+              <a:t>', u''], [u'', u'A364651', </a:t>
+            </a:r>
+            <a:r>
+              <a:rPr lang="fr-FR" sz="1600" dirty="0" err="1"/>
+              <a:t>u'DOG</a:t>
+            </a:r>
+            <a:r>
+              <a:rPr lang="fr-FR" sz="1600" dirty="0"/>
+              <a:t>', u'2011-03-11T00:00:00Z', u'2011', </a:t>
+            </a:r>
+            <a:r>
+              <a:rPr lang="fr-FR" sz="1600" dirty="0" err="1"/>
+              <a:t>u'March</a:t>
+            </a:r>
+            <a:r>
+              <a:rPr lang="fr-FR" sz="1600" dirty="0"/>
+              <a:t>', </a:t>
+            </a:r>
+            <a:r>
+              <a:rPr lang="fr-FR" sz="1600" dirty="0" err="1"/>
+              <a:t>u'KAYLEE</a:t>
+            </a:r>
+            <a:r>
+              <a:rPr lang="fr-FR" sz="1600" dirty="0"/>
+              <a:t>', </a:t>
+            </a:r>
+            <a:r>
+              <a:rPr lang="fr-FR" sz="1600" dirty="0" err="1"/>
+              <a:t>u'YORKSHIRE</a:t>
+            </a:r>
+            <a:r>
+              <a:rPr lang="fr-FR" sz="1600" dirty="0"/>
+              <a:t> TERR - POODLE TOY', </a:t>
+            </a:r>
+            <a:r>
+              <a:rPr lang="fr-FR" sz="1600" dirty="0" err="1"/>
+              <a:t>u'Older</a:t>
+            </a:r>
+            <a:r>
+              <a:rPr lang="fr-FR" sz="1600" dirty="0"/>
+              <a:t> </a:t>
+            </a:r>
+            <a:r>
+              <a:rPr lang="fr-FR" sz="1600" dirty="0" err="1"/>
+              <a:t>than</a:t>
+            </a:r>
+            <a:r>
+              <a:rPr lang="fr-FR" sz="1600" dirty="0"/>
+              <a:t> 1 </a:t>
+            </a:r>
+            <a:r>
+              <a:rPr lang="fr-FR" sz="1600" dirty="0" err="1"/>
+              <a:t>year</a:t>
+            </a:r>
+            <a:r>
+              <a:rPr lang="fr-FR" sz="1600" dirty="0"/>
+              <a:t>', </a:t>
+            </a:r>
+            <a:r>
+              <a:rPr lang="fr-FR" sz="1600" dirty="0" err="1"/>
+              <a:t>u'FEMALE</a:t>
+            </a:r>
+            <a:r>
+              <a:rPr lang="fr-FR" sz="1600" dirty="0"/>
+              <a:t>', </a:t>
+            </a:r>
+            <a:r>
+              <a:rPr lang="fr-FR" sz="1600" dirty="0" err="1"/>
+              <a:t>u'true</a:t>
+            </a:r>
+            <a:r>
+              <a:rPr lang="fr-FR" sz="1600" dirty="0"/>
+              <a:t>', </a:t>
+            </a:r>
+            <a:r>
+              <a:rPr lang="fr-FR" sz="1600" dirty="0" err="1"/>
+              <a:t>u'TOY</a:t>
+            </a:r>
+            <a:r>
+              <a:rPr lang="fr-FR" sz="1600" dirty="0"/>
+              <a:t>', </a:t>
+            </a:r>
+            <a:r>
+              <a:rPr lang="fr-FR" sz="1600" dirty="0" err="1"/>
+              <a:t>u'BLACK</a:t>
+            </a:r>
+            <a:r>
+              <a:rPr lang="fr-FR" sz="1600" dirty="0"/>
+              <a:t>', </a:t>
+            </a:r>
+            <a:r>
+              <a:rPr lang="fr-FR" sz="1600" dirty="0" err="1"/>
+              <a:t>u'Impound</a:t>
+            </a:r>
+            <a:r>
+              <a:rPr lang="fr-FR" sz="1600" dirty="0"/>
+              <a:t>', u'', u'40202', 38.2529, -85.7514, u'40218', u'2011-04-01T00:00:00Z', u'2011', </a:t>
+            </a:r>
+            <a:r>
+              <a:rPr lang="fr-FR" sz="1600" dirty="0" err="1"/>
+              <a:t>u'April</a:t>
+            </a:r>
+            <a:r>
+              <a:rPr lang="fr-FR" sz="1600" dirty="0"/>
+              <a:t>', </a:t>
+            </a:r>
+            <a:r>
+              <a:rPr lang="fr-FR" sz="1600" dirty="0" err="1"/>
+              <a:t>u'NaN</a:t>
+            </a:r>
+            <a:r>
+              <a:rPr lang="fr-FR" sz="1600" dirty="0"/>
+              <a:t>', u'']]</a:t>
+            </a:r>
+          </a:p>
+          <a:p>
+            <a:pPr marL="0" indent="0">
+              <a:buNone/>
+            </a:pPr>
+            <a:endParaRPr lang="fr-FR" sz="1600" dirty="0"/>
+          </a:p>
+          <a:p>
+            <a:pPr marL="0" indent="0">
+              <a:buNone/>
+            </a:pPr>
+            <a:endParaRPr lang="en-US" sz="1600" dirty="0"/>
+          </a:p>
+        </p:txBody>
+      </p:sp>
+      <p:sp>
+        <p:nvSpPr>
+          <p:cNvPr id="4" name="Date Placeholder 3"/>
+          <p:cNvSpPr>
+            <a:spLocks noGrp="1"/>
+          </p:cNvSpPr>
+          <p:nvPr>
+            <p:ph type="dt" sz="half" idx="10"/>
+          </p:nvPr>
+        </p:nvSpPr>
+        <p:spPr/>
+        <p:txBody>
+          <a:bodyPr/>
+          <a:lstStyle/>
+          <a:p>
+            <a:fld id="{7053BEFA-1175-F644-B249-7D41D72BD3FF}" type="datetime1">
+              <a:rPr lang="en-US" smtClean="0"/>
+              <a:t>1/22/14</a:t>
+            </a:fld>
+            <a:endParaRPr lang="en-US"/>
+          </a:p>
+        </p:txBody>
+      </p:sp>
+      <p:sp>
+        <p:nvSpPr>
+          <p:cNvPr id="5" name="Footer Placeholder 4"/>
+          <p:cNvSpPr>
+            <a:spLocks noGrp="1"/>
+          </p:cNvSpPr>
+          <p:nvPr>
+            <p:ph type="ftr" sz="quarter" idx="11"/>
+          </p:nvPr>
+        </p:nvSpPr>
+        <p:spPr/>
+        <p:txBody>
+          <a:bodyPr/>
+          <a:lstStyle/>
+          <a:p>
+            <a:endParaRPr lang="en-US" dirty="0"/>
+          </a:p>
+        </p:txBody>
+      </p:sp>
+      <p:sp>
+        <p:nvSpPr>
+          <p:cNvPr id="6" name="Slide Number Placeholder 5"/>
+          <p:cNvSpPr>
+            <a:spLocks noGrp="1"/>
+          </p:cNvSpPr>
+          <p:nvPr>
+            <p:ph type="sldNum" sz="quarter" idx="12"/>
+          </p:nvPr>
+        </p:nvSpPr>
+        <p:spPr/>
+        <p:txBody>
+          <a:bodyPr/>
+          <a:lstStyle/>
+          <a:p>
+            <a:fld id="{17E276FA-8F89-B34D-A726-BE3FA1F8DD97}" type="slidenum">
+              <a:rPr lang="en-US" smtClean="0"/>
+              <a:t>8</a:t>
+            </a:fld>
+            <a:endParaRPr lang="en-US" dirty="0"/>
+          </a:p>
+        </p:txBody>
+      </p:sp>
+    </p:spTree>
+    <p:extLst>
+      <p:ext uri="{BB962C8B-B14F-4D97-AF65-F5344CB8AC3E}">
+        <p14:creationId xmlns:p14="http://schemas.microsoft.com/office/powerpoint/2010/main" val="4293367200"/>
+      </p:ext>
+    </p:extLst>
+  </p:cSld>
+  <p:clrMapOvr>
+    <a:masterClrMapping/>
+  </p:clrMapOvr>
+</p:sld>
+</file>
+
+<file path=ppt/slides/slide9.xml><?xml version="1.0" encoding="utf-8"?>
+<p:sld xmlns:a="http://schemas.openxmlformats.org/drawingml/2006/main" xmlns:r="http://schemas.openxmlformats.org/officeDocument/2006/relationships" xmlns:p="http://schemas.openxmlformats.org/presentationml/2006/main">
+  <p:cSld>
+    <p:spTree>
+      <p:nvGrpSpPr>
+        <p:cNvPr id="1" name=""/>
+        <p:cNvGrpSpPr/>
+        <p:nvPr/>
+      </p:nvGrpSpPr>
+      <p:grpSpPr>
+        <a:xfrm>
+          <a:off x="0" y="0"/>
+          <a:ext cx="0" cy="0"/>
+          <a:chOff x="0" y="0"/>
+          <a:chExt cx="0" cy="0"/>
+        </a:xfrm>
+      </p:grpSpPr>
+      <p:sp>
+        <p:nvSpPr>
+          <p:cNvPr id="2" name="Title 1"/>
+          <p:cNvSpPr>
+            <a:spLocks noGrp="1"/>
+          </p:cNvSpPr>
+          <p:nvPr>
+            <p:ph type="title"/>
+          </p:nvPr>
+        </p:nvSpPr>
+        <p:spPr/>
+        <p:txBody>
+          <a:bodyPr/>
+          <a:lstStyle/>
+          <a:p>
+            <a:r>
+              <a:rPr lang="en-US" dirty="0" smtClean="0"/>
+              <a:t>Exploratory Analysis</a:t>
+            </a:r>
+            <a:endParaRPr lang="en-US" dirty="0"/>
+          </a:p>
+        </p:txBody>
+      </p:sp>
+      <p:sp>
+        <p:nvSpPr>
+          <p:cNvPr id="3" name="Content Placeholder 2"/>
+          <p:cNvSpPr>
+            <a:spLocks noGrp="1"/>
+          </p:cNvSpPr>
+          <p:nvPr>
+            <p:ph idx="1"/>
+          </p:nvPr>
+        </p:nvSpPr>
+        <p:spPr/>
+        <p:txBody>
+          <a:bodyPr/>
+          <a:lstStyle/>
+          <a:p>
+            <a:pPr marL="0" indent="0">
+              <a:buNone/>
+            </a:pPr>
+            <a:r>
+              <a:rPr lang="en-US" dirty="0" smtClean="0"/>
+              <a:t>Combination of statistics </a:t>
+            </a:r>
+            <a:r>
+              <a:rPr lang="en-US" i="1" dirty="0" smtClean="0"/>
+              <a:t>and </a:t>
+            </a:r>
+            <a:r>
+              <a:rPr lang="en-US" dirty="0" smtClean="0"/>
+              <a:t>graphics</a:t>
+            </a:r>
+          </a:p>
+          <a:p>
+            <a:pPr marL="0" indent="0">
+              <a:buNone/>
+            </a:pPr>
+            <a:r>
+              <a:rPr lang="en-US" dirty="0" smtClean="0"/>
+              <a:t>We’ll be talking more about this in lecture</a:t>
+            </a:r>
+            <a:endParaRPr lang="en-US" dirty="0" smtClean="0"/>
+          </a:p>
+        </p:txBody>
+      </p:sp>
+      <p:sp>
+        <p:nvSpPr>
+          <p:cNvPr id="4" name="Date Placeholder 3"/>
+          <p:cNvSpPr>
+            <a:spLocks noGrp="1"/>
+          </p:cNvSpPr>
+          <p:nvPr>
+            <p:ph type="dt" sz="half" idx="10"/>
+          </p:nvPr>
+        </p:nvSpPr>
+        <p:spPr/>
+        <p:txBody>
+          <a:bodyPr/>
+          <a:lstStyle/>
+          <a:p>
+            <a:fld id="{7053BEFA-1175-F644-B249-7D41D72BD3FF}" type="datetime1">
+              <a:rPr lang="en-US" smtClean="0"/>
+              <a:t>1/22/14</a:t>
+            </a:fld>
+            <a:endParaRPr lang="en-US"/>
+          </a:p>
+        </p:txBody>
+      </p:sp>
+      <p:sp>
+        <p:nvSpPr>
+          <p:cNvPr id="5" name="Footer Placeholder 4"/>
+          <p:cNvSpPr>
+            <a:spLocks noGrp="1"/>
+          </p:cNvSpPr>
+          <p:nvPr>
+            <p:ph type="ftr" sz="quarter" idx="11"/>
+          </p:nvPr>
+        </p:nvSpPr>
+        <p:spPr/>
+        <p:txBody>
+          <a:bodyPr/>
+          <a:lstStyle/>
+          <a:p>
+            <a:endParaRPr lang="en-US" dirty="0"/>
+          </a:p>
+        </p:txBody>
+      </p:sp>
+      <p:sp>
+        <p:nvSpPr>
+          <p:cNvPr id="6" name="Slide Number Placeholder 5"/>
+          <p:cNvSpPr>
+            <a:spLocks noGrp="1"/>
+          </p:cNvSpPr>
+          <p:nvPr>
+            <p:ph type="sldNum" sz="quarter" idx="12"/>
+          </p:nvPr>
+        </p:nvSpPr>
+        <p:spPr/>
+        <p:txBody>
+          <a:bodyPr/>
+          <a:lstStyle/>
+          <a:p>
+            <a:fld id="{17E276FA-8F89-B34D-A726-BE3FA1F8DD97}" type="slidenum">
+              <a:rPr lang="en-US" smtClean="0"/>
+              <a:t>9</a:t>
+            </a:fld>
+            <a:endParaRPr lang="en-US" dirty="0"/>
+          </a:p>
+        </p:txBody>
+      </p:sp>
+    </p:spTree>
+    <p:extLst>
+      <p:ext uri="{BB962C8B-B14F-4D97-AF65-F5344CB8AC3E}">
+        <p14:creationId xmlns:p14="http://schemas.microsoft.com/office/powerpoint/2010/main" val="1542218412"/>
       </p:ext>
     </p:extLst>
   </p:cSld>

--- a/Lectures/Byte 2.pptx
+++ b/Lectures/Byte 2.pptx
@@ -5,10 +5,10 @@
     <p:sldMasterId id="2147483648" r:id="rId1"/>
   </p:sldMasterIdLst>
   <p:notesMasterIdLst>
-    <p:notesMasterId r:id="rId31"/>
+    <p:notesMasterId r:id="rId32"/>
   </p:notesMasterIdLst>
   <p:handoutMasterIdLst>
-    <p:handoutMasterId r:id="rId32"/>
+    <p:handoutMasterId r:id="rId33"/>
   </p:handoutMasterIdLst>
   <p:sldIdLst>
     <p:sldId id="256" r:id="rId2"/>
@@ -40,6 +40,7 @@
     <p:sldId id="429" r:id="rId28"/>
     <p:sldId id="440" r:id="rId29"/>
     <p:sldId id="441" r:id="rId30"/>
+    <p:sldId id="442" r:id="rId31"/>
   </p:sldIdLst>
   <p:sldSz cx="9144000" cy="6858000" type="screen4x3"/>
   <p:notesSz cx="6858000" cy="9144000"/>
@@ -1189,8 +1190,8 @@
     <dgm:cxn modelId="{2AF0BD6B-3020-AF41-A4B7-D21A3AF90E7D}" srcId="{42D81CF2-D02F-8946-A6A0-250E7F3040E9}" destId="{AA2EE4C4-2672-134B-A10E-24D0479226FD}" srcOrd="3" destOrd="0" parTransId="{A6FFB85A-5C65-C140-8402-F4F7A1FF496F}" sibTransId="{58173E36-07EF-544F-9A6E-0BAD533990FB}"/>
     <dgm:cxn modelId="{42933CA1-4067-E846-A887-1753D1268404}" srcId="{42D81CF2-D02F-8946-A6A0-250E7F3040E9}" destId="{D9842041-711C-A44C-B6A1-D37EE5D5EFEB}" srcOrd="2" destOrd="0" parTransId="{F9EC1153-7029-E14A-A0A6-1EBECDFB9FAF}" sibTransId="{999B656F-DBDB-1943-B9F0-158C78A32C17}"/>
     <dgm:cxn modelId="{D7387E31-A744-8C4E-8B33-15C116342657}" type="presOf" srcId="{92C49E94-34E0-2A41-8484-A9D4F6DBE1EA}" destId="{42089EA5-C142-AD42-ABE6-822B746D7A0F}" srcOrd="0" destOrd="0" presId="urn:microsoft.com/office/officeart/2005/8/layout/process1"/>
+    <dgm:cxn modelId="{F41F0566-C371-6F42-9312-9343E39677A1}" type="presOf" srcId="{AA2EE4C4-2672-134B-A10E-24D0479226FD}" destId="{7E47C9EC-8142-0A4E-AFBC-EADB5E13AA35}" srcOrd="0" destOrd="0" presId="urn:microsoft.com/office/officeart/2005/8/layout/process1"/>
     <dgm:cxn modelId="{64501B83-82F7-7D42-ABD6-57CAEF1F4589}" type="presOf" srcId="{999B656F-DBDB-1943-B9F0-158C78A32C17}" destId="{FF9EC301-3A68-DB43-BD0C-9F7120F18039}" srcOrd="1" destOrd="0" presId="urn:microsoft.com/office/officeart/2005/8/layout/process1"/>
-    <dgm:cxn modelId="{F41F0566-C371-6F42-9312-9343E39677A1}" type="presOf" srcId="{AA2EE4C4-2672-134B-A10E-24D0479226FD}" destId="{7E47C9EC-8142-0A4E-AFBC-EADB5E13AA35}" srcOrd="0" destOrd="0" presId="urn:microsoft.com/office/officeart/2005/8/layout/process1"/>
     <dgm:cxn modelId="{679D9486-416D-3E48-8563-4FA9E44626ED}" type="presOf" srcId="{C604A724-87C4-1641-A5C5-F019D2713951}" destId="{2A7A451B-E7CD-E64D-AD4D-C64E7A1F1921}" srcOrd="0" destOrd="0" presId="urn:microsoft.com/office/officeart/2005/8/layout/process1"/>
     <dgm:cxn modelId="{19EB9D21-1F41-334B-AE5E-1948EDE258F4}" type="presOf" srcId="{15E5BE46-E928-244B-ABAC-F1543116E095}" destId="{5A21B2CD-C375-9247-88ED-4CC1CA1865D3}" srcOrd="0" destOrd="0" presId="urn:microsoft.com/office/officeart/2005/8/layout/process1"/>
     <dgm:cxn modelId="{6123F47F-01A2-1947-925F-E18C90279154}" type="presOf" srcId="{C604A724-87C4-1641-A5C5-F019D2713951}" destId="{481EE52C-64FC-CD48-9660-37F8016BDD19}" srcOrd="1" destOrd="0" presId="urn:microsoft.com/office/officeart/2005/8/layout/process1"/>
@@ -3055,7 +3056,7 @@
           <a:p>
             <a:fld id="{D3AAB66F-B1B7-D045-B4E8-4F60236F228D}" type="datetimeFigureOut">
               <a:rPr lang="en-US" smtClean="0"/>
-              <a:t>1/22/14</a:t>
+              <a:t>1/19/15</a:t>
             </a:fld>
             <a:endParaRPr lang="en-US"/>
           </a:p>
@@ -3221,7 +3222,7 @@
           <a:p>
             <a:fld id="{BCCF8E76-06A6-164E-A6FA-EC32C13EB232}" type="datetimeFigureOut">
               <a:rPr lang="en-US" smtClean="0"/>
-              <a:t>1/22/14</a:t>
+              <a:t>1/19/15</a:t>
             </a:fld>
             <a:endParaRPr lang="en-US"/>
           </a:p>
@@ -4007,7 +4008,7 @@
             <a:fld id="{FA3C144B-2939-9A49-B014-915EC3E81866}" type="datetime1">
               <a:rPr lang="en-US" smtClean="0"/>
               <a:pPr/>
-              <a:t>1/22/14</a:t>
+              <a:t>1/19/15</a:t>
             </a:fld>
             <a:endParaRPr lang="en-US" dirty="0"/>
           </a:p>
@@ -4436,7 +4437,7 @@
           <a:p>
             <a:fld id="{76838339-A875-5E45-AB3F-AAABD270346A}" type="datetime1">
               <a:rPr lang="en-US" smtClean="0"/>
-              <a:t>1/22/14</a:t>
+              <a:t>1/19/15</a:t>
             </a:fld>
             <a:endParaRPr lang="en-US"/>
           </a:p>
@@ -4722,7 +4723,7 @@
             <a:fld id="{FA3C144B-2939-9A49-B014-915EC3E81866}" type="datetime1">
               <a:rPr lang="en-US" smtClean="0"/>
               <a:pPr/>
-              <a:t>1/22/14</a:t>
+              <a:t>1/19/15</a:t>
             </a:fld>
             <a:endParaRPr lang="en-US" dirty="0"/>
           </a:p>
@@ -5204,7 +5205,7 @@
           <a:p>
             <a:fld id="{A73F672F-A5FB-5745-934A-1BF51CA5539C}" type="datetime1">
               <a:rPr lang="en-US" smtClean="0"/>
-              <a:t>1/22/14</a:t>
+              <a:t>1/19/15</a:t>
             </a:fld>
             <a:endParaRPr lang="en-US"/>
           </a:p>
@@ -5546,7 +5547,7 @@
             <a:fld id="{FA3C144B-2939-9A49-B014-915EC3E81866}" type="datetime1">
               <a:rPr lang="en-US" smtClean="0"/>
               <a:pPr/>
-              <a:t>1/22/14</a:t>
+              <a:t>1/19/15</a:t>
             </a:fld>
             <a:endParaRPr lang="en-US" dirty="0"/>
           </a:p>
@@ -6010,7 +6011,7 @@
           <a:p>
             <a:fld id="{6AFE6A63-5EBE-3E48-B0AE-DF655A1ECE76}" type="datetime1">
               <a:rPr lang="en-US" smtClean="0"/>
-              <a:t>1/22/14</a:t>
+              <a:t>1/19/15</a:t>
             </a:fld>
             <a:endParaRPr lang="en-US"/>
           </a:p>
@@ -6329,7 +6330,7 @@
           <a:p>
             <a:fld id="{4A019F0C-9D18-B54A-9AC9-18AA74EDB034}" type="datetime1">
               <a:rPr lang="en-US" smtClean="0"/>
-              <a:t>1/22/14</a:t>
+              <a:t>1/19/15</a:t>
             </a:fld>
             <a:endParaRPr lang="en-US"/>
           </a:p>
@@ -6639,7 +6640,7 @@
             <a:fld id="{FA3C144B-2939-9A49-B014-915EC3E81866}" type="datetime1">
               <a:rPr lang="en-US" smtClean="0"/>
               <a:pPr/>
-              <a:t>1/22/14</a:t>
+              <a:t>1/19/15</a:t>
             </a:fld>
             <a:endParaRPr lang="en-US" dirty="0"/>
           </a:p>
@@ -6902,7 +6903,7 @@
           <a:p>
             <a:fld id="{FA3C144B-2939-9A49-B014-915EC3E81866}" type="datetime1">
               <a:rPr lang="en-US" smtClean="0"/>
-              <a:t>1/22/14</a:t>
+              <a:t>1/19/15</a:t>
             </a:fld>
             <a:endParaRPr lang="en-US" dirty="0"/>
           </a:p>
@@ -7270,7 +7271,7 @@
           <a:p>
             <a:fld id="{7053BEFA-1175-F644-B249-7D41D72BD3FF}" type="datetime1">
               <a:rPr lang="en-US" smtClean="0"/>
-              <a:t>1/22/14</a:t>
+              <a:t>1/19/15</a:t>
             </a:fld>
             <a:endParaRPr lang="en-US"/>
           </a:p>
@@ -7389,7 +7390,7 @@
             <a:fld id="{FA3C144B-2939-9A49-B014-915EC3E81866}" type="datetime1">
               <a:rPr lang="en-US" smtClean="0"/>
               <a:pPr/>
-              <a:t>1/22/14</a:t>
+              <a:t>1/19/15</a:t>
             </a:fld>
             <a:endParaRPr lang="en-US" dirty="0"/>
           </a:p>
@@ -7606,7 +7607,7 @@
             <a:fld id="{FA3C144B-2939-9A49-B014-915EC3E81866}" type="datetime1">
               <a:rPr lang="en-US" smtClean="0"/>
               <a:pPr/>
-              <a:t>1/22/14</a:t>
+              <a:t>1/19/15</a:t>
             </a:fld>
             <a:endParaRPr lang="en-US" dirty="0"/>
           </a:p>
@@ -7851,7 +7852,7 @@
             <a:fld id="{FA3C144B-2939-9A49-B014-915EC3E81866}" type="datetime1">
               <a:rPr lang="en-US" smtClean="0"/>
               <a:pPr/>
-              <a:t>1/22/14</a:t>
+              <a:t>1/19/15</a:t>
             </a:fld>
             <a:endParaRPr lang="en-US" dirty="0"/>
           </a:p>
@@ -8229,7 +8230,7 @@
           <a:p>
             <a:fld id="{111EEF3B-ABF2-AA4E-9E24-0C6256942674}" type="datetime1">
               <a:rPr lang="en-US" smtClean="0"/>
-              <a:t>1/22/14</a:t>
+              <a:t>1/19/15</a:t>
             </a:fld>
             <a:endParaRPr lang="en-US"/>
           </a:p>
@@ -8393,7 +8394,7 @@
             <a:fld id="{FA3C144B-2939-9A49-B014-915EC3E81866}" type="datetime1">
               <a:rPr lang="en-US" smtClean="0"/>
               <a:pPr/>
-              <a:t>1/22/14</a:t>
+              <a:t>1/19/15</a:t>
             </a:fld>
             <a:endParaRPr lang="en-US" dirty="0"/>
           </a:p>
@@ -8810,7 +8811,7 @@
             <a:fld id="{FA3C144B-2939-9A49-B014-915EC3E81866}" type="datetime1">
               <a:rPr lang="en-US" smtClean="0"/>
               <a:pPr/>
-              <a:t>1/22/14</a:t>
+              <a:t>1/19/15</a:t>
             </a:fld>
             <a:endParaRPr lang="en-US" dirty="0"/>
           </a:p>
@@ -9126,7 +9127,7 @@
             <a:fld id="{FA3C144B-2939-9A49-B014-915EC3E81866}" type="datetime1">
               <a:rPr lang="en-US" smtClean="0"/>
               <a:pPr/>
-              <a:t>1/22/14</a:t>
+              <a:t>1/19/15</a:t>
             </a:fld>
             <a:endParaRPr lang="en-US" dirty="0"/>
           </a:p>
@@ -9792,7 +9793,7 @@
             <a:fld id="{FA3C144B-2939-9A49-B014-915EC3E81866}" type="datetime1">
               <a:rPr lang="en-US" smtClean="0"/>
               <a:pPr/>
-              <a:t>1/22/14</a:t>
+              <a:t>1/19/15</a:t>
             </a:fld>
             <a:endParaRPr lang="en-US" dirty="0"/>
           </a:p>
@@ -10961,7 +10962,7 @@
           <a:p>
             <a:fld id="{7053BEFA-1175-F644-B249-7D41D72BD3FF}" type="datetime1">
               <a:rPr lang="en-US" smtClean="0"/>
-              <a:t>1/22/14</a:t>
+              <a:t>1/19/15</a:t>
             </a:fld>
             <a:endParaRPr lang="en-US"/>
           </a:p>
@@ -11140,7 +11141,7 @@
           <a:p>
             <a:fld id="{7053BEFA-1175-F644-B249-7D41D72BD3FF}" type="datetime1">
               <a:rPr lang="en-US" smtClean="0"/>
-              <a:t>1/22/14</a:t>
+              <a:t>1/19/15</a:t>
             </a:fld>
             <a:endParaRPr lang="en-US"/>
           </a:p>
@@ -11323,7 +11324,7 @@
           <a:p>
             <a:fld id="{7053BEFA-1175-F644-B249-7D41D72BD3FF}" type="datetime1">
               <a:rPr lang="en-US" smtClean="0"/>
-              <a:t>1/22/14</a:t>
+              <a:t>1/19/15</a:t>
             </a:fld>
             <a:endParaRPr lang="en-US"/>
           </a:p>
@@ -11561,7 +11562,7 @@
           <a:p>
             <a:fld id="{7053BEFA-1175-F644-B249-7D41D72BD3FF}" type="datetime1">
               <a:rPr lang="en-US" smtClean="0"/>
-              <a:t>1/22/14</a:t>
+              <a:t>1/19/15</a:t>
             </a:fld>
             <a:endParaRPr lang="en-US"/>
           </a:p>
@@ -11799,7 +11800,7 @@
           <a:p>
             <a:fld id="{7053BEFA-1175-F644-B249-7D41D72BD3FF}" type="datetime1">
               <a:rPr lang="en-US" smtClean="0"/>
-              <a:t>1/22/14</a:t>
+              <a:t>1/19/15</a:t>
             </a:fld>
             <a:endParaRPr lang="en-US"/>
           </a:p>
@@ -12037,7 +12038,7 @@
           <a:p>
             <a:fld id="{7053BEFA-1175-F644-B249-7D41D72BD3FF}" type="datetime1">
               <a:rPr lang="en-US" smtClean="0"/>
-              <a:t>1/22/14</a:t>
+              <a:t>1/19/15</a:t>
             </a:fld>
             <a:endParaRPr lang="en-US"/>
           </a:p>
@@ -12224,7 +12225,7 @@
           <a:p>
             <a:fld id="{7053BEFA-1175-F644-B249-7D41D72BD3FF}" type="datetime1">
               <a:rPr lang="en-US" smtClean="0"/>
-              <a:t>1/22/14</a:t>
+              <a:t>1/19/15</a:t>
             </a:fld>
             <a:endParaRPr lang="en-US"/>
           </a:p>
@@ -12511,7 +12512,7 @@
           <a:p>
             <a:fld id="{7053BEFA-1175-F644-B249-7D41D72BD3FF}" type="datetime1">
               <a:rPr lang="en-US" smtClean="0"/>
-              <a:t>1/22/14</a:t>
+              <a:t>1/19/15</a:t>
             </a:fld>
             <a:endParaRPr lang="en-US"/>
           </a:p>
@@ -12747,7 +12748,7 @@
           <a:p>
             <a:fld id="{7053BEFA-1175-F644-B249-7D41D72BD3FF}" type="datetime1">
               <a:rPr lang="en-US" smtClean="0"/>
-              <a:t>1/22/14</a:t>
+              <a:t>1/19/15</a:t>
             </a:fld>
             <a:endParaRPr lang="en-US"/>
           </a:p>
@@ -13039,7 +13040,7 @@
           <a:p>
             <a:fld id="{7053BEFA-1175-F644-B249-7D41D72BD3FF}" type="datetime1">
               <a:rPr lang="en-US" smtClean="0"/>
-              <a:t>1/22/14</a:t>
+              <a:t>1/19/15</a:t>
             </a:fld>
             <a:endParaRPr lang="en-US"/>
           </a:p>
@@ -13150,7 +13151,12 @@
             <p:ph idx="1"/>
           </p:nvPr>
         </p:nvSpPr>
-        <p:spPr/>
+        <p:spPr>
+          <a:xfrm>
+            <a:off x="1128942" y="1847153"/>
+            <a:ext cx="7397549" cy="4379976"/>
+          </a:xfrm>
+        </p:spPr>
         <p:txBody>
           <a:bodyPr/>
           <a:lstStyle/>
@@ -13179,12 +13185,13 @@
               <a:rPr lang="en-US" dirty="0" smtClean="0"/>
               <a:t>Tables </a:t>
             </a:r>
-            <a:br>
+            <a:r>
               <a:rPr lang="en-US" dirty="0" smtClean="0"/>
-            </a:br>
+              <a:t>(</a:t>
+            </a:r>
             <a:r>
               <a:rPr lang="en-US" dirty="0" smtClean="0"/>
-              <a:t>(&amp; SQL)</a:t>
+              <a:t>&amp; SQL)</a:t>
             </a:r>
             <a:endParaRPr lang="en-US" dirty="0"/>
           </a:p>
@@ -13255,7 +13262,7 @@
           <a:p>
             <a:fld id="{7053BEFA-1175-F644-B249-7D41D72BD3FF}" type="datetime1">
               <a:rPr lang="en-US" smtClean="0"/>
-              <a:t>1/22/14</a:t>
+              <a:t>1/19/15</a:t>
             </a:fld>
             <a:endParaRPr lang="en-US"/>
           </a:p>
@@ -13517,7 +13524,7 @@
           <a:p>
             <a:fld id="{7053BEFA-1175-F644-B249-7D41D72BD3FF}" type="datetime1">
               <a:rPr lang="en-US" smtClean="0"/>
-              <a:t>1/22/14</a:t>
+              <a:t>1/19/15</a:t>
             </a:fld>
             <a:endParaRPr lang="en-US"/>
           </a:p>
@@ -13830,7 +13837,7 @@
           <a:p>
             <a:fld id="{7053BEFA-1175-F644-B249-7D41D72BD3FF}" type="datetime1">
               <a:rPr lang="en-US" smtClean="0"/>
-              <a:t>1/22/14</a:t>
+              <a:t>1/19/15</a:t>
             </a:fld>
             <a:endParaRPr lang="en-US"/>
           </a:p>
@@ -14110,7 +14117,7 @@
           <a:p>
             <a:fld id="{7053BEFA-1175-F644-B249-7D41D72BD3FF}" type="datetime1">
               <a:rPr lang="en-US" smtClean="0"/>
-              <a:t>1/22/14</a:t>
+              <a:t>1/19/15</a:t>
             </a:fld>
             <a:endParaRPr lang="en-US"/>
           </a:p>
@@ -14313,7 +14320,7 @@
           <a:p>
             <a:fld id="{7053BEFA-1175-F644-B249-7D41D72BD3FF}" type="datetime1">
               <a:rPr lang="en-US" smtClean="0"/>
-              <a:t>1/22/14</a:t>
+              <a:t>1/19/15</a:t>
             </a:fld>
             <a:endParaRPr lang="en-US"/>
           </a:p>
@@ -14553,7 +14560,7 @@
           <a:p>
             <a:fld id="{7053BEFA-1175-F644-B249-7D41D72BD3FF}" type="datetime1">
               <a:rPr lang="en-US" smtClean="0"/>
-              <a:t>1/22/14</a:t>
+              <a:t>1/19/15</a:t>
             </a:fld>
             <a:endParaRPr lang="en-US"/>
           </a:p>
@@ -14804,7 +14811,7 @@
           <a:p>
             <a:fld id="{7053BEFA-1175-F644-B249-7D41D72BD3FF}" type="datetime1">
               <a:rPr lang="en-US" smtClean="0"/>
-              <a:t>1/22/14</a:t>
+              <a:t>1/19/15</a:t>
             </a:fld>
             <a:endParaRPr lang="en-US"/>
           </a:p>
@@ -15044,7 +15051,7 @@
           <a:p>
             <a:fld id="{7053BEFA-1175-F644-B249-7D41D72BD3FF}" type="datetime1">
               <a:rPr lang="en-US" smtClean="0"/>
-              <a:t>1/22/14</a:t>
+              <a:t>1/19/15</a:t>
             </a:fld>
             <a:endParaRPr lang="en-US"/>
           </a:p>
@@ -15344,7 +15351,7 @@
           <a:p>
             <a:fld id="{7053BEFA-1175-F644-B249-7D41D72BD3FF}" type="datetime1">
               <a:rPr lang="en-US" smtClean="0"/>
-              <a:t>1/22/14</a:t>
+              <a:t>1/19/15</a:t>
             </a:fld>
             <a:endParaRPr lang="en-US"/>
           </a:p>
@@ -15585,7 +15592,7 @@
           <a:p>
             <a:fld id="{7053BEFA-1175-F644-B249-7D41D72BD3FF}" type="datetime1">
               <a:rPr lang="en-US" smtClean="0"/>
-              <a:t>1/22/14</a:t>
+              <a:t>1/19/15</a:t>
             </a:fld>
             <a:endParaRPr lang="en-US"/>
           </a:p>
@@ -15729,16 +15736,14 @@
             </a:pPr>
             <a:r>
               <a:rPr lang="en-US" sz="2400" dirty="0" smtClean="0"/>
-              <a:t>You may need to change this to </a:t>
-            </a:r>
-            <a:r>
-              <a:rPr lang="en-US" sz="2400" smtClean="0"/>
-              <a:t>explore coherence </a:t>
-            </a:r>
-            <a:r>
-              <a:rPr lang="en-US" sz="2400" dirty="0" smtClean="0"/>
-              <a:t>&amp;  correctness</a:t>
-            </a:r>
+              <a:t>You may need to change this to explore coherence &amp;  correctness</a:t>
+            </a:r>
+          </a:p>
+          <a:p>
+            <a:pPr marL="0" indent="0">
+              <a:buNone/>
+            </a:pPr>
+            <a:endParaRPr lang="en-US" dirty="0" smtClean="0"/>
           </a:p>
           <a:p>
             <a:pPr marL="0" indent="0">
@@ -15765,7 +15770,7 @@
           <a:p>
             <a:fld id="{7053BEFA-1175-F644-B249-7D41D72BD3FF}" type="datetime1">
               <a:rPr lang="en-US" smtClean="0"/>
-              <a:t>1/22/14</a:t>
+              <a:t>1/19/15</a:t>
             </a:fld>
             <a:endParaRPr lang="en-US"/>
           </a:p>
@@ -15968,7 +15973,7 @@
               <a:t>just </a:t>
             </a:r>
             <a:r>
-              <a:rPr lang="en-US" smtClean="0"/>
+              <a:rPr lang="en-US" dirty="0" smtClean="0"/>
               <a:t>with this…</a:t>
             </a:r>
             <a:endParaRPr lang="en-US" dirty="0"/>
@@ -15992,7 +15997,7 @@
           <a:p>
             <a:fld id="{7053BEFA-1175-F644-B249-7D41D72BD3FF}" type="datetime1">
               <a:rPr lang="en-US" smtClean="0"/>
-              <a:t>1/22/14</a:t>
+              <a:t>1/19/15</a:t>
             </a:fld>
             <a:endParaRPr lang="en-US"/>
           </a:p>
@@ -16044,6 +16049,156 @@
     <p:extLst>
       <p:ext uri="{BB962C8B-B14F-4D97-AF65-F5344CB8AC3E}">
         <p14:creationId xmlns:p14="http://schemas.microsoft.com/office/powerpoint/2010/main" val="3261230130"/>
+      </p:ext>
+    </p:extLst>
+  </p:cSld>
+  <p:clrMapOvr>
+    <a:masterClrMapping/>
+  </p:clrMapOvr>
+</p:sld>
+</file>
+
+<file path=ppt/slides/slide30.xml><?xml version="1.0" encoding="utf-8"?>
+<p:sld xmlns:a="http://schemas.openxmlformats.org/drawingml/2006/main" xmlns:r="http://schemas.openxmlformats.org/officeDocument/2006/relationships" xmlns:p="http://schemas.openxmlformats.org/presentationml/2006/main">
+  <p:cSld>
+    <p:spTree>
+      <p:nvGrpSpPr>
+        <p:cNvPr id="1" name=""/>
+        <p:cNvGrpSpPr/>
+        <p:nvPr/>
+      </p:nvGrpSpPr>
+      <p:grpSpPr>
+        <a:xfrm>
+          <a:off x="0" y="0"/>
+          <a:ext cx="0" cy="0"/>
+          <a:chOff x="0" y="0"/>
+          <a:chExt cx="0" cy="0"/>
+        </a:xfrm>
+      </p:grpSpPr>
+      <p:sp>
+        <p:nvSpPr>
+          <p:cNvPr id="2" name="Title 1"/>
+          <p:cNvSpPr>
+            <a:spLocks noGrp="1"/>
+          </p:cNvSpPr>
+          <p:nvPr>
+            <p:ph type="title"/>
+          </p:nvPr>
+        </p:nvSpPr>
+        <p:spPr/>
+        <p:txBody>
+          <a:bodyPr/>
+          <a:lstStyle/>
+          <a:p>
+            <a:r>
+              <a:rPr lang="en-US" dirty="0" smtClean="0"/>
+              <a:t>Can you use a different data set?</a:t>
+            </a:r>
+            <a:endParaRPr lang="en-US" dirty="0"/>
+          </a:p>
+        </p:txBody>
+      </p:sp>
+      <p:sp>
+        <p:nvSpPr>
+          <p:cNvPr id="3" name="Content Placeholder 2"/>
+          <p:cNvSpPr>
+            <a:spLocks noGrp="1"/>
+          </p:cNvSpPr>
+          <p:nvPr>
+            <p:ph idx="1"/>
+          </p:nvPr>
+        </p:nvSpPr>
+        <p:spPr/>
+        <p:txBody>
+          <a:bodyPr/>
+          <a:lstStyle/>
+          <a:p>
+            <a:r>
+              <a:rPr lang="en-US" dirty="0" smtClean="0"/>
+              <a:t>Absolutely, with instructor approval</a:t>
+            </a:r>
+          </a:p>
+          <a:p>
+            <a:r>
+              <a:rPr lang="en-US" dirty="0" smtClean="0"/>
+              <a:t>Recommend you choose one that is on fusion tables or that you can upload there, if you go </a:t>
+            </a:r>
+            <a:r>
+              <a:rPr lang="en-US" smtClean="0"/>
+              <a:t>somewhere else.</a:t>
+            </a:r>
+          </a:p>
+        </p:txBody>
+      </p:sp>
+      <p:sp>
+        <p:nvSpPr>
+          <p:cNvPr id="4" name="Date Placeholder 3"/>
+          <p:cNvSpPr>
+            <a:spLocks noGrp="1"/>
+          </p:cNvSpPr>
+          <p:nvPr>
+            <p:ph type="dt" sz="half" idx="10"/>
+          </p:nvPr>
+        </p:nvSpPr>
+        <p:spPr/>
+        <p:txBody>
+          <a:bodyPr/>
+          <a:lstStyle/>
+          <a:p>
+            <a:fld id="{7053BEFA-1175-F644-B249-7D41D72BD3FF}" type="datetime1">
+              <a:rPr lang="en-US" smtClean="0"/>
+              <a:t>1/19/15</a:t>
+            </a:fld>
+            <a:endParaRPr lang="en-US"/>
+          </a:p>
+        </p:txBody>
+      </p:sp>
+      <p:sp>
+        <p:nvSpPr>
+          <p:cNvPr id="5" name="Footer Placeholder 4"/>
+          <p:cNvSpPr>
+            <a:spLocks noGrp="1"/>
+          </p:cNvSpPr>
+          <p:nvPr>
+            <p:ph type="ftr" sz="quarter" idx="11"/>
+          </p:nvPr>
+        </p:nvSpPr>
+        <p:spPr/>
+        <p:txBody>
+          <a:bodyPr/>
+          <a:lstStyle/>
+          <a:p>
+            <a:endParaRPr lang="en-US" dirty="0"/>
+          </a:p>
+        </p:txBody>
+      </p:sp>
+      <p:sp>
+        <p:nvSpPr>
+          <p:cNvPr id="6" name="Slide Number Placeholder 5"/>
+          <p:cNvSpPr>
+            <a:spLocks noGrp="1"/>
+          </p:cNvSpPr>
+          <p:nvPr>
+            <p:ph type="sldNum" sz="quarter" idx="12"/>
+          </p:nvPr>
+        </p:nvSpPr>
+        <p:spPr/>
+        <p:txBody>
+          <a:bodyPr/>
+          <a:lstStyle/>
+          <a:p>
+            <a:fld id="{17E276FA-8F89-B34D-A726-BE3FA1F8DD97}" type="slidenum">
+              <a:rPr lang="en-US" smtClean="0"/>
+              <a:t>30</a:t>
+            </a:fld>
+            <a:endParaRPr lang="en-US" dirty="0"/>
+          </a:p>
+        </p:txBody>
+      </p:sp>
+    </p:spTree>
+    <p:extLst>
+      <p:ext uri="{BB962C8B-B14F-4D97-AF65-F5344CB8AC3E}">
+        <p14:creationId xmlns:p14="http://schemas.microsoft.com/office/powerpoint/2010/main" val="722875037"/>
       </p:ext>
     </p:extLst>
   </p:cSld>
@@ -16157,7 +16312,7 @@
           <a:p>
             <a:fld id="{7053BEFA-1175-F644-B249-7D41D72BD3FF}" type="datetime1">
               <a:rPr lang="en-US" smtClean="0"/>
-              <a:t>1/22/14</a:t>
+              <a:t>1/19/15</a:t>
             </a:fld>
             <a:endParaRPr lang="en-US"/>
           </a:p>
@@ -16369,7 +16524,7 @@
           <a:p>
             <a:fld id="{7053BEFA-1175-F644-B249-7D41D72BD3FF}" type="datetime1">
               <a:rPr lang="en-US" smtClean="0"/>
-              <a:t>1/22/14</a:t>
+              <a:t>1/19/15</a:t>
             </a:fld>
             <a:endParaRPr lang="en-US"/>
           </a:p>
@@ -16706,7 +16861,7 @@
           <a:p>
             <a:fld id="{7053BEFA-1175-F644-B249-7D41D72BD3FF}" type="datetime1">
               <a:rPr lang="en-US" smtClean="0"/>
-              <a:t>1/22/14</a:t>
+              <a:t>1/19/15</a:t>
             </a:fld>
             <a:endParaRPr lang="en-US"/>
           </a:p>
@@ -16790,11 +16945,7 @@
             <a:pPr algn="ctr"/>
             <a:r>
               <a:rPr lang="en-US" dirty="0" smtClean="0"/>
-              <a:t>Manually </a:t>
-            </a:r>
-            <a:r>
-              <a:rPr lang="en-US" dirty="0" smtClean="0"/>
-              <a:t>get Table ID</a:t>
+              <a:t>Manually get Table ID</a:t>
             </a:r>
             <a:endParaRPr lang="en-US" dirty="0"/>
           </a:p>
@@ -16995,7 +17146,7 @@
           <a:p>
             <a:fld id="{7053BEFA-1175-F644-B249-7D41D72BD3FF}" type="datetime1">
               <a:rPr lang="en-US" smtClean="0"/>
-              <a:t>1/22/14</a:t>
+              <a:t>1/19/15</a:t>
             </a:fld>
             <a:endParaRPr lang="en-US"/>
           </a:p>
@@ -17616,7 +17767,7 @@
           <a:p>
             <a:fld id="{7053BEFA-1175-F644-B249-7D41D72BD3FF}" type="datetime1">
               <a:rPr lang="en-US" smtClean="0"/>
-              <a:t>1/22/14</a:t>
+              <a:t>1/19/15</a:t>
             </a:fld>
             <a:endParaRPr lang="en-US"/>
           </a:p>
@@ -17756,7 +17907,6 @@
               <a:rPr lang="en-US" dirty="0" smtClean="0"/>
               <a:t>We’ll be talking more about this in lecture</a:t>
             </a:r>
-            <a:endParaRPr lang="en-US" dirty="0" smtClean="0"/>
           </a:p>
         </p:txBody>
       </p:sp>
@@ -17777,7 +17927,7 @@
           <a:p>
             <a:fld id="{7053BEFA-1175-F644-B249-7D41D72BD3FF}" type="datetime1">
               <a:rPr lang="en-US" smtClean="0"/>
-              <a:t>1/22/14</a:t>
+              <a:t>1/19/15</a:t>
             </a:fld>
             <a:endParaRPr lang="en-US"/>
           </a:p>

--- a/Lectures/Byte 2.pptx
+++ b/Lectures/Byte 2.pptx
@@ -3056,7 +3056,7 @@
           <a:p>
             <a:fld id="{D3AAB66F-B1B7-D045-B4E8-4F60236F228D}" type="datetimeFigureOut">
               <a:rPr lang="en-US" smtClean="0"/>
-              <a:t>1/19/15</a:t>
+              <a:t>1/20/15</a:t>
             </a:fld>
             <a:endParaRPr lang="en-US"/>
           </a:p>
@@ -3222,7 +3222,7 @@
           <a:p>
             <a:fld id="{BCCF8E76-06A6-164E-A6FA-EC32C13EB232}" type="datetimeFigureOut">
               <a:rPr lang="en-US" smtClean="0"/>
-              <a:t>1/19/15</a:t>
+              <a:t>1/20/15</a:t>
             </a:fld>
             <a:endParaRPr lang="en-US"/>
           </a:p>
@@ -4008,7 +4008,7 @@
             <a:fld id="{FA3C144B-2939-9A49-B014-915EC3E81866}" type="datetime1">
               <a:rPr lang="en-US" smtClean="0"/>
               <a:pPr/>
-              <a:t>1/19/15</a:t>
+              <a:t>1/20/15</a:t>
             </a:fld>
             <a:endParaRPr lang="en-US" dirty="0"/>
           </a:p>
@@ -4437,7 +4437,7 @@
           <a:p>
             <a:fld id="{76838339-A875-5E45-AB3F-AAABD270346A}" type="datetime1">
               <a:rPr lang="en-US" smtClean="0"/>
-              <a:t>1/19/15</a:t>
+              <a:t>1/20/15</a:t>
             </a:fld>
             <a:endParaRPr lang="en-US"/>
           </a:p>
@@ -4723,7 +4723,7 @@
             <a:fld id="{FA3C144B-2939-9A49-B014-915EC3E81866}" type="datetime1">
               <a:rPr lang="en-US" smtClean="0"/>
               <a:pPr/>
-              <a:t>1/19/15</a:t>
+              <a:t>1/20/15</a:t>
             </a:fld>
             <a:endParaRPr lang="en-US" dirty="0"/>
           </a:p>
@@ -5205,7 +5205,7 @@
           <a:p>
             <a:fld id="{A73F672F-A5FB-5745-934A-1BF51CA5539C}" type="datetime1">
               <a:rPr lang="en-US" smtClean="0"/>
-              <a:t>1/19/15</a:t>
+              <a:t>1/20/15</a:t>
             </a:fld>
             <a:endParaRPr lang="en-US"/>
           </a:p>
@@ -5547,7 +5547,7 @@
             <a:fld id="{FA3C144B-2939-9A49-B014-915EC3E81866}" type="datetime1">
               <a:rPr lang="en-US" smtClean="0"/>
               <a:pPr/>
-              <a:t>1/19/15</a:t>
+              <a:t>1/20/15</a:t>
             </a:fld>
             <a:endParaRPr lang="en-US" dirty="0"/>
           </a:p>
@@ -6011,7 +6011,7 @@
           <a:p>
             <a:fld id="{6AFE6A63-5EBE-3E48-B0AE-DF655A1ECE76}" type="datetime1">
               <a:rPr lang="en-US" smtClean="0"/>
-              <a:t>1/19/15</a:t>
+              <a:t>1/20/15</a:t>
             </a:fld>
             <a:endParaRPr lang="en-US"/>
           </a:p>
@@ -6330,7 +6330,7 @@
           <a:p>
             <a:fld id="{4A019F0C-9D18-B54A-9AC9-18AA74EDB034}" type="datetime1">
               <a:rPr lang="en-US" smtClean="0"/>
-              <a:t>1/19/15</a:t>
+              <a:t>1/20/15</a:t>
             </a:fld>
             <a:endParaRPr lang="en-US"/>
           </a:p>
@@ -6640,7 +6640,7 @@
             <a:fld id="{FA3C144B-2939-9A49-B014-915EC3E81866}" type="datetime1">
               <a:rPr lang="en-US" smtClean="0"/>
               <a:pPr/>
-              <a:t>1/19/15</a:t>
+              <a:t>1/20/15</a:t>
             </a:fld>
             <a:endParaRPr lang="en-US" dirty="0"/>
           </a:p>
@@ -6903,7 +6903,7 @@
           <a:p>
             <a:fld id="{FA3C144B-2939-9A49-B014-915EC3E81866}" type="datetime1">
               <a:rPr lang="en-US" smtClean="0"/>
-              <a:t>1/19/15</a:t>
+              <a:t>1/20/15</a:t>
             </a:fld>
             <a:endParaRPr lang="en-US" dirty="0"/>
           </a:p>
@@ -7271,7 +7271,7 @@
           <a:p>
             <a:fld id="{7053BEFA-1175-F644-B249-7D41D72BD3FF}" type="datetime1">
               <a:rPr lang="en-US" smtClean="0"/>
-              <a:t>1/19/15</a:t>
+              <a:t>1/20/15</a:t>
             </a:fld>
             <a:endParaRPr lang="en-US"/>
           </a:p>
@@ -7390,7 +7390,7 @@
             <a:fld id="{FA3C144B-2939-9A49-B014-915EC3E81866}" type="datetime1">
               <a:rPr lang="en-US" smtClean="0"/>
               <a:pPr/>
-              <a:t>1/19/15</a:t>
+              <a:t>1/20/15</a:t>
             </a:fld>
             <a:endParaRPr lang="en-US" dirty="0"/>
           </a:p>
@@ -7607,7 +7607,7 @@
             <a:fld id="{FA3C144B-2939-9A49-B014-915EC3E81866}" type="datetime1">
               <a:rPr lang="en-US" smtClean="0"/>
               <a:pPr/>
-              <a:t>1/19/15</a:t>
+              <a:t>1/20/15</a:t>
             </a:fld>
             <a:endParaRPr lang="en-US" dirty="0"/>
           </a:p>
@@ -7852,7 +7852,7 @@
             <a:fld id="{FA3C144B-2939-9A49-B014-915EC3E81866}" type="datetime1">
               <a:rPr lang="en-US" smtClean="0"/>
               <a:pPr/>
-              <a:t>1/19/15</a:t>
+              <a:t>1/20/15</a:t>
             </a:fld>
             <a:endParaRPr lang="en-US" dirty="0"/>
           </a:p>
@@ -8230,7 +8230,7 @@
           <a:p>
             <a:fld id="{111EEF3B-ABF2-AA4E-9E24-0C6256942674}" type="datetime1">
               <a:rPr lang="en-US" smtClean="0"/>
-              <a:t>1/19/15</a:t>
+              <a:t>1/20/15</a:t>
             </a:fld>
             <a:endParaRPr lang="en-US"/>
           </a:p>
@@ -8394,7 +8394,7 @@
             <a:fld id="{FA3C144B-2939-9A49-B014-915EC3E81866}" type="datetime1">
               <a:rPr lang="en-US" smtClean="0"/>
               <a:pPr/>
-              <a:t>1/19/15</a:t>
+              <a:t>1/20/15</a:t>
             </a:fld>
             <a:endParaRPr lang="en-US" dirty="0"/>
           </a:p>
@@ -8811,7 +8811,7 @@
             <a:fld id="{FA3C144B-2939-9A49-B014-915EC3E81866}" type="datetime1">
               <a:rPr lang="en-US" smtClean="0"/>
               <a:pPr/>
-              <a:t>1/19/15</a:t>
+              <a:t>1/20/15</a:t>
             </a:fld>
             <a:endParaRPr lang="en-US" dirty="0"/>
           </a:p>
@@ -9127,7 +9127,7 @@
             <a:fld id="{FA3C144B-2939-9A49-B014-915EC3E81866}" type="datetime1">
               <a:rPr lang="en-US" smtClean="0"/>
               <a:pPr/>
-              <a:t>1/19/15</a:t>
+              <a:t>1/20/15</a:t>
             </a:fld>
             <a:endParaRPr lang="en-US" dirty="0"/>
           </a:p>
@@ -9793,7 +9793,7 @@
             <a:fld id="{FA3C144B-2939-9A49-B014-915EC3E81866}" type="datetime1">
               <a:rPr lang="en-US" smtClean="0"/>
               <a:pPr/>
-              <a:t>1/19/15</a:t>
+              <a:t>1/20/15</a:t>
             </a:fld>
             <a:endParaRPr lang="en-US" dirty="0"/>
           </a:p>
@@ -10833,6 +10833,13 @@
   <p:clrMapOvr>
     <a:masterClrMapping/>
   </p:clrMapOvr>
+  <p:timing>
+    <p:tnLst>
+      <p:par>
+        <p:cTn xmlns:p14="http://schemas.microsoft.com/office/powerpoint/2010/main" id="1" dur="indefinite" restart="never" nodeType="tmRoot"/>
+      </p:par>
+    </p:tnLst>
+  </p:timing>
 </p:sld>
 </file>
 
@@ -10962,7 +10969,7 @@
           <a:p>
             <a:fld id="{7053BEFA-1175-F644-B249-7D41D72BD3FF}" type="datetime1">
               <a:rPr lang="en-US" smtClean="0"/>
-              <a:t>1/19/15</a:t>
+              <a:t>1/20/15</a:t>
             </a:fld>
             <a:endParaRPr lang="en-US"/>
           </a:p>
@@ -11020,6 +11027,13 @@
   <p:clrMapOvr>
     <a:masterClrMapping/>
   </p:clrMapOvr>
+  <p:timing>
+    <p:tnLst>
+      <p:par>
+        <p:cTn xmlns:p14="http://schemas.microsoft.com/office/powerpoint/2010/main" id="1" dur="indefinite" restart="never" nodeType="tmRoot"/>
+      </p:par>
+    </p:tnLst>
+  </p:timing>
 </p:sld>
 </file>
 
@@ -11141,7 +11155,7 @@
           <a:p>
             <a:fld id="{7053BEFA-1175-F644-B249-7D41D72BD3FF}" type="datetime1">
               <a:rPr lang="en-US" smtClean="0"/>
-              <a:t>1/19/15</a:t>
+              <a:t>1/20/15</a:t>
             </a:fld>
             <a:endParaRPr lang="en-US"/>
           </a:p>
@@ -11199,6 +11213,13 @@
   <p:clrMapOvr>
     <a:masterClrMapping/>
   </p:clrMapOvr>
+  <p:timing>
+    <p:tnLst>
+      <p:par>
+        <p:cTn xmlns:p14="http://schemas.microsoft.com/office/powerpoint/2010/main" id="1" dur="indefinite" restart="never" nodeType="tmRoot"/>
+      </p:par>
+    </p:tnLst>
+  </p:timing>
 </p:sld>
 </file>
 
@@ -11324,7 +11345,7 @@
           <a:p>
             <a:fld id="{7053BEFA-1175-F644-B249-7D41D72BD3FF}" type="datetime1">
               <a:rPr lang="en-US" smtClean="0"/>
-              <a:t>1/19/15</a:t>
+              <a:t>1/20/15</a:t>
             </a:fld>
             <a:endParaRPr lang="en-US"/>
           </a:p>
@@ -11433,6 +11454,13 @@
   <p:clrMapOvr>
     <a:masterClrMapping/>
   </p:clrMapOvr>
+  <p:timing>
+    <p:tnLst>
+      <p:par>
+        <p:cTn xmlns:p14="http://schemas.microsoft.com/office/powerpoint/2010/main" id="1" dur="indefinite" restart="never" nodeType="tmRoot"/>
+      </p:par>
+    </p:tnLst>
+  </p:timing>
 </p:sld>
 </file>
 
@@ -11562,7 +11590,7 @@
           <a:p>
             <a:fld id="{7053BEFA-1175-F644-B249-7D41D72BD3FF}" type="datetime1">
               <a:rPr lang="en-US" smtClean="0"/>
-              <a:t>1/19/15</a:t>
+              <a:t>1/20/15</a:t>
             </a:fld>
             <a:endParaRPr lang="en-US"/>
           </a:p>
@@ -11671,6 +11699,13 @@
   <p:clrMapOvr>
     <a:masterClrMapping/>
   </p:clrMapOvr>
+  <p:timing>
+    <p:tnLst>
+      <p:par>
+        <p:cTn xmlns:p14="http://schemas.microsoft.com/office/powerpoint/2010/main" id="1" dur="indefinite" restart="never" nodeType="tmRoot"/>
+      </p:par>
+    </p:tnLst>
+  </p:timing>
 </p:sld>
 </file>
 
@@ -11800,7 +11835,7 @@
           <a:p>
             <a:fld id="{7053BEFA-1175-F644-B249-7D41D72BD3FF}" type="datetime1">
               <a:rPr lang="en-US" smtClean="0"/>
-              <a:t>1/19/15</a:t>
+              <a:t>1/20/15</a:t>
             </a:fld>
             <a:endParaRPr lang="en-US"/>
           </a:p>
@@ -11909,6 +11944,13 @@
   <p:clrMapOvr>
     <a:masterClrMapping/>
   </p:clrMapOvr>
+  <p:timing>
+    <p:tnLst>
+      <p:par>
+        <p:cTn xmlns:p14="http://schemas.microsoft.com/office/powerpoint/2010/main" id="1" dur="indefinite" restart="never" nodeType="tmRoot"/>
+      </p:par>
+    </p:tnLst>
+  </p:timing>
 </p:sld>
 </file>
 
@@ -12038,7 +12080,7 @@
           <a:p>
             <a:fld id="{7053BEFA-1175-F644-B249-7D41D72BD3FF}" type="datetime1">
               <a:rPr lang="en-US" smtClean="0"/>
-              <a:t>1/19/15</a:t>
+              <a:t>1/20/15</a:t>
             </a:fld>
             <a:endParaRPr lang="en-US"/>
           </a:p>
@@ -12096,6 +12138,13 @@
   <p:clrMapOvr>
     <a:masterClrMapping/>
   </p:clrMapOvr>
+  <p:timing>
+    <p:tnLst>
+      <p:par>
+        <p:cTn xmlns:p14="http://schemas.microsoft.com/office/powerpoint/2010/main" id="1" dur="indefinite" restart="never" nodeType="tmRoot"/>
+      </p:par>
+    </p:tnLst>
+  </p:timing>
 </p:sld>
 </file>
 
@@ -12225,7 +12274,7 @@
           <a:p>
             <a:fld id="{7053BEFA-1175-F644-B249-7D41D72BD3FF}" type="datetime1">
               <a:rPr lang="en-US" smtClean="0"/>
-              <a:t>1/19/15</a:t>
+              <a:t>1/20/15</a:t>
             </a:fld>
             <a:endParaRPr lang="en-US"/>
           </a:p>
@@ -12334,6 +12383,13 @@
   <p:clrMapOvr>
     <a:masterClrMapping/>
   </p:clrMapOvr>
+  <p:timing>
+    <p:tnLst>
+      <p:par>
+        <p:cTn xmlns:p14="http://schemas.microsoft.com/office/powerpoint/2010/main" id="1" dur="indefinite" restart="never" nodeType="tmRoot"/>
+      </p:par>
+    </p:tnLst>
+  </p:timing>
 </p:sld>
 </file>
 
@@ -12512,7 +12568,7 @@
           <a:p>
             <a:fld id="{7053BEFA-1175-F644-B249-7D41D72BD3FF}" type="datetime1">
               <a:rPr lang="en-US" smtClean="0"/>
-              <a:t>1/19/15</a:t>
+              <a:t>1/20/15</a:t>
             </a:fld>
             <a:endParaRPr lang="en-US"/>
           </a:p>
@@ -12570,6 +12626,13 @@
   <p:clrMapOvr>
     <a:masterClrMapping/>
   </p:clrMapOvr>
+  <p:timing>
+    <p:tnLst>
+      <p:par>
+        <p:cTn xmlns:p14="http://schemas.microsoft.com/office/powerpoint/2010/main" id="1" dur="indefinite" restart="never" nodeType="tmRoot"/>
+      </p:par>
+    </p:tnLst>
+  </p:timing>
 </p:sld>
 </file>
 
@@ -12748,7 +12811,7 @@
           <a:p>
             <a:fld id="{7053BEFA-1175-F644-B249-7D41D72BD3FF}" type="datetime1">
               <a:rPr lang="en-US" smtClean="0"/>
-              <a:t>1/19/15</a:t>
+              <a:t>1/20/15</a:t>
             </a:fld>
             <a:endParaRPr lang="en-US"/>
           </a:p>
@@ -12836,6 +12899,13 @@
   <p:clrMapOvr>
     <a:masterClrMapping/>
   </p:clrMapOvr>
+  <p:timing>
+    <p:tnLst>
+      <p:par>
+        <p:cTn xmlns:p14="http://schemas.microsoft.com/office/powerpoint/2010/main" id="1" dur="indefinite" restart="never" nodeType="tmRoot"/>
+      </p:par>
+    </p:tnLst>
+  </p:timing>
 </p:sld>
 </file>
 
@@ -13040,7 +13110,7 @@
           <a:p>
             <a:fld id="{7053BEFA-1175-F644-B249-7D41D72BD3FF}" type="datetime1">
               <a:rPr lang="en-US" smtClean="0"/>
-              <a:t>1/19/15</a:t>
+              <a:t>1/20/15</a:t>
             </a:fld>
             <a:endParaRPr lang="en-US"/>
           </a:p>
@@ -13098,6 +13168,13 @@
   <p:clrMapOvr>
     <a:masterClrMapping/>
   </p:clrMapOvr>
+  <p:timing>
+    <p:tnLst>
+      <p:par>
+        <p:cTn xmlns:p14="http://schemas.microsoft.com/office/powerpoint/2010/main" id="1" dur="indefinite" restart="never" nodeType="tmRoot"/>
+      </p:par>
+    </p:tnLst>
+  </p:timing>
 </p:sld>
 </file>
 
@@ -13183,15 +13260,7 @@
             </a:r>
             <a:r>
               <a:rPr lang="en-US" dirty="0" smtClean="0"/>
-              <a:t>Tables </a:t>
-            </a:r>
-            <a:r>
-              <a:rPr lang="en-US" dirty="0" smtClean="0"/>
-              <a:t>(</a:t>
-            </a:r>
-            <a:r>
-              <a:rPr lang="en-US" dirty="0" smtClean="0"/>
-              <a:t>&amp; SQL)</a:t>
+              <a:t>Tables (&amp; SQL)</a:t>
             </a:r>
             <a:endParaRPr lang="en-US" dirty="0"/>
           </a:p>
@@ -13262,7 +13331,7 @@
           <a:p>
             <a:fld id="{7053BEFA-1175-F644-B249-7D41D72BD3FF}" type="datetime1">
               <a:rPr lang="en-US" smtClean="0"/>
-              <a:t>1/19/15</a:t>
+              <a:t>1/20/15</a:t>
             </a:fld>
             <a:endParaRPr lang="en-US"/>
           </a:p>
@@ -13320,6 +13389,13 @@
   <p:clrMapOvr>
     <a:masterClrMapping/>
   </p:clrMapOvr>
+  <p:timing>
+    <p:tnLst>
+      <p:par>
+        <p:cTn xmlns:p14="http://schemas.microsoft.com/office/powerpoint/2010/main" id="1" dur="indefinite" restart="never" nodeType="tmRoot"/>
+      </p:par>
+    </p:tnLst>
+  </p:timing>
 </p:sld>
 </file>
 
@@ -13524,7 +13600,7 @@
           <a:p>
             <a:fld id="{7053BEFA-1175-F644-B249-7D41D72BD3FF}" type="datetime1">
               <a:rPr lang="en-US" smtClean="0"/>
-              <a:t>1/19/15</a:t>
+              <a:t>1/20/15</a:t>
             </a:fld>
             <a:endParaRPr lang="en-US"/>
           </a:p>
@@ -13626,6 +13702,13 @@
   <p:clrMapOvr>
     <a:masterClrMapping/>
   </p:clrMapOvr>
+  <p:timing>
+    <p:tnLst>
+      <p:par>
+        <p:cTn xmlns:p14="http://schemas.microsoft.com/office/powerpoint/2010/main" id="1" dur="indefinite" restart="never" nodeType="tmRoot"/>
+      </p:par>
+    </p:tnLst>
+  </p:timing>
 </p:sld>
 </file>
 
@@ -13837,7 +13920,7 @@
           <a:p>
             <a:fld id="{7053BEFA-1175-F644-B249-7D41D72BD3FF}" type="datetime1">
               <a:rPr lang="en-US" smtClean="0"/>
-              <a:t>1/19/15</a:t>
+              <a:t>1/20/15</a:t>
             </a:fld>
             <a:endParaRPr lang="en-US"/>
           </a:p>
@@ -13939,6 +14022,13 @@
   <p:clrMapOvr>
     <a:masterClrMapping/>
   </p:clrMapOvr>
+  <p:timing>
+    <p:tnLst>
+      <p:par>
+        <p:cTn xmlns:p14="http://schemas.microsoft.com/office/powerpoint/2010/main" id="1" dur="indefinite" restart="never" nodeType="tmRoot"/>
+      </p:par>
+    </p:tnLst>
+  </p:timing>
 </p:sld>
 </file>
 
@@ -14117,7 +14207,7 @@
           <a:p>
             <a:fld id="{7053BEFA-1175-F644-B249-7D41D72BD3FF}" type="datetime1">
               <a:rPr lang="en-US" smtClean="0"/>
-              <a:t>1/19/15</a:t>
+              <a:t>1/20/15</a:t>
             </a:fld>
             <a:endParaRPr lang="en-US"/>
           </a:p>
@@ -14205,6 +14295,13 @@
   <p:clrMapOvr>
     <a:masterClrMapping/>
   </p:clrMapOvr>
+  <p:timing>
+    <p:tnLst>
+      <p:par>
+        <p:cTn xmlns:p14="http://schemas.microsoft.com/office/powerpoint/2010/main" id="1" dur="indefinite" restart="never" nodeType="tmRoot"/>
+      </p:par>
+    </p:tnLst>
+  </p:timing>
 </p:sld>
 </file>
 
@@ -14320,7 +14417,7 @@
           <a:p>
             <a:fld id="{7053BEFA-1175-F644-B249-7D41D72BD3FF}" type="datetime1">
               <a:rPr lang="en-US" smtClean="0"/>
-              <a:t>1/19/15</a:t>
+              <a:t>1/20/15</a:t>
             </a:fld>
             <a:endParaRPr lang="en-US"/>
           </a:p>
@@ -14378,6 +14475,13 @@
   <p:clrMapOvr>
     <a:masterClrMapping/>
   </p:clrMapOvr>
+  <p:timing>
+    <p:tnLst>
+      <p:par>
+        <p:cTn xmlns:p14="http://schemas.microsoft.com/office/powerpoint/2010/main" id="1" dur="indefinite" restart="never" nodeType="tmRoot"/>
+      </p:par>
+    </p:tnLst>
+  </p:timing>
 </p:sld>
 </file>
 
@@ -14560,7 +14664,7 @@
           <a:p>
             <a:fld id="{7053BEFA-1175-F644-B249-7D41D72BD3FF}" type="datetime1">
               <a:rPr lang="en-US" smtClean="0"/>
-              <a:t>1/19/15</a:t>
+              <a:t>1/20/15</a:t>
             </a:fld>
             <a:endParaRPr lang="en-US"/>
           </a:p>
@@ -14618,6 +14722,13 @@
   <p:clrMapOvr>
     <a:masterClrMapping/>
   </p:clrMapOvr>
+  <p:timing>
+    <p:tnLst>
+      <p:par>
+        <p:cTn xmlns:p14="http://schemas.microsoft.com/office/powerpoint/2010/main" id="1" dur="indefinite" restart="never" nodeType="tmRoot"/>
+      </p:par>
+    </p:tnLst>
+  </p:timing>
 </p:sld>
 </file>
 
@@ -14811,7 +14922,7 @@
           <a:p>
             <a:fld id="{7053BEFA-1175-F644-B249-7D41D72BD3FF}" type="datetime1">
               <a:rPr lang="en-US" smtClean="0"/>
-              <a:t>1/19/15</a:t>
+              <a:t>1/20/15</a:t>
             </a:fld>
             <a:endParaRPr lang="en-US"/>
           </a:p>
@@ -14869,6 +14980,13 @@
   <p:clrMapOvr>
     <a:masterClrMapping/>
   </p:clrMapOvr>
+  <p:timing>
+    <p:tnLst>
+      <p:par>
+        <p:cTn xmlns:p14="http://schemas.microsoft.com/office/powerpoint/2010/main" id="1" dur="indefinite" restart="never" nodeType="tmRoot"/>
+      </p:par>
+    </p:tnLst>
+  </p:timing>
 </p:sld>
 </file>
 
@@ -15051,7 +15169,7 @@
           <a:p>
             <a:fld id="{7053BEFA-1175-F644-B249-7D41D72BD3FF}" type="datetime1">
               <a:rPr lang="en-US" smtClean="0"/>
-              <a:t>1/19/15</a:t>
+              <a:t>1/20/15</a:t>
             </a:fld>
             <a:endParaRPr lang="en-US"/>
           </a:p>
@@ -15169,6 +15287,13 @@
   <p:clrMapOvr>
     <a:masterClrMapping/>
   </p:clrMapOvr>
+  <p:timing>
+    <p:tnLst>
+      <p:par>
+        <p:cTn xmlns:p14="http://schemas.microsoft.com/office/powerpoint/2010/main" id="1" dur="indefinite" restart="never" nodeType="tmRoot"/>
+      </p:par>
+    </p:tnLst>
+  </p:timing>
 </p:sld>
 </file>
 
@@ -15351,7 +15476,7 @@
           <a:p>
             <a:fld id="{7053BEFA-1175-F644-B249-7D41D72BD3FF}" type="datetime1">
               <a:rPr lang="en-US" smtClean="0"/>
-              <a:t>1/19/15</a:t>
+              <a:t>1/20/15</a:t>
             </a:fld>
             <a:endParaRPr lang="en-US"/>
           </a:p>
@@ -15439,6 +15564,13 @@
   <p:clrMapOvr>
     <a:masterClrMapping/>
   </p:clrMapOvr>
+  <p:timing>
+    <p:tnLst>
+      <p:par>
+        <p:cTn xmlns:p14="http://schemas.microsoft.com/office/powerpoint/2010/main" id="1" dur="indefinite" restart="never" nodeType="tmRoot"/>
+      </p:par>
+    </p:tnLst>
+  </p:timing>
 </p:sld>
 </file>
 
@@ -15592,7 +15724,7 @@
           <a:p>
             <a:fld id="{7053BEFA-1175-F644-B249-7D41D72BD3FF}" type="datetime1">
               <a:rPr lang="en-US" smtClean="0"/>
-              <a:t>1/19/15</a:t>
+              <a:t>1/20/15</a:t>
             </a:fld>
             <a:endParaRPr lang="en-US"/>
           </a:p>
@@ -15650,6 +15782,13 @@
   <p:clrMapOvr>
     <a:masterClrMapping/>
   </p:clrMapOvr>
+  <p:timing>
+    <p:tnLst>
+      <p:par>
+        <p:cTn xmlns:p14="http://schemas.microsoft.com/office/powerpoint/2010/main" id="1" dur="indefinite" restart="never" nodeType="tmRoot"/>
+      </p:par>
+    </p:tnLst>
+  </p:timing>
 </p:sld>
 </file>
 
@@ -15770,7 +15909,7 @@
           <a:p>
             <a:fld id="{7053BEFA-1175-F644-B249-7D41D72BD3FF}" type="datetime1">
               <a:rPr lang="en-US" smtClean="0"/>
-              <a:t>1/19/15</a:t>
+              <a:t>1/20/15</a:t>
             </a:fld>
             <a:endParaRPr lang="en-US"/>
           </a:p>
@@ -15828,6 +15967,13 @@
   <p:clrMapOvr>
     <a:masterClrMapping/>
   </p:clrMapOvr>
+  <p:timing>
+    <p:tnLst>
+      <p:par>
+        <p:cTn xmlns:p14="http://schemas.microsoft.com/office/powerpoint/2010/main" id="1" dur="indefinite" restart="never" nodeType="tmRoot"/>
+      </p:par>
+    </p:tnLst>
+  </p:timing>
 </p:sld>
 </file>
 
@@ -15883,7 +16029,7 @@
         </p:nvSpPr>
         <p:spPr>
           <a:xfrm>
-            <a:off x="1128943" y="1847153"/>
+            <a:off x="1289877" y="1847153"/>
             <a:ext cx="7726206" cy="4379976"/>
           </a:xfrm>
         </p:spPr>
@@ -15997,7 +16143,7 @@
           <a:p>
             <a:fld id="{7053BEFA-1175-F644-B249-7D41D72BD3FF}" type="datetime1">
               <a:rPr lang="en-US" smtClean="0"/>
-              <a:t>1/19/15</a:t>
+              <a:t>1/20/15</a:t>
             </a:fld>
             <a:endParaRPr lang="en-US"/>
           </a:p>
@@ -16055,6 +16201,13 @@
   <p:clrMapOvr>
     <a:masterClrMapping/>
   </p:clrMapOvr>
+  <p:timing>
+    <p:tnLst>
+      <p:par>
+        <p:cTn xmlns:p14="http://schemas.microsoft.com/office/powerpoint/2010/main" id="1" dur="indefinite" restart="never" nodeType="tmRoot"/>
+      </p:par>
+    </p:tnLst>
+  </p:timing>
 </p:sld>
 </file>
 
@@ -16147,7 +16300,7 @@
           <a:p>
             <a:fld id="{7053BEFA-1175-F644-B249-7D41D72BD3FF}" type="datetime1">
               <a:rPr lang="en-US" smtClean="0"/>
-              <a:t>1/19/15</a:t>
+              <a:t>1/20/15</a:t>
             </a:fld>
             <a:endParaRPr lang="en-US"/>
           </a:p>
@@ -16205,6 +16358,13 @@
   <p:clrMapOvr>
     <a:masterClrMapping/>
   </p:clrMapOvr>
+  <p:timing>
+    <p:tnLst>
+      <p:par>
+        <p:cTn xmlns:p14="http://schemas.microsoft.com/office/powerpoint/2010/main" id="1" dur="indefinite" restart="never" nodeType="tmRoot"/>
+      </p:par>
+    </p:tnLst>
+  </p:timing>
 </p:sld>
 </file>
 
@@ -16312,7 +16472,7 @@
           <a:p>
             <a:fld id="{7053BEFA-1175-F644-B249-7D41D72BD3FF}" type="datetime1">
               <a:rPr lang="en-US" smtClean="0"/>
-              <a:t>1/19/15</a:t>
+              <a:t>1/20/15</a:t>
             </a:fld>
             <a:endParaRPr lang="en-US"/>
           </a:p>
@@ -16370,6 +16530,13 @@
   <p:clrMapOvr>
     <a:masterClrMapping/>
   </p:clrMapOvr>
+  <p:timing>
+    <p:tnLst>
+      <p:par>
+        <p:cTn xmlns:p14="http://schemas.microsoft.com/office/powerpoint/2010/main" id="1" dur="indefinite" restart="never" nodeType="tmRoot"/>
+      </p:par>
+    </p:tnLst>
+  </p:timing>
 </p:sld>
 </file>
 
@@ -16524,7 +16691,7 @@
           <a:p>
             <a:fld id="{7053BEFA-1175-F644-B249-7D41D72BD3FF}" type="datetime1">
               <a:rPr lang="en-US" smtClean="0"/>
-              <a:t>1/19/15</a:t>
+              <a:t>1/20/15</a:t>
             </a:fld>
             <a:endParaRPr lang="en-US"/>
           </a:p>
@@ -16646,6 +16813,13 @@
   <p:clrMapOvr>
     <a:masterClrMapping/>
   </p:clrMapOvr>
+  <p:timing>
+    <p:tnLst>
+      <p:par>
+        <p:cTn xmlns:p14="http://schemas.microsoft.com/office/powerpoint/2010/main" id="1" dur="indefinite" restart="never" nodeType="tmRoot"/>
+      </p:par>
+    </p:tnLst>
+  </p:timing>
 </p:sld>
 </file>
 
@@ -16861,7 +17035,7 @@
           <a:p>
             <a:fld id="{7053BEFA-1175-F644-B249-7D41D72BD3FF}" type="datetime1">
               <a:rPr lang="en-US" smtClean="0"/>
-              <a:t>1/19/15</a:t>
+              <a:t>1/20/15</a:t>
             </a:fld>
             <a:endParaRPr lang="en-US"/>
           </a:p>
@@ -16961,6 +17135,13 @@
   <p:clrMapOvr>
     <a:masterClrMapping/>
   </p:clrMapOvr>
+  <p:timing>
+    <p:tnLst>
+      <p:par>
+        <p:cTn xmlns:p14="http://schemas.microsoft.com/office/powerpoint/2010/main" id="1" dur="indefinite" restart="never" nodeType="tmRoot"/>
+      </p:par>
+    </p:tnLst>
+  </p:timing>
 </p:sld>
 </file>
 
@@ -17146,7 +17327,7 @@
           <a:p>
             <a:fld id="{7053BEFA-1175-F644-B249-7D41D72BD3FF}" type="datetime1">
               <a:rPr lang="en-US" smtClean="0"/>
-              <a:t>1/19/15</a:t>
+              <a:t>1/20/15</a:t>
             </a:fld>
             <a:endParaRPr lang="en-US"/>
           </a:p>
@@ -17204,6 +17385,13 @@
   <p:clrMapOvr>
     <a:masterClrMapping/>
   </p:clrMapOvr>
+  <p:timing>
+    <p:tnLst>
+      <p:par>
+        <p:cTn xmlns:p14="http://schemas.microsoft.com/office/powerpoint/2010/main" id="1" dur="indefinite" restart="never" nodeType="tmRoot"/>
+      </p:par>
+    </p:tnLst>
+  </p:timing>
 </p:sld>
 </file>
 
@@ -17767,7 +17955,7 @@
           <a:p>
             <a:fld id="{7053BEFA-1175-F644-B249-7D41D72BD3FF}" type="datetime1">
               <a:rPr lang="en-US" smtClean="0"/>
-              <a:t>1/19/15</a:t>
+              <a:t>1/20/15</a:t>
             </a:fld>
             <a:endParaRPr lang="en-US"/>
           </a:p>
@@ -17825,6 +18013,13 @@
   <p:clrMapOvr>
     <a:masterClrMapping/>
   </p:clrMapOvr>
+  <p:timing>
+    <p:tnLst>
+      <p:par>
+        <p:cTn xmlns:p14="http://schemas.microsoft.com/office/powerpoint/2010/main" id="1" dur="indefinite" restart="never" nodeType="tmRoot"/>
+      </p:par>
+    </p:tnLst>
+  </p:timing>
 </p:sld>
 </file>
 
@@ -17927,7 +18122,7 @@
           <a:p>
             <a:fld id="{7053BEFA-1175-F644-B249-7D41D72BD3FF}" type="datetime1">
               <a:rPr lang="en-US" smtClean="0"/>
-              <a:t>1/19/15</a:t>
+              <a:t>1/20/15</a:t>
             </a:fld>
             <a:endParaRPr lang="en-US"/>
           </a:p>
@@ -17985,6 +18180,13 @@
   <p:clrMapOvr>
     <a:masterClrMapping/>
   </p:clrMapOvr>
+  <p:timing>
+    <p:tnLst>
+      <p:par>
+        <p:cTn xmlns:p14="http://schemas.microsoft.com/office/powerpoint/2010/main" id="1" dur="indefinite" restart="never" nodeType="tmRoot"/>
+      </p:par>
+    </p:tnLst>
+  </p:timing>
 </p:sld>
 </file>
 

--- a/Lectures/Byte 2.pptx
+++ b/Lectures/Byte 2.pptx
@@ -3056,7 +3056,7 @@
           <a:p>
             <a:fld id="{D3AAB66F-B1B7-D045-B4E8-4F60236F228D}" type="datetimeFigureOut">
               <a:rPr lang="en-US" smtClean="0"/>
-              <a:t>1/20/15</a:t>
+              <a:t>1/21/16</a:t>
             </a:fld>
             <a:endParaRPr lang="en-US"/>
           </a:p>
@@ -3222,7 +3222,7 @@
           <a:p>
             <a:fld id="{BCCF8E76-06A6-164E-A6FA-EC32C13EB232}" type="datetimeFigureOut">
               <a:rPr lang="en-US" smtClean="0"/>
-              <a:t>1/20/15</a:t>
+              <a:t>1/21/16</a:t>
             </a:fld>
             <a:endParaRPr lang="en-US"/>
           </a:p>
@@ -4008,7 +4008,7 @@
             <a:fld id="{FA3C144B-2939-9A49-B014-915EC3E81866}" type="datetime1">
               <a:rPr lang="en-US" smtClean="0"/>
               <a:pPr/>
-              <a:t>1/20/15</a:t>
+              <a:t>1/21/16</a:t>
             </a:fld>
             <a:endParaRPr lang="en-US" dirty="0"/>
           </a:p>
@@ -4437,7 +4437,7 @@
           <a:p>
             <a:fld id="{76838339-A875-5E45-AB3F-AAABD270346A}" type="datetime1">
               <a:rPr lang="en-US" smtClean="0"/>
-              <a:t>1/20/15</a:t>
+              <a:t>1/21/16</a:t>
             </a:fld>
             <a:endParaRPr lang="en-US"/>
           </a:p>
@@ -4723,7 +4723,7 @@
             <a:fld id="{FA3C144B-2939-9A49-B014-915EC3E81866}" type="datetime1">
               <a:rPr lang="en-US" smtClean="0"/>
               <a:pPr/>
-              <a:t>1/20/15</a:t>
+              <a:t>1/21/16</a:t>
             </a:fld>
             <a:endParaRPr lang="en-US" dirty="0"/>
           </a:p>
@@ -5205,7 +5205,7 @@
           <a:p>
             <a:fld id="{A73F672F-A5FB-5745-934A-1BF51CA5539C}" type="datetime1">
               <a:rPr lang="en-US" smtClean="0"/>
-              <a:t>1/20/15</a:t>
+              <a:t>1/21/16</a:t>
             </a:fld>
             <a:endParaRPr lang="en-US"/>
           </a:p>
@@ -5547,7 +5547,7 @@
             <a:fld id="{FA3C144B-2939-9A49-B014-915EC3E81866}" type="datetime1">
               <a:rPr lang="en-US" smtClean="0"/>
               <a:pPr/>
-              <a:t>1/20/15</a:t>
+              <a:t>1/21/16</a:t>
             </a:fld>
             <a:endParaRPr lang="en-US" dirty="0"/>
           </a:p>
@@ -6011,7 +6011,7 @@
           <a:p>
             <a:fld id="{6AFE6A63-5EBE-3E48-B0AE-DF655A1ECE76}" type="datetime1">
               <a:rPr lang="en-US" smtClean="0"/>
-              <a:t>1/20/15</a:t>
+              <a:t>1/21/16</a:t>
             </a:fld>
             <a:endParaRPr lang="en-US"/>
           </a:p>
@@ -6330,7 +6330,7 @@
           <a:p>
             <a:fld id="{4A019F0C-9D18-B54A-9AC9-18AA74EDB034}" type="datetime1">
               <a:rPr lang="en-US" smtClean="0"/>
-              <a:t>1/20/15</a:t>
+              <a:t>1/21/16</a:t>
             </a:fld>
             <a:endParaRPr lang="en-US"/>
           </a:p>
@@ -6640,7 +6640,7 @@
             <a:fld id="{FA3C144B-2939-9A49-B014-915EC3E81866}" type="datetime1">
               <a:rPr lang="en-US" smtClean="0"/>
               <a:pPr/>
-              <a:t>1/20/15</a:t>
+              <a:t>1/21/16</a:t>
             </a:fld>
             <a:endParaRPr lang="en-US" dirty="0"/>
           </a:p>
@@ -6903,7 +6903,7 @@
           <a:p>
             <a:fld id="{FA3C144B-2939-9A49-B014-915EC3E81866}" type="datetime1">
               <a:rPr lang="en-US" smtClean="0"/>
-              <a:t>1/20/15</a:t>
+              <a:t>1/21/16</a:t>
             </a:fld>
             <a:endParaRPr lang="en-US" dirty="0"/>
           </a:p>
@@ -7271,7 +7271,7 @@
           <a:p>
             <a:fld id="{7053BEFA-1175-F644-B249-7D41D72BD3FF}" type="datetime1">
               <a:rPr lang="en-US" smtClean="0"/>
-              <a:t>1/20/15</a:t>
+              <a:t>1/21/16</a:t>
             </a:fld>
             <a:endParaRPr lang="en-US"/>
           </a:p>
@@ -7390,7 +7390,7 @@
             <a:fld id="{FA3C144B-2939-9A49-B014-915EC3E81866}" type="datetime1">
               <a:rPr lang="en-US" smtClean="0"/>
               <a:pPr/>
-              <a:t>1/20/15</a:t>
+              <a:t>1/21/16</a:t>
             </a:fld>
             <a:endParaRPr lang="en-US" dirty="0"/>
           </a:p>
@@ -7607,7 +7607,7 @@
             <a:fld id="{FA3C144B-2939-9A49-B014-915EC3E81866}" type="datetime1">
               <a:rPr lang="en-US" smtClean="0"/>
               <a:pPr/>
-              <a:t>1/20/15</a:t>
+              <a:t>1/21/16</a:t>
             </a:fld>
             <a:endParaRPr lang="en-US" dirty="0"/>
           </a:p>
@@ -7852,7 +7852,7 @@
             <a:fld id="{FA3C144B-2939-9A49-B014-915EC3E81866}" type="datetime1">
               <a:rPr lang="en-US" smtClean="0"/>
               <a:pPr/>
-              <a:t>1/20/15</a:t>
+              <a:t>1/21/16</a:t>
             </a:fld>
             <a:endParaRPr lang="en-US" dirty="0"/>
           </a:p>
@@ -8230,7 +8230,7 @@
           <a:p>
             <a:fld id="{111EEF3B-ABF2-AA4E-9E24-0C6256942674}" type="datetime1">
               <a:rPr lang="en-US" smtClean="0"/>
-              <a:t>1/20/15</a:t>
+              <a:t>1/21/16</a:t>
             </a:fld>
             <a:endParaRPr lang="en-US"/>
           </a:p>
@@ -8394,7 +8394,7 @@
             <a:fld id="{FA3C144B-2939-9A49-B014-915EC3E81866}" type="datetime1">
               <a:rPr lang="en-US" smtClean="0"/>
               <a:pPr/>
-              <a:t>1/20/15</a:t>
+              <a:t>1/21/16</a:t>
             </a:fld>
             <a:endParaRPr lang="en-US" dirty="0"/>
           </a:p>
@@ -8811,7 +8811,7 @@
             <a:fld id="{FA3C144B-2939-9A49-B014-915EC3E81866}" type="datetime1">
               <a:rPr lang="en-US" smtClean="0"/>
               <a:pPr/>
-              <a:t>1/20/15</a:t>
+              <a:t>1/21/16</a:t>
             </a:fld>
             <a:endParaRPr lang="en-US" dirty="0"/>
           </a:p>
@@ -9127,7 +9127,7 @@
             <a:fld id="{FA3C144B-2939-9A49-B014-915EC3E81866}" type="datetime1">
               <a:rPr lang="en-US" smtClean="0"/>
               <a:pPr/>
-              <a:t>1/20/15</a:t>
+              <a:t>1/21/16</a:t>
             </a:fld>
             <a:endParaRPr lang="en-US" dirty="0"/>
           </a:p>
@@ -9793,7 +9793,7 @@
             <a:fld id="{FA3C144B-2939-9A49-B014-915EC3E81866}" type="datetime1">
               <a:rPr lang="en-US" smtClean="0"/>
               <a:pPr/>
-              <a:t>1/20/15</a:t>
+              <a:t>1/21/16</a:t>
             </a:fld>
             <a:endParaRPr lang="en-US" dirty="0"/>
           </a:p>
@@ -10969,7 +10969,7 @@
           <a:p>
             <a:fld id="{7053BEFA-1175-F644-B249-7D41D72BD3FF}" type="datetime1">
               <a:rPr lang="en-US" smtClean="0"/>
-              <a:t>1/20/15</a:t>
+              <a:t>1/21/16</a:t>
             </a:fld>
             <a:endParaRPr lang="en-US"/>
           </a:p>
@@ -11155,7 +11155,7 @@
           <a:p>
             <a:fld id="{7053BEFA-1175-F644-B249-7D41D72BD3FF}" type="datetime1">
               <a:rPr lang="en-US" smtClean="0"/>
-              <a:t>1/20/15</a:t>
+              <a:t>1/21/16</a:t>
             </a:fld>
             <a:endParaRPr lang="en-US"/>
           </a:p>
@@ -11345,7 +11345,7 @@
           <a:p>
             <a:fld id="{7053BEFA-1175-F644-B249-7D41D72BD3FF}" type="datetime1">
               <a:rPr lang="en-US" smtClean="0"/>
-              <a:t>1/20/15</a:t>
+              <a:t>1/21/16</a:t>
             </a:fld>
             <a:endParaRPr lang="en-US"/>
           </a:p>
@@ -11590,7 +11590,7 @@
           <a:p>
             <a:fld id="{7053BEFA-1175-F644-B249-7D41D72BD3FF}" type="datetime1">
               <a:rPr lang="en-US" smtClean="0"/>
-              <a:t>1/20/15</a:t>
+              <a:t>1/21/16</a:t>
             </a:fld>
             <a:endParaRPr lang="en-US"/>
           </a:p>
@@ -11835,7 +11835,7 @@
           <a:p>
             <a:fld id="{7053BEFA-1175-F644-B249-7D41D72BD3FF}" type="datetime1">
               <a:rPr lang="en-US" smtClean="0"/>
-              <a:t>1/20/15</a:t>
+              <a:t>1/21/16</a:t>
             </a:fld>
             <a:endParaRPr lang="en-US"/>
           </a:p>
@@ -12080,7 +12080,7 @@
           <a:p>
             <a:fld id="{7053BEFA-1175-F644-B249-7D41D72BD3FF}" type="datetime1">
               <a:rPr lang="en-US" smtClean="0"/>
-              <a:t>1/20/15</a:t>
+              <a:t>1/21/16</a:t>
             </a:fld>
             <a:endParaRPr lang="en-US"/>
           </a:p>
@@ -12274,7 +12274,7 @@
           <a:p>
             <a:fld id="{7053BEFA-1175-F644-B249-7D41D72BD3FF}" type="datetime1">
               <a:rPr lang="en-US" smtClean="0"/>
-              <a:t>1/20/15</a:t>
+              <a:t>1/21/16</a:t>
             </a:fld>
             <a:endParaRPr lang="en-US"/>
           </a:p>
@@ -12568,7 +12568,7 @@
           <a:p>
             <a:fld id="{7053BEFA-1175-F644-B249-7D41D72BD3FF}" type="datetime1">
               <a:rPr lang="en-US" smtClean="0"/>
-              <a:t>1/20/15</a:t>
+              <a:t>1/21/16</a:t>
             </a:fld>
             <a:endParaRPr lang="en-US"/>
           </a:p>
@@ -12811,7 +12811,7 @@
           <a:p>
             <a:fld id="{7053BEFA-1175-F644-B249-7D41D72BD3FF}" type="datetime1">
               <a:rPr lang="en-US" smtClean="0"/>
-              <a:t>1/20/15</a:t>
+              <a:t>1/21/16</a:t>
             </a:fld>
             <a:endParaRPr lang="en-US"/>
           </a:p>
@@ -13110,7 +13110,7 @@
           <a:p>
             <a:fld id="{7053BEFA-1175-F644-B249-7D41D72BD3FF}" type="datetime1">
               <a:rPr lang="en-US" smtClean="0"/>
-              <a:t>1/20/15</a:t>
+              <a:t>1/21/16</a:t>
             </a:fld>
             <a:endParaRPr lang="en-US"/>
           </a:p>
@@ -13242,9 +13242,14 @@
               <a:buNone/>
             </a:pPr>
             <a:r>
-              <a:rPr lang="en-US" dirty="0" smtClean="0"/>
-              <a:t>jmankoff-byte2.appspot.com</a:t>
-            </a:r>
+              <a:rPr lang="en-US" dirty="0" err="1" smtClean="0"/>
+              <a:t>jmankoff</a:t>
+            </a:r>
+            <a:r>
+              <a:rPr lang="en-US" dirty="0" err="1" smtClean="0"/>
+              <a:t>-explore.appspot.com</a:t>
+            </a:r>
+            <a:endParaRPr lang="en-US" dirty="0" smtClean="0"/>
           </a:p>
           <a:p>
             <a:pPr marL="0" indent="0">
@@ -13331,7 +13336,7 @@
           <a:p>
             <a:fld id="{7053BEFA-1175-F644-B249-7D41D72BD3FF}" type="datetime1">
               <a:rPr lang="en-US" smtClean="0"/>
-              <a:t>1/20/15</a:t>
+              <a:t>1/21/16</a:t>
             </a:fld>
             <a:endParaRPr lang="en-US"/>
           </a:p>
@@ -13600,7 +13605,7 @@
           <a:p>
             <a:fld id="{7053BEFA-1175-F644-B249-7D41D72BD3FF}" type="datetime1">
               <a:rPr lang="en-US" smtClean="0"/>
-              <a:t>1/20/15</a:t>
+              <a:t>1/21/16</a:t>
             </a:fld>
             <a:endParaRPr lang="en-US"/>
           </a:p>
@@ -13920,7 +13925,7 @@
           <a:p>
             <a:fld id="{7053BEFA-1175-F644-B249-7D41D72BD3FF}" type="datetime1">
               <a:rPr lang="en-US" smtClean="0"/>
-              <a:t>1/20/15</a:t>
+              <a:t>1/21/16</a:t>
             </a:fld>
             <a:endParaRPr lang="en-US"/>
           </a:p>
@@ -14207,7 +14212,7 @@
           <a:p>
             <a:fld id="{7053BEFA-1175-F644-B249-7D41D72BD3FF}" type="datetime1">
               <a:rPr lang="en-US" smtClean="0"/>
-              <a:t>1/20/15</a:t>
+              <a:t>1/21/16</a:t>
             </a:fld>
             <a:endParaRPr lang="en-US"/>
           </a:p>
@@ -14417,7 +14422,7 @@
           <a:p>
             <a:fld id="{7053BEFA-1175-F644-B249-7D41D72BD3FF}" type="datetime1">
               <a:rPr lang="en-US" smtClean="0"/>
-              <a:t>1/20/15</a:t>
+              <a:t>1/21/16</a:t>
             </a:fld>
             <a:endParaRPr lang="en-US"/>
           </a:p>
@@ -14664,7 +14669,7 @@
           <a:p>
             <a:fld id="{7053BEFA-1175-F644-B249-7D41D72BD3FF}" type="datetime1">
               <a:rPr lang="en-US" smtClean="0"/>
-              <a:t>1/20/15</a:t>
+              <a:t>1/21/16</a:t>
             </a:fld>
             <a:endParaRPr lang="en-US"/>
           </a:p>
@@ -14922,7 +14927,7 @@
           <a:p>
             <a:fld id="{7053BEFA-1175-F644-B249-7D41D72BD3FF}" type="datetime1">
               <a:rPr lang="en-US" smtClean="0"/>
-              <a:t>1/20/15</a:t>
+              <a:t>1/21/16</a:t>
             </a:fld>
             <a:endParaRPr lang="en-US"/>
           </a:p>
@@ -15169,7 +15174,7 @@
           <a:p>
             <a:fld id="{7053BEFA-1175-F644-B249-7D41D72BD3FF}" type="datetime1">
               <a:rPr lang="en-US" smtClean="0"/>
-              <a:t>1/20/15</a:t>
+              <a:t>1/21/16</a:t>
             </a:fld>
             <a:endParaRPr lang="en-US"/>
           </a:p>
@@ -15476,7 +15481,7 @@
           <a:p>
             <a:fld id="{7053BEFA-1175-F644-B249-7D41D72BD3FF}" type="datetime1">
               <a:rPr lang="en-US" smtClean="0"/>
-              <a:t>1/20/15</a:t>
+              <a:t>1/21/16</a:t>
             </a:fld>
             <a:endParaRPr lang="en-US"/>
           </a:p>
@@ -15624,7 +15629,12 @@
             <p:ph idx="1"/>
           </p:nvPr>
         </p:nvSpPr>
-        <p:spPr/>
+        <p:spPr>
+          <a:xfrm>
+            <a:off x="1128943" y="1707993"/>
+            <a:ext cx="7048804" cy="4379976"/>
+          </a:xfrm>
+        </p:spPr>
         <p:txBody>
           <a:bodyPr/>
           <a:lstStyle/>
@@ -15705,6 +15715,23 @@
             </a:r>
             <a:endParaRPr lang="en-US" sz="1800" dirty="0"/>
           </a:p>
+          <a:p>
+            <a:pPr marL="0" indent="0">
+              <a:buNone/>
+            </a:pPr>
+            <a:r>
+              <a:rPr lang="en-US" sz="2400" dirty="0" smtClean="0"/>
+              <a:t>Answers could include text, hand drawn images, </a:t>
+            </a:r>
+            <a:r>
+              <a:rPr lang="en-US" sz="2400" dirty="0" err="1" smtClean="0"/>
+              <a:t>pyplot</a:t>
+            </a:r>
+            <a:r>
+              <a:rPr lang="en-US" sz="2400" dirty="0" smtClean="0"/>
+              <a:t> images, even interactive graphics</a:t>
+            </a:r>
+          </a:p>
         </p:txBody>
       </p:sp>
       <p:sp>
@@ -15724,7 +15751,7 @@
           <a:p>
             <a:fld id="{7053BEFA-1175-F644-B249-7D41D72BD3FF}" type="datetime1">
               <a:rPr lang="en-US" smtClean="0"/>
-              <a:t>1/20/15</a:t>
+              <a:t>1/21/16</a:t>
             </a:fld>
             <a:endParaRPr lang="en-US"/>
           </a:p>
@@ -15909,7 +15936,7 @@
           <a:p>
             <a:fld id="{7053BEFA-1175-F644-B249-7D41D72BD3FF}" type="datetime1">
               <a:rPr lang="en-US" smtClean="0"/>
-              <a:t>1/20/15</a:t>
+              <a:t>1/21/16</a:t>
             </a:fld>
             <a:endParaRPr lang="en-US"/>
           </a:p>
@@ -16143,7 +16170,7 @@
           <a:p>
             <a:fld id="{7053BEFA-1175-F644-B249-7D41D72BD3FF}" type="datetime1">
               <a:rPr lang="en-US" smtClean="0"/>
-              <a:t>1/20/15</a:t>
+              <a:t>1/21/16</a:t>
             </a:fld>
             <a:endParaRPr lang="en-US"/>
           </a:p>
@@ -16300,7 +16327,7 @@
           <a:p>
             <a:fld id="{7053BEFA-1175-F644-B249-7D41D72BD3FF}" type="datetime1">
               <a:rPr lang="en-US" smtClean="0"/>
-              <a:t>1/20/15</a:t>
+              <a:t>1/21/16</a:t>
             </a:fld>
             <a:endParaRPr lang="en-US"/>
           </a:p>
@@ -16472,7 +16499,7 @@
           <a:p>
             <a:fld id="{7053BEFA-1175-F644-B249-7D41D72BD3FF}" type="datetime1">
               <a:rPr lang="en-US" smtClean="0"/>
-              <a:t>1/20/15</a:t>
+              <a:t>1/21/16</a:t>
             </a:fld>
             <a:endParaRPr lang="en-US"/>
           </a:p>
@@ -16691,7 +16718,7 @@
           <a:p>
             <a:fld id="{7053BEFA-1175-F644-B249-7D41D72BD3FF}" type="datetime1">
               <a:rPr lang="en-US" smtClean="0"/>
-              <a:t>1/20/15</a:t>
+              <a:t>1/21/16</a:t>
             </a:fld>
             <a:endParaRPr lang="en-US"/>
           </a:p>
@@ -17035,7 +17062,7 @@
           <a:p>
             <a:fld id="{7053BEFA-1175-F644-B249-7D41D72BD3FF}" type="datetime1">
               <a:rPr lang="en-US" smtClean="0"/>
-              <a:t>1/20/15</a:t>
+              <a:t>1/21/16</a:t>
             </a:fld>
             <a:endParaRPr lang="en-US"/>
           </a:p>
@@ -17327,7 +17354,7 @@
           <a:p>
             <a:fld id="{7053BEFA-1175-F644-B249-7D41D72BD3FF}" type="datetime1">
               <a:rPr lang="en-US" smtClean="0"/>
-              <a:t>1/20/15</a:t>
+              <a:t>1/21/16</a:t>
             </a:fld>
             <a:endParaRPr lang="en-US"/>
           </a:p>
@@ -17955,7 +17982,7 @@
           <a:p>
             <a:fld id="{7053BEFA-1175-F644-B249-7D41D72BD3FF}" type="datetime1">
               <a:rPr lang="en-US" smtClean="0"/>
-              <a:t>1/20/15</a:t>
+              <a:t>1/21/16</a:t>
             </a:fld>
             <a:endParaRPr lang="en-US"/>
           </a:p>
@@ -18122,7 +18149,7 @@
           <a:p>
             <a:fld id="{7053BEFA-1175-F644-B249-7D41D72BD3FF}" type="datetime1">
               <a:rPr lang="en-US" smtClean="0"/>
-              <a:t>1/20/15</a:t>
+              <a:t>1/21/16</a:t>
             </a:fld>
             <a:endParaRPr lang="en-US"/>
           </a:p>

--- a/Lectures/Byte 2.pptx
+++ b/Lectures/Byte 2.pptx
@@ -5,10 +5,10 @@
     <p:sldMasterId id="2147483648" r:id="rId1"/>
   </p:sldMasterIdLst>
   <p:notesMasterIdLst>
-    <p:notesMasterId r:id="rId32"/>
+    <p:notesMasterId r:id="rId31"/>
   </p:notesMasterIdLst>
   <p:handoutMasterIdLst>
-    <p:handoutMasterId r:id="rId33"/>
+    <p:handoutMasterId r:id="rId32"/>
   </p:handoutMasterIdLst>
   <p:sldIdLst>
     <p:sldId id="256" r:id="rId2"/>
@@ -39,8 +39,7 @@
     <p:sldId id="428" r:id="rId27"/>
     <p:sldId id="429" r:id="rId28"/>
     <p:sldId id="440" r:id="rId29"/>
-    <p:sldId id="441" r:id="rId30"/>
-    <p:sldId id="442" r:id="rId31"/>
+    <p:sldId id="442" r:id="rId30"/>
   </p:sldIdLst>
   <p:sldSz cx="9144000" cy="6858000" type="screen4x3"/>
   <p:notesSz cx="6858000" cy="9144000"/>
@@ -3056,7 +3055,7 @@
           <a:p>
             <a:fld id="{D3AAB66F-B1B7-D045-B4E8-4F60236F228D}" type="datetimeFigureOut">
               <a:rPr lang="en-US" smtClean="0"/>
-              <a:t>1/21/16</a:t>
+              <a:t>1/29/16</a:t>
             </a:fld>
             <a:endParaRPr lang="en-US"/>
           </a:p>
@@ -3222,7 +3221,7 @@
           <a:p>
             <a:fld id="{BCCF8E76-06A6-164E-A6FA-EC32C13EB232}" type="datetimeFigureOut">
               <a:rPr lang="en-US" smtClean="0"/>
-              <a:t>1/21/16</a:t>
+              <a:t>1/29/16</a:t>
             </a:fld>
             <a:endParaRPr lang="en-US"/>
           </a:p>
@@ -4008,7 +4007,7 @@
             <a:fld id="{FA3C144B-2939-9A49-B014-915EC3E81866}" type="datetime1">
               <a:rPr lang="en-US" smtClean="0"/>
               <a:pPr/>
-              <a:t>1/21/16</a:t>
+              <a:t>1/29/16</a:t>
             </a:fld>
             <a:endParaRPr lang="en-US" dirty="0"/>
           </a:p>
@@ -4437,7 +4436,7 @@
           <a:p>
             <a:fld id="{76838339-A875-5E45-AB3F-AAABD270346A}" type="datetime1">
               <a:rPr lang="en-US" smtClean="0"/>
-              <a:t>1/21/16</a:t>
+              <a:t>1/29/16</a:t>
             </a:fld>
             <a:endParaRPr lang="en-US"/>
           </a:p>
@@ -4723,7 +4722,7 @@
             <a:fld id="{FA3C144B-2939-9A49-B014-915EC3E81866}" type="datetime1">
               <a:rPr lang="en-US" smtClean="0"/>
               <a:pPr/>
-              <a:t>1/21/16</a:t>
+              <a:t>1/29/16</a:t>
             </a:fld>
             <a:endParaRPr lang="en-US" dirty="0"/>
           </a:p>
@@ -5205,7 +5204,7 @@
           <a:p>
             <a:fld id="{A73F672F-A5FB-5745-934A-1BF51CA5539C}" type="datetime1">
               <a:rPr lang="en-US" smtClean="0"/>
-              <a:t>1/21/16</a:t>
+              <a:t>1/29/16</a:t>
             </a:fld>
             <a:endParaRPr lang="en-US"/>
           </a:p>
@@ -5547,7 +5546,7 @@
             <a:fld id="{FA3C144B-2939-9A49-B014-915EC3E81866}" type="datetime1">
               <a:rPr lang="en-US" smtClean="0"/>
               <a:pPr/>
-              <a:t>1/21/16</a:t>
+              <a:t>1/29/16</a:t>
             </a:fld>
             <a:endParaRPr lang="en-US" dirty="0"/>
           </a:p>
@@ -6011,7 +6010,7 @@
           <a:p>
             <a:fld id="{6AFE6A63-5EBE-3E48-B0AE-DF655A1ECE76}" type="datetime1">
               <a:rPr lang="en-US" smtClean="0"/>
-              <a:t>1/21/16</a:t>
+              <a:t>1/29/16</a:t>
             </a:fld>
             <a:endParaRPr lang="en-US"/>
           </a:p>
@@ -6330,7 +6329,7 @@
           <a:p>
             <a:fld id="{4A019F0C-9D18-B54A-9AC9-18AA74EDB034}" type="datetime1">
               <a:rPr lang="en-US" smtClean="0"/>
-              <a:t>1/21/16</a:t>
+              <a:t>1/29/16</a:t>
             </a:fld>
             <a:endParaRPr lang="en-US"/>
           </a:p>
@@ -6640,7 +6639,7 @@
             <a:fld id="{FA3C144B-2939-9A49-B014-915EC3E81866}" type="datetime1">
               <a:rPr lang="en-US" smtClean="0"/>
               <a:pPr/>
-              <a:t>1/21/16</a:t>
+              <a:t>1/29/16</a:t>
             </a:fld>
             <a:endParaRPr lang="en-US" dirty="0"/>
           </a:p>
@@ -6903,7 +6902,7 @@
           <a:p>
             <a:fld id="{FA3C144B-2939-9A49-B014-915EC3E81866}" type="datetime1">
               <a:rPr lang="en-US" smtClean="0"/>
-              <a:t>1/21/16</a:t>
+              <a:t>1/29/16</a:t>
             </a:fld>
             <a:endParaRPr lang="en-US" dirty="0"/>
           </a:p>
@@ -7271,7 +7270,7 @@
           <a:p>
             <a:fld id="{7053BEFA-1175-F644-B249-7D41D72BD3FF}" type="datetime1">
               <a:rPr lang="en-US" smtClean="0"/>
-              <a:t>1/21/16</a:t>
+              <a:t>1/29/16</a:t>
             </a:fld>
             <a:endParaRPr lang="en-US"/>
           </a:p>
@@ -7390,7 +7389,7 @@
             <a:fld id="{FA3C144B-2939-9A49-B014-915EC3E81866}" type="datetime1">
               <a:rPr lang="en-US" smtClean="0"/>
               <a:pPr/>
-              <a:t>1/21/16</a:t>
+              <a:t>1/29/16</a:t>
             </a:fld>
             <a:endParaRPr lang="en-US" dirty="0"/>
           </a:p>
@@ -7607,7 +7606,7 @@
             <a:fld id="{FA3C144B-2939-9A49-B014-915EC3E81866}" type="datetime1">
               <a:rPr lang="en-US" smtClean="0"/>
               <a:pPr/>
-              <a:t>1/21/16</a:t>
+              <a:t>1/29/16</a:t>
             </a:fld>
             <a:endParaRPr lang="en-US" dirty="0"/>
           </a:p>
@@ -7852,7 +7851,7 @@
             <a:fld id="{FA3C144B-2939-9A49-B014-915EC3E81866}" type="datetime1">
               <a:rPr lang="en-US" smtClean="0"/>
               <a:pPr/>
-              <a:t>1/21/16</a:t>
+              <a:t>1/29/16</a:t>
             </a:fld>
             <a:endParaRPr lang="en-US" dirty="0"/>
           </a:p>
@@ -8230,7 +8229,7 @@
           <a:p>
             <a:fld id="{111EEF3B-ABF2-AA4E-9E24-0C6256942674}" type="datetime1">
               <a:rPr lang="en-US" smtClean="0"/>
-              <a:t>1/21/16</a:t>
+              <a:t>1/29/16</a:t>
             </a:fld>
             <a:endParaRPr lang="en-US"/>
           </a:p>
@@ -8394,7 +8393,7 @@
             <a:fld id="{FA3C144B-2939-9A49-B014-915EC3E81866}" type="datetime1">
               <a:rPr lang="en-US" smtClean="0"/>
               <a:pPr/>
-              <a:t>1/21/16</a:t>
+              <a:t>1/29/16</a:t>
             </a:fld>
             <a:endParaRPr lang="en-US" dirty="0"/>
           </a:p>
@@ -8811,7 +8810,7 @@
             <a:fld id="{FA3C144B-2939-9A49-B014-915EC3E81866}" type="datetime1">
               <a:rPr lang="en-US" smtClean="0"/>
               <a:pPr/>
-              <a:t>1/21/16</a:t>
+              <a:t>1/29/16</a:t>
             </a:fld>
             <a:endParaRPr lang="en-US" dirty="0"/>
           </a:p>
@@ -9127,7 +9126,7 @@
             <a:fld id="{FA3C144B-2939-9A49-B014-915EC3E81866}" type="datetime1">
               <a:rPr lang="en-US" smtClean="0"/>
               <a:pPr/>
-              <a:t>1/21/16</a:t>
+              <a:t>1/29/16</a:t>
             </a:fld>
             <a:endParaRPr lang="en-US" dirty="0"/>
           </a:p>
@@ -9793,7 +9792,7 @@
             <a:fld id="{FA3C144B-2939-9A49-B014-915EC3E81866}" type="datetime1">
               <a:rPr lang="en-US" smtClean="0"/>
               <a:pPr/>
-              <a:t>1/21/16</a:t>
+              <a:t>1/29/16</a:t>
             </a:fld>
             <a:endParaRPr lang="en-US" dirty="0"/>
           </a:p>
@@ -10969,7 +10968,7 @@
           <a:p>
             <a:fld id="{7053BEFA-1175-F644-B249-7D41D72BD3FF}" type="datetime1">
               <a:rPr lang="en-US" smtClean="0"/>
-              <a:t>1/21/16</a:t>
+              <a:t>1/29/16</a:t>
             </a:fld>
             <a:endParaRPr lang="en-US"/>
           </a:p>
@@ -11155,7 +11154,7 @@
           <a:p>
             <a:fld id="{7053BEFA-1175-F644-B249-7D41D72BD3FF}" type="datetime1">
               <a:rPr lang="en-US" smtClean="0"/>
-              <a:t>1/21/16</a:t>
+              <a:t>1/29/16</a:t>
             </a:fld>
             <a:endParaRPr lang="en-US"/>
           </a:p>
@@ -11345,7 +11344,7 @@
           <a:p>
             <a:fld id="{7053BEFA-1175-F644-B249-7D41D72BD3FF}" type="datetime1">
               <a:rPr lang="en-US" smtClean="0"/>
-              <a:t>1/21/16</a:t>
+              <a:t>1/29/16</a:t>
             </a:fld>
             <a:endParaRPr lang="en-US"/>
           </a:p>
@@ -11590,7 +11589,7 @@
           <a:p>
             <a:fld id="{7053BEFA-1175-F644-B249-7D41D72BD3FF}" type="datetime1">
               <a:rPr lang="en-US" smtClean="0"/>
-              <a:t>1/21/16</a:t>
+              <a:t>1/29/16</a:t>
             </a:fld>
             <a:endParaRPr lang="en-US"/>
           </a:p>
@@ -11835,7 +11834,7 @@
           <a:p>
             <a:fld id="{7053BEFA-1175-F644-B249-7D41D72BD3FF}" type="datetime1">
               <a:rPr lang="en-US" smtClean="0"/>
-              <a:t>1/21/16</a:t>
+              <a:t>1/29/16</a:t>
             </a:fld>
             <a:endParaRPr lang="en-US"/>
           </a:p>
@@ -12080,7 +12079,7 @@
           <a:p>
             <a:fld id="{7053BEFA-1175-F644-B249-7D41D72BD3FF}" type="datetime1">
               <a:rPr lang="en-US" smtClean="0"/>
-              <a:t>1/21/16</a:t>
+              <a:t>1/29/16</a:t>
             </a:fld>
             <a:endParaRPr lang="en-US"/>
           </a:p>
@@ -12274,7 +12273,7 @@
           <a:p>
             <a:fld id="{7053BEFA-1175-F644-B249-7D41D72BD3FF}" type="datetime1">
               <a:rPr lang="en-US" smtClean="0"/>
-              <a:t>1/21/16</a:t>
+              <a:t>1/29/16</a:t>
             </a:fld>
             <a:endParaRPr lang="en-US"/>
           </a:p>
@@ -12568,7 +12567,7 @@
           <a:p>
             <a:fld id="{7053BEFA-1175-F644-B249-7D41D72BD3FF}" type="datetime1">
               <a:rPr lang="en-US" smtClean="0"/>
-              <a:t>1/21/16</a:t>
+              <a:t>1/29/16</a:t>
             </a:fld>
             <a:endParaRPr lang="en-US"/>
           </a:p>
@@ -12811,7 +12810,7 @@
           <a:p>
             <a:fld id="{7053BEFA-1175-F644-B249-7D41D72BD3FF}" type="datetime1">
               <a:rPr lang="en-US" smtClean="0"/>
-              <a:t>1/21/16</a:t>
+              <a:t>1/29/16</a:t>
             </a:fld>
             <a:endParaRPr lang="en-US"/>
           </a:p>
@@ -13110,7 +13109,7 @@
           <a:p>
             <a:fld id="{7053BEFA-1175-F644-B249-7D41D72BD3FF}" type="datetime1">
               <a:rPr lang="en-US" smtClean="0"/>
-              <a:t>1/21/16</a:t>
+              <a:t>1/29/16</a:t>
             </a:fld>
             <a:endParaRPr lang="en-US"/>
           </a:p>
@@ -13243,11 +13242,7 @@
             </a:pPr>
             <a:r>
               <a:rPr lang="en-US" dirty="0" err="1" smtClean="0"/>
-              <a:t>jmankoff</a:t>
-            </a:r>
-            <a:r>
-              <a:rPr lang="en-US" dirty="0" err="1" smtClean="0"/>
-              <a:t>-explore.appspot.com</a:t>
+              <a:t>jmankoff-explore.appspot.com</a:t>
             </a:r>
             <a:endParaRPr lang="en-US" dirty="0" smtClean="0"/>
           </a:p>
@@ -13336,7 +13331,7 @@
           <a:p>
             <a:fld id="{7053BEFA-1175-F644-B249-7D41D72BD3FF}" type="datetime1">
               <a:rPr lang="en-US" smtClean="0"/>
-              <a:t>1/21/16</a:t>
+              <a:t>1/29/16</a:t>
             </a:fld>
             <a:endParaRPr lang="en-US"/>
           </a:p>
@@ -13605,7 +13600,7 @@
           <a:p>
             <a:fld id="{7053BEFA-1175-F644-B249-7D41D72BD3FF}" type="datetime1">
               <a:rPr lang="en-US" smtClean="0"/>
-              <a:t>1/21/16</a:t>
+              <a:t>1/29/16</a:t>
             </a:fld>
             <a:endParaRPr lang="en-US"/>
           </a:p>
@@ -13925,7 +13920,7 @@
           <a:p>
             <a:fld id="{7053BEFA-1175-F644-B249-7D41D72BD3FF}" type="datetime1">
               <a:rPr lang="en-US" smtClean="0"/>
-              <a:t>1/21/16</a:t>
+              <a:t>1/29/16</a:t>
             </a:fld>
             <a:endParaRPr lang="en-US"/>
           </a:p>
@@ -14212,7 +14207,7 @@
           <a:p>
             <a:fld id="{7053BEFA-1175-F644-B249-7D41D72BD3FF}" type="datetime1">
               <a:rPr lang="en-US" smtClean="0"/>
-              <a:t>1/21/16</a:t>
+              <a:t>1/29/16</a:t>
             </a:fld>
             <a:endParaRPr lang="en-US"/>
           </a:p>
@@ -14422,7 +14417,7 @@
           <a:p>
             <a:fld id="{7053BEFA-1175-F644-B249-7D41D72BD3FF}" type="datetime1">
               <a:rPr lang="en-US" smtClean="0"/>
-              <a:t>1/21/16</a:t>
+              <a:t>1/29/16</a:t>
             </a:fld>
             <a:endParaRPr lang="en-US"/>
           </a:p>
@@ -14669,7 +14664,7 @@
           <a:p>
             <a:fld id="{7053BEFA-1175-F644-B249-7D41D72BD3FF}" type="datetime1">
               <a:rPr lang="en-US" smtClean="0"/>
-              <a:t>1/21/16</a:t>
+              <a:t>1/29/16</a:t>
             </a:fld>
             <a:endParaRPr lang="en-US"/>
           </a:p>
@@ -14927,7 +14922,7 @@
           <a:p>
             <a:fld id="{7053BEFA-1175-F644-B249-7D41D72BD3FF}" type="datetime1">
               <a:rPr lang="en-US" smtClean="0"/>
-              <a:t>1/21/16</a:t>
+              <a:t>1/29/16</a:t>
             </a:fld>
             <a:endParaRPr lang="en-US"/>
           </a:p>
@@ -15174,7 +15169,7 @@
           <a:p>
             <a:fld id="{7053BEFA-1175-F644-B249-7D41D72BD3FF}" type="datetime1">
               <a:rPr lang="en-US" smtClean="0"/>
-              <a:t>1/21/16</a:t>
+              <a:t>1/29/16</a:t>
             </a:fld>
             <a:endParaRPr lang="en-US"/>
           </a:p>
@@ -15481,7 +15476,7 @@
           <a:p>
             <a:fld id="{7053BEFA-1175-F644-B249-7D41D72BD3FF}" type="datetime1">
               <a:rPr lang="en-US" smtClean="0"/>
-              <a:t>1/21/16</a:t>
+              <a:t>1/29/16</a:t>
             </a:fld>
             <a:endParaRPr lang="en-US"/>
           </a:p>
@@ -15751,7 +15746,7 @@
           <a:p>
             <a:fld id="{7053BEFA-1175-F644-B249-7D41D72BD3FF}" type="datetime1">
               <a:rPr lang="en-US" smtClean="0"/>
-              <a:t>1/21/16</a:t>
+              <a:t>1/29/16</a:t>
             </a:fld>
             <a:endParaRPr lang="en-US"/>
           </a:p>
@@ -15853,7 +15848,7 @@
           <a:p>
             <a:r>
               <a:rPr lang="en-US" dirty="0" smtClean="0"/>
-              <a:t>What does the Summary not tell you?</a:t>
+              <a:t>Can you use a different data set?</a:t>
             </a:r>
             <a:endParaRPr lang="en-US" dirty="0"/>
           </a:p>
@@ -15874,48 +15869,20 @@
           <a:bodyPr/>
           <a:lstStyle/>
           <a:p>
-            <a:pPr marL="0" indent="0">
-              <a:buNone/>
-            </a:pPr>
-            <a:r>
-              <a:rPr lang="en-US" sz="2400" dirty="0" smtClean="0"/>
-              <a:t>Loses all information about the relationships across columns (</a:t>
-            </a:r>
-            <a:r>
-              <a:rPr lang="en-US" sz="2400" i="1" dirty="0" smtClean="0"/>
-              <a:t>i.e.</a:t>
-            </a:r>
-            <a:r>
-              <a:rPr lang="en-US" sz="2400" dirty="0" smtClean="0"/>
-              <a:t> the relationship between age and outcome; zip found and zip lost; and so on)</a:t>
-            </a:r>
-          </a:p>
-          <a:p>
-            <a:pPr marL="0" indent="0">
-              <a:buNone/>
-            </a:pPr>
-            <a:endParaRPr lang="en-US" sz="2400" dirty="0"/>
-          </a:p>
-          <a:p>
-            <a:pPr marL="0" indent="0">
-              <a:buNone/>
-            </a:pPr>
-            <a:r>
-              <a:rPr lang="en-US" sz="2400" dirty="0" smtClean="0"/>
-              <a:t>You may need to change this to explore coherence &amp;  correctness</a:t>
-            </a:r>
-          </a:p>
-          <a:p>
-            <a:pPr marL="0" indent="0">
-              <a:buNone/>
-            </a:pPr>
-            <a:endParaRPr lang="en-US" dirty="0" smtClean="0"/>
-          </a:p>
-          <a:p>
-            <a:pPr marL="0" indent="0">
-              <a:buNone/>
-            </a:pPr>
-            <a:endParaRPr lang="en-US" dirty="0"/>
+            <a:r>
+              <a:rPr lang="en-US" dirty="0" smtClean="0"/>
+              <a:t>Absolutely</a:t>
+            </a:r>
+          </a:p>
+          <a:p>
+            <a:r>
+              <a:rPr lang="en-US" dirty="0" smtClean="0"/>
+              <a:t>Recommend </a:t>
+            </a:r>
+            <a:r>
+              <a:rPr lang="en-US" dirty="0" smtClean="0"/>
+              <a:t>you choose one that is on fusion tables or that you can upload there, if you go somewhere else.</a:t>
+            </a:r>
           </a:p>
         </p:txBody>
       </p:sp>
@@ -15936,7 +15903,7 @@
           <a:p>
             <a:fld id="{7053BEFA-1175-F644-B249-7D41D72BD3FF}" type="datetime1">
               <a:rPr lang="en-US" smtClean="0"/>
-              <a:t>1/21/16</a:t>
+              <a:t>1/29/16</a:t>
             </a:fld>
             <a:endParaRPr lang="en-US"/>
           </a:p>
@@ -15987,7 +15954,7 @@
     </p:spTree>
     <p:extLst>
       <p:ext uri="{BB962C8B-B14F-4D97-AF65-F5344CB8AC3E}">
-        <p14:creationId xmlns:p14="http://schemas.microsoft.com/office/powerpoint/2010/main" val="3933780732"/>
+        <p14:creationId xmlns:p14="http://schemas.microsoft.com/office/powerpoint/2010/main" val="722875037"/>
       </p:ext>
     </p:extLst>
   </p:cSld>
@@ -16170,7 +16137,7 @@
           <a:p>
             <a:fld id="{7053BEFA-1175-F644-B249-7D41D72BD3FF}" type="datetime1">
               <a:rPr lang="en-US" smtClean="0"/>
-              <a:t>1/21/16</a:t>
+              <a:t>1/29/16</a:t>
             </a:fld>
             <a:endParaRPr lang="en-US"/>
           </a:p>
@@ -16222,163 +16189,6 @@
     <p:extLst>
       <p:ext uri="{BB962C8B-B14F-4D97-AF65-F5344CB8AC3E}">
         <p14:creationId xmlns:p14="http://schemas.microsoft.com/office/powerpoint/2010/main" val="3261230130"/>
-      </p:ext>
-    </p:extLst>
-  </p:cSld>
-  <p:clrMapOvr>
-    <a:masterClrMapping/>
-  </p:clrMapOvr>
-  <p:timing>
-    <p:tnLst>
-      <p:par>
-        <p:cTn xmlns:p14="http://schemas.microsoft.com/office/powerpoint/2010/main" id="1" dur="indefinite" restart="never" nodeType="tmRoot"/>
-      </p:par>
-    </p:tnLst>
-  </p:timing>
-</p:sld>
-</file>
-
-<file path=ppt/slides/slide30.xml><?xml version="1.0" encoding="utf-8"?>
-<p:sld xmlns:a="http://schemas.openxmlformats.org/drawingml/2006/main" xmlns:r="http://schemas.openxmlformats.org/officeDocument/2006/relationships" xmlns:p="http://schemas.openxmlformats.org/presentationml/2006/main">
-  <p:cSld>
-    <p:spTree>
-      <p:nvGrpSpPr>
-        <p:cNvPr id="1" name=""/>
-        <p:cNvGrpSpPr/>
-        <p:nvPr/>
-      </p:nvGrpSpPr>
-      <p:grpSpPr>
-        <a:xfrm>
-          <a:off x="0" y="0"/>
-          <a:ext cx="0" cy="0"/>
-          <a:chOff x="0" y="0"/>
-          <a:chExt cx="0" cy="0"/>
-        </a:xfrm>
-      </p:grpSpPr>
-      <p:sp>
-        <p:nvSpPr>
-          <p:cNvPr id="2" name="Title 1"/>
-          <p:cNvSpPr>
-            <a:spLocks noGrp="1"/>
-          </p:cNvSpPr>
-          <p:nvPr>
-            <p:ph type="title"/>
-          </p:nvPr>
-        </p:nvSpPr>
-        <p:spPr/>
-        <p:txBody>
-          <a:bodyPr/>
-          <a:lstStyle/>
-          <a:p>
-            <a:r>
-              <a:rPr lang="en-US" dirty="0" smtClean="0"/>
-              <a:t>Can you use a different data set?</a:t>
-            </a:r>
-            <a:endParaRPr lang="en-US" dirty="0"/>
-          </a:p>
-        </p:txBody>
-      </p:sp>
-      <p:sp>
-        <p:nvSpPr>
-          <p:cNvPr id="3" name="Content Placeholder 2"/>
-          <p:cNvSpPr>
-            <a:spLocks noGrp="1"/>
-          </p:cNvSpPr>
-          <p:nvPr>
-            <p:ph idx="1"/>
-          </p:nvPr>
-        </p:nvSpPr>
-        <p:spPr/>
-        <p:txBody>
-          <a:bodyPr/>
-          <a:lstStyle/>
-          <a:p>
-            <a:r>
-              <a:rPr lang="en-US" dirty="0" smtClean="0"/>
-              <a:t>Absolutely, with instructor approval</a:t>
-            </a:r>
-          </a:p>
-          <a:p>
-            <a:r>
-              <a:rPr lang="en-US" dirty="0" smtClean="0"/>
-              <a:t>Recommend you choose one that is on fusion tables or that you can upload there, if you go </a:t>
-            </a:r>
-            <a:r>
-              <a:rPr lang="en-US" smtClean="0"/>
-              <a:t>somewhere else.</a:t>
-            </a:r>
-          </a:p>
-        </p:txBody>
-      </p:sp>
-      <p:sp>
-        <p:nvSpPr>
-          <p:cNvPr id="4" name="Date Placeholder 3"/>
-          <p:cNvSpPr>
-            <a:spLocks noGrp="1"/>
-          </p:cNvSpPr>
-          <p:nvPr>
-            <p:ph type="dt" sz="half" idx="10"/>
-          </p:nvPr>
-        </p:nvSpPr>
-        <p:spPr/>
-        <p:txBody>
-          <a:bodyPr/>
-          <a:lstStyle/>
-          <a:p>
-            <a:fld id="{7053BEFA-1175-F644-B249-7D41D72BD3FF}" type="datetime1">
-              <a:rPr lang="en-US" smtClean="0"/>
-              <a:t>1/21/16</a:t>
-            </a:fld>
-            <a:endParaRPr lang="en-US"/>
-          </a:p>
-        </p:txBody>
-      </p:sp>
-      <p:sp>
-        <p:nvSpPr>
-          <p:cNvPr id="5" name="Footer Placeholder 4"/>
-          <p:cNvSpPr>
-            <a:spLocks noGrp="1"/>
-          </p:cNvSpPr>
-          <p:nvPr>
-            <p:ph type="ftr" sz="quarter" idx="11"/>
-          </p:nvPr>
-        </p:nvSpPr>
-        <p:spPr/>
-        <p:txBody>
-          <a:bodyPr/>
-          <a:lstStyle/>
-          <a:p>
-            <a:endParaRPr lang="en-US" dirty="0"/>
-          </a:p>
-        </p:txBody>
-      </p:sp>
-      <p:sp>
-        <p:nvSpPr>
-          <p:cNvPr id="6" name="Slide Number Placeholder 5"/>
-          <p:cNvSpPr>
-            <a:spLocks noGrp="1"/>
-          </p:cNvSpPr>
-          <p:nvPr>
-            <p:ph type="sldNum" sz="quarter" idx="12"/>
-          </p:nvPr>
-        </p:nvSpPr>
-        <p:spPr/>
-        <p:txBody>
-          <a:bodyPr/>
-          <a:lstStyle/>
-          <a:p>
-            <a:fld id="{17E276FA-8F89-B34D-A726-BE3FA1F8DD97}" type="slidenum">
-              <a:rPr lang="en-US" smtClean="0"/>
-              <a:t>30</a:t>
-            </a:fld>
-            <a:endParaRPr lang="en-US" dirty="0"/>
-          </a:p>
-        </p:txBody>
-      </p:sp>
-    </p:spTree>
-    <p:extLst>
-      <p:ext uri="{BB962C8B-B14F-4D97-AF65-F5344CB8AC3E}">
-        <p14:creationId xmlns:p14="http://schemas.microsoft.com/office/powerpoint/2010/main" val="722875037"/>
       </p:ext>
     </p:extLst>
   </p:cSld>
@@ -16499,7 +16309,7 @@
           <a:p>
             <a:fld id="{7053BEFA-1175-F644-B249-7D41D72BD3FF}" type="datetime1">
               <a:rPr lang="en-US" smtClean="0"/>
-              <a:t>1/21/16</a:t>
+              <a:t>1/29/16</a:t>
             </a:fld>
             <a:endParaRPr lang="en-US"/>
           </a:p>
@@ -16718,7 +16528,7 @@
           <a:p>
             <a:fld id="{7053BEFA-1175-F644-B249-7D41D72BD3FF}" type="datetime1">
               <a:rPr lang="en-US" smtClean="0"/>
-              <a:t>1/21/16</a:t>
+              <a:t>1/29/16</a:t>
             </a:fld>
             <a:endParaRPr lang="en-US"/>
           </a:p>
@@ -17062,7 +16872,7 @@
           <a:p>
             <a:fld id="{7053BEFA-1175-F644-B249-7D41D72BD3FF}" type="datetime1">
               <a:rPr lang="en-US" smtClean="0"/>
-              <a:t>1/21/16</a:t>
+              <a:t>1/29/16</a:t>
             </a:fld>
             <a:endParaRPr lang="en-US"/>
           </a:p>
@@ -17354,7 +17164,7 @@
           <a:p>
             <a:fld id="{7053BEFA-1175-F644-B249-7D41D72BD3FF}" type="datetime1">
               <a:rPr lang="en-US" smtClean="0"/>
-              <a:t>1/21/16</a:t>
+              <a:t>1/29/16</a:t>
             </a:fld>
             <a:endParaRPr lang="en-US"/>
           </a:p>
@@ -17982,7 +17792,7 @@
           <a:p>
             <a:fld id="{7053BEFA-1175-F644-B249-7D41D72BD3FF}" type="datetime1">
               <a:rPr lang="en-US" smtClean="0"/>
-              <a:t>1/21/16</a:t>
+              <a:t>1/29/16</a:t>
             </a:fld>
             <a:endParaRPr lang="en-US"/>
           </a:p>
@@ -18149,7 +17959,7 @@
           <a:p>
             <a:fld id="{7053BEFA-1175-F644-B249-7D41D72BD3FF}" type="datetime1">
               <a:rPr lang="en-US" smtClean="0"/>
-              <a:t>1/21/16</a:t>
+              <a:t>1/29/16</a:t>
             </a:fld>
             <a:endParaRPr lang="en-US"/>
           </a:p>
